--- a/docs/Deep_Inverse_Q_Learning-chinthaka.pptx
+++ b/docs/Deep_Inverse_Q_Learning-chinthaka.pptx
@@ -5,7 +5,7 @@
     <p:sldMasterId id="2147484033" r:id="rId1"/>
   </p:sldMasterIdLst>
   <p:notesMasterIdLst>
-    <p:notesMasterId r:id="rId20"/>
+    <p:notesMasterId r:id="rId21"/>
   </p:notesMasterIdLst>
   <p:sldIdLst>
     <p:sldId id="256" r:id="rId2"/>
@@ -18,14 +18,15 @@
     <p:sldId id="277" r:id="rId9"/>
     <p:sldId id="269" r:id="rId10"/>
     <p:sldId id="282" r:id="rId11"/>
-    <p:sldId id="278" r:id="rId12"/>
-    <p:sldId id="279" r:id="rId13"/>
-    <p:sldId id="280" r:id="rId14"/>
-    <p:sldId id="281" r:id="rId15"/>
-    <p:sldId id="283" r:id="rId16"/>
-    <p:sldId id="284" r:id="rId17"/>
-    <p:sldId id="285" r:id="rId18"/>
-    <p:sldId id="286" r:id="rId19"/>
+    <p:sldId id="287" r:id="rId12"/>
+    <p:sldId id="278" r:id="rId13"/>
+    <p:sldId id="279" r:id="rId14"/>
+    <p:sldId id="280" r:id="rId15"/>
+    <p:sldId id="281" r:id="rId16"/>
+    <p:sldId id="283" r:id="rId17"/>
+    <p:sldId id="284" r:id="rId18"/>
+    <p:sldId id="285" r:id="rId19"/>
+    <p:sldId id="286" r:id="rId20"/>
   </p:sldIdLst>
   <p:sldSz cx="12192000" cy="6858000"/>
   <p:notesSz cx="6858000" cy="9144000"/>
@@ -214,7 +215,7 @@
           <a:p>
             <a:fld id="{C1228EDD-F92F-8142-B83E-C19EC04F34C9}" type="datetimeFigureOut">
               <a:rPr lang="en-US" smtClean="0"/>
-              <a:t>3/21/23</a:t>
+              <a:t>4/2/23</a:t>
             </a:fld>
             <a:endParaRPr lang="en-US"/>
           </a:p>
@@ -664,7 +665,7 @@
           <a:p>
             <a:fld id="{D8EDCB6C-42F2-304B-AE50-5727A6C827AD}" type="datetime1">
               <a:rPr lang="en-US" smtClean="0"/>
-              <a:t>3/21/23</a:t>
+              <a:t>4/2/23</a:t>
             </a:fld>
             <a:endParaRPr lang="en-US"/>
           </a:p>
@@ -939,7 +940,7 @@
           <a:p>
             <a:fld id="{8C2E2C2F-B67C-274F-8B32-7D2E6E2D91AE}" type="datetime1">
               <a:rPr lang="en-US" smtClean="0"/>
-              <a:t>3/21/23</a:t>
+              <a:t>4/2/23</a:t>
             </a:fld>
             <a:endParaRPr lang="en-US"/>
           </a:p>
@@ -1133,7 +1134,7 @@
           <a:p>
             <a:fld id="{13B825F4-2D21-034C-8123-A55B7B695247}" type="datetime1">
               <a:rPr lang="en-US" smtClean="0"/>
-              <a:t>3/21/23</a:t>
+              <a:t>4/2/23</a:t>
             </a:fld>
             <a:endParaRPr lang="en-US"/>
           </a:p>
@@ -1401,7 +1402,7 @@
           <a:p>
             <a:fld id="{8B9298D0-1221-9E47-B32A-9EFAD3B30C37}" type="datetime1">
               <a:rPr lang="en-US" smtClean="0"/>
-              <a:t>3/21/23</a:t>
+              <a:t>4/2/23</a:t>
             </a:fld>
             <a:endParaRPr lang="en-US"/>
           </a:p>
@@ -1733,7 +1734,7 @@
           <a:p>
             <a:fld id="{2BFE9E1B-3A75-D343-997B-61E2AA256BED}" type="datetime1">
               <a:rPr lang="en-US" smtClean="0"/>
-              <a:t>3/21/23</a:t>
+              <a:t>4/2/23</a:t>
             </a:fld>
             <a:endParaRPr lang="en-US"/>
           </a:p>
@@ -2343,7 +2344,7 @@
           <a:p>
             <a:fld id="{0726AA34-FA58-F145-ABC5-5D36038D5EEA}" type="datetime1">
               <a:rPr lang="en-US" smtClean="0"/>
-              <a:t>3/21/23</a:t>
+              <a:t>4/2/23</a:t>
             </a:fld>
             <a:endParaRPr lang="en-US"/>
           </a:p>
@@ -3190,7 +3191,7 @@
           <a:p>
             <a:fld id="{FDB1009E-2FB6-B948-B944-24C5576F825C}" type="datetime1">
               <a:rPr lang="en-US" smtClean="0"/>
-              <a:t>3/21/23</a:t>
+              <a:t>4/2/23</a:t>
             </a:fld>
             <a:endParaRPr lang="en-US"/>
           </a:p>
@@ -3360,7 +3361,7 @@
           <a:p>
             <a:fld id="{6C8144DB-19F6-074A-BA62-58378F42C4BE}" type="datetime1">
               <a:rPr lang="en-US" smtClean="0"/>
-              <a:t>3/21/23</a:t>
+              <a:t>4/2/23</a:t>
             </a:fld>
             <a:endParaRPr lang="en-US"/>
           </a:p>
@@ -3540,7 +3541,7 @@
           <a:p>
             <a:fld id="{2817B9ED-7423-594E-BE6E-A3DE24DE5122}" type="datetime1">
               <a:rPr lang="en-US" smtClean="0"/>
-              <a:t>3/21/23</a:t>
+              <a:t>4/2/23</a:t>
             </a:fld>
             <a:endParaRPr lang="en-US"/>
           </a:p>
@@ -3710,7 +3711,7 @@
           <a:p>
             <a:fld id="{9F650C93-B8FE-9743-8172-C05957EFB87C}" type="datetime1">
               <a:rPr lang="en-US" smtClean="0"/>
-              <a:t>3/21/23</a:t>
+              <a:t>4/2/23</a:t>
             </a:fld>
             <a:endParaRPr lang="en-US"/>
           </a:p>
@@ -3954,7 +3955,7 @@
           <a:p>
             <a:fld id="{0E931497-0394-FA44-BB05-EDB8BA47A151}" type="datetime1">
               <a:rPr lang="en-US" smtClean="0"/>
-              <a:t>3/21/23</a:t>
+              <a:t>4/2/23</a:t>
             </a:fld>
             <a:endParaRPr lang="en-US"/>
           </a:p>
@@ -4246,7 +4247,7 @@
           <a:p>
             <a:fld id="{592D6688-5440-804E-8E05-3B82E0C1D445}" type="datetime1">
               <a:rPr lang="en-US" smtClean="0"/>
-              <a:t>3/21/23</a:t>
+              <a:t>4/2/23</a:t>
             </a:fld>
             <a:endParaRPr lang="en-US"/>
           </a:p>
@@ -4689,7 +4690,7 @@
           <a:p>
             <a:fld id="{4F653B71-11E0-0446-8ADB-D698B48BEA5A}" type="datetime1">
               <a:rPr lang="en-US" smtClean="0"/>
-              <a:t>3/21/23</a:t>
+              <a:t>4/2/23</a:t>
             </a:fld>
             <a:endParaRPr lang="en-US"/>
           </a:p>
@@ -4812,7 +4813,7 @@
           <a:p>
             <a:fld id="{4842C25E-86BB-2642-864C-49E0B3276656}" type="datetime1">
               <a:rPr lang="en-US" smtClean="0"/>
-              <a:t>3/21/23</a:t>
+              <a:t>4/2/23</a:t>
             </a:fld>
             <a:endParaRPr lang="en-US"/>
           </a:p>
@@ -4907,7 +4908,7 @@
           <a:p>
             <a:fld id="{7C032C44-8D91-B54E-A4CC-25F0E7FE789D}" type="datetime1">
               <a:rPr lang="en-US" smtClean="0"/>
-              <a:t>3/21/23</a:t>
+              <a:t>4/2/23</a:t>
             </a:fld>
             <a:endParaRPr lang="en-US"/>
           </a:p>
@@ -5186,7 +5187,7 @@
           <a:p>
             <a:fld id="{83E86633-25D9-D54C-B119-518F4D9AD4F8}" type="datetime1">
               <a:rPr lang="en-US" smtClean="0"/>
-              <a:t>3/21/23</a:t>
+              <a:t>4/2/23</a:t>
             </a:fld>
             <a:endParaRPr lang="en-US"/>
           </a:p>
@@ -5466,7 +5467,7 @@
           <a:p>
             <a:fld id="{8B597637-AAC0-424F-8CCB-602F6CD5299E}" type="datetime1">
               <a:rPr lang="en-US" smtClean="0"/>
-              <a:t>3/21/23</a:t>
+              <a:t>4/2/23</a:t>
             </a:fld>
             <a:endParaRPr lang="en-US"/>
           </a:p>
@@ -5895,7 +5896,7 @@
           <a:p>
             <a:fld id="{9CB948AF-CD3C-0D44-AC51-010FFFE28289}" type="datetime1">
               <a:rPr lang="en-US" smtClean="0"/>
-              <a:t>3/21/23</a:t>
+              <a:t>4/2/23</a:t>
             </a:fld>
             <a:endParaRPr lang="en-US"/>
           </a:p>
@@ -7222,8 +7223,8 @@
           </a:p>
         </p:txBody>
       </p:sp>
-      <mc:AlternateContent xmlns:mc="http://schemas.openxmlformats.org/markup-compatibility/2006">
-        <mc:Choice xmlns:a14="http://schemas.microsoft.com/office/drawing/2010/main" Requires="a14">
+      <mc:AlternateContent xmlns:mc="http://schemas.openxmlformats.org/markup-compatibility/2006" xmlns:a14="http://schemas.microsoft.com/office/drawing/2010/main">
+        <mc:Choice Requires="a14">
           <p:sp>
             <p:nvSpPr>
               <p:cNvPr id="13" name="TextBox 12">
@@ -7647,7 +7648,7 @@
             </p:txBody>
           </p:sp>
         </mc:Choice>
-        <mc:Fallback>
+        <mc:Fallback xmlns="">
           <p:sp>
             <p:nvSpPr>
               <p:cNvPr id="13" name="TextBox 12">
@@ -7692,8 +7693,8 @@
           </p:sp>
         </mc:Fallback>
       </mc:AlternateContent>
-      <mc:AlternateContent xmlns:mc="http://schemas.openxmlformats.org/markup-compatibility/2006">
-        <mc:Choice xmlns:a14="http://schemas.microsoft.com/office/drawing/2010/main" Requires="a14">
+      <mc:AlternateContent xmlns:mc="http://schemas.openxmlformats.org/markup-compatibility/2006" xmlns:a14="http://schemas.microsoft.com/office/drawing/2010/main">
+        <mc:Choice Requires="a14">
           <p:sp>
             <p:nvSpPr>
               <p:cNvPr id="18" name="TextBox 17">
@@ -7722,7 +7723,6 @@
               </a:bodyPr>
               <a:lstStyle/>
               <a:p>
-                <a:pPr/>
                 <a14:m>
                   <m:oMath xmlns:m="http://schemas.openxmlformats.org/officeDocument/2006/math">
                     <m:sSup>
@@ -7887,7 +7887,7 @@
             </p:txBody>
           </p:sp>
         </mc:Choice>
-        <mc:Fallback>
+        <mc:Fallback xmlns="">
           <p:sp>
             <p:nvSpPr>
               <p:cNvPr id="18" name="TextBox 17">
@@ -7932,8 +7932,8 @@
           </p:sp>
         </mc:Fallback>
       </mc:AlternateContent>
-      <mc:AlternateContent xmlns:mc="http://schemas.openxmlformats.org/markup-compatibility/2006">
-        <mc:Choice xmlns:a14="http://schemas.microsoft.com/office/drawing/2010/main" Requires="a14">
+      <mc:AlternateContent xmlns:mc="http://schemas.openxmlformats.org/markup-compatibility/2006" xmlns:a14="http://schemas.microsoft.com/office/drawing/2010/main">
+        <mc:Choice Requires="a14">
           <p:sp>
             <p:nvSpPr>
               <p:cNvPr id="19" name="TextBox 18">
@@ -8162,7 +8162,7 @@
             </p:txBody>
           </p:sp>
         </mc:Choice>
-        <mc:Fallback>
+        <mc:Fallback xmlns="">
           <p:sp>
             <p:nvSpPr>
               <p:cNvPr id="19" name="TextBox 18">
@@ -8243,8 +8243,8 @@
           </a:prstGeom>
         </p:spPr>
       </p:pic>
-      <mc:AlternateContent xmlns:mc="http://schemas.openxmlformats.org/markup-compatibility/2006">
-        <mc:Choice xmlns:a14="http://schemas.microsoft.com/office/drawing/2010/main" Requires="a14">
+      <mc:AlternateContent xmlns:mc="http://schemas.openxmlformats.org/markup-compatibility/2006" xmlns:a14="http://schemas.microsoft.com/office/drawing/2010/main">
+        <mc:Choice Requires="a14">
           <p:sp>
             <p:nvSpPr>
               <p:cNvPr id="27" name="TextBox 26">
@@ -8771,7 +8771,7 @@
             </p:txBody>
           </p:sp>
         </mc:Choice>
-        <mc:Fallback>
+        <mc:Fallback xmlns="">
           <p:sp>
             <p:nvSpPr>
               <p:cNvPr id="27" name="TextBox 26">
@@ -8921,10 +8921,236 @@
       </p:grpSpPr>
       <p:sp>
         <p:nvSpPr>
-          <p:cNvPr id="3" name="Subtitle 2">
+          <p:cNvPr id="4" name="Subtitle 2">
             <a:extLst>
               <a:ext uri="{FF2B5EF4-FFF2-40B4-BE49-F238E27FC236}">
-                <a16:creationId xmlns:a16="http://schemas.microsoft.com/office/drawing/2014/main" id="{038BE419-BB5F-A1E1-552E-536A04575F45}"/>
+                <a16:creationId xmlns:a16="http://schemas.microsoft.com/office/drawing/2014/main" id="{B4B8C344-B172-9E43-A871-7E8F354FF5DE}"/>
+              </a:ext>
+            </a:extLst>
+          </p:cNvPr>
+          <p:cNvSpPr txBox="1">
+            <a:spLocks/>
+          </p:cNvSpPr>
+          <p:nvPr/>
+        </p:nvSpPr>
+        <p:spPr>
+          <a:xfrm>
+            <a:off x="854500" y="1133551"/>
+            <a:ext cx="10077450" cy="371789"/>
+          </a:xfrm>
+          <a:prstGeom prst="rect">
+            <a:avLst/>
+          </a:prstGeom>
+        </p:spPr>
+        <p:txBody>
+          <a:bodyPr vert="horz" lIns="91440" tIns="45720" rIns="91440" bIns="45720" rtlCol="0">
+            <a:normAutofit/>
+          </a:bodyPr>
+          <a:lstStyle>
+            <a:lvl1pPr marL="0" indent="0" algn="ctr" defTabSz="914400" rtl="0" eaLnBrk="1" latinLnBrk="0" hangingPunct="1">
+              <a:lnSpc>
+                <a:spcPct val="90000"/>
+              </a:lnSpc>
+              <a:spcBef>
+                <a:spcPts val="1000"/>
+              </a:spcBef>
+              <a:buFont typeface="Arial" panose="020B0604020202020204" pitchFamily="34" charset="0"/>
+              <a:buNone/>
+              <a:defRPr sz="2400" kern="1200">
+                <a:solidFill>
+                  <a:schemeClr val="tx1"/>
+                </a:solidFill>
+                <a:latin typeface="+mn-lt"/>
+                <a:ea typeface="+mn-ea"/>
+                <a:cs typeface="+mn-cs"/>
+              </a:defRPr>
+            </a:lvl1pPr>
+            <a:lvl2pPr marL="457200" indent="0" algn="ctr" defTabSz="914400" rtl="0" eaLnBrk="1" latinLnBrk="0" hangingPunct="1">
+              <a:lnSpc>
+                <a:spcPct val="90000"/>
+              </a:lnSpc>
+              <a:spcBef>
+                <a:spcPts val="500"/>
+              </a:spcBef>
+              <a:buFont typeface="Arial" panose="020B0604020202020204" pitchFamily="34" charset="0"/>
+              <a:buNone/>
+              <a:defRPr sz="2000" kern="1200">
+                <a:solidFill>
+                  <a:schemeClr val="tx1"/>
+                </a:solidFill>
+                <a:latin typeface="+mn-lt"/>
+                <a:ea typeface="+mn-ea"/>
+                <a:cs typeface="+mn-cs"/>
+              </a:defRPr>
+            </a:lvl2pPr>
+            <a:lvl3pPr marL="914400" indent="0" algn="ctr" defTabSz="914400" rtl="0" eaLnBrk="1" latinLnBrk="0" hangingPunct="1">
+              <a:lnSpc>
+                <a:spcPct val="90000"/>
+              </a:lnSpc>
+              <a:spcBef>
+                <a:spcPts val="500"/>
+              </a:spcBef>
+              <a:buFont typeface="Arial" panose="020B0604020202020204" pitchFamily="34" charset="0"/>
+              <a:buNone/>
+              <a:defRPr sz="1800" kern="1200">
+                <a:solidFill>
+                  <a:schemeClr val="tx1"/>
+                </a:solidFill>
+                <a:latin typeface="+mn-lt"/>
+                <a:ea typeface="+mn-ea"/>
+                <a:cs typeface="+mn-cs"/>
+              </a:defRPr>
+            </a:lvl3pPr>
+            <a:lvl4pPr marL="1371600" indent="0" algn="ctr" defTabSz="914400" rtl="0" eaLnBrk="1" latinLnBrk="0" hangingPunct="1">
+              <a:lnSpc>
+                <a:spcPct val="90000"/>
+              </a:lnSpc>
+              <a:spcBef>
+                <a:spcPts val="500"/>
+              </a:spcBef>
+              <a:buFont typeface="Arial" panose="020B0604020202020204" pitchFamily="34" charset="0"/>
+              <a:buNone/>
+              <a:defRPr sz="1600" kern="1200">
+                <a:solidFill>
+                  <a:schemeClr val="tx1"/>
+                </a:solidFill>
+                <a:latin typeface="+mn-lt"/>
+                <a:ea typeface="+mn-ea"/>
+                <a:cs typeface="+mn-cs"/>
+              </a:defRPr>
+            </a:lvl4pPr>
+            <a:lvl5pPr marL="1828800" indent="0" algn="ctr" defTabSz="914400" rtl="0" eaLnBrk="1" latinLnBrk="0" hangingPunct="1">
+              <a:lnSpc>
+                <a:spcPct val="90000"/>
+              </a:lnSpc>
+              <a:spcBef>
+                <a:spcPts val="500"/>
+              </a:spcBef>
+              <a:buFont typeface="Arial" panose="020B0604020202020204" pitchFamily="34" charset="0"/>
+              <a:buNone/>
+              <a:defRPr sz="1600" kern="1200">
+                <a:solidFill>
+                  <a:schemeClr val="tx1"/>
+                </a:solidFill>
+                <a:latin typeface="+mn-lt"/>
+                <a:ea typeface="+mn-ea"/>
+                <a:cs typeface="+mn-cs"/>
+              </a:defRPr>
+            </a:lvl5pPr>
+            <a:lvl6pPr marL="2286000" indent="0" algn="ctr" defTabSz="914400" rtl="0" eaLnBrk="1" latinLnBrk="0" hangingPunct="1">
+              <a:lnSpc>
+                <a:spcPct val="90000"/>
+              </a:lnSpc>
+              <a:spcBef>
+                <a:spcPts val="500"/>
+              </a:spcBef>
+              <a:buFont typeface="Arial" panose="020B0604020202020204" pitchFamily="34" charset="0"/>
+              <a:buNone/>
+              <a:defRPr sz="1600" kern="1200">
+                <a:solidFill>
+                  <a:schemeClr val="tx1"/>
+                </a:solidFill>
+                <a:latin typeface="+mn-lt"/>
+                <a:ea typeface="+mn-ea"/>
+                <a:cs typeface="+mn-cs"/>
+              </a:defRPr>
+            </a:lvl6pPr>
+            <a:lvl7pPr marL="2743200" indent="0" algn="ctr" defTabSz="914400" rtl="0" eaLnBrk="1" latinLnBrk="0" hangingPunct="1">
+              <a:lnSpc>
+                <a:spcPct val="90000"/>
+              </a:lnSpc>
+              <a:spcBef>
+                <a:spcPts val="500"/>
+              </a:spcBef>
+              <a:buFont typeface="Arial" panose="020B0604020202020204" pitchFamily="34" charset="0"/>
+              <a:buNone/>
+              <a:defRPr sz="1600" kern="1200">
+                <a:solidFill>
+                  <a:schemeClr val="tx1"/>
+                </a:solidFill>
+                <a:latin typeface="+mn-lt"/>
+                <a:ea typeface="+mn-ea"/>
+                <a:cs typeface="+mn-cs"/>
+              </a:defRPr>
+            </a:lvl7pPr>
+            <a:lvl8pPr marL="3200400" indent="0" algn="ctr" defTabSz="914400" rtl="0" eaLnBrk="1" latinLnBrk="0" hangingPunct="1">
+              <a:lnSpc>
+                <a:spcPct val="90000"/>
+              </a:lnSpc>
+              <a:spcBef>
+                <a:spcPts val="500"/>
+              </a:spcBef>
+              <a:buFont typeface="Arial" panose="020B0604020202020204" pitchFamily="34" charset="0"/>
+              <a:buNone/>
+              <a:defRPr sz="1600" kern="1200">
+                <a:solidFill>
+                  <a:schemeClr val="tx1"/>
+                </a:solidFill>
+                <a:latin typeface="+mn-lt"/>
+                <a:ea typeface="+mn-ea"/>
+                <a:cs typeface="+mn-cs"/>
+              </a:defRPr>
+            </a:lvl8pPr>
+            <a:lvl9pPr marL="3657600" indent="0" algn="ctr" defTabSz="914400" rtl="0" eaLnBrk="1" latinLnBrk="0" hangingPunct="1">
+              <a:lnSpc>
+                <a:spcPct val="90000"/>
+              </a:lnSpc>
+              <a:spcBef>
+                <a:spcPts val="500"/>
+              </a:spcBef>
+              <a:buFont typeface="Arial" panose="020B0604020202020204" pitchFamily="34" charset="0"/>
+              <a:buNone/>
+              <a:defRPr sz="1600" kern="1200">
+                <a:solidFill>
+                  <a:schemeClr val="tx1"/>
+                </a:solidFill>
+                <a:latin typeface="+mn-lt"/>
+                <a:ea typeface="+mn-ea"/>
+                <a:cs typeface="+mn-cs"/>
+              </a:defRPr>
+            </a:lvl9pPr>
+          </a:lstStyle>
+          <a:p>
+            <a:pPr algn="l"/>
+            <a:r>
+              <a:rPr lang="en-US" sz="2000" b="1" dirty="0">
+                <a:latin typeface="Arial" panose="020B0604020202020204" pitchFamily="34" charset="0"/>
+                <a:cs typeface="Arial" panose="020B0604020202020204" pitchFamily="34" charset="0"/>
+              </a:rPr>
+              <a:t>3.4</a:t>
+            </a:r>
+            <a:r>
+              <a:rPr lang="en-US" sz="2000" b="1" dirty="0">
+                <a:effectLst/>
+                <a:latin typeface="Arial" panose="020B0604020202020204" pitchFamily="34" charset="0"/>
+                <a:cs typeface="Arial" panose="020B0604020202020204" pitchFamily="34" charset="0"/>
+              </a:rPr>
+              <a:t> Flow chart of the implementation</a:t>
+            </a:r>
+          </a:p>
+          <a:p>
+            <a:pPr algn="l"/>
+            <a:endParaRPr lang="en-US" sz="1800" b="0" i="0" dirty="0">
+              <a:effectLst/>
+              <a:latin typeface="Arial" panose="020B0604020202020204" pitchFamily="34" charset="0"/>
+              <a:cs typeface="Arial" panose="020B0604020202020204" pitchFamily="34" charset="0"/>
+            </a:endParaRPr>
+          </a:p>
+          <a:p>
+            <a:pPr algn="l"/>
+            <a:endParaRPr lang="en-US" sz="1800" dirty="0">
+              <a:latin typeface="Arial" panose="020B0604020202020204" pitchFamily="34" charset="0"/>
+              <a:cs typeface="Arial" panose="020B0604020202020204" pitchFamily="34" charset="0"/>
+            </a:endParaRPr>
+          </a:p>
+        </p:txBody>
+      </p:sp>
+      <p:sp>
+        <p:nvSpPr>
+          <p:cNvPr id="28" name="Subtitle 2">
+            <a:extLst>
+              <a:ext uri="{FF2B5EF4-FFF2-40B4-BE49-F238E27FC236}">
+                <a16:creationId xmlns:a16="http://schemas.microsoft.com/office/drawing/2014/main" id="{A2050577-B14A-3346-A8C8-F7EAE5C0C22D}"/>
               </a:ext>
             </a:extLst>
           </p:cNvPr>
@@ -8937,7 +9163,7 @@
         </p:nvSpPr>
         <p:spPr>
           <a:xfrm>
-            <a:off x="450850" y="566738"/>
+            <a:off x="458395" y="492802"/>
             <a:ext cx="11087100" cy="493712"/>
           </a:xfrm>
         </p:spPr>
@@ -8950,385 +9176,17 @@
             <a:pPr algn="l"/>
             <a:r>
               <a:rPr lang="en-US" sz="2800" dirty="0"/>
-              <a:t>4. The Experiment</a:t>
-            </a:r>
-          </a:p>
-          <a:p>
-            <a:pPr algn="l"/>
-            <a:endParaRPr lang="en-US" sz="2800" dirty="0"/>
+              <a:t>3. Methodology and algorithms</a:t>
+            </a:r>
           </a:p>
         </p:txBody>
       </p:sp>
       <p:sp>
         <p:nvSpPr>
-          <p:cNvPr id="12" name="Subtitle 2">
+          <p:cNvPr id="29" name="Slide Number Placeholder 28">
             <a:extLst>
               <a:ext uri="{FF2B5EF4-FFF2-40B4-BE49-F238E27FC236}">
-                <a16:creationId xmlns:a16="http://schemas.microsoft.com/office/drawing/2014/main" id="{AF6B266F-1219-CD47-A248-483FB1190CBA}"/>
-              </a:ext>
-            </a:extLst>
-          </p:cNvPr>
-          <p:cNvSpPr txBox="1">
-            <a:spLocks/>
-          </p:cNvSpPr>
-          <p:nvPr/>
-        </p:nvSpPr>
-        <p:spPr>
-          <a:xfrm>
-            <a:off x="854500" y="1457011"/>
-            <a:ext cx="10077450" cy="4874070"/>
-          </a:xfrm>
-          <a:prstGeom prst="rect">
-            <a:avLst/>
-          </a:prstGeom>
-        </p:spPr>
-        <p:txBody>
-          <a:bodyPr vert="horz" lIns="91440" tIns="45720" rIns="91440" bIns="45720" rtlCol="0">
-            <a:normAutofit lnSpcReduction="10000"/>
-          </a:bodyPr>
-          <a:lstStyle>
-            <a:lvl1pPr marL="0" indent="0" algn="ctr" defTabSz="914400" rtl="0" eaLnBrk="1" latinLnBrk="0" hangingPunct="1">
-              <a:lnSpc>
-                <a:spcPct val="90000"/>
-              </a:lnSpc>
-              <a:spcBef>
-                <a:spcPts val="1000"/>
-              </a:spcBef>
-              <a:buFont typeface="Arial" panose="020B0604020202020204" pitchFamily="34" charset="0"/>
-              <a:buNone/>
-              <a:defRPr sz="2400" kern="1200">
-                <a:solidFill>
-                  <a:schemeClr val="tx1"/>
-                </a:solidFill>
-                <a:latin typeface="+mn-lt"/>
-                <a:ea typeface="+mn-ea"/>
-                <a:cs typeface="+mn-cs"/>
-              </a:defRPr>
-            </a:lvl1pPr>
-            <a:lvl2pPr marL="457200" indent="0" algn="ctr" defTabSz="914400" rtl="0" eaLnBrk="1" latinLnBrk="0" hangingPunct="1">
-              <a:lnSpc>
-                <a:spcPct val="90000"/>
-              </a:lnSpc>
-              <a:spcBef>
-                <a:spcPts val="500"/>
-              </a:spcBef>
-              <a:buFont typeface="Arial" panose="020B0604020202020204" pitchFamily="34" charset="0"/>
-              <a:buNone/>
-              <a:defRPr sz="2000" kern="1200">
-                <a:solidFill>
-                  <a:schemeClr val="tx1"/>
-                </a:solidFill>
-                <a:latin typeface="+mn-lt"/>
-                <a:ea typeface="+mn-ea"/>
-                <a:cs typeface="+mn-cs"/>
-              </a:defRPr>
-            </a:lvl2pPr>
-            <a:lvl3pPr marL="914400" indent="0" algn="ctr" defTabSz="914400" rtl="0" eaLnBrk="1" latinLnBrk="0" hangingPunct="1">
-              <a:lnSpc>
-                <a:spcPct val="90000"/>
-              </a:lnSpc>
-              <a:spcBef>
-                <a:spcPts val="500"/>
-              </a:spcBef>
-              <a:buFont typeface="Arial" panose="020B0604020202020204" pitchFamily="34" charset="0"/>
-              <a:buNone/>
-              <a:defRPr sz="1800" kern="1200">
-                <a:solidFill>
-                  <a:schemeClr val="tx1"/>
-                </a:solidFill>
-                <a:latin typeface="+mn-lt"/>
-                <a:ea typeface="+mn-ea"/>
-                <a:cs typeface="+mn-cs"/>
-              </a:defRPr>
-            </a:lvl3pPr>
-            <a:lvl4pPr marL="1371600" indent="0" algn="ctr" defTabSz="914400" rtl="0" eaLnBrk="1" latinLnBrk="0" hangingPunct="1">
-              <a:lnSpc>
-                <a:spcPct val="90000"/>
-              </a:lnSpc>
-              <a:spcBef>
-                <a:spcPts val="500"/>
-              </a:spcBef>
-              <a:buFont typeface="Arial" panose="020B0604020202020204" pitchFamily="34" charset="0"/>
-              <a:buNone/>
-              <a:defRPr sz="1600" kern="1200">
-                <a:solidFill>
-                  <a:schemeClr val="tx1"/>
-                </a:solidFill>
-                <a:latin typeface="+mn-lt"/>
-                <a:ea typeface="+mn-ea"/>
-                <a:cs typeface="+mn-cs"/>
-              </a:defRPr>
-            </a:lvl4pPr>
-            <a:lvl5pPr marL="1828800" indent="0" algn="ctr" defTabSz="914400" rtl="0" eaLnBrk="1" latinLnBrk="0" hangingPunct="1">
-              <a:lnSpc>
-                <a:spcPct val="90000"/>
-              </a:lnSpc>
-              <a:spcBef>
-                <a:spcPts val="500"/>
-              </a:spcBef>
-              <a:buFont typeface="Arial" panose="020B0604020202020204" pitchFamily="34" charset="0"/>
-              <a:buNone/>
-              <a:defRPr sz="1600" kern="1200">
-                <a:solidFill>
-                  <a:schemeClr val="tx1"/>
-                </a:solidFill>
-                <a:latin typeface="+mn-lt"/>
-                <a:ea typeface="+mn-ea"/>
-                <a:cs typeface="+mn-cs"/>
-              </a:defRPr>
-            </a:lvl5pPr>
-            <a:lvl6pPr marL="2286000" indent="0" algn="ctr" defTabSz="914400" rtl="0" eaLnBrk="1" latinLnBrk="0" hangingPunct="1">
-              <a:lnSpc>
-                <a:spcPct val="90000"/>
-              </a:lnSpc>
-              <a:spcBef>
-                <a:spcPts val="500"/>
-              </a:spcBef>
-              <a:buFont typeface="Arial" panose="020B0604020202020204" pitchFamily="34" charset="0"/>
-              <a:buNone/>
-              <a:defRPr sz="1600" kern="1200">
-                <a:solidFill>
-                  <a:schemeClr val="tx1"/>
-                </a:solidFill>
-                <a:latin typeface="+mn-lt"/>
-                <a:ea typeface="+mn-ea"/>
-                <a:cs typeface="+mn-cs"/>
-              </a:defRPr>
-            </a:lvl6pPr>
-            <a:lvl7pPr marL="2743200" indent="0" algn="ctr" defTabSz="914400" rtl="0" eaLnBrk="1" latinLnBrk="0" hangingPunct="1">
-              <a:lnSpc>
-                <a:spcPct val="90000"/>
-              </a:lnSpc>
-              <a:spcBef>
-                <a:spcPts val="500"/>
-              </a:spcBef>
-              <a:buFont typeface="Arial" panose="020B0604020202020204" pitchFamily="34" charset="0"/>
-              <a:buNone/>
-              <a:defRPr sz="1600" kern="1200">
-                <a:solidFill>
-                  <a:schemeClr val="tx1"/>
-                </a:solidFill>
-                <a:latin typeface="+mn-lt"/>
-                <a:ea typeface="+mn-ea"/>
-                <a:cs typeface="+mn-cs"/>
-              </a:defRPr>
-            </a:lvl7pPr>
-            <a:lvl8pPr marL="3200400" indent="0" algn="ctr" defTabSz="914400" rtl="0" eaLnBrk="1" latinLnBrk="0" hangingPunct="1">
-              <a:lnSpc>
-                <a:spcPct val="90000"/>
-              </a:lnSpc>
-              <a:spcBef>
-                <a:spcPts val="500"/>
-              </a:spcBef>
-              <a:buFont typeface="Arial" panose="020B0604020202020204" pitchFamily="34" charset="0"/>
-              <a:buNone/>
-              <a:defRPr sz="1600" kern="1200">
-                <a:solidFill>
-                  <a:schemeClr val="tx1"/>
-                </a:solidFill>
-                <a:latin typeface="+mn-lt"/>
-                <a:ea typeface="+mn-ea"/>
-                <a:cs typeface="+mn-cs"/>
-              </a:defRPr>
-            </a:lvl8pPr>
-            <a:lvl9pPr marL="3657600" indent="0" algn="ctr" defTabSz="914400" rtl="0" eaLnBrk="1" latinLnBrk="0" hangingPunct="1">
-              <a:lnSpc>
-                <a:spcPct val="90000"/>
-              </a:lnSpc>
-              <a:spcBef>
-                <a:spcPts val="500"/>
-              </a:spcBef>
-              <a:buFont typeface="Arial" panose="020B0604020202020204" pitchFamily="34" charset="0"/>
-              <a:buNone/>
-              <a:defRPr sz="1600" kern="1200">
-                <a:solidFill>
-                  <a:schemeClr val="tx1"/>
-                </a:solidFill>
-                <a:latin typeface="+mn-lt"/>
-                <a:ea typeface="+mn-ea"/>
-                <a:cs typeface="+mn-cs"/>
-              </a:defRPr>
-            </a:lvl9pPr>
-          </a:lstStyle>
-          <a:p>
-            <a:pPr marL="285750" indent="-285750" algn="just">
-              <a:buFont typeface="Wingdings" pitchFamily="2" charset="2"/>
-              <a:buChar char="Ø"/>
-            </a:pPr>
-            <a:r>
-              <a:rPr lang="en-US" sz="1800" dirty="0">
-                <a:latin typeface="Arial" panose="020B0604020202020204" pitchFamily="34" charset="0"/>
-              </a:rPr>
-              <a:t>They evaluate the algorithms on the Objectworld benchmark and show a significant speedup compared to existing methods.</a:t>
-            </a:r>
-          </a:p>
-          <a:p>
-            <a:pPr marL="285750" indent="-285750" algn="just">
-              <a:buFont typeface="Wingdings" pitchFamily="2" charset="2"/>
-              <a:buChar char="Ø"/>
-            </a:pPr>
-            <a:endParaRPr lang="en-US" sz="1800" dirty="0">
-              <a:latin typeface="Arial" panose="020B0604020202020204" pitchFamily="34" charset="0"/>
-            </a:endParaRPr>
-          </a:p>
-          <a:p>
-            <a:pPr marL="285750" indent="-285750" algn="just">
-              <a:buFont typeface="Wingdings" pitchFamily="2" charset="2"/>
-              <a:buChar char="Ø"/>
-            </a:pPr>
-            <a:r>
-              <a:rPr lang="en-US" sz="1800" dirty="0">
-                <a:latin typeface="Arial" panose="020B0604020202020204" pitchFamily="34" charset="0"/>
-              </a:rPr>
-              <a:t>They evaluated the algorithm using Expected  Value Difference (EVD).</a:t>
-            </a:r>
-          </a:p>
-          <a:p>
-            <a:pPr marL="285750" indent="-285750" algn="just">
-              <a:buFont typeface="Wingdings" pitchFamily="2" charset="2"/>
-              <a:buChar char="Ø"/>
-            </a:pPr>
-            <a:endParaRPr lang="en-US" sz="1800" dirty="0">
-              <a:latin typeface="Arial" panose="020B0604020202020204" pitchFamily="34" charset="0"/>
-            </a:endParaRPr>
-          </a:p>
-          <a:p>
-            <a:pPr marL="285750" indent="-285750" algn="just">
-              <a:buFont typeface="Wingdings" pitchFamily="2" charset="2"/>
-              <a:buChar char="Ø"/>
-            </a:pPr>
-            <a:r>
-              <a:rPr lang="en-US" sz="1800" dirty="0">
-                <a:latin typeface="Arial" panose="020B0604020202020204" pitchFamily="34" charset="0"/>
-              </a:rPr>
-              <a:t>They also apply the Deep Constrained Inverse Q-learning algorithm to the task of learning autonomous lane-changes in a simulator and achieving competent driving after training on 30 minutes of demonstrations.</a:t>
-            </a:r>
-          </a:p>
-          <a:p>
-            <a:pPr marL="285750" indent="-285750" algn="just">
-              <a:buFont typeface="Wingdings" pitchFamily="2" charset="2"/>
-              <a:buChar char="Ø"/>
-            </a:pPr>
-            <a:endParaRPr lang="en-US" sz="1800" dirty="0">
-              <a:latin typeface="Arial" panose="020B0604020202020204" pitchFamily="34" charset="0"/>
-            </a:endParaRPr>
-          </a:p>
-          <a:p>
-            <a:pPr marL="285750" indent="-285750" algn="just">
-              <a:buFont typeface="Wingdings" pitchFamily="2" charset="2"/>
-              <a:buChar char="Ø"/>
-            </a:pPr>
-            <a:r>
-              <a:rPr lang="en-US" sz="1800" dirty="0">
-                <a:latin typeface="Arial" panose="020B0604020202020204" pitchFamily="34" charset="0"/>
-              </a:rPr>
-              <a:t>In this assignment, we will evaluate the IQL and IAVI on the </a:t>
-            </a:r>
-            <a:r>
-              <a:rPr lang="en-US" sz="1800" dirty="0" err="1">
-                <a:latin typeface="Arial" panose="020B0604020202020204" pitchFamily="34" charset="0"/>
-              </a:rPr>
-              <a:t>Objectworld</a:t>
-            </a:r>
-            <a:r>
-              <a:rPr lang="en-US" sz="1800" dirty="0">
-                <a:latin typeface="Arial" panose="020B0604020202020204" pitchFamily="34" charset="0"/>
-              </a:rPr>
-              <a:t> environment under the following settings</a:t>
-            </a:r>
-          </a:p>
-          <a:p>
-            <a:pPr marL="285750" indent="-285750" algn="just">
-              <a:buFont typeface="Wingdings" pitchFamily="2" charset="2"/>
-              <a:buChar char="Ø"/>
-            </a:pPr>
-            <a:endParaRPr lang="en-US" sz="1800" dirty="0">
-              <a:latin typeface="Arial" panose="020B0604020202020204" pitchFamily="34" charset="0"/>
-            </a:endParaRPr>
-          </a:p>
-          <a:p>
-            <a:pPr lvl="2" algn="just"/>
-            <a:r>
-              <a:rPr lang="en-US" sz="1200" dirty="0">
-                <a:latin typeface="Arial" panose="020B0604020202020204" pitchFamily="34" charset="0"/>
-              </a:rPr>
-              <a:t>grid_size = 32</a:t>
-            </a:r>
-          </a:p>
-          <a:p>
-            <a:pPr lvl="2" algn="just"/>
-            <a:r>
-              <a:rPr lang="en-US" sz="1200" dirty="0">
-                <a:latin typeface="Arial" panose="020B0604020202020204" pitchFamily="34" charset="0"/>
-              </a:rPr>
-              <a:t>n_objects = 50</a:t>
-            </a:r>
-          </a:p>
-          <a:p>
-            <a:pPr lvl="2" algn="just"/>
-            <a:r>
-              <a:rPr lang="en-US" sz="1200" dirty="0">
-                <a:latin typeface="Arial" panose="020B0604020202020204" pitchFamily="34" charset="0"/>
-              </a:rPr>
-              <a:t>n_colours = 2</a:t>
-            </a:r>
-          </a:p>
-          <a:p>
-            <a:pPr lvl="2" algn="just"/>
-            <a:r>
-              <a:rPr lang="en-US" sz="1200" dirty="0">
-                <a:latin typeface="Arial" panose="020B0604020202020204" pitchFamily="34" charset="0"/>
-              </a:rPr>
-              <a:t>wind = 0.3</a:t>
-            </a:r>
-          </a:p>
-          <a:p>
-            <a:pPr lvl="2" algn="just"/>
-            <a:r>
-              <a:rPr lang="en-US" sz="1200" dirty="0">
-                <a:latin typeface="Arial" panose="020B0604020202020204" pitchFamily="34" charset="0"/>
-              </a:rPr>
-              <a:t>discount = 0.99</a:t>
-            </a:r>
-          </a:p>
-          <a:p>
-            <a:pPr lvl="2" algn="just"/>
-            <a:r>
-              <a:rPr lang="en-US" sz="1200" dirty="0">
-                <a:latin typeface="Arial" panose="020B0604020202020204" pitchFamily="34" charset="0"/>
-              </a:rPr>
-              <a:t>trajectory_length = 8</a:t>
-            </a:r>
-          </a:p>
-          <a:p>
-            <a:pPr algn="just"/>
-            <a:endParaRPr lang="en-US" sz="1800" dirty="0">
-              <a:latin typeface="Arial" panose="020B0604020202020204" pitchFamily="34" charset="0"/>
-            </a:endParaRPr>
-          </a:p>
-          <a:p>
-            <a:pPr marL="285750" indent="-285750" algn="just">
-              <a:buFont typeface="Wingdings" pitchFamily="2" charset="2"/>
-              <a:buChar char="Ø"/>
-            </a:pPr>
-            <a:endParaRPr lang="en-US" sz="1800" dirty="0">
-              <a:latin typeface="Arial" panose="020B0604020202020204" pitchFamily="34" charset="0"/>
-            </a:endParaRPr>
-          </a:p>
-          <a:p>
-            <a:pPr algn="l"/>
-            <a:endParaRPr lang="en-US" sz="1800" dirty="0">
-              <a:latin typeface="Arial" panose="020B0604020202020204" pitchFamily="34" charset="0"/>
-            </a:endParaRPr>
-          </a:p>
-        </p:txBody>
-      </p:sp>
-      <p:sp>
-        <p:nvSpPr>
-          <p:cNvPr id="2" name="Slide Number Placeholder 1">
-            <a:extLst>
-              <a:ext uri="{FF2B5EF4-FFF2-40B4-BE49-F238E27FC236}">
-                <a16:creationId xmlns:a16="http://schemas.microsoft.com/office/drawing/2014/main" id="{50DA5DA1-793E-F340-AE4F-D8425082BB83}"/>
+                <a16:creationId xmlns:a16="http://schemas.microsoft.com/office/drawing/2014/main" id="{5722C15F-0FD5-C64B-9C54-BC2AD14E929E}"/>
               </a:ext>
             </a:extLst>
           </p:cNvPr>
@@ -9360,10 +9218,46 @@
           </a:p>
         </p:txBody>
       </p:sp>
+      <p:pic>
+        <p:nvPicPr>
+          <p:cNvPr id="3" name="Picture 2">
+            <a:extLst>
+              <a:ext uri="{FF2B5EF4-FFF2-40B4-BE49-F238E27FC236}">
+                <a16:creationId xmlns:a16="http://schemas.microsoft.com/office/drawing/2014/main" id="{9099684B-D4A6-3740-874C-1BFA37984501}"/>
+              </a:ext>
+            </a:extLst>
+          </p:cNvPr>
+          <p:cNvPicPr>
+            <a:picLocks noChangeAspect="1"/>
+          </p:cNvPicPr>
+          <p:nvPr/>
+        </p:nvPicPr>
+        <p:blipFill>
+          <a:blip r:embed="rId2">
+            <a:extLst>
+              <a:ext uri="{28A0092B-C50C-407E-A947-70E740481C1C}">
+                <a14:useLocalDpi xmlns:a14="http://schemas.microsoft.com/office/drawing/2010/main" val="0"/>
+              </a:ext>
+            </a:extLst>
+          </a:blip>
+          <a:stretch>
+            <a:fillRect/>
+          </a:stretch>
+        </p:blipFill>
+        <p:spPr>
+          <a:xfrm>
+            <a:off x="854500" y="1652377"/>
+            <a:ext cx="10412376" cy="4432834"/>
+          </a:xfrm>
+          <a:prstGeom prst="rect">
+            <a:avLst/>
+          </a:prstGeom>
+        </p:spPr>
+      </p:pic>
     </p:spTree>
     <p:extLst>
       <p:ext uri="{BB962C8B-B14F-4D97-AF65-F5344CB8AC3E}">
-        <p14:creationId xmlns:p14="http://schemas.microsoft.com/office/powerpoint/2010/main" val="3533037585"/>
+        <p14:creationId xmlns:p14="http://schemas.microsoft.com/office/powerpoint/2010/main" val="3357417290"/>
       </p:ext>
     </p:extLst>
   </p:cSld>
@@ -9446,7 +9340,7 @@
         </p:nvSpPr>
         <p:spPr>
           <a:xfrm>
-            <a:off x="1057275" y="1692467"/>
+            <a:off x="854500" y="1457011"/>
             <a:ext cx="10077450" cy="4874070"/>
           </a:xfrm>
           <a:prstGeom prst="rect">
@@ -9630,7 +9524,7 @@
               <a:rPr lang="en-US" sz="1800" dirty="0">
                 <a:latin typeface="Arial" panose="020B0604020202020204" pitchFamily="34" charset="0"/>
               </a:rPr>
-              <a:t>The Objectworld environment is an N × N map, where an agent can choose between going up, down, left, or right or staying in place per time step. </a:t>
+              <a:t>They evaluate the algorithms on the Objectworld benchmark and show a significant speedup compared to existing methods.</a:t>
             </a:r>
           </a:p>
           <a:p>
@@ -9651,7 +9545,7 @@
               <a:rPr lang="en-US" sz="1800" dirty="0">
                 <a:latin typeface="Arial" panose="020B0604020202020204" pitchFamily="34" charset="0"/>
               </a:rPr>
-              <a:t>Stochastic transitions take the agent in a random direction with 30% chance. Objects are randomly put on the grid with certain inner and outer colors from a set of C colors.</a:t>
+              <a:t>They evaluated the algorithm using Expected  Value Difference (EVD).</a:t>
             </a:r>
           </a:p>
           <a:p>
@@ -9672,19 +9566,7 @@
               <a:rPr lang="en-US" sz="1800" dirty="0">
                 <a:latin typeface="Arial" panose="020B0604020202020204" pitchFamily="34" charset="0"/>
               </a:rPr>
-              <a:t> Let’s say we have </a:t>
-            </a:r>
-            <a:r>
-              <a:rPr lang="en-US" sz="1800" b="1" dirty="0">
-                <a:latin typeface="Arial" panose="020B0604020202020204" pitchFamily="34" charset="0"/>
-              </a:rPr>
-              <a:t>two colors. </a:t>
-            </a:r>
-            <a:r>
-              <a:rPr lang="en-US" sz="1800" dirty="0">
-                <a:latin typeface="Arial" panose="020B0604020202020204" pitchFamily="34" charset="0"/>
-              </a:rPr>
-              <a:t>Then there will be 4 types of objects in the environment.</a:t>
+              <a:t>They also apply the Deep Constrained Inverse Q-learning algorithm to the task of learning autonomous lane-changes in a simulator and achieving competent driving after training on 30 minutes of demonstrations.</a:t>
             </a:r>
           </a:p>
           <a:p>
@@ -9697,63 +9579,6 @@
             </a:endParaRPr>
           </a:p>
           <a:p>
-            <a:pPr marL="400050" indent="-400050" algn="just">
-              <a:buFont typeface="+mj-lt"/>
-              <a:buAutoNum type="romanUcPeriod"/>
-            </a:pPr>
-            <a:r>
-              <a:rPr lang="en-US" sz="1600" dirty="0">
-                <a:latin typeface="Arial" panose="020B0604020202020204" pitchFamily="34" charset="0"/>
-              </a:rPr>
-              <a:t>Inner color of Color 0</a:t>
-            </a:r>
-          </a:p>
-          <a:p>
-            <a:pPr marL="400050" indent="-400050" algn="just">
-              <a:buFont typeface="+mj-lt"/>
-              <a:buAutoNum type="romanUcPeriod"/>
-            </a:pPr>
-            <a:r>
-              <a:rPr lang="en-US" sz="1600" dirty="0">
-                <a:latin typeface="Arial" panose="020B0604020202020204" pitchFamily="34" charset="0"/>
-              </a:rPr>
-              <a:t>Outer color of Color 0</a:t>
-            </a:r>
-          </a:p>
-          <a:p>
-            <a:pPr marL="400050" indent="-400050" algn="just">
-              <a:buFont typeface="+mj-lt"/>
-              <a:buAutoNum type="romanUcPeriod"/>
-            </a:pPr>
-            <a:r>
-              <a:rPr lang="en-US" sz="1600" dirty="0">
-                <a:latin typeface="Arial" panose="020B0604020202020204" pitchFamily="34" charset="0"/>
-              </a:rPr>
-              <a:t>Inner color of Color 1</a:t>
-            </a:r>
-          </a:p>
-          <a:p>
-            <a:pPr marL="400050" indent="-400050" algn="just">
-              <a:buFont typeface="+mj-lt"/>
-              <a:buAutoNum type="romanUcPeriod"/>
-            </a:pPr>
-            <a:r>
-              <a:rPr lang="en-US" sz="1600" dirty="0">
-                <a:latin typeface="Arial" panose="020B0604020202020204" pitchFamily="34" charset="0"/>
-              </a:rPr>
-              <a:t>Outer color of Color 1</a:t>
-            </a:r>
-          </a:p>
-          <a:p>
-            <a:pPr marL="400050" indent="-400050" algn="just">
-              <a:buFont typeface="+mj-lt"/>
-              <a:buAutoNum type="romanUcPeriod"/>
-            </a:pPr>
-            <a:endParaRPr lang="en-US" sz="1600" dirty="0">
-              <a:latin typeface="Arial" panose="020B0604020202020204" pitchFamily="34" charset="0"/>
-            </a:endParaRPr>
-          </a:p>
-          <a:p>
             <a:pPr marL="285750" indent="-285750" algn="just">
               <a:buFont typeface="Wingdings" pitchFamily="2" charset="2"/>
               <a:buChar char="Ø"/>
@@ -9762,14 +9587,20 @@
               <a:rPr lang="en-US" sz="1800" dirty="0">
                 <a:latin typeface="Arial" panose="020B0604020202020204" pitchFamily="34" charset="0"/>
               </a:rPr>
-              <a:t>In this experiment, we are only considering the outer color, which means we only have two types of objects.</a:t>
-            </a:r>
-          </a:p>
-          <a:p>
-            <a:pPr algn="just"/>
-            <a:endParaRPr lang="en-US" sz="1800" dirty="0">
-              <a:latin typeface="Arial" panose="020B0604020202020204" pitchFamily="34" charset="0"/>
-            </a:endParaRPr>
+              <a:t>In this assignment, we will evaluate the IQL and IAVI on the </a:t>
+            </a:r>
+            <a:r>
+              <a:rPr lang="en-US" sz="1800" dirty="0" err="1">
+                <a:latin typeface="Arial" panose="020B0604020202020204" pitchFamily="34" charset="0"/>
+              </a:rPr>
+              <a:t>Objectworld</a:t>
+            </a:r>
+            <a:r>
+              <a:rPr lang="en-US" sz="1800" dirty="0">
+                <a:latin typeface="Arial" panose="020B0604020202020204" pitchFamily="34" charset="0"/>
+              </a:rPr>
+              <a:t> environment under the following settings</a:t>
+            </a:r>
           </a:p>
           <a:p>
             <a:pPr marL="285750" indent="-285750" algn="just">
@@ -9781,6 +9612,60 @@
             </a:endParaRPr>
           </a:p>
           <a:p>
+            <a:pPr lvl="2" algn="just"/>
+            <a:r>
+              <a:rPr lang="en-US" sz="1200" dirty="0">
+                <a:latin typeface="Arial" panose="020B0604020202020204" pitchFamily="34" charset="0"/>
+              </a:rPr>
+              <a:t>grid_size = 32</a:t>
+            </a:r>
+          </a:p>
+          <a:p>
+            <a:pPr lvl="2" algn="just"/>
+            <a:r>
+              <a:rPr lang="en-US" sz="1200" dirty="0">
+                <a:latin typeface="Arial" panose="020B0604020202020204" pitchFamily="34" charset="0"/>
+              </a:rPr>
+              <a:t>n_objects = 50</a:t>
+            </a:r>
+          </a:p>
+          <a:p>
+            <a:pPr lvl="2" algn="just"/>
+            <a:r>
+              <a:rPr lang="en-US" sz="1200" dirty="0">
+                <a:latin typeface="Arial" panose="020B0604020202020204" pitchFamily="34" charset="0"/>
+              </a:rPr>
+              <a:t>n_colours = 2</a:t>
+            </a:r>
+          </a:p>
+          <a:p>
+            <a:pPr lvl="2" algn="just"/>
+            <a:r>
+              <a:rPr lang="en-US" sz="1200" dirty="0">
+                <a:latin typeface="Arial" panose="020B0604020202020204" pitchFamily="34" charset="0"/>
+              </a:rPr>
+              <a:t>wind = 0.3</a:t>
+            </a:r>
+          </a:p>
+          <a:p>
+            <a:pPr lvl="2" algn="just"/>
+            <a:r>
+              <a:rPr lang="en-US" sz="1200" dirty="0">
+                <a:latin typeface="Arial" panose="020B0604020202020204" pitchFamily="34" charset="0"/>
+              </a:rPr>
+              <a:t>discount = 0.99</a:t>
+            </a:r>
+          </a:p>
+          <a:p>
+            <a:pPr lvl="2" algn="just"/>
+            <a:r>
+              <a:rPr lang="en-US" sz="1200" dirty="0">
+                <a:latin typeface="Arial" panose="020B0604020202020204" pitchFamily="34" charset="0"/>
+              </a:rPr>
+              <a:t>trajectory_length = 8</a:t>
+            </a:r>
+          </a:p>
+          <a:p>
             <a:pPr algn="just"/>
             <a:endParaRPr lang="en-US" sz="1800" dirty="0">
               <a:latin typeface="Arial" panose="020B0604020202020204" pitchFamily="34" charset="0"/>
@@ -9805,237 +9690,10 @@
       </p:sp>
       <p:sp>
         <p:nvSpPr>
-          <p:cNvPr id="4" name="Subtitle 2">
-            <a:extLst>
-              <a:ext uri="{FF2B5EF4-FFF2-40B4-BE49-F238E27FC236}">
-                <a16:creationId xmlns:a16="http://schemas.microsoft.com/office/drawing/2014/main" id="{C4C533A9-56B3-B646-9F8F-30CDE3EEBD0F}"/>
-              </a:ext>
-            </a:extLst>
-          </p:cNvPr>
-          <p:cNvSpPr txBox="1">
-            <a:spLocks/>
-          </p:cNvSpPr>
-          <p:nvPr/>
-        </p:nvSpPr>
-        <p:spPr>
-          <a:xfrm>
-            <a:off x="854500" y="1133551"/>
-            <a:ext cx="10077450" cy="371789"/>
-          </a:xfrm>
-          <a:prstGeom prst="rect">
-            <a:avLst/>
-          </a:prstGeom>
-        </p:spPr>
-        <p:txBody>
-          <a:bodyPr vert="horz" lIns="91440" tIns="45720" rIns="91440" bIns="45720" rtlCol="0">
-            <a:normAutofit/>
-          </a:bodyPr>
-          <a:lstStyle>
-            <a:lvl1pPr marL="0" indent="0" algn="ctr" defTabSz="914400" rtl="0" eaLnBrk="1" latinLnBrk="0" hangingPunct="1">
-              <a:lnSpc>
-                <a:spcPct val="90000"/>
-              </a:lnSpc>
-              <a:spcBef>
-                <a:spcPts val="1000"/>
-              </a:spcBef>
-              <a:buFont typeface="Arial" panose="020B0604020202020204" pitchFamily="34" charset="0"/>
-              <a:buNone/>
-              <a:defRPr sz="2400" kern="1200">
-                <a:solidFill>
-                  <a:schemeClr val="tx1"/>
-                </a:solidFill>
-                <a:latin typeface="+mn-lt"/>
-                <a:ea typeface="+mn-ea"/>
-                <a:cs typeface="+mn-cs"/>
-              </a:defRPr>
-            </a:lvl1pPr>
-            <a:lvl2pPr marL="457200" indent="0" algn="ctr" defTabSz="914400" rtl="0" eaLnBrk="1" latinLnBrk="0" hangingPunct="1">
-              <a:lnSpc>
-                <a:spcPct val="90000"/>
-              </a:lnSpc>
-              <a:spcBef>
-                <a:spcPts val="500"/>
-              </a:spcBef>
-              <a:buFont typeface="Arial" panose="020B0604020202020204" pitchFamily="34" charset="0"/>
-              <a:buNone/>
-              <a:defRPr sz="2000" kern="1200">
-                <a:solidFill>
-                  <a:schemeClr val="tx1"/>
-                </a:solidFill>
-                <a:latin typeface="+mn-lt"/>
-                <a:ea typeface="+mn-ea"/>
-                <a:cs typeface="+mn-cs"/>
-              </a:defRPr>
-            </a:lvl2pPr>
-            <a:lvl3pPr marL="914400" indent="0" algn="ctr" defTabSz="914400" rtl="0" eaLnBrk="1" latinLnBrk="0" hangingPunct="1">
-              <a:lnSpc>
-                <a:spcPct val="90000"/>
-              </a:lnSpc>
-              <a:spcBef>
-                <a:spcPts val="500"/>
-              </a:spcBef>
-              <a:buFont typeface="Arial" panose="020B0604020202020204" pitchFamily="34" charset="0"/>
-              <a:buNone/>
-              <a:defRPr sz="1800" kern="1200">
-                <a:solidFill>
-                  <a:schemeClr val="tx1"/>
-                </a:solidFill>
-                <a:latin typeface="+mn-lt"/>
-                <a:ea typeface="+mn-ea"/>
-                <a:cs typeface="+mn-cs"/>
-              </a:defRPr>
-            </a:lvl3pPr>
-            <a:lvl4pPr marL="1371600" indent="0" algn="ctr" defTabSz="914400" rtl="0" eaLnBrk="1" latinLnBrk="0" hangingPunct="1">
-              <a:lnSpc>
-                <a:spcPct val="90000"/>
-              </a:lnSpc>
-              <a:spcBef>
-                <a:spcPts val="500"/>
-              </a:spcBef>
-              <a:buFont typeface="Arial" panose="020B0604020202020204" pitchFamily="34" charset="0"/>
-              <a:buNone/>
-              <a:defRPr sz="1600" kern="1200">
-                <a:solidFill>
-                  <a:schemeClr val="tx1"/>
-                </a:solidFill>
-                <a:latin typeface="+mn-lt"/>
-                <a:ea typeface="+mn-ea"/>
-                <a:cs typeface="+mn-cs"/>
-              </a:defRPr>
-            </a:lvl4pPr>
-            <a:lvl5pPr marL="1828800" indent="0" algn="ctr" defTabSz="914400" rtl="0" eaLnBrk="1" latinLnBrk="0" hangingPunct="1">
-              <a:lnSpc>
-                <a:spcPct val="90000"/>
-              </a:lnSpc>
-              <a:spcBef>
-                <a:spcPts val="500"/>
-              </a:spcBef>
-              <a:buFont typeface="Arial" panose="020B0604020202020204" pitchFamily="34" charset="0"/>
-              <a:buNone/>
-              <a:defRPr sz="1600" kern="1200">
-                <a:solidFill>
-                  <a:schemeClr val="tx1"/>
-                </a:solidFill>
-                <a:latin typeface="+mn-lt"/>
-                <a:ea typeface="+mn-ea"/>
-                <a:cs typeface="+mn-cs"/>
-              </a:defRPr>
-            </a:lvl5pPr>
-            <a:lvl6pPr marL="2286000" indent="0" algn="ctr" defTabSz="914400" rtl="0" eaLnBrk="1" latinLnBrk="0" hangingPunct="1">
-              <a:lnSpc>
-                <a:spcPct val="90000"/>
-              </a:lnSpc>
-              <a:spcBef>
-                <a:spcPts val="500"/>
-              </a:spcBef>
-              <a:buFont typeface="Arial" panose="020B0604020202020204" pitchFamily="34" charset="0"/>
-              <a:buNone/>
-              <a:defRPr sz="1600" kern="1200">
-                <a:solidFill>
-                  <a:schemeClr val="tx1"/>
-                </a:solidFill>
-                <a:latin typeface="+mn-lt"/>
-                <a:ea typeface="+mn-ea"/>
-                <a:cs typeface="+mn-cs"/>
-              </a:defRPr>
-            </a:lvl6pPr>
-            <a:lvl7pPr marL="2743200" indent="0" algn="ctr" defTabSz="914400" rtl="0" eaLnBrk="1" latinLnBrk="0" hangingPunct="1">
-              <a:lnSpc>
-                <a:spcPct val="90000"/>
-              </a:lnSpc>
-              <a:spcBef>
-                <a:spcPts val="500"/>
-              </a:spcBef>
-              <a:buFont typeface="Arial" panose="020B0604020202020204" pitchFamily="34" charset="0"/>
-              <a:buNone/>
-              <a:defRPr sz="1600" kern="1200">
-                <a:solidFill>
-                  <a:schemeClr val="tx1"/>
-                </a:solidFill>
-                <a:latin typeface="+mn-lt"/>
-                <a:ea typeface="+mn-ea"/>
-                <a:cs typeface="+mn-cs"/>
-              </a:defRPr>
-            </a:lvl7pPr>
-            <a:lvl8pPr marL="3200400" indent="0" algn="ctr" defTabSz="914400" rtl="0" eaLnBrk="1" latinLnBrk="0" hangingPunct="1">
-              <a:lnSpc>
-                <a:spcPct val="90000"/>
-              </a:lnSpc>
-              <a:spcBef>
-                <a:spcPts val="500"/>
-              </a:spcBef>
-              <a:buFont typeface="Arial" panose="020B0604020202020204" pitchFamily="34" charset="0"/>
-              <a:buNone/>
-              <a:defRPr sz="1600" kern="1200">
-                <a:solidFill>
-                  <a:schemeClr val="tx1"/>
-                </a:solidFill>
-                <a:latin typeface="+mn-lt"/>
-                <a:ea typeface="+mn-ea"/>
-                <a:cs typeface="+mn-cs"/>
-              </a:defRPr>
-            </a:lvl8pPr>
-            <a:lvl9pPr marL="3657600" indent="0" algn="ctr" defTabSz="914400" rtl="0" eaLnBrk="1" latinLnBrk="0" hangingPunct="1">
-              <a:lnSpc>
-                <a:spcPct val="90000"/>
-              </a:lnSpc>
-              <a:spcBef>
-                <a:spcPts val="500"/>
-              </a:spcBef>
-              <a:buFont typeface="Arial" panose="020B0604020202020204" pitchFamily="34" charset="0"/>
-              <a:buNone/>
-              <a:defRPr sz="1600" kern="1200">
-                <a:solidFill>
-                  <a:schemeClr val="tx1"/>
-                </a:solidFill>
-                <a:latin typeface="+mn-lt"/>
-                <a:ea typeface="+mn-ea"/>
-                <a:cs typeface="+mn-cs"/>
-              </a:defRPr>
-            </a:lvl9pPr>
-          </a:lstStyle>
-          <a:p>
-            <a:pPr algn="l"/>
-            <a:r>
-              <a:rPr lang="en-US" sz="2000" b="1" dirty="0">
-                <a:effectLst/>
-                <a:latin typeface="Arial" panose="020B0604020202020204" pitchFamily="34" charset="0"/>
-                <a:cs typeface="Arial" panose="020B0604020202020204" pitchFamily="34" charset="0"/>
-              </a:rPr>
-              <a:t>4.1 The Objectworld environment</a:t>
-            </a:r>
-          </a:p>
-          <a:p>
-            <a:pPr algn="l"/>
-            <a:endParaRPr lang="en-US" sz="2000" b="1" dirty="0">
-              <a:effectLst/>
-              <a:latin typeface="Arial" panose="020B0604020202020204" pitchFamily="34" charset="0"/>
-              <a:cs typeface="Arial" panose="020B0604020202020204" pitchFamily="34" charset="0"/>
-            </a:endParaRPr>
-          </a:p>
-          <a:p>
-            <a:pPr algn="l"/>
-            <a:endParaRPr lang="en-US" sz="1800" b="0" i="0" dirty="0">
-              <a:effectLst/>
-              <a:latin typeface="Arial" panose="020B0604020202020204" pitchFamily="34" charset="0"/>
-              <a:cs typeface="Arial" panose="020B0604020202020204" pitchFamily="34" charset="0"/>
-            </a:endParaRPr>
-          </a:p>
-          <a:p>
-            <a:pPr algn="l"/>
-            <a:endParaRPr lang="en-US" sz="1800" dirty="0">
-              <a:latin typeface="Arial" panose="020B0604020202020204" pitchFamily="34" charset="0"/>
-              <a:cs typeface="Arial" panose="020B0604020202020204" pitchFamily="34" charset="0"/>
-            </a:endParaRPr>
-          </a:p>
-        </p:txBody>
-      </p:sp>
-      <p:sp>
-        <p:nvSpPr>
           <p:cNvPr id="2" name="Slide Number Placeholder 1">
             <a:extLst>
               <a:ext uri="{FF2B5EF4-FFF2-40B4-BE49-F238E27FC236}">
-                <a16:creationId xmlns:a16="http://schemas.microsoft.com/office/drawing/2014/main" id="{3E5361C0-CDFA-5D4C-A533-F2978688B838}"/>
+                <a16:creationId xmlns:a16="http://schemas.microsoft.com/office/drawing/2014/main" id="{50DA5DA1-793E-F340-AE4F-D8425082BB83}"/>
               </a:ext>
             </a:extLst>
           </p:cNvPr>
@@ -10070,7 +9728,7 @@
     </p:spTree>
     <p:extLst>
       <p:ext uri="{BB962C8B-B14F-4D97-AF65-F5344CB8AC3E}">
-        <p14:creationId xmlns:p14="http://schemas.microsoft.com/office/powerpoint/2010/main" val="2547686255"/>
+        <p14:creationId xmlns:p14="http://schemas.microsoft.com/office/powerpoint/2010/main" val="3533037585"/>
       </p:ext>
     </p:extLst>
   </p:cSld>
@@ -10153,8 +9811,8 @@
         </p:nvSpPr>
         <p:spPr>
           <a:xfrm>
-            <a:off x="1057275" y="1836845"/>
-            <a:ext cx="10077450" cy="2391123"/>
+            <a:off x="1057275" y="1692467"/>
+            <a:ext cx="10077450" cy="4874070"/>
           </a:xfrm>
           <a:prstGeom prst="rect">
             <a:avLst/>
@@ -10162,7 +9820,7 @@
         </p:spPr>
         <p:txBody>
           <a:bodyPr vert="horz" lIns="91440" tIns="45720" rIns="91440" bIns="45720" rtlCol="0">
-            <a:normAutofit/>
+            <a:normAutofit lnSpcReduction="10000"/>
           </a:bodyPr>
           <a:lstStyle>
             <a:lvl1pPr marL="0" indent="0" algn="ctr" defTabSz="914400" rtl="0" eaLnBrk="1" latinLnBrk="0" hangingPunct="1">
@@ -10330,9 +9988,6 @@
           </a:lstStyle>
           <a:p>
             <a:pPr marL="285750" indent="-285750" algn="just">
-              <a:spcAft>
-                <a:spcPts val="1200"/>
-              </a:spcAft>
               <a:buFont typeface="Wingdings" pitchFamily="2" charset="2"/>
               <a:buChar char="Ø"/>
             </a:pPr>
@@ -10340,86 +9995,152 @@
               <a:rPr lang="en-US" sz="1800" dirty="0">
                 <a:latin typeface="Arial" panose="020B0604020202020204" pitchFamily="34" charset="0"/>
               </a:rPr>
-              <a:t>Let’s say the agent position is (x, y) and, the number of colors is two. </a:t>
+              <a:t>The Objectworld environment is an N × N map, where an agent can choose between going up, down, left, or right or staying in place per time step. </a:t>
             </a:r>
           </a:p>
           <a:p>
             <a:pPr marL="285750" indent="-285750" algn="just">
-              <a:spcAft>
-                <a:spcPts val="1200"/>
-              </a:spcAft>
               <a:buFont typeface="Wingdings" pitchFamily="2" charset="2"/>
               <a:buChar char="Ø"/>
             </a:pPr>
+            <a:endParaRPr lang="en-US" sz="1800" dirty="0">
+              <a:latin typeface="Arial" panose="020B0604020202020204" pitchFamily="34" charset="0"/>
+            </a:endParaRPr>
+          </a:p>
+          <a:p>
+            <a:pPr marL="285750" indent="-285750" algn="just">
+              <a:buFont typeface="Wingdings" pitchFamily="2" charset="2"/>
+              <a:buChar char="Ø"/>
+            </a:pPr>
             <a:r>
               <a:rPr lang="en-US" sz="1800" dirty="0">
                 <a:latin typeface="Arial" panose="020B0604020202020204" pitchFamily="34" charset="0"/>
               </a:rPr>
-              <a:t>Then the environment will check for at least 1 </a:t>
-            </a:r>
-            <a:r>
-              <a:rPr lang="en-US" sz="1800" dirty="0">
-                <a:solidFill>
-                  <a:srgbClr val="00B050"/>
-                </a:solidFill>
-                <a:latin typeface="Arial" panose="020B0604020202020204" pitchFamily="34" charset="0"/>
-              </a:rPr>
-              <a:t>outer color 0 </a:t>
-            </a:r>
+              <a:t>Stochastic transitions take the agent in a random direction with 30% chance. Objects are randomly put on the grid with certain inner and outer colors from a set of C colors.</a:t>
+            </a:r>
+          </a:p>
+          <a:p>
+            <a:pPr marL="285750" indent="-285750" algn="just">
+              <a:buFont typeface="Wingdings" pitchFamily="2" charset="2"/>
+              <a:buChar char="Ø"/>
+            </a:pPr>
+            <a:endParaRPr lang="en-US" sz="1800" dirty="0">
+              <a:latin typeface="Arial" panose="020B0604020202020204" pitchFamily="34" charset="0"/>
+            </a:endParaRPr>
+          </a:p>
+          <a:p>
+            <a:pPr marL="285750" indent="-285750" algn="just">
+              <a:buFont typeface="Wingdings" pitchFamily="2" charset="2"/>
+              <a:buChar char="Ø"/>
+            </a:pPr>
             <a:r>
               <a:rPr lang="en-US" sz="1800" dirty="0">
                 <a:latin typeface="Arial" panose="020B0604020202020204" pitchFamily="34" charset="0"/>
               </a:rPr>
-              <a:t>object within the distance of 3 </a:t>
+              <a:t> Let’s say we have </a:t>
+            </a:r>
+            <a:r>
+              <a:rPr lang="en-US" sz="1800" b="1" dirty="0">
+                <a:latin typeface="Arial" panose="020B0604020202020204" pitchFamily="34" charset="0"/>
+              </a:rPr>
+              <a:t>two colors. </a:t>
+            </a:r>
+            <a:r>
+              <a:rPr lang="en-US" sz="1800" dirty="0">
+                <a:latin typeface="Arial" panose="020B0604020202020204" pitchFamily="34" charset="0"/>
+              </a:rPr>
+              <a:t>Then there will be 4 types of objects in the environment.</a:t>
             </a:r>
           </a:p>
           <a:p>
             <a:pPr marL="285750" indent="-285750" algn="just">
-              <a:spcAft>
-                <a:spcPts val="1200"/>
-              </a:spcAft>
               <a:buFont typeface="Wingdings" pitchFamily="2" charset="2"/>
               <a:buChar char="Ø"/>
             </a:pPr>
+            <a:endParaRPr lang="en-US" sz="1800" dirty="0">
+              <a:latin typeface="Arial" panose="020B0604020202020204" pitchFamily="34" charset="0"/>
+            </a:endParaRPr>
+          </a:p>
+          <a:p>
+            <a:pPr marL="400050" indent="-400050" algn="just">
+              <a:buFont typeface="+mj-lt"/>
+              <a:buAutoNum type="romanUcPeriod"/>
+            </a:pPr>
+            <a:r>
+              <a:rPr lang="en-US" sz="1600" dirty="0">
+                <a:latin typeface="Arial" panose="020B0604020202020204" pitchFamily="34" charset="0"/>
+              </a:rPr>
+              <a:t>Inner color of Color 0</a:t>
+            </a:r>
+          </a:p>
+          <a:p>
+            <a:pPr marL="400050" indent="-400050" algn="just">
+              <a:buFont typeface="+mj-lt"/>
+              <a:buAutoNum type="romanUcPeriod"/>
+            </a:pPr>
+            <a:r>
+              <a:rPr lang="en-US" sz="1600" dirty="0">
+                <a:latin typeface="Arial" panose="020B0604020202020204" pitchFamily="34" charset="0"/>
+              </a:rPr>
+              <a:t>Outer color of Color 0</a:t>
+            </a:r>
+          </a:p>
+          <a:p>
+            <a:pPr marL="400050" indent="-400050" algn="just">
+              <a:buFont typeface="+mj-lt"/>
+              <a:buAutoNum type="romanUcPeriod"/>
+            </a:pPr>
+            <a:r>
+              <a:rPr lang="en-US" sz="1600" dirty="0">
+                <a:latin typeface="Arial" panose="020B0604020202020204" pitchFamily="34" charset="0"/>
+              </a:rPr>
+              <a:t>Inner color of Color 1</a:t>
+            </a:r>
+          </a:p>
+          <a:p>
+            <a:pPr marL="400050" indent="-400050" algn="just">
+              <a:buFont typeface="+mj-lt"/>
+              <a:buAutoNum type="romanUcPeriod"/>
+            </a:pPr>
+            <a:r>
+              <a:rPr lang="en-US" sz="1600" dirty="0">
+                <a:latin typeface="Arial" panose="020B0604020202020204" pitchFamily="34" charset="0"/>
+              </a:rPr>
+              <a:t>Outer color of Color 1</a:t>
+            </a:r>
+          </a:p>
+          <a:p>
+            <a:pPr marL="400050" indent="-400050" algn="just">
+              <a:buFont typeface="+mj-lt"/>
+              <a:buAutoNum type="romanUcPeriod"/>
+            </a:pPr>
+            <a:endParaRPr lang="en-US" sz="1600" dirty="0">
+              <a:latin typeface="Arial" panose="020B0604020202020204" pitchFamily="34" charset="0"/>
+            </a:endParaRPr>
+          </a:p>
+          <a:p>
+            <a:pPr marL="285750" indent="-285750" algn="just">
+              <a:buFont typeface="Wingdings" pitchFamily="2" charset="2"/>
+              <a:buChar char="Ø"/>
+            </a:pPr>
             <a:r>
               <a:rPr lang="en-US" sz="1800" dirty="0">
                 <a:latin typeface="Arial" panose="020B0604020202020204" pitchFamily="34" charset="0"/>
               </a:rPr>
-              <a:t>And the environment will check for at least 1 </a:t>
-            </a:r>
-            <a:r>
-              <a:rPr lang="en-US" sz="1800" dirty="0">
-                <a:solidFill>
-                  <a:srgbClr val="0070C0"/>
-                </a:solidFill>
-                <a:latin typeface="Arial" panose="020B0604020202020204" pitchFamily="34" charset="0"/>
-              </a:rPr>
-              <a:t>outer color 1 </a:t>
-            </a:r>
-            <a:r>
-              <a:rPr lang="en-US" sz="1800" dirty="0">
-                <a:latin typeface="Arial" panose="020B0604020202020204" pitchFamily="34" charset="0"/>
-              </a:rPr>
-              <a:t>object within the distance of 2</a:t>
-            </a:r>
+              <a:t>In this experiment, we are only considering the outer color, which means we only have two types of objects.</a:t>
+            </a:r>
+          </a:p>
+          <a:p>
+            <a:pPr algn="just"/>
+            <a:endParaRPr lang="en-US" sz="1800" dirty="0">
+              <a:latin typeface="Arial" panose="020B0604020202020204" pitchFamily="34" charset="0"/>
+            </a:endParaRPr>
           </a:p>
           <a:p>
             <a:pPr marL="285750" indent="-285750" algn="just">
-              <a:spcAft>
-                <a:spcPts val="1200"/>
-              </a:spcAft>
               <a:buFont typeface="Wingdings" pitchFamily="2" charset="2"/>
               <a:buChar char="Ø"/>
             </a:pPr>
-            <a:r>
-              <a:rPr lang="en-US" sz="1800" dirty="0">
-                <a:latin typeface="Arial" panose="020B0604020202020204" pitchFamily="34" charset="0"/>
-              </a:rPr>
-              <a:t>If there are objects of both colors, the reward is 1. If there are only objects of color 0, the reward is -1. Otherwise, the reward is 0.</a:t>
-            </a:r>
-          </a:p>
-          <a:p>
-            <a:pPr algn="just"/>
             <a:endParaRPr lang="en-US" sz="1800" dirty="0">
               <a:latin typeface="Arial" panose="020B0604020202020204" pitchFamily="34" charset="0"/>
             </a:endParaRPr>
@@ -10674,172 +10395,12 @@
           </a:p>
         </p:txBody>
       </p:sp>
-      <p:pic>
-        <p:nvPicPr>
-          <p:cNvPr id="6" name="Picture 5">
+      <p:sp>
+        <p:nvSpPr>
+          <p:cNvPr id="2" name="Slide Number Placeholder 1">
             <a:extLst>
               <a:ext uri="{FF2B5EF4-FFF2-40B4-BE49-F238E27FC236}">
-                <a16:creationId xmlns:a16="http://schemas.microsoft.com/office/drawing/2014/main" id="{C89AA5D8-1528-6243-9688-5F85E4066160}"/>
-              </a:ext>
-            </a:extLst>
-          </p:cNvPr>
-          <p:cNvPicPr>
-            <a:picLocks noChangeAspect="1"/>
-          </p:cNvPicPr>
-          <p:nvPr/>
-        </p:nvPicPr>
-        <p:blipFill rotWithShape="1">
-          <a:blip r:embed="rId2">
-            <a:extLst>
-              <a:ext uri="{28A0092B-C50C-407E-A947-70E740481C1C}">
-                <a14:useLocalDpi xmlns:a14="http://schemas.microsoft.com/office/drawing/2010/main" val="0"/>
-              </a:ext>
-            </a:extLst>
-          </a:blip>
-          <a:srcRect l="9226" t="2996" r="2620" b="8208"/>
-          <a:stretch/>
-        </p:blipFill>
-        <p:spPr>
-          <a:xfrm>
-            <a:off x="5215801" y="4227968"/>
-            <a:ext cx="1557197" cy="1557196"/>
-          </a:xfrm>
-          <a:prstGeom prst="rect">
-            <a:avLst/>
-          </a:prstGeom>
-        </p:spPr>
-      </p:pic>
-      <p:sp>
-        <p:nvSpPr>
-          <p:cNvPr id="10" name="TextBox 9">
-            <a:extLst>
-              <a:ext uri="{FF2B5EF4-FFF2-40B4-BE49-F238E27FC236}">
-                <a16:creationId xmlns:a16="http://schemas.microsoft.com/office/drawing/2014/main" id="{BC12FA80-A547-F74F-AB53-116DD5869477}"/>
-              </a:ext>
-            </a:extLst>
-          </p:cNvPr>
-          <p:cNvSpPr txBox="1"/>
-          <p:nvPr/>
-        </p:nvSpPr>
-        <p:spPr>
-          <a:xfrm>
-            <a:off x="4399266" y="5944532"/>
-            <a:ext cx="3393467" cy="276999"/>
-          </a:xfrm>
-          <a:prstGeom prst="rect">
-            <a:avLst/>
-          </a:prstGeom>
-          <a:noFill/>
-        </p:spPr>
-        <p:txBody>
-          <a:bodyPr wrap="square">
-            <a:spAutoFit/>
-          </a:bodyPr>
-          <a:lstStyle/>
-          <a:p>
-            <a:pPr algn="ctr"/>
-            <a:r>
-              <a:rPr lang="en-US" sz="1200" dirty="0">
-                <a:latin typeface="Arial" panose="020B0604020202020204" pitchFamily="34" charset="0"/>
-                <a:cs typeface="Arial" panose="020B0604020202020204" pitchFamily="34" charset="0"/>
-              </a:rPr>
-              <a:t>Figure 4: Reward heatmap of the environment</a:t>
-            </a:r>
-          </a:p>
-        </p:txBody>
-      </p:sp>
-      <p:sp>
-        <p:nvSpPr>
-          <p:cNvPr id="11" name="TextBox 10">
-            <a:extLst>
-              <a:ext uri="{FF2B5EF4-FFF2-40B4-BE49-F238E27FC236}">
-                <a16:creationId xmlns:a16="http://schemas.microsoft.com/office/drawing/2014/main" id="{4FE256AB-4DF0-FB4A-BD68-62623A4B1B8D}"/>
-              </a:ext>
-            </a:extLst>
-          </p:cNvPr>
-          <p:cNvSpPr txBox="1"/>
-          <p:nvPr/>
-        </p:nvSpPr>
-        <p:spPr>
-          <a:xfrm>
-            <a:off x="6815965" y="4670751"/>
-            <a:ext cx="897587" cy="661740"/>
-          </a:xfrm>
-          <a:prstGeom prst="rect">
-            <a:avLst/>
-          </a:prstGeom>
-          <a:noFill/>
-        </p:spPr>
-        <p:txBody>
-          <a:bodyPr wrap="square">
-            <a:spAutoFit/>
-          </a:bodyPr>
-          <a:lstStyle/>
-          <a:p>
-            <a:r>
-              <a:rPr lang="en-US" sz="1200" dirty="0">
-                <a:solidFill>
-                  <a:srgbClr val="FFFF00"/>
-                </a:solidFill>
-                <a:latin typeface="Arial" panose="020B0604020202020204" pitchFamily="34" charset="0"/>
-                <a:cs typeface="Arial" panose="020B0604020202020204" pitchFamily="34" charset="0"/>
-              </a:rPr>
-              <a:t>Yellow</a:t>
-            </a:r>
-            <a:r>
-              <a:rPr lang="en-US" sz="1200" dirty="0">
-                <a:latin typeface="Arial" panose="020B0604020202020204" pitchFamily="34" charset="0"/>
-                <a:cs typeface="Arial" panose="020B0604020202020204" pitchFamily="34" charset="0"/>
-              </a:rPr>
-              <a:t>: +1</a:t>
-            </a:r>
-          </a:p>
-          <a:p>
-            <a:r>
-              <a:rPr lang="en-US" sz="1200" dirty="0">
-                <a:solidFill>
-                  <a:srgbClr val="00BB8E"/>
-                </a:solidFill>
-                <a:latin typeface="Arial" panose="020B0604020202020204" pitchFamily="34" charset="0"/>
-                <a:cs typeface="Arial" panose="020B0604020202020204" pitchFamily="34" charset="0"/>
-              </a:rPr>
-              <a:t>Green</a:t>
-            </a:r>
-            <a:r>
-              <a:rPr lang="en-US" sz="1200" dirty="0">
-                <a:latin typeface="Arial" panose="020B0604020202020204" pitchFamily="34" charset="0"/>
-                <a:cs typeface="Arial" panose="020B0604020202020204" pitchFamily="34" charset="0"/>
-              </a:rPr>
-              <a:t>: 0</a:t>
-            </a:r>
-          </a:p>
-          <a:p>
-            <a:r>
-              <a:rPr lang="en-US" sz="1200" dirty="0">
-                <a:solidFill>
-                  <a:srgbClr val="7030A0"/>
-                </a:solidFill>
-                <a:latin typeface="Arial" panose="020B0604020202020204" pitchFamily="34" charset="0"/>
-                <a:cs typeface="Arial" panose="020B0604020202020204" pitchFamily="34" charset="0"/>
-              </a:rPr>
-              <a:t>Violet</a:t>
-            </a:r>
-            <a:r>
-              <a:rPr lang="en-US" sz="1200" dirty="0">
-                <a:latin typeface="Arial" panose="020B0604020202020204" pitchFamily="34" charset="0"/>
-                <a:cs typeface="Arial" panose="020B0604020202020204" pitchFamily="34" charset="0"/>
-              </a:rPr>
-              <a:t>: -1</a:t>
-            </a:r>
-          </a:p>
-        </p:txBody>
-      </p:sp>
-      <p:sp>
-        <p:nvSpPr>
-          <p:cNvPr id="7" name="Slide Number Placeholder 6">
-            <a:extLst>
-              <a:ext uri="{FF2B5EF4-FFF2-40B4-BE49-F238E27FC236}">
-                <a16:creationId xmlns:a16="http://schemas.microsoft.com/office/drawing/2014/main" id="{DCEBCB51-E54B-B24F-877A-DBC3641771F8}"/>
+                <a16:creationId xmlns:a16="http://schemas.microsoft.com/office/drawing/2014/main" id="{3E5361C0-CDFA-5D4C-A533-F2978688B838}"/>
               </a:ext>
             </a:extLst>
           </p:cNvPr>
@@ -10874,7 +10435,7 @@
     </p:spTree>
     <p:extLst>
       <p:ext uri="{BB962C8B-B14F-4D97-AF65-F5344CB8AC3E}">
-        <p14:creationId xmlns:p14="http://schemas.microsoft.com/office/powerpoint/2010/main" val="584509643"/>
+        <p14:creationId xmlns:p14="http://schemas.microsoft.com/office/powerpoint/2010/main" val="2547686255"/>
       </p:ext>
     </p:extLst>
   </p:cSld>
@@ -10957,8 +10518,8 @@
         </p:nvSpPr>
         <p:spPr>
           <a:xfrm>
-            <a:off x="1057275" y="1836846"/>
-            <a:ext cx="10077450" cy="1592154"/>
+            <a:off x="1057275" y="1836845"/>
+            <a:ext cx="10077450" cy="2391123"/>
           </a:xfrm>
           <a:prstGeom prst="rect">
             <a:avLst/>
@@ -11134,6 +10695,9 @@
           </a:lstStyle>
           <a:p>
             <a:pPr marL="285750" indent="-285750" algn="just">
+              <a:spcAft>
+                <a:spcPts val="1200"/>
+              </a:spcAft>
               <a:buFont typeface="Wingdings" pitchFamily="2" charset="2"/>
               <a:buChar char="Ø"/>
             </a:pPr>
@@ -11141,11 +10705,14 @@
               <a:rPr lang="en-US" sz="1800" dirty="0">
                 <a:latin typeface="Arial" panose="020B0604020202020204" pitchFamily="34" charset="0"/>
               </a:rPr>
-              <a:t>The expert policy is already implemented using Q-learning in the object world environment.</a:t>
+              <a:t>Let’s say the agent position is (x, y) and, the number of colors is two. </a:t>
             </a:r>
           </a:p>
           <a:p>
             <a:pPr marL="285750" indent="-285750" algn="just">
+              <a:spcAft>
+                <a:spcPts val="1200"/>
+              </a:spcAft>
               <a:buFont typeface="Wingdings" pitchFamily="2" charset="2"/>
               <a:buChar char="Ø"/>
             </a:pPr>
@@ -11153,11 +10720,29 @@
               <a:rPr lang="en-US" sz="1800" dirty="0">
                 <a:latin typeface="Arial" panose="020B0604020202020204" pitchFamily="34" charset="0"/>
               </a:rPr>
-              <a:t>That policy has been used to generate demonstrations.</a:t>
+              <a:t>Then the environment will check for at least 1 </a:t>
+            </a:r>
+            <a:r>
+              <a:rPr lang="en-US" sz="1800" dirty="0">
+                <a:solidFill>
+                  <a:srgbClr val="00B050"/>
+                </a:solidFill>
+                <a:latin typeface="Arial" panose="020B0604020202020204" pitchFamily="34" charset="0"/>
+              </a:rPr>
+              <a:t>outer color 0 </a:t>
+            </a:r>
+            <a:r>
+              <a:rPr lang="en-US" sz="1800" dirty="0">
+                <a:latin typeface="Arial" panose="020B0604020202020204" pitchFamily="34" charset="0"/>
+              </a:rPr>
+              <a:t>object within the distance of 3 </a:t>
             </a:r>
           </a:p>
           <a:p>
             <a:pPr marL="285750" indent="-285750" algn="just">
+              <a:spcAft>
+                <a:spcPts val="1200"/>
+              </a:spcAft>
               <a:buFont typeface="Wingdings" pitchFamily="2" charset="2"/>
               <a:buChar char="Ø"/>
             </a:pPr>
@@ -11165,8 +10750,50 @@
               <a:rPr lang="en-US" sz="1800" dirty="0">
                 <a:latin typeface="Arial" panose="020B0604020202020204" pitchFamily="34" charset="0"/>
               </a:rPr>
-              <a:t>Generated demonstrations have been used to train IAVI and tabular inverse Q-learning, which is an extended version of IAVI </a:t>
-            </a:r>
+              <a:t>And the environment will check for at least 1 </a:t>
+            </a:r>
+            <a:r>
+              <a:rPr lang="en-US" sz="1800" dirty="0">
+                <a:solidFill>
+                  <a:srgbClr val="0070C0"/>
+                </a:solidFill>
+                <a:latin typeface="Arial" panose="020B0604020202020204" pitchFamily="34" charset="0"/>
+              </a:rPr>
+              <a:t>outer color 1 </a:t>
+            </a:r>
+            <a:r>
+              <a:rPr lang="en-US" sz="1800" dirty="0">
+                <a:latin typeface="Arial" panose="020B0604020202020204" pitchFamily="34" charset="0"/>
+              </a:rPr>
+              <a:t>object within the distance of 2</a:t>
+            </a:r>
+          </a:p>
+          <a:p>
+            <a:pPr marL="285750" indent="-285750" algn="just">
+              <a:spcAft>
+                <a:spcPts val="1200"/>
+              </a:spcAft>
+              <a:buFont typeface="Wingdings" pitchFamily="2" charset="2"/>
+              <a:buChar char="Ø"/>
+            </a:pPr>
+            <a:r>
+              <a:rPr lang="en-US" sz="1800" dirty="0">
+                <a:latin typeface="Arial" panose="020B0604020202020204" pitchFamily="34" charset="0"/>
+              </a:rPr>
+              <a:t>If there are objects of both colors, the reward is 1. If there are only objects of color 0, the reward is -1. Otherwise, the reward is 0.</a:t>
+            </a:r>
+          </a:p>
+          <a:p>
+            <a:pPr algn="just"/>
+            <a:endParaRPr lang="en-US" sz="1800" dirty="0">
+              <a:latin typeface="Arial" panose="020B0604020202020204" pitchFamily="34" charset="0"/>
+            </a:endParaRPr>
+          </a:p>
+          <a:p>
+            <a:pPr algn="just"/>
+            <a:endParaRPr lang="en-US" sz="1800" dirty="0">
+              <a:latin typeface="Arial" panose="020B0604020202020204" pitchFamily="34" charset="0"/>
+            </a:endParaRPr>
           </a:p>
           <a:p>
             <a:pPr marL="285750" indent="-285750" algn="just">
@@ -11384,7 +11011,7 @@
                 <a:latin typeface="Arial" panose="020B0604020202020204" pitchFamily="34" charset="0"/>
                 <a:cs typeface="Arial" panose="020B0604020202020204" pitchFamily="34" charset="0"/>
               </a:rPr>
-              <a:t>4.2 The Expert policy for collect demonstrations</a:t>
+              <a:t>4.1 The Objectworld environment</a:t>
             </a:r>
           </a:p>
           <a:p>
@@ -11408,6 +11035,168 @@
             <a:endParaRPr lang="en-US" sz="1800" dirty="0">
               <a:latin typeface="Arial" panose="020B0604020202020204" pitchFamily="34" charset="0"/>
               <a:cs typeface="Arial" panose="020B0604020202020204" pitchFamily="34" charset="0"/>
+            </a:endParaRPr>
+          </a:p>
+        </p:txBody>
+      </p:sp>
+      <p:sp>
+        <p:nvSpPr>
+          <p:cNvPr id="10" name="TextBox 9">
+            <a:extLst>
+              <a:ext uri="{FF2B5EF4-FFF2-40B4-BE49-F238E27FC236}">
+                <a16:creationId xmlns:a16="http://schemas.microsoft.com/office/drawing/2014/main" id="{BC12FA80-A547-F74F-AB53-116DD5869477}"/>
+              </a:ext>
+            </a:extLst>
+          </p:cNvPr>
+          <p:cNvSpPr txBox="1"/>
+          <p:nvPr/>
+        </p:nvSpPr>
+        <p:spPr>
+          <a:xfrm>
+            <a:off x="4399266" y="5944532"/>
+            <a:ext cx="3393467" cy="276999"/>
+          </a:xfrm>
+          <a:prstGeom prst="rect">
+            <a:avLst/>
+          </a:prstGeom>
+          <a:noFill/>
+        </p:spPr>
+        <p:txBody>
+          <a:bodyPr wrap="square">
+            <a:spAutoFit/>
+          </a:bodyPr>
+          <a:lstStyle/>
+          <a:p>
+            <a:pPr algn="ctr"/>
+            <a:r>
+              <a:rPr lang="en-US" sz="1200" dirty="0">
+                <a:latin typeface="Arial" panose="020B0604020202020204" pitchFamily="34" charset="0"/>
+                <a:cs typeface="Arial" panose="020B0604020202020204" pitchFamily="34" charset="0"/>
+              </a:rPr>
+              <a:t>Figure 4: Reward heatmap of the environment</a:t>
+            </a:r>
+          </a:p>
+        </p:txBody>
+      </p:sp>
+      <p:sp>
+        <p:nvSpPr>
+          <p:cNvPr id="11" name="TextBox 10">
+            <a:extLst>
+              <a:ext uri="{FF2B5EF4-FFF2-40B4-BE49-F238E27FC236}">
+                <a16:creationId xmlns:a16="http://schemas.microsoft.com/office/drawing/2014/main" id="{4FE256AB-4DF0-FB4A-BD68-62623A4B1B8D}"/>
+              </a:ext>
+            </a:extLst>
+          </p:cNvPr>
+          <p:cNvSpPr txBox="1"/>
+          <p:nvPr/>
+        </p:nvSpPr>
+        <p:spPr>
+          <a:xfrm>
+            <a:off x="6815965" y="4670751"/>
+            <a:ext cx="897587" cy="661740"/>
+          </a:xfrm>
+          <a:prstGeom prst="rect">
+            <a:avLst/>
+          </a:prstGeom>
+          <a:noFill/>
+        </p:spPr>
+        <p:txBody>
+          <a:bodyPr wrap="square">
+            <a:spAutoFit/>
+          </a:bodyPr>
+          <a:lstStyle/>
+          <a:p>
+            <a:r>
+              <a:rPr lang="en-US" sz="1200" dirty="0">
+                <a:solidFill>
+                  <a:srgbClr val="FFFF00"/>
+                </a:solidFill>
+                <a:latin typeface="Arial" panose="020B0604020202020204" pitchFamily="34" charset="0"/>
+                <a:cs typeface="Arial" panose="020B0604020202020204" pitchFamily="34" charset="0"/>
+              </a:rPr>
+              <a:t>Yellow</a:t>
+            </a:r>
+            <a:r>
+              <a:rPr lang="en-US" sz="1200" dirty="0">
+                <a:latin typeface="Arial" panose="020B0604020202020204" pitchFamily="34" charset="0"/>
+                <a:cs typeface="Arial" panose="020B0604020202020204" pitchFamily="34" charset="0"/>
+              </a:rPr>
+              <a:t>: +1</a:t>
+            </a:r>
+          </a:p>
+          <a:p>
+            <a:r>
+              <a:rPr lang="en-US" sz="1200" dirty="0">
+                <a:solidFill>
+                  <a:srgbClr val="00BB8E"/>
+                </a:solidFill>
+                <a:latin typeface="Arial" panose="020B0604020202020204" pitchFamily="34" charset="0"/>
+                <a:cs typeface="Arial" panose="020B0604020202020204" pitchFamily="34" charset="0"/>
+              </a:rPr>
+              <a:t>Green</a:t>
+            </a:r>
+            <a:r>
+              <a:rPr lang="en-US" sz="1200" dirty="0">
+                <a:latin typeface="Arial" panose="020B0604020202020204" pitchFamily="34" charset="0"/>
+                <a:cs typeface="Arial" panose="020B0604020202020204" pitchFamily="34" charset="0"/>
+              </a:rPr>
+              <a:t>: 0</a:t>
+            </a:r>
+          </a:p>
+          <a:p>
+            <a:r>
+              <a:rPr lang="en-US" sz="1200" dirty="0">
+                <a:solidFill>
+                  <a:srgbClr val="7030A0"/>
+                </a:solidFill>
+                <a:latin typeface="Arial" panose="020B0604020202020204" pitchFamily="34" charset="0"/>
+                <a:cs typeface="Arial" panose="020B0604020202020204" pitchFamily="34" charset="0"/>
+              </a:rPr>
+              <a:t>Violet</a:t>
+            </a:r>
+            <a:r>
+              <a:rPr lang="en-US" sz="1200" dirty="0">
+                <a:latin typeface="Arial" panose="020B0604020202020204" pitchFamily="34" charset="0"/>
+                <a:cs typeface="Arial" panose="020B0604020202020204" pitchFamily="34" charset="0"/>
+              </a:rPr>
+              <a:t>: -1</a:t>
+            </a:r>
+          </a:p>
+        </p:txBody>
+      </p:sp>
+      <p:sp>
+        <p:nvSpPr>
+          <p:cNvPr id="7" name="Slide Number Placeholder 6">
+            <a:extLst>
+              <a:ext uri="{FF2B5EF4-FFF2-40B4-BE49-F238E27FC236}">
+                <a16:creationId xmlns:a16="http://schemas.microsoft.com/office/drawing/2014/main" id="{DCEBCB51-E54B-B24F-877A-DBC3641771F8}"/>
+              </a:ext>
+            </a:extLst>
+          </p:cNvPr>
+          <p:cNvSpPr>
+            <a:spLocks noGrp="1"/>
+          </p:cNvSpPr>
+          <p:nvPr>
+            <p:ph type="sldNum" sz="quarter" idx="12"/>
+          </p:nvPr>
+        </p:nvSpPr>
+        <p:spPr/>
+        <p:txBody>
+          <a:bodyPr/>
+          <a:lstStyle/>
+          <a:p>
+            <a:fld id="{837B6784-DA4F-4E23-8F4C-41806829DD81}" type="slidenum">
+              <a:rPr lang="en-US" smtClean="0">
+                <a:solidFill>
+                  <a:schemeClr val="bg1"/>
+                </a:solidFill>
+              </a:rPr>
+              <a:t>14</a:t>
+            </a:fld>
+            <a:endParaRPr lang="en-US" dirty="0">
+              <a:solidFill>
+                <a:schemeClr val="bg1"/>
+              </a:solidFill>
             </a:endParaRPr>
           </a:p>
         </p:txBody>
@@ -11417,7 +11206,7 @@
           <p:cNvPr id="5" name="Picture 4">
             <a:extLst>
               <a:ext uri="{FF2B5EF4-FFF2-40B4-BE49-F238E27FC236}">
-                <a16:creationId xmlns:a16="http://schemas.microsoft.com/office/drawing/2014/main" id="{0D35CD50-B1C2-034F-BFDD-35098FD7BAC2}"/>
+                <a16:creationId xmlns:a16="http://schemas.microsoft.com/office/drawing/2014/main" id="{41BB532D-CD02-CC4D-AFF2-4B34C3EFDB9C}"/>
               </a:ext>
             </a:extLst>
           </p:cNvPr>
@@ -11434,19 +11223,560 @@
               </a:ext>
             </a:extLst>
           </a:blip>
-          <a:srcRect l="26711" t="16182" r="50676" b="6174"/>
+          <a:srcRect l="12537" t="35304" r="64597" b="34817"/>
           <a:stretch/>
         </p:blipFill>
         <p:spPr>
           <a:xfrm>
-            <a:off x="4723465" y="3797846"/>
-            <a:ext cx="2434660" cy="2339292"/>
+            <a:off x="4651513" y="4050718"/>
+            <a:ext cx="1940119" cy="1901358"/>
           </a:xfrm>
           <a:prstGeom prst="rect">
             <a:avLst/>
           </a:prstGeom>
         </p:spPr>
       </p:pic>
+    </p:spTree>
+    <p:extLst>
+      <p:ext uri="{BB962C8B-B14F-4D97-AF65-F5344CB8AC3E}">
+        <p14:creationId xmlns:p14="http://schemas.microsoft.com/office/powerpoint/2010/main" val="584509643"/>
+      </p:ext>
+    </p:extLst>
+  </p:cSld>
+  <p:clrMapOvr>
+    <a:masterClrMapping/>
+  </p:clrMapOvr>
+</p:sld>
+</file>
+
+<file path=ppt/slides/slide15.xml><?xml version="1.0" encoding="utf-8"?>
+<p:sld xmlns:a="http://schemas.openxmlformats.org/drawingml/2006/main" xmlns:r="http://schemas.openxmlformats.org/officeDocument/2006/relationships" xmlns:p="http://schemas.openxmlformats.org/presentationml/2006/main">
+  <p:cSld>
+    <p:spTree>
+      <p:nvGrpSpPr>
+        <p:cNvPr id="1" name=""/>
+        <p:cNvGrpSpPr/>
+        <p:nvPr/>
+      </p:nvGrpSpPr>
+      <p:grpSpPr>
+        <a:xfrm>
+          <a:off x="0" y="0"/>
+          <a:ext cx="0" cy="0"/>
+          <a:chOff x="0" y="0"/>
+          <a:chExt cx="0" cy="0"/>
+        </a:xfrm>
+      </p:grpSpPr>
+      <p:sp>
+        <p:nvSpPr>
+          <p:cNvPr id="3" name="Subtitle 2">
+            <a:extLst>
+              <a:ext uri="{FF2B5EF4-FFF2-40B4-BE49-F238E27FC236}">
+                <a16:creationId xmlns:a16="http://schemas.microsoft.com/office/drawing/2014/main" id="{038BE419-BB5F-A1E1-552E-536A04575F45}"/>
+              </a:ext>
+            </a:extLst>
+          </p:cNvPr>
+          <p:cNvSpPr>
+            <a:spLocks noGrp="1"/>
+          </p:cNvSpPr>
+          <p:nvPr>
+            <p:ph type="subTitle" idx="1"/>
+          </p:nvPr>
+        </p:nvSpPr>
+        <p:spPr>
+          <a:xfrm>
+            <a:off x="450850" y="566738"/>
+            <a:ext cx="11087100" cy="493712"/>
+          </a:xfrm>
+        </p:spPr>
+        <p:txBody>
+          <a:bodyPr>
+            <a:normAutofit lnSpcReduction="10000"/>
+          </a:bodyPr>
+          <a:lstStyle/>
+          <a:p>
+            <a:pPr algn="l"/>
+            <a:r>
+              <a:rPr lang="en-US" sz="2800" dirty="0"/>
+              <a:t>4. The Experiment</a:t>
+            </a:r>
+          </a:p>
+          <a:p>
+            <a:pPr algn="l"/>
+            <a:endParaRPr lang="en-US" sz="2800" dirty="0"/>
+          </a:p>
+        </p:txBody>
+      </p:sp>
+      <p:sp>
+        <p:nvSpPr>
+          <p:cNvPr id="12" name="Subtitle 2">
+            <a:extLst>
+              <a:ext uri="{FF2B5EF4-FFF2-40B4-BE49-F238E27FC236}">
+                <a16:creationId xmlns:a16="http://schemas.microsoft.com/office/drawing/2014/main" id="{AF6B266F-1219-CD47-A248-483FB1190CBA}"/>
+              </a:ext>
+            </a:extLst>
+          </p:cNvPr>
+          <p:cNvSpPr txBox="1">
+            <a:spLocks/>
+          </p:cNvSpPr>
+          <p:nvPr/>
+        </p:nvSpPr>
+        <p:spPr>
+          <a:xfrm>
+            <a:off x="1057275" y="1836846"/>
+            <a:ext cx="10077450" cy="1592154"/>
+          </a:xfrm>
+          <a:prstGeom prst="rect">
+            <a:avLst/>
+          </a:prstGeom>
+        </p:spPr>
+        <p:txBody>
+          <a:bodyPr vert="horz" lIns="91440" tIns="45720" rIns="91440" bIns="45720" rtlCol="0">
+            <a:normAutofit/>
+          </a:bodyPr>
+          <a:lstStyle>
+            <a:lvl1pPr marL="0" indent="0" algn="ctr" defTabSz="914400" rtl="0" eaLnBrk="1" latinLnBrk="0" hangingPunct="1">
+              <a:lnSpc>
+                <a:spcPct val="90000"/>
+              </a:lnSpc>
+              <a:spcBef>
+                <a:spcPts val="1000"/>
+              </a:spcBef>
+              <a:buFont typeface="Arial" panose="020B0604020202020204" pitchFamily="34" charset="0"/>
+              <a:buNone/>
+              <a:defRPr sz="2400" kern="1200">
+                <a:solidFill>
+                  <a:schemeClr val="tx1"/>
+                </a:solidFill>
+                <a:latin typeface="+mn-lt"/>
+                <a:ea typeface="+mn-ea"/>
+                <a:cs typeface="+mn-cs"/>
+              </a:defRPr>
+            </a:lvl1pPr>
+            <a:lvl2pPr marL="457200" indent="0" algn="ctr" defTabSz="914400" rtl="0" eaLnBrk="1" latinLnBrk="0" hangingPunct="1">
+              <a:lnSpc>
+                <a:spcPct val="90000"/>
+              </a:lnSpc>
+              <a:spcBef>
+                <a:spcPts val="500"/>
+              </a:spcBef>
+              <a:buFont typeface="Arial" panose="020B0604020202020204" pitchFamily="34" charset="0"/>
+              <a:buNone/>
+              <a:defRPr sz="2000" kern="1200">
+                <a:solidFill>
+                  <a:schemeClr val="tx1"/>
+                </a:solidFill>
+                <a:latin typeface="+mn-lt"/>
+                <a:ea typeface="+mn-ea"/>
+                <a:cs typeface="+mn-cs"/>
+              </a:defRPr>
+            </a:lvl2pPr>
+            <a:lvl3pPr marL="914400" indent="0" algn="ctr" defTabSz="914400" rtl="0" eaLnBrk="1" latinLnBrk="0" hangingPunct="1">
+              <a:lnSpc>
+                <a:spcPct val="90000"/>
+              </a:lnSpc>
+              <a:spcBef>
+                <a:spcPts val="500"/>
+              </a:spcBef>
+              <a:buFont typeface="Arial" panose="020B0604020202020204" pitchFamily="34" charset="0"/>
+              <a:buNone/>
+              <a:defRPr sz="1800" kern="1200">
+                <a:solidFill>
+                  <a:schemeClr val="tx1"/>
+                </a:solidFill>
+                <a:latin typeface="+mn-lt"/>
+                <a:ea typeface="+mn-ea"/>
+                <a:cs typeface="+mn-cs"/>
+              </a:defRPr>
+            </a:lvl3pPr>
+            <a:lvl4pPr marL="1371600" indent="0" algn="ctr" defTabSz="914400" rtl="0" eaLnBrk="1" latinLnBrk="0" hangingPunct="1">
+              <a:lnSpc>
+                <a:spcPct val="90000"/>
+              </a:lnSpc>
+              <a:spcBef>
+                <a:spcPts val="500"/>
+              </a:spcBef>
+              <a:buFont typeface="Arial" panose="020B0604020202020204" pitchFamily="34" charset="0"/>
+              <a:buNone/>
+              <a:defRPr sz="1600" kern="1200">
+                <a:solidFill>
+                  <a:schemeClr val="tx1"/>
+                </a:solidFill>
+                <a:latin typeface="+mn-lt"/>
+                <a:ea typeface="+mn-ea"/>
+                <a:cs typeface="+mn-cs"/>
+              </a:defRPr>
+            </a:lvl4pPr>
+            <a:lvl5pPr marL="1828800" indent="0" algn="ctr" defTabSz="914400" rtl="0" eaLnBrk="1" latinLnBrk="0" hangingPunct="1">
+              <a:lnSpc>
+                <a:spcPct val="90000"/>
+              </a:lnSpc>
+              <a:spcBef>
+                <a:spcPts val="500"/>
+              </a:spcBef>
+              <a:buFont typeface="Arial" panose="020B0604020202020204" pitchFamily="34" charset="0"/>
+              <a:buNone/>
+              <a:defRPr sz="1600" kern="1200">
+                <a:solidFill>
+                  <a:schemeClr val="tx1"/>
+                </a:solidFill>
+                <a:latin typeface="+mn-lt"/>
+                <a:ea typeface="+mn-ea"/>
+                <a:cs typeface="+mn-cs"/>
+              </a:defRPr>
+            </a:lvl5pPr>
+            <a:lvl6pPr marL="2286000" indent="0" algn="ctr" defTabSz="914400" rtl="0" eaLnBrk="1" latinLnBrk="0" hangingPunct="1">
+              <a:lnSpc>
+                <a:spcPct val="90000"/>
+              </a:lnSpc>
+              <a:spcBef>
+                <a:spcPts val="500"/>
+              </a:spcBef>
+              <a:buFont typeface="Arial" panose="020B0604020202020204" pitchFamily="34" charset="0"/>
+              <a:buNone/>
+              <a:defRPr sz="1600" kern="1200">
+                <a:solidFill>
+                  <a:schemeClr val="tx1"/>
+                </a:solidFill>
+                <a:latin typeface="+mn-lt"/>
+                <a:ea typeface="+mn-ea"/>
+                <a:cs typeface="+mn-cs"/>
+              </a:defRPr>
+            </a:lvl6pPr>
+            <a:lvl7pPr marL="2743200" indent="0" algn="ctr" defTabSz="914400" rtl="0" eaLnBrk="1" latinLnBrk="0" hangingPunct="1">
+              <a:lnSpc>
+                <a:spcPct val="90000"/>
+              </a:lnSpc>
+              <a:spcBef>
+                <a:spcPts val="500"/>
+              </a:spcBef>
+              <a:buFont typeface="Arial" panose="020B0604020202020204" pitchFamily="34" charset="0"/>
+              <a:buNone/>
+              <a:defRPr sz="1600" kern="1200">
+                <a:solidFill>
+                  <a:schemeClr val="tx1"/>
+                </a:solidFill>
+                <a:latin typeface="+mn-lt"/>
+                <a:ea typeface="+mn-ea"/>
+                <a:cs typeface="+mn-cs"/>
+              </a:defRPr>
+            </a:lvl7pPr>
+            <a:lvl8pPr marL="3200400" indent="0" algn="ctr" defTabSz="914400" rtl="0" eaLnBrk="1" latinLnBrk="0" hangingPunct="1">
+              <a:lnSpc>
+                <a:spcPct val="90000"/>
+              </a:lnSpc>
+              <a:spcBef>
+                <a:spcPts val="500"/>
+              </a:spcBef>
+              <a:buFont typeface="Arial" panose="020B0604020202020204" pitchFamily="34" charset="0"/>
+              <a:buNone/>
+              <a:defRPr sz="1600" kern="1200">
+                <a:solidFill>
+                  <a:schemeClr val="tx1"/>
+                </a:solidFill>
+                <a:latin typeface="+mn-lt"/>
+                <a:ea typeface="+mn-ea"/>
+                <a:cs typeface="+mn-cs"/>
+              </a:defRPr>
+            </a:lvl8pPr>
+            <a:lvl9pPr marL="3657600" indent="0" algn="ctr" defTabSz="914400" rtl="0" eaLnBrk="1" latinLnBrk="0" hangingPunct="1">
+              <a:lnSpc>
+                <a:spcPct val="90000"/>
+              </a:lnSpc>
+              <a:spcBef>
+                <a:spcPts val="500"/>
+              </a:spcBef>
+              <a:buFont typeface="Arial" panose="020B0604020202020204" pitchFamily="34" charset="0"/>
+              <a:buNone/>
+              <a:defRPr sz="1600" kern="1200">
+                <a:solidFill>
+                  <a:schemeClr val="tx1"/>
+                </a:solidFill>
+                <a:latin typeface="+mn-lt"/>
+                <a:ea typeface="+mn-ea"/>
+                <a:cs typeface="+mn-cs"/>
+              </a:defRPr>
+            </a:lvl9pPr>
+          </a:lstStyle>
+          <a:p>
+            <a:pPr marL="285750" indent="-285750" algn="just">
+              <a:buFont typeface="Wingdings" pitchFamily="2" charset="2"/>
+              <a:buChar char="Ø"/>
+            </a:pPr>
+            <a:r>
+              <a:rPr lang="en-US" sz="1800" dirty="0">
+                <a:latin typeface="Arial" panose="020B0604020202020204" pitchFamily="34" charset="0"/>
+              </a:rPr>
+              <a:t>The expert policy is already implemented using Q-learning in the object world environment.</a:t>
+            </a:r>
+          </a:p>
+          <a:p>
+            <a:pPr marL="285750" indent="-285750" algn="just">
+              <a:buFont typeface="Wingdings" pitchFamily="2" charset="2"/>
+              <a:buChar char="Ø"/>
+            </a:pPr>
+            <a:r>
+              <a:rPr lang="en-US" sz="1800" dirty="0">
+                <a:latin typeface="Arial" panose="020B0604020202020204" pitchFamily="34" charset="0"/>
+              </a:rPr>
+              <a:t>That policy has been used to generate demonstrations.</a:t>
+            </a:r>
+          </a:p>
+          <a:p>
+            <a:pPr marL="285750" indent="-285750" algn="just">
+              <a:buFont typeface="Wingdings" pitchFamily="2" charset="2"/>
+              <a:buChar char="Ø"/>
+            </a:pPr>
+            <a:r>
+              <a:rPr lang="en-US" sz="1800" dirty="0">
+                <a:latin typeface="Arial" panose="020B0604020202020204" pitchFamily="34" charset="0"/>
+              </a:rPr>
+              <a:t>Generated demonstrations have been used to train IAVI and tabular inverse Q-learning, which is an extended version of IAVI </a:t>
+            </a:r>
+          </a:p>
+          <a:p>
+            <a:pPr marL="285750" indent="-285750" algn="just">
+              <a:buFont typeface="Wingdings" pitchFamily="2" charset="2"/>
+              <a:buChar char="Ø"/>
+            </a:pPr>
+            <a:endParaRPr lang="en-US" sz="1800" dirty="0">
+              <a:latin typeface="Arial" panose="020B0604020202020204" pitchFamily="34" charset="0"/>
+            </a:endParaRPr>
+          </a:p>
+          <a:p>
+            <a:pPr algn="l"/>
+            <a:endParaRPr lang="en-US" sz="1800" dirty="0">
+              <a:latin typeface="Arial" panose="020B0604020202020204" pitchFamily="34" charset="0"/>
+            </a:endParaRPr>
+          </a:p>
+        </p:txBody>
+      </p:sp>
+      <p:sp>
+        <p:nvSpPr>
+          <p:cNvPr id="4" name="Subtitle 2">
+            <a:extLst>
+              <a:ext uri="{FF2B5EF4-FFF2-40B4-BE49-F238E27FC236}">
+                <a16:creationId xmlns:a16="http://schemas.microsoft.com/office/drawing/2014/main" id="{C4C533A9-56B3-B646-9F8F-30CDE3EEBD0F}"/>
+              </a:ext>
+            </a:extLst>
+          </p:cNvPr>
+          <p:cNvSpPr txBox="1">
+            <a:spLocks/>
+          </p:cNvSpPr>
+          <p:nvPr/>
+        </p:nvSpPr>
+        <p:spPr>
+          <a:xfrm>
+            <a:off x="854500" y="1133551"/>
+            <a:ext cx="10077450" cy="371789"/>
+          </a:xfrm>
+          <a:prstGeom prst="rect">
+            <a:avLst/>
+          </a:prstGeom>
+        </p:spPr>
+        <p:txBody>
+          <a:bodyPr vert="horz" lIns="91440" tIns="45720" rIns="91440" bIns="45720" rtlCol="0">
+            <a:normAutofit/>
+          </a:bodyPr>
+          <a:lstStyle>
+            <a:lvl1pPr marL="0" indent="0" algn="ctr" defTabSz="914400" rtl="0" eaLnBrk="1" latinLnBrk="0" hangingPunct="1">
+              <a:lnSpc>
+                <a:spcPct val="90000"/>
+              </a:lnSpc>
+              <a:spcBef>
+                <a:spcPts val="1000"/>
+              </a:spcBef>
+              <a:buFont typeface="Arial" panose="020B0604020202020204" pitchFamily="34" charset="0"/>
+              <a:buNone/>
+              <a:defRPr sz="2400" kern="1200">
+                <a:solidFill>
+                  <a:schemeClr val="tx1"/>
+                </a:solidFill>
+                <a:latin typeface="+mn-lt"/>
+                <a:ea typeface="+mn-ea"/>
+                <a:cs typeface="+mn-cs"/>
+              </a:defRPr>
+            </a:lvl1pPr>
+            <a:lvl2pPr marL="457200" indent="0" algn="ctr" defTabSz="914400" rtl="0" eaLnBrk="1" latinLnBrk="0" hangingPunct="1">
+              <a:lnSpc>
+                <a:spcPct val="90000"/>
+              </a:lnSpc>
+              <a:spcBef>
+                <a:spcPts val="500"/>
+              </a:spcBef>
+              <a:buFont typeface="Arial" panose="020B0604020202020204" pitchFamily="34" charset="0"/>
+              <a:buNone/>
+              <a:defRPr sz="2000" kern="1200">
+                <a:solidFill>
+                  <a:schemeClr val="tx1"/>
+                </a:solidFill>
+                <a:latin typeface="+mn-lt"/>
+                <a:ea typeface="+mn-ea"/>
+                <a:cs typeface="+mn-cs"/>
+              </a:defRPr>
+            </a:lvl2pPr>
+            <a:lvl3pPr marL="914400" indent="0" algn="ctr" defTabSz="914400" rtl="0" eaLnBrk="1" latinLnBrk="0" hangingPunct="1">
+              <a:lnSpc>
+                <a:spcPct val="90000"/>
+              </a:lnSpc>
+              <a:spcBef>
+                <a:spcPts val="500"/>
+              </a:spcBef>
+              <a:buFont typeface="Arial" panose="020B0604020202020204" pitchFamily="34" charset="0"/>
+              <a:buNone/>
+              <a:defRPr sz="1800" kern="1200">
+                <a:solidFill>
+                  <a:schemeClr val="tx1"/>
+                </a:solidFill>
+                <a:latin typeface="+mn-lt"/>
+                <a:ea typeface="+mn-ea"/>
+                <a:cs typeface="+mn-cs"/>
+              </a:defRPr>
+            </a:lvl3pPr>
+            <a:lvl4pPr marL="1371600" indent="0" algn="ctr" defTabSz="914400" rtl="0" eaLnBrk="1" latinLnBrk="0" hangingPunct="1">
+              <a:lnSpc>
+                <a:spcPct val="90000"/>
+              </a:lnSpc>
+              <a:spcBef>
+                <a:spcPts val="500"/>
+              </a:spcBef>
+              <a:buFont typeface="Arial" panose="020B0604020202020204" pitchFamily="34" charset="0"/>
+              <a:buNone/>
+              <a:defRPr sz="1600" kern="1200">
+                <a:solidFill>
+                  <a:schemeClr val="tx1"/>
+                </a:solidFill>
+                <a:latin typeface="+mn-lt"/>
+                <a:ea typeface="+mn-ea"/>
+                <a:cs typeface="+mn-cs"/>
+              </a:defRPr>
+            </a:lvl4pPr>
+            <a:lvl5pPr marL="1828800" indent="0" algn="ctr" defTabSz="914400" rtl="0" eaLnBrk="1" latinLnBrk="0" hangingPunct="1">
+              <a:lnSpc>
+                <a:spcPct val="90000"/>
+              </a:lnSpc>
+              <a:spcBef>
+                <a:spcPts val="500"/>
+              </a:spcBef>
+              <a:buFont typeface="Arial" panose="020B0604020202020204" pitchFamily="34" charset="0"/>
+              <a:buNone/>
+              <a:defRPr sz="1600" kern="1200">
+                <a:solidFill>
+                  <a:schemeClr val="tx1"/>
+                </a:solidFill>
+                <a:latin typeface="+mn-lt"/>
+                <a:ea typeface="+mn-ea"/>
+                <a:cs typeface="+mn-cs"/>
+              </a:defRPr>
+            </a:lvl5pPr>
+            <a:lvl6pPr marL="2286000" indent="0" algn="ctr" defTabSz="914400" rtl="0" eaLnBrk="1" latinLnBrk="0" hangingPunct="1">
+              <a:lnSpc>
+                <a:spcPct val="90000"/>
+              </a:lnSpc>
+              <a:spcBef>
+                <a:spcPts val="500"/>
+              </a:spcBef>
+              <a:buFont typeface="Arial" panose="020B0604020202020204" pitchFamily="34" charset="0"/>
+              <a:buNone/>
+              <a:defRPr sz="1600" kern="1200">
+                <a:solidFill>
+                  <a:schemeClr val="tx1"/>
+                </a:solidFill>
+                <a:latin typeface="+mn-lt"/>
+                <a:ea typeface="+mn-ea"/>
+                <a:cs typeface="+mn-cs"/>
+              </a:defRPr>
+            </a:lvl6pPr>
+            <a:lvl7pPr marL="2743200" indent="0" algn="ctr" defTabSz="914400" rtl="0" eaLnBrk="1" latinLnBrk="0" hangingPunct="1">
+              <a:lnSpc>
+                <a:spcPct val="90000"/>
+              </a:lnSpc>
+              <a:spcBef>
+                <a:spcPts val="500"/>
+              </a:spcBef>
+              <a:buFont typeface="Arial" panose="020B0604020202020204" pitchFamily="34" charset="0"/>
+              <a:buNone/>
+              <a:defRPr sz="1600" kern="1200">
+                <a:solidFill>
+                  <a:schemeClr val="tx1"/>
+                </a:solidFill>
+                <a:latin typeface="+mn-lt"/>
+                <a:ea typeface="+mn-ea"/>
+                <a:cs typeface="+mn-cs"/>
+              </a:defRPr>
+            </a:lvl7pPr>
+            <a:lvl8pPr marL="3200400" indent="0" algn="ctr" defTabSz="914400" rtl="0" eaLnBrk="1" latinLnBrk="0" hangingPunct="1">
+              <a:lnSpc>
+                <a:spcPct val="90000"/>
+              </a:lnSpc>
+              <a:spcBef>
+                <a:spcPts val="500"/>
+              </a:spcBef>
+              <a:buFont typeface="Arial" panose="020B0604020202020204" pitchFamily="34" charset="0"/>
+              <a:buNone/>
+              <a:defRPr sz="1600" kern="1200">
+                <a:solidFill>
+                  <a:schemeClr val="tx1"/>
+                </a:solidFill>
+                <a:latin typeface="+mn-lt"/>
+                <a:ea typeface="+mn-ea"/>
+                <a:cs typeface="+mn-cs"/>
+              </a:defRPr>
+            </a:lvl8pPr>
+            <a:lvl9pPr marL="3657600" indent="0" algn="ctr" defTabSz="914400" rtl="0" eaLnBrk="1" latinLnBrk="0" hangingPunct="1">
+              <a:lnSpc>
+                <a:spcPct val="90000"/>
+              </a:lnSpc>
+              <a:spcBef>
+                <a:spcPts val="500"/>
+              </a:spcBef>
+              <a:buFont typeface="Arial" panose="020B0604020202020204" pitchFamily="34" charset="0"/>
+              <a:buNone/>
+              <a:defRPr sz="1600" kern="1200">
+                <a:solidFill>
+                  <a:schemeClr val="tx1"/>
+                </a:solidFill>
+                <a:latin typeface="+mn-lt"/>
+                <a:ea typeface="+mn-ea"/>
+                <a:cs typeface="+mn-cs"/>
+              </a:defRPr>
+            </a:lvl9pPr>
+          </a:lstStyle>
+          <a:p>
+            <a:pPr algn="l"/>
+            <a:r>
+              <a:rPr lang="en-US" sz="2000" b="1" dirty="0">
+                <a:effectLst/>
+                <a:latin typeface="Arial" panose="020B0604020202020204" pitchFamily="34" charset="0"/>
+                <a:cs typeface="Arial" panose="020B0604020202020204" pitchFamily="34" charset="0"/>
+              </a:rPr>
+              <a:t>4.2 The Expert policy for collect demonstrations</a:t>
+            </a:r>
+          </a:p>
+          <a:p>
+            <a:pPr algn="l"/>
+            <a:endParaRPr lang="en-US" sz="2000" b="1" dirty="0">
+              <a:effectLst/>
+              <a:latin typeface="Arial" panose="020B0604020202020204" pitchFamily="34" charset="0"/>
+              <a:cs typeface="Arial" panose="020B0604020202020204" pitchFamily="34" charset="0"/>
+            </a:endParaRPr>
+          </a:p>
+          <a:p>
+            <a:pPr algn="l"/>
+            <a:endParaRPr lang="en-US" sz="1800" b="0" i="0" dirty="0">
+              <a:effectLst/>
+              <a:latin typeface="Arial" panose="020B0604020202020204" pitchFamily="34" charset="0"/>
+              <a:cs typeface="Arial" panose="020B0604020202020204" pitchFamily="34" charset="0"/>
+            </a:endParaRPr>
+          </a:p>
+          <a:p>
+            <a:pPr algn="l"/>
+            <a:endParaRPr lang="en-US" sz="1800" dirty="0">
+              <a:latin typeface="Arial" panose="020B0604020202020204" pitchFamily="34" charset="0"/>
+              <a:cs typeface="Arial" panose="020B0604020202020204" pitchFamily="34" charset="0"/>
+            </a:endParaRPr>
+          </a:p>
+        </p:txBody>
+      </p:sp>
       <p:sp>
         <p:nvSpPr>
           <p:cNvPr id="6" name="TextBox 5">
@@ -11481,7 +11811,7 @@
                 <a:latin typeface="Arial" panose="020B0604020202020204" pitchFamily="34" charset="0"/>
                 <a:cs typeface="Arial" panose="020B0604020202020204" pitchFamily="34" charset="0"/>
               </a:rPr>
-              <a:t>Figure 4: Expert’s Value heatmap- Ground truth</a:t>
+              <a:t>Figure 4: Expert’s Value heatmap</a:t>
             </a:r>
           </a:p>
         </p:txBody>
@@ -11513,7 +11843,7 @@
                   <a:schemeClr val="bg1"/>
                 </a:solidFill>
               </a:rPr>
-              <a:t>14</a:t>
+              <a:t>15</a:t>
             </a:fld>
             <a:endParaRPr lang="en-US" dirty="0">
               <a:solidFill>
@@ -11523,6 +11853,41 @@
           </a:p>
         </p:txBody>
       </p:sp>
+      <p:pic>
+        <p:nvPicPr>
+          <p:cNvPr id="8" name="Picture 7">
+            <a:extLst>
+              <a:ext uri="{FF2B5EF4-FFF2-40B4-BE49-F238E27FC236}">
+                <a16:creationId xmlns:a16="http://schemas.microsoft.com/office/drawing/2014/main" id="{1B3442ED-955A-3C47-BED5-8C49D881A67A}"/>
+              </a:ext>
+            </a:extLst>
+          </p:cNvPr>
+          <p:cNvPicPr>
+            <a:picLocks noChangeAspect="1"/>
+          </p:cNvPicPr>
+          <p:nvPr/>
+        </p:nvPicPr>
+        <p:blipFill rotWithShape="1">
+          <a:blip r:embed="rId2">
+            <a:extLst>
+              <a:ext uri="{28A0092B-C50C-407E-A947-70E740481C1C}">
+                <a14:useLocalDpi xmlns:a14="http://schemas.microsoft.com/office/drawing/2010/main" val="0"/>
+              </a:ext>
+            </a:extLst>
+          </a:blip>
+          <a:srcRect l="39884" t="35098" r="37122" b="34983"/>
+          <a:stretch/>
+        </p:blipFill>
+        <p:spPr>
+          <a:xfrm>
+            <a:off x="4679134" y="3597262"/>
+            <a:ext cx="2618602" cy="2555500"/>
+          </a:xfrm>
+          <a:prstGeom prst="rect">
+            <a:avLst/>
+          </a:prstGeom>
+        </p:spPr>
+      </p:pic>
     </p:spTree>
     <p:extLst>
       <p:ext uri="{BB962C8B-B14F-4D97-AF65-F5344CB8AC3E}">
@@ -11536,7 +11901,7 @@
 </p:sld>
 </file>
 
-<file path=ppt/slides/slide15.xml><?xml version="1.0" encoding="utf-8"?>
+<file path=ppt/slides/slide16.xml><?xml version="1.0" encoding="utf-8"?>
 <p:sld xmlns:a="http://schemas.openxmlformats.org/drawingml/2006/main" xmlns:r="http://schemas.openxmlformats.org/officeDocument/2006/relationships" xmlns:p="http://schemas.openxmlformats.org/presentationml/2006/main">
   <p:cSld>
     <p:spTree>
@@ -11737,7 +12102,7 @@
                 <a:effectLst/>
                 <a:latin typeface="NimbusRomNo9L"/>
               </a:rPr>
-              <a:t>Additionally, IAVI and IQL have </a:t>
+              <a:t>IAVI and IQL have </a:t>
             </a:r>
             <a:r>
               <a:rPr lang="en-US" sz="1800" i="1" dirty="0">
@@ -12109,7 +12474,7 @@
                   <a:schemeClr val="bg1"/>
                 </a:solidFill>
               </a:rPr>
-              <a:t>15</a:t>
+              <a:t>16</a:t>
             </a:fld>
             <a:endParaRPr lang="en-US" dirty="0">
               <a:solidFill>
@@ -12132,7 +12497,7 @@
 </p:sld>
 </file>
 
-<file path=ppt/slides/slide16.xml><?xml version="1.0" encoding="utf-8"?>
+<file path=ppt/slides/slide17.xml><?xml version="1.0" encoding="utf-8"?>
 <p:sld xmlns:a="http://schemas.openxmlformats.org/drawingml/2006/main" xmlns:r="http://schemas.openxmlformats.org/officeDocument/2006/relationships" xmlns:p="http://schemas.openxmlformats.org/presentationml/2006/main">
   <p:cSld>
     <p:spTree>
@@ -12388,7 +12753,7 @@
                 <a:latin typeface="Arial" panose="020B0604020202020204" pitchFamily="34" charset="0"/>
                 <a:cs typeface="Arial" panose="020B0604020202020204" pitchFamily="34" charset="0"/>
               </a:rPr>
-              <a:t>5.1 My Implementation</a:t>
+              <a:t>5.2 Our Implementation</a:t>
             </a:r>
           </a:p>
           <a:p>
@@ -12416,78 +12781,6 @@
           </a:p>
         </p:txBody>
       </p:sp>
-      <p:pic>
-        <p:nvPicPr>
-          <p:cNvPr id="4" name="Picture 3">
-            <a:extLst>
-              <a:ext uri="{FF2B5EF4-FFF2-40B4-BE49-F238E27FC236}">
-                <a16:creationId xmlns:a16="http://schemas.microsoft.com/office/drawing/2014/main" id="{BB5929B4-DC34-F54F-AE3D-A02973370583}"/>
-              </a:ext>
-            </a:extLst>
-          </p:cNvPr>
-          <p:cNvPicPr>
-            <a:picLocks noChangeAspect="1"/>
-          </p:cNvPicPr>
-          <p:nvPr/>
-        </p:nvPicPr>
-        <p:blipFill>
-          <a:blip r:embed="rId2">
-            <a:extLst>
-              <a:ext uri="{28A0092B-C50C-407E-A947-70E740481C1C}">
-                <a14:useLocalDpi xmlns:a14="http://schemas.microsoft.com/office/drawing/2010/main" val="0"/>
-              </a:ext>
-            </a:extLst>
-          </a:blip>
-          <a:stretch>
-            <a:fillRect/>
-          </a:stretch>
-        </p:blipFill>
-        <p:spPr>
-          <a:xfrm>
-            <a:off x="1991763" y="2364404"/>
-            <a:ext cx="1486088" cy="1482061"/>
-          </a:xfrm>
-          <a:prstGeom prst="rect">
-            <a:avLst/>
-          </a:prstGeom>
-        </p:spPr>
-      </p:pic>
-      <p:pic>
-        <p:nvPicPr>
-          <p:cNvPr id="6" name="Picture 5">
-            <a:extLst>
-              <a:ext uri="{FF2B5EF4-FFF2-40B4-BE49-F238E27FC236}">
-                <a16:creationId xmlns:a16="http://schemas.microsoft.com/office/drawing/2014/main" id="{694D16FA-ABBB-9C43-ADE7-DD683D78A9C3}"/>
-              </a:ext>
-            </a:extLst>
-          </p:cNvPr>
-          <p:cNvPicPr>
-            <a:picLocks noChangeAspect="1"/>
-          </p:cNvPicPr>
-          <p:nvPr/>
-        </p:nvPicPr>
-        <p:blipFill>
-          <a:blip r:embed="rId3">
-            <a:extLst>
-              <a:ext uri="{28A0092B-C50C-407E-A947-70E740481C1C}">
-                <a14:useLocalDpi xmlns:a14="http://schemas.microsoft.com/office/drawing/2010/main" val="0"/>
-              </a:ext>
-            </a:extLst>
-          </a:blip>
-          <a:stretch>
-            <a:fillRect/>
-          </a:stretch>
-        </p:blipFill>
-        <p:spPr>
-          <a:xfrm>
-            <a:off x="4129983" y="2364404"/>
-            <a:ext cx="1490116" cy="1482061"/>
-          </a:xfrm>
-          <a:prstGeom prst="rect">
-            <a:avLst/>
-          </a:prstGeom>
-        </p:spPr>
-      </p:pic>
       <p:sp>
         <p:nvSpPr>
           <p:cNvPr id="11" name="TextBox 10">
@@ -12502,7 +12795,7 @@
         </p:nvSpPr>
         <p:spPr>
           <a:xfrm>
-            <a:off x="2142609" y="2087405"/>
+            <a:off x="3033157" y="1836405"/>
             <a:ext cx="1184396" cy="276999"/>
           </a:xfrm>
           <a:prstGeom prst="rect">
@@ -12522,7 +12815,7 @@
                 <a:latin typeface="Arial" panose="020B0604020202020204" pitchFamily="34" charset="0"/>
                 <a:cs typeface="Arial" panose="020B0604020202020204" pitchFamily="34" charset="0"/>
               </a:rPr>
-              <a:t>Ground truth</a:t>
+              <a:t>Optimal Value</a:t>
             </a:r>
           </a:p>
         </p:txBody>
@@ -12541,7 +12834,7 @@
         </p:nvSpPr>
         <p:spPr>
           <a:xfrm>
-            <a:off x="4282843" y="2087404"/>
+            <a:off x="5230001" y="1836406"/>
             <a:ext cx="1184396" cy="276999"/>
           </a:xfrm>
           <a:prstGeom prst="rect">
@@ -12561,7 +12854,7 @@
                 <a:latin typeface="Arial" panose="020B0604020202020204" pitchFamily="34" charset="0"/>
                 <a:cs typeface="Arial" panose="020B0604020202020204" pitchFamily="34" charset="0"/>
               </a:rPr>
-              <a:t>IAVI</a:t>
+              <a:t>IAVI Value</a:t>
             </a:r>
           </a:p>
         </p:txBody>
@@ -12581,14 +12874,14 @@
           <p:nvPr>
             <p:extLst>
               <p:ext uri="{D42A27DB-BD31-4B8C-83A1-F6EECF244321}">
-                <p14:modId xmlns:p14="http://schemas.microsoft.com/office/powerpoint/2010/main" val="2665678336"/>
+                <p14:modId xmlns:p14="http://schemas.microsoft.com/office/powerpoint/2010/main" val="2635906907"/>
               </p:ext>
             </p:extLst>
           </p:nvPr>
         </p:nvGraphicFramePr>
         <p:xfrm>
-          <a:off x="1991763" y="4123464"/>
-          <a:ext cx="7659231" cy="1371600"/>
+          <a:off x="2063609" y="4204384"/>
+          <a:ext cx="7659231" cy="1499466"/>
         </p:xfrm>
         <a:graphic>
           <a:graphicData uri="http://schemas.openxmlformats.org/drawingml/2006/table">
@@ -12665,7 +12958,7 @@
                   </a:ext>
                 </a:extLst>
               </a:tr>
-              <a:tr h="339640">
+              <a:tr h="493626">
                 <a:tc>
                   <a:txBody>
                     <a:bodyPr/>
@@ -12686,7 +12979,7 @@
                     <a:p>
                       <a:r>
                         <a:rPr lang="en-US" dirty="0"/>
-                        <a:t>0.1</a:t>
+                        <a:t>0.098</a:t>
                       </a:r>
                     </a:p>
                   </a:txBody>
@@ -12699,7 +12992,7 @@
                     <a:p>
                       <a:r>
                         <a:rPr lang="en-US" dirty="0"/>
-                        <a:t>To be implemented</a:t>
+                        <a:t>0.098</a:t>
                       </a:r>
                     </a:p>
                   </a:txBody>
@@ -12717,6 +13010,23 @@
                     <a:bodyPr/>
                     <a:lstStyle/>
                     <a:p>
+                      <a:pPr marL="0" marR="0" lvl="0" indent="0" algn="l" defTabSz="457200" rtl="0" eaLnBrk="1" fontAlgn="auto" latinLnBrk="0" hangingPunct="1">
+                        <a:lnSpc>
+                          <a:spcPct val="100000"/>
+                        </a:lnSpc>
+                        <a:spcBef>
+                          <a:spcPts val="0"/>
+                        </a:spcBef>
+                        <a:spcAft>
+                          <a:spcPts val="0"/>
+                        </a:spcAft>
+                        <a:buClrTx/>
+                        <a:buSzTx/>
+                        <a:buFontTx/>
+                        <a:buNone/>
+                        <a:tabLst/>
+                        <a:defRPr/>
+                      </a:pPr>
                       <a:r>
                         <a:rPr lang="en-US" dirty="0"/>
                         <a:t>Runtime</a:t>
@@ -12749,7 +13059,7 @@
                       </a:pPr>
                       <a:r>
                         <a:rPr lang="en-US" dirty="0"/>
-                        <a:t>3 min (512 demontrations)</a:t>
+                        <a:t>124 sec(128 demontrations)</a:t>
                       </a:r>
                     </a:p>
                   </a:txBody>
@@ -12779,7 +13089,7 @@
                       </a:pPr>
                       <a:r>
                         <a:rPr lang="en-US" dirty="0"/>
-                        <a:t>To be implemented</a:t>
+                        <a:t>16 sec</a:t>
                       </a:r>
                     </a:p>
                     <a:p>
@@ -12800,51 +13110,6 @@
       </p:graphicFrame>
       <p:sp>
         <p:nvSpPr>
-          <p:cNvPr id="14" name="TextBox 13">
-            <a:extLst>
-              <a:ext uri="{FF2B5EF4-FFF2-40B4-BE49-F238E27FC236}">
-                <a16:creationId xmlns:a16="http://schemas.microsoft.com/office/drawing/2014/main" id="{3520318F-435B-B247-8A39-DED1E0B2C9DE}"/>
-              </a:ext>
-            </a:extLst>
-          </p:cNvPr>
-          <p:cNvSpPr txBox="1"/>
-          <p:nvPr/>
-        </p:nvSpPr>
-        <p:spPr>
-          <a:xfrm>
-            <a:off x="2472806" y="5718054"/>
-            <a:ext cx="6843210" cy="646331"/>
-          </a:xfrm>
-          <a:prstGeom prst="rect">
-            <a:avLst/>
-          </a:prstGeom>
-          <a:noFill/>
-        </p:spPr>
-        <p:txBody>
-          <a:bodyPr wrap="square">
-            <a:spAutoFit/>
-          </a:bodyPr>
-          <a:lstStyle/>
-          <a:p>
-            <a:pPr algn="just">
-              <a:spcAft>
-                <a:spcPts val="1200"/>
-              </a:spcAft>
-            </a:pPr>
-            <a:r>
-              <a:rPr lang="en-US" sz="1800" dirty="0">
-                <a:solidFill>
-                  <a:srgbClr val="FF0000"/>
-                </a:solidFill>
-                <a:latin typeface="Arial" panose="020B0604020202020204" pitchFamily="34" charset="0"/>
-              </a:rPr>
-              <a:t>Please note that correct results can be obtained after finishing the code</a:t>
-            </a:r>
-          </a:p>
-        </p:txBody>
-      </p:sp>
-      <p:sp>
-        <p:nvSpPr>
           <p:cNvPr id="10" name="Slide Number Placeholder 9">
             <a:extLst>
               <a:ext uri="{FF2B5EF4-FFF2-40B4-BE49-F238E27FC236}">
@@ -12870,13 +13135,209 @@
                   <a:schemeClr val="bg1"/>
                 </a:solidFill>
               </a:rPr>
-              <a:t>16</a:t>
+              <a:t>17</a:t>
             </a:fld>
             <a:endParaRPr lang="en-US" dirty="0">
               <a:solidFill>
                 <a:schemeClr val="bg1"/>
               </a:solidFill>
             </a:endParaRPr>
+          </a:p>
+        </p:txBody>
+      </p:sp>
+      <p:sp>
+        <p:nvSpPr>
+          <p:cNvPr id="13" name="TextBox 12">
+            <a:extLst>
+              <a:ext uri="{FF2B5EF4-FFF2-40B4-BE49-F238E27FC236}">
+                <a16:creationId xmlns:a16="http://schemas.microsoft.com/office/drawing/2014/main" id="{5FEC092E-58DB-604E-8634-9CF37CB3B9D7}"/>
+              </a:ext>
+            </a:extLst>
+          </p:cNvPr>
+          <p:cNvSpPr txBox="1"/>
+          <p:nvPr/>
+        </p:nvSpPr>
+        <p:spPr>
+          <a:xfrm>
+            <a:off x="7421618" y="1809020"/>
+            <a:ext cx="1184396" cy="276999"/>
+          </a:xfrm>
+          <a:prstGeom prst="rect">
+            <a:avLst/>
+          </a:prstGeom>
+          <a:noFill/>
+        </p:spPr>
+        <p:txBody>
+          <a:bodyPr wrap="square">
+            <a:spAutoFit/>
+          </a:bodyPr>
+          <a:lstStyle/>
+          <a:p>
+            <a:pPr algn="ctr"/>
+            <a:r>
+              <a:rPr lang="en-US" sz="1200" dirty="0">
+                <a:latin typeface="Arial" panose="020B0604020202020204" pitchFamily="34" charset="0"/>
+                <a:cs typeface="Arial" panose="020B0604020202020204" pitchFamily="34" charset="0"/>
+              </a:rPr>
+              <a:t>IQL Value</a:t>
+            </a:r>
+          </a:p>
+        </p:txBody>
+      </p:sp>
+      <p:pic>
+        <p:nvPicPr>
+          <p:cNvPr id="9" name="Picture 8">
+            <a:extLst>
+              <a:ext uri="{FF2B5EF4-FFF2-40B4-BE49-F238E27FC236}">
+                <a16:creationId xmlns:a16="http://schemas.microsoft.com/office/drawing/2014/main" id="{86FB7139-721F-8146-BD7F-C488077C68E3}"/>
+              </a:ext>
+            </a:extLst>
+          </p:cNvPr>
+          <p:cNvPicPr>
+            <a:picLocks noChangeAspect="1"/>
+          </p:cNvPicPr>
+          <p:nvPr/>
+        </p:nvPicPr>
+        <p:blipFill rotWithShape="1">
+          <a:blip r:embed="rId2">
+            <a:extLst>
+              <a:ext uri="{28A0092B-C50C-407E-A947-70E740481C1C}">
+                <a14:useLocalDpi xmlns:a14="http://schemas.microsoft.com/office/drawing/2010/main" val="0"/>
+              </a:ext>
+            </a:extLst>
+          </a:blip>
+          <a:srcRect l="67826" t="35757" r="9827" b="35082"/>
+          <a:stretch/>
+        </p:blipFill>
+        <p:spPr>
+          <a:xfrm>
+            <a:off x="4955656" y="2087600"/>
+            <a:ext cx="1733086" cy="1696166"/>
+          </a:xfrm>
+          <a:prstGeom prst="rect">
+            <a:avLst/>
+          </a:prstGeom>
+        </p:spPr>
+      </p:pic>
+      <p:pic>
+        <p:nvPicPr>
+          <p:cNvPr id="16" name="Picture 15">
+            <a:extLst>
+              <a:ext uri="{FF2B5EF4-FFF2-40B4-BE49-F238E27FC236}">
+                <a16:creationId xmlns:a16="http://schemas.microsoft.com/office/drawing/2014/main" id="{7B27A3BA-3CB3-EB4A-8A9D-CF98B5610D09}"/>
+              </a:ext>
+            </a:extLst>
+          </p:cNvPr>
+          <p:cNvPicPr>
+            <a:picLocks noChangeAspect="1"/>
+          </p:cNvPicPr>
+          <p:nvPr/>
+        </p:nvPicPr>
+        <p:blipFill rotWithShape="1">
+          <a:blip r:embed="rId2">
+            <a:extLst>
+              <a:ext uri="{28A0092B-C50C-407E-A947-70E740481C1C}">
+                <a14:useLocalDpi xmlns:a14="http://schemas.microsoft.com/office/drawing/2010/main" val="0"/>
+              </a:ext>
+            </a:extLst>
+          </a:blip>
+          <a:srcRect l="39884" t="35098" r="37122" b="34983"/>
+          <a:stretch/>
+        </p:blipFill>
+        <p:spPr>
+          <a:xfrm>
+            <a:off x="2758812" y="2090862"/>
+            <a:ext cx="1733086" cy="1691323"/>
+          </a:xfrm>
+          <a:prstGeom prst="rect">
+            <a:avLst/>
+          </a:prstGeom>
+        </p:spPr>
+      </p:pic>
+      <p:pic>
+        <p:nvPicPr>
+          <p:cNvPr id="18" name="Picture 17">
+            <a:extLst>
+              <a:ext uri="{FF2B5EF4-FFF2-40B4-BE49-F238E27FC236}">
+                <a16:creationId xmlns:a16="http://schemas.microsoft.com/office/drawing/2014/main" id="{B57FC08E-9AAB-1C47-921F-1DB268CC10F7}"/>
+              </a:ext>
+            </a:extLst>
+          </p:cNvPr>
+          <p:cNvPicPr>
+            <a:picLocks noChangeAspect="1"/>
+          </p:cNvPicPr>
+          <p:nvPr/>
+        </p:nvPicPr>
+        <p:blipFill rotWithShape="1">
+          <a:blip r:embed="rId3">
+            <a:extLst>
+              <a:ext uri="{28A0092B-C50C-407E-A947-70E740481C1C}">
+                <a14:useLocalDpi xmlns:a14="http://schemas.microsoft.com/office/drawing/2010/main" val="0"/>
+              </a:ext>
+            </a:extLst>
+          </a:blip>
+          <a:srcRect l="66991" t="35641" r="9739" b="34255"/>
+          <a:stretch/>
+        </p:blipFill>
+        <p:spPr>
+          <a:xfrm>
+            <a:off x="7246552" y="2113403"/>
+            <a:ext cx="1719970" cy="1668781"/>
+          </a:xfrm>
+          <a:prstGeom prst="rect">
+            <a:avLst/>
+          </a:prstGeom>
+        </p:spPr>
+      </p:pic>
+      <p:sp>
+        <p:nvSpPr>
+          <p:cNvPr id="23" name="TextBox 22">
+            <a:extLst>
+              <a:ext uri="{FF2B5EF4-FFF2-40B4-BE49-F238E27FC236}">
+                <a16:creationId xmlns:a16="http://schemas.microsoft.com/office/drawing/2014/main" id="{7167D04C-D21C-CB47-A17B-423ED2FE3C62}"/>
+              </a:ext>
+            </a:extLst>
+          </p:cNvPr>
+          <p:cNvSpPr txBox="1"/>
+          <p:nvPr/>
+        </p:nvSpPr>
+        <p:spPr>
+          <a:xfrm>
+            <a:off x="2063609" y="5657813"/>
+            <a:ext cx="7768214" cy="276999"/>
+          </a:xfrm>
+          <a:prstGeom prst="rect">
+            <a:avLst/>
+          </a:prstGeom>
+          <a:noFill/>
+        </p:spPr>
+        <p:txBody>
+          <a:bodyPr wrap="square">
+            <a:spAutoFit/>
+          </a:bodyPr>
+          <a:lstStyle/>
+          <a:p>
+            <a:r>
+              <a:rPr lang="en-US" sz="1200" b="1" dirty="0"/>
+              <a:t>Runtime</a:t>
+            </a:r>
+            <a:r>
+              <a:rPr lang="en-US" sz="1200" dirty="0"/>
+              <a:t> is the time taken to converge the </a:t>
+            </a:r>
+            <a:r>
+              <a:rPr lang="en-US" sz="1200" kern="1200" dirty="0">
+                <a:solidFill>
+                  <a:schemeClr val="dk1"/>
+                </a:solidFill>
+                <a:effectLst/>
+                <a:latin typeface="+mn-lt"/>
+                <a:ea typeface="+mn-ea"/>
+                <a:cs typeface="+mn-cs"/>
+              </a:rPr>
+              <a:t>difference of learned reward &lt; 0.001 between iterations </a:t>
+            </a:r>
+            <a:endParaRPr lang="en-US" sz="1200" dirty="0"/>
           </a:p>
         </p:txBody>
       </p:sp>
@@ -12893,7 +13354,7 @@
 </p:sld>
 </file>
 
-<file path=ppt/slides/slide17.xml><?xml version="1.0" encoding="utf-8"?>
+<file path=ppt/slides/slide18.xml><?xml version="1.0" encoding="utf-8"?>
 <p:sld xmlns:a="http://schemas.openxmlformats.org/drawingml/2006/main" xmlns:r="http://schemas.openxmlformats.org/officeDocument/2006/relationships" xmlns:p="http://schemas.openxmlformats.org/presentationml/2006/main">
   <p:cSld>
     <p:spTree>
@@ -12952,51 +13413,6 @@
       </p:sp>
       <p:sp>
         <p:nvSpPr>
-          <p:cNvPr id="14" name="TextBox 13">
-            <a:extLst>
-              <a:ext uri="{FF2B5EF4-FFF2-40B4-BE49-F238E27FC236}">
-                <a16:creationId xmlns:a16="http://schemas.microsoft.com/office/drawing/2014/main" id="{3520318F-435B-B247-8A39-DED1E0B2C9DE}"/>
-              </a:ext>
-            </a:extLst>
-          </p:cNvPr>
-          <p:cNvSpPr txBox="1"/>
-          <p:nvPr/>
-        </p:nvSpPr>
-        <p:spPr>
-          <a:xfrm>
-            <a:off x="1929598" y="1770743"/>
-            <a:ext cx="6843210" cy="369332"/>
-          </a:xfrm>
-          <a:prstGeom prst="rect">
-            <a:avLst/>
-          </a:prstGeom>
-          <a:noFill/>
-        </p:spPr>
-        <p:txBody>
-          <a:bodyPr wrap="square">
-            <a:spAutoFit/>
-          </a:bodyPr>
-          <a:lstStyle/>
-          <a:p>
-            <a:pPr algn="ctr">
-              <a:spcAft>
-                <a:spcPts val="1200"/>
-              </a:spcAft>
-            </a:pPr>
-            <a:r>
-              <a:rPr lang="en-US" sz="1800" dirty="0">
-                <a:solidFill>
-                  <a:srgbClr val="FF0000"/>
-                </a:solidFill>
-                <a:latin typeface="Arial" panose="020B0604020202020204" pitchFamily="34" charset="0"/>
-              </a:rPr>
-              <a:t>To be added after the code implementation is finished</a:t>
-            </a:r>
-          </a:p>
-        </p:txBody>
-      </p:sp>
-      <p:sp>
-        <p:nvSpPr>
           <p:cNvPr id="2" name="Slide Number Placeholder 1">
             <a:extLst>
               <a:ext uri="{FF2B5EF4-FFF2-40B4-BE49-F238E27FC236}">
@@ -13022,12 +13438,184 @@
                   <a:schemeClr val="bg1"/>
                 </a:solidFill>
               </a:rPr>
-              <a:t>17</a:t>
+              <a:t>18</a:t>
             </a:fld>
             <a:endParaRPr lang="en-US" dirty="0">
               <a:solidFill>
                 <a:schemeClr val="bg1"/>
               </a:solidFill>
+            </a:endParaRPr>
+          </a:p>
+        </p:txBody>
+      </p:sp>
+      <p:sp>
+        <p:nvSpPr>
+          <p:cNvPr id="5" name="TextBox 4">
+            <a:extLst>
+              <a:ext uri="{FF2B5EF4-FFF2-40B4-BE49-F238E27FC236}">
+                <a16:creationId xmlns:a16="http://schemas.microsoft.com/office/drawing/2014/main" id="{E3613B65-03FD-AA43-835D-9EB4A54A5CB1}"/>
+              </a:ext>
+            </a:extLst>
+          </p:cNvPr>
+          <p:cNvSpPr txBox="1"/>
+          <p:nvPr/>
+        </p:nvSpPr>
+        <p:spPr>
+          <a:xfrm>
+            <a:off x="813900" y="1507005"/>
+            <a:ext cx="10360999" cy="2031325"/>
+          </a:xfrm>
+          <a:prstGeom prst="rect">
+            <a:avLst/>
+          </a:prstGeom>
+          <a:noFill/>
+        </p:spPr>
+        <p:txBody>
+          <a:bodyPr wrap="square">
+            <a:spAutoFit/>
+          </a:bodyPr>
+          <a:lstStyle/>
+          <a:p>
+            <a:pPr marL="285750" indent="-285750">
+              <a:buFont typeface="Wingdings" pitchFamily="2" charset="2"/>
+              <a:buChar char="Ø"/>
+            </a:pPr>
+            <a:r>
+              <a:rPr lang="en-US" sz="1800" dirty="0">
+                <a:effectLst/>
+                <a:latin typeface="NimbusRomNo9L"/>
+              </a:rPr>
+              <a:t>According to their paper and our implementation, we can see the IAVI and IQL are much faster compared to the </a:t>
+            </a:r>
+            <a:r>
+              <a:rPr lang="en-US" sz="1800" dirty="0" err="1">
+                <a:effectLst/>
+                <a:latin typeface="NimbusRomNo9L"/>
+              </a:rPr>
+              <a:t>MaxEnt</a:t>
+            </a:r>
+            <a:r>
+              <a:rPr lang="en-US" sz="1800" dirty="0">
+                <a:effectLst/>
+                <a:latin typeface="NimbusRomNo9L"/>
+              </a:rPr>
+              <a:t> IRL. </a:t>
+            </a:r>
+          </a:p>
+          <a:p>
+            <a:pPr marL="285750" indent="-285750">
+              <a:buFont typeface="Wingdings" pitchFamily="2" charset="2"/>
+              <a:buChar char="Ø"/>
+            </a:pPr>
+            <a:endParaRPr lang="en-US" dirty="0">
+              <a:latin typeface="NimbusRomNo9L"/>
+            </a:endParaRPr>
+          </a:p>
+          <a:p>
+            <a:pPr marL="285750" indent="-285750">
+              <a:buFont typeface="Wingdings" pitchFamily="2" charset="2"/>
+              <a:buChar char="Ø"/>
+            </a:pPr>
+            <a:r>
+              <a:rPr lang="en-US" sz="1800" dirty="0">
+                <a:effectLst/>
+                <a:latin typeface="NimbusRomNo9L"/>
+              </a:rPr>
+              <a:t>And IAVI and IQL could able to learn good reward functions so that EVD is less than </a:t>
+            </a:r>
+            <a:r>
+              <a:rPr lang="en-US" sz="1800" dirty="0" err="1">
+                <a:effectLst/>
+                <a:latin typeface="NimbusRomNo9L"/>
+              </a:rPr>
+              <a:t>MaxEnt</a:t>
+            </a:r>
+            <a:r>
+              <a:rPr lang="en-US" sz="1800" dirty="0">
+                <a:effectLst/>
+                <a:latin typeface="NimbusRomNo9L"/>
+              </a:rPr>
+              <a:t> IRL.</a:t>
+            </a:r>
+          </a:p>
+          <a:p>
+            <a:pPr marL="285750" indent="-285750">
+              <a:buFont typeface="Wingdings" pitchFamily="2" charset="2"/>
+              <a:buChar char="Ø"/>
+            </a:pPr>
+            <a:endParaRPr lang="en-US" dirty="0">
+              <a:latin typeface="NimbusRomNo9L"/>
+            </a:endParaRPr>
+          </a:p>
+          <a:p>
+            <a:pPr marL="285750" indent="-285750">
+              <a:buFont typeface="Wingdings" pitchFamily="2" charset="2"/>
+              <a:buChar char="Ø"/>
+            </a:pPr>
+            <a:r>
+              <a:rPr lang="en-US" sz="1800" dirty="0">
+                <a:effectLst/>
+                <a:latin typeface="NimbusRomNo9L"/>
+              </a:rPr>
+              <a:t>However, there are some differences in runtimes between our results and their results. The possible reasons could be,</a:t>
+            </a:r>
+          </a:p>
+        </p:txBody>
+      </p:sp>
+      <p:sp>
+        <p:nvSpPr>
+          <p:cNvPr id="7" name="TextBox 6">
+            <a:extLst>
+              <a:ext uri="{FF2B5EF4-FFF2-40B4-BE49-F238E27FC236}">
+                <a16:creationId xmlns:a16="http://schemas.microsoft.com/office/drawing/2014/main" id="{3ED030C2-2585-3742-A270-2515B8DD21AF}"/>
+              </a:ext>
+            </a:extLst>
+          </p:cNvPr>
+          <p:cNvSpPr txBox="1"/>
+          <p:nvPr/>
+        </p:nvSpPr>
+        <p:spPr>
+          <a:xfrm>
+            <a:off x="2134274" y="3860417"/>
+            <a:ext cx="7810838" cy="584775"/>
+          </a:xfrm>
+          <a:prstGeom prst="rect">
+            <a:avLst/>
+          </a:prstGeom>
+          <a:noFill/>
+        </p:spPr>
+        <p:txBody>
+          <a:bodyPr wrap="square">
+            <a:spAutoFit/>
+          </a:bodyPr>
+          <a:lstStyle/>
+          <a:p>
+            <a:pPr marL="342900" indent="-342900">
+              <a:buFont typeface="+mj-lt"/>
+              <a:buAutoNum type="arabicPeriod"/>
+            </a:pPr>
+            <a:r>
+              <a:rPr lang="en-US" sz="1600" dirty="0">
+                <a:effectLst/>
+                <a:latin typeface="NimbusRomNo9L"/>
+              </a:rPr>
+              <a:t>They have run 5 runs and had average results while we only run once. </a:t>
+            </a:r>
+          </a:p>
+          <a:p>
+            <a:pPr marL="342900" indent="-342900">
+              <a:buFont typeface="+mj-lt"/>
+              <a:buAutoNum type="arabicPeriod"/>
+            </a:pPr>
+            <a:r>
+              <a:rPr lang="en-US" sz="1600" dirty="0">
+                <a:latin typeface="NimbusRomNo9L"/>
+              </a:rPr>
+              <a:t>The computational power.</a:t>
+            </a:r>
+            <a:endParaRPr lang="en-US" sz="1600" dirty="0">
+              <a:effectLst/>
+              <a:latin typeface="NimbusRomNo9L"/>
             </a:endParaRPr>
           </a:p>
         </p:txBody>
@@ -13045,7 +13633,7 @@
 </p:sld>
 </file>
 
-<file path=ppt/slides/slide18.xml><?xml version="1.0" encoding="utf-8"?>
+<file path=ppt/slides/slide19.xml><?xml version="1.0" encoding="utf-8"?>
 <p:sld xmlns:a="http://schemas.openxmlformats.org/drawingml/2006/main" xmlns:r="http://schemas.openxmlformats.org/officeDocument/2006/relationships" xmlns:p="http://schemas.openxmlformats.org/presentationml/2006/main">
   <p:cSld>
     <p:spTree>
@@ -13124,7 +13712,7 @@
                   <a:schemeClr val="bg1"/>
                 </a:solidFill>
               </a:rPr>
-              <a:t>18</a:t>
+              <a:t>19</a:t>
             </a:fld>
             <a:endParaRPr lang="en-US" dirty="0">
               <a:solidFill>

--- a/docs/Deep_Inverse_Q_Learning-chinthaka.pptx
+++ b/docs/Deep_Inverse_Q_Learning-chinthaka.pptx
@@ -11,9 +11,9 @@
     <p:sldId id="256" r:id="rId2"/>
     <p:sldId id="257" r:id="rId3"/>
     <p:sldId id="258" r:id="rId4"/>
-    <p:sldId id="275" r:id="rId5"/>
-    <p:sldId id="276" r:id="rId6"/>
-    <p:sldId id="274" r:id="rId7"/>
+    <p:sldId id="274" r:id="rId5"/>
+    <p:sldId id="275" r:id="rId6"/>
+    <p:sldId id="276" r:id="rId7"/>
     <p:sldId id="268" r:id="rId8"/>
     <p:sldId id="277" r:id="rId9"/>
     <p:sldId id="269" r:id="rId10"/>
@@ -480,6 +480,90 @@
     </a:lvl9pPr>
   </p:notesStyle>
 </p:notesMaster>
+</file>
+
+<file path=ppt/notesSlides/notesSlide1.xml><?xml version="1.0" encoding="utf-8"?>
+<p:notes xmlns:a="http://schemas.openxmlformats.org/drawingml/2006/main" xmlns:r="http://schemas.openxmlformats.org/officeDocument/2006/relationships" xmlns:p="http://schemas.openxmlformats.org/presentationml/2006/main">
+  <p:cSld>
+    <p:spTree>
+      <p:nvGrpSpPr>
+        <p:cNvPr id="1" name=""/>
+        <p:cNvGrpSpPr/>
+        <p:nvPr/>
+      </p:nvGrpSpPr>
+      <p:grpSpPr>
+        <a:xfrm>
+          <a:off x="0" y="0"/>
+          <a:ext cx="0" cy="0"/>
+          <a:chOff x="0" y="0"/>
+          <a:chExt cx="0" cy="0"/>
+        </a:xfrm>
+      </p:grpSpPr>
+      <p:sp>
+        <p:nvSpPr>
+          <p:cNvPr id="2" name="Slide Image Placeholder 1"/>
+          <p:cNvSpPr>
+            <a:spLocks noGrp="1" noRot="1" noChangeAspect="1"/>
+          </p:cNvSpPr>
+          <p:nvPr>
+            <p:ph type="sldImg"/>
+          </p:nvPr>
+        </p:nvSpPr>
+        <p:spPr/>
+      </p:sp>
+      <p:sp>
+        <p:nvSpPr>
+          <p:cNvPr id="3" name="Notes Placeholder 2"/>
+          <p:cNvSpPr>
+            <a:spLocks noGrp="1"/>
+          </p:cNvSpPr>
+          <p:nvPr>
+            <p:ph type="body" idx="1"/>
+          </p:nvPr>
+        </p:nvSpPr>
+        <p:spPr/>
+        <p:txBody>
+          <a:bodyPr/>
+          <a:lstStyle/>
+          <a:p>
+            <a:endParaRPr lang="en-US" dirty="0"/>
+          </a:p>
+        </p:txBody>
+      </p:sp>
+      <p:sp>
+        <p:nvSpPr>
+          <p:cNvPr id="4" name="Slide Number Placeholder 3"/>
+          <p:cNvSpPr>
+            <a:spLocks noGrp="1"/>
+          </p:cNvSpPr>
+          <p:nvPr>
+            <p:ph type="sldNum" sz="quarter" idx="5"/>
+          </p:nvPr>
+        </p:nvSpPr>
+        <p:spPr/>
+        <p:txBody>
+          <a:bodyPr/>
+          <a:lstStyle/>
+          <a:p>
+            <a:fld id="{83149DE9-D850-B54D-B111-E50F1B5CC649}" type="slidenum">
+              <a:rPr lang="en-US" smtClean="0"/>
+              <a:t>10</a:t>
+            </a:fld>
+            <a:endParaRPr lang="en-US"/>
+          </a:p>
+        </p:txBody>
+      </p:sp>
+    </p:spTree>
+    <p:extLst>
+      <p:ext uri="{BB962C8B-B14F-4D97-AF65-F5344CB8AC3E}">
+        <p14:creationId xmlns:p14="http://schemas.microsoft.com/office/powerpoint/2010/main" val="23293542"/>
+      </p:ext>
+    </p:extLst>
+  </p:cSld>
+  <p:clrMapOvr>
+    <a:masterClrMapping/>
+  </p:clrMapOvr>
+</p:notes>
 </file>
 
 <file path=ppt/slideLayouts/slideLayout1.xml><?xml version="1.0" encoding="utf-8"?>
@@ -7672,7 +7756,7 @@
                 <a:avLst/>
               </a:prstGeom>
               <a:blipFill>
-                <a:blip r:embed="rId2"/>
+                <a:blip r:embed="rId3"/>
                 <a:stretch>
                   <a:fillRect/>
                 </a:stretch>
@@ -7911,7 +7995,7 @@
                 <a:avLst/>
               </a:prstGeom>
               <a:blipFill>
-                <a:blip r:embed="rId3"/>
+                <a:blip r:embed="rId4"/>
                 <a:stretch>
                   <a:fillRect t="-92308" b="-161538"/>
                 </a:stretch>
@@ -8186,7 +8270,7 @@
                 <a:avLst/>
               </a:prstGeom>
               <a:blipFill>
-                <a:blip r:embed="rId4"/>
+                <a:blip r:embed="rId5"/>
                 <a:stretch>
                   <a:fillRect/>
                 </a:stretch>
@@ -8222,7 +8306,7 @@
           <p:nvPr/>
         </p:nvPicPr>
         <p:blipFill>
-          <a:blip r:embed="rId5">
+          <a:blip r:embed="rId6">
             <a:extLst>
               <a:ext uri="{28A0092B-C50C-407E-A947-70E740481C1C}">
                 <a14:useLocalDpi xmlns:a14="http://schemas.microsoft.com/office/drawing/2010/main" val="0"/>
@@ -8795,7 +8879,7 @@
                 <a:avLst/>
               </a:prstGeom>
               <a:blipFill>
-                <a:blip r:embed="rId6"/>
+                <a:blip r:embed="rId7"/>
                 <a:stretch>
                   <a:fillRect t="-68421" b="-110526"/>
                 </a:stretch>
@@ -14017,8 +14101,8 @@
         </p:blipFill>
         <p:spPr>
           <a:xfrm>
-            <a:off x="2857443" y="1879915"/>
-            <a:ext cx="6477113" cy="4617427"/>
+            <a:off x="3238471" y="2498805"/>
+            <a:ext cx="5715057" cy="4074170"/>
           </a:xfrm>
           <a:prstGeom prst="rect">
             <a:avLst/>
@@ -14286,6 +14370,48 @@
                 <a:schemeClr val="bg1"/>
               </a:solidFill>
             </a:endParaRPr>
+          </a:p>
+        </p:txBody>
+      </p:sp>
+      <p:sp>
+        <p:nvSpPr>
+          <p:cNvPr id="8" name="TextBox 7">
+            <a:extLst>
+              <a:ext uri="{FF2B5EF4-FFF2-40B4-BE49-F238E27FC236}">
+                <a16:creationId xmlns:a16="http://schemas.microsoft.com/office/drawing/2014/main" id="{A83CE2DA-49E0-9645-A265-C43E656A5B1F}"/>
+              </a:ext>
+            </a:extLst>
+          </p:cNvPr>
+          <p:cNvSpPr txBox="1"/>
+          <p:nvPr/>
+        </p:nvSpPr>
+        <p:spPr>
+          <a:xfrm>
+            <a:off x="1265873" y="1678907"/>
+            <a:ext cx="9666077" cy="646331"/>
+          </a:xfrm>
+          <a:prstGeom prst="rect">
+            <a:avLst/>
+          </a:prstGeom>
+          <a:noFill/>
+        </p:spPr>
+        <p:txBody>
+          <a:bodyPr wrap="square">
+            <a:spAutoFit/>
+          </a:bodyPr>
+          <a:lstStyle/>
+          <a:p>
+            <a:pPr marL="285750" indent="-285750" algn="just">
+              <a:buFont typeface="Wingdings" pitchFamily="2" charset="2"/>
+              <a:buChar char="Ø"/>
+            </a:pPr>
+            <a:r>
+              <a:rPr lang="en-US" sz="1800" dirty="0">
+                <a:latin typeface="Arial" panose="020B0604020202020204" pitchFamily="34" charset="0"/>
+                <a:cs typeface="Arial" panose="020B0604020202020204" pitchFamily="34" charset="0"/>
+              </a:rPr>
+              <a:t>The idea behind the Inverse Q-learning is to learn the reward function and use Q-learning to find the optimal policy</a:t>
+            </a:r>
           </a:p>
         </p:txBody>
       </p:sp>
@@ -14361,6 +14487,472 @@
       </p:sp>
       <p:sp>
         <p:nvSpPr>
+          <p:cNvPr id="6" name="Subtitle 2">
+            <a:extLst>
+              <a:ext uri="{FF2B5EF4-FFF2-40B4-BE49-F238E27FC236}">
+                <a16:creationId xmlns:a16="http://schemas.microsoft.com/office/drawing/2014/main" id="{0FEC28F5-F55B-8B3C-5971-761AB0F22975}"/>
+              </a:ext>
+            </a:extLst>
+          </p:cNvPr>
+          <p:cNvSpPr txBox="1">
+            <a:spLocks/>
+          </p:cNvSpPr>
+          <p:nvPr/>
+        </p:nvSpPr>
+        <p:spPr>
+          <a:xfrm>
+            <a:off x="854500" y="1457011"/>
+            <a:ext cx="10472630" cy="5105260"/>
+          </a:xfrm>
+          <a:prstGeom prst="rect">
+            <a:avLst/>
+          </a:prstGeom>
+        </p:spPr>
+        <p:txBody>
+          <a:bodyPr vert="horz" lIns="91440" tIns="45720" rIns="91440" bIns="45720" rtlCol="0">
+            <a:normAutofit fontScale="92500" lnSpcReduction="10000"/>
+          </a:bodyPr>
+          <a:lstStyle>
+            <a:lvl1pPr marL="0" indent="0" algn="ctr" defTabSz="914400" rtl="0" eaLnBrk="1" latinLnBrk="0" hangingPunct="1">
+              <a:lnSpc>
+                <a:spcPct val="90000"/>
+              </a:lnSpc>
+              <a:spcBef>
+                <a:spcPts val="1000"/>
+              </a:spcBef>
+              <a:buFont typeface="Arial" panose="020B0604020202020204" pitchFamily="34" charset="0"/>
+              <a:buNone/>
+              <a:defRPr sz="2400" kern="1200">
+                <a:solidFill>
+                  <a:schemeClr val="tx1"/>
+                </a:solidFill>
+                <a:latin typeface="+mn-lt"/>
+                <a:ea typeface="+mn-ea"/>
+                <a:cs typeface="+mn-cs"/>
+              </a:defRPr>
+            </a:lvl1pPr>
+            <a:lvl2pPr marL="457200" indent="0" algn="ctr" defTabSz="914400" rtl="0" eaLnBrk="1" latinLnBrk="0" hangingPunct="1">
+              <a:lnSpc>
+                <a:spcPct val="90000"/>
+              </a:lnSpc>
+              <a:spcBef>
+                <a:spcPts val="500"/>
+              </a:spcBef>
+              <a:buFont typeface="Arial" panose="020B0604020202020204" pitchFamily="34" charset="0"/>
+              <a:buNone/>
+              <a:defRPr sz="2000" kern="1200">
+                <a:solidFill>
+                  <a:schemeClr val="tx1"/>
+                </a:solidFill>
+                <a:latin typeface="+mn-lt"/>
+                <a:ea typeface="+mn-ea"/>
+                <a:cs typeface="+mn-cs"/>
+              </a:defRPr>
+            </a:lvl2pPr>
+            <a:lvl3pPr marL="914400" indent="0" algn="ctr" defTabSz="914400" rtl="0" eaLnBrk="1" latinLnBrk="0" hangingPunct="1">
+              <a:lnSpc>
+                <a:spcPct val="90000"/>
+              </a:lnSpc>
+              <a:spcBef>
+                <a:spcPts val="500"/>
+              </a:spcBef>
+              <a:buFont typeface="Arial" panose="020B0604020202020204" pitchFamily="34" charset="0"/>
+              <a:buNone/>
+              <a:defRPr sz="1800" kern="1200">
+                <a:solidFill>
+                  <a:schemeClr val="tx1"/>
+                </a:solidFill>
+                <a:latin typeface="+mn-lt"/>
+                <a:ea typeface="+mn-ea"/>
+                <a:cs typeface="+mn-cs"/>
+              </a:defRPr>
+            </a:lvl3pPr>
+            <a:lvl4pPr marL="1371600" indent="0" algn="ctr" defTabSz="914400" rtl="0" eaLnBrk="1" latinLnBrk="0" hangingPunct="1">
+              <a:lnSpc>
+                <a:spcPct val="90000"/>
+              </a:lnSpc>
+              <a:spcBef>
+                <a:spcPts val="500"/>
+              </a:spcBef>
+              <a:buFont typeface="Arial" panose="020B0604020202020204" pitchFamily="34" charset="0"/>
+              <a:buNone/>
+              <a:defRPr sz="1600" kern="1200">
+                <a:solidFill>
+                  <a:schemeClr val="tx1"/>
+                </a:solidFill>
+                <a:latin typeface="+mn-lt"/>
+                <a:ea typeface="+mn-ea"/>
+                <a:cs typeface="+mn-cs"/>
+              </a:defRPr>
+            </a:lvl4pPr>
+            <a:lvl5pPr marL="1828800" indent="0" algn="ctr" defTabSz="914400" rtl="0" eaLnBrk="1" latinLnBrk="0" hangingPunct="1">
+              <a:lnSpc>
+                <a:spcPct val="90000"/>
+              </a:lnSpc>
+              <a:spcBef>
+                <a:spcPts val="500"/>
+              </a:spcBef>
+              <a:buFont typeface="Arial" panose="020B0604020202020204" pitchFamily="34" charset="0"/>
+              <a:buNone/>
+              <a:defRPr sz="1600" kern="1200">
+                <a:solidFill>
+                  <a:schemeClr val="tx1"/>
+                </a:solidFill>
+                <a:latin typeface="+mn-lt"/>
+                <a:ea typeface="+mn-ea"/>
+                <a:cs typeface="+mn-cs"/>
+              </a:defRPr>
+            </a:lvl5pPr>
+            <a:lvl6pPr marL="2286000" indent="0" algn="ctr" defTabSz="914400" rtl="0" eaLnBrk="1" latinLnBrk="0" hangingPunct="1">
+              <a:lnSpc>
+                <a:spcPct val="90000"/>
+              </a:lnSpc>
+              <a:spcBef>
+                <a:spcPts val="500"/>
+              </a:spcBef>
+              <a:buFont typeface="Arial" panose="020B0604020202020204" pitchFamily="34" charset="0"/>
+              <a:buNone/>
+              <a:defRPr sz="1600" kern="1200">
+                <a:solidFill>
+                  <a:schemeClr val="tx1"/>
+                </a:solidFill>
+                <a:latin typeface="+mn-lt"/>
+                <a:ea typeface="+mn-ea"/>
+                <a:cs typeface="+mn-cs"/>
+              </a:defRPr>
+            </a:lvl6pPr>
+            <a:lvl7pPr marL="2743200" indent="0" algn="ctr" defTabSz="914400" rtl="0" eaLnBrk="1" latinLnBrk="0" hangingPunct="1">
+              <a:lnSpc>
+                <a:spcPct val="90000"/>
+              </a:lnSpc>
+              <a:spcBef>
+                <a:spcPts val="500"/>
+              </a:spcBef>
+              <a:buFont typeface="Arial" panose="020B0604020202020204" pitchFamily="34" charset="0"/>
+              <a:buNone/>
+              <a:defRPr sz="1600" kern="1200">
+                <a:solidFill>
+                  <a:schemeClr val="tx1"/>
+                </a:solidFill>
+                <a:latin typeface="+mn-lt"/>
+                <a:ea typeface="+mn-ea"/>
+                <a:cs typeface="+mn-cs"/>
+              </a:defRPr>
+            </a:lvl7pPr>
+            <a:lvl8pPr marL="3200400" indent="0" algn="ctr" defTabSz="914400" rtl="0" eaLnBrk="1" latinLnBrk="0" hangingPunct="1">
+              <a:lnSpc>
+                <a:spcPct val="90000"/>
+              </a:lnSpc>
+              <a:spcBef>
+                <a:spcPts val="500"/>
+              </a:spcBef>
+              <a:buFont typeface="Arial" panose="020B0604020202020204" pitchFamily="34" charset="0"/>
+              <a:buNone/>
+              <a:defRPr sz="1600" kern="1200">
+                <a:solidFill>
+                  <a:schemeClr val="tx1"/>
+                </a:solidFill>
+                <a:latin typeface="+mn-lt"/>
+                <a:ea typeface="+mn-ea"/>
+                <a:cs typeface="+mn-cs"/>
+              </a:defRPr>
+            </a:lvl8pPr>
+            <a:lvl9pPr marL="3657600" indent="0" algn="ctr" defTabSz="914400" rtl="0" eaLnBrk="1" latinLnBrk="0" hangingPunct="1">
+              <a:lnSpc>
+                <a:spcPct val="90000"/>
+              </a:lnSpc>
+              <a:spcBef>
+                <a:spcPts val="500"/>
+              </a:spcBef>
+              <a:buFont typeface="Arial" panose="020B0604020202020204" pitchFamily="34" charset="0"/>
+              <a:buNone/>
+              <a:defRPr sz="1600" kern="1200">
+                <a:solidFill>
+                  <a:schemeClr val="tx1"/>
+                </a:solidFill>
+                <a:latin typeface="+mn-lt"/>
+                <a:ea typeface="+mn-ea"/>
+                <a:cs typeface="+mn-cs"/>
+              </a:defRPr>
+            </a:lvl9pPr>
+          </a:lstStyle>
+          <a:p>
+            <a:pPr marL="285750" indent="-285750" algn="just">
+              <a:buFont typeface="Wingdings" pitchFamily="2" charset="2"/>
+              <a:buChar char="Ø"/>
+            </a:pPr>
+            <a:r>
+              <a:rPr lang="en-US" sz="1800" dirty="0">
+                <a:latin typeface="Arial" panose="020B0604020202020204" pitchFamily="34" charset="0"/>
+                <a:cs typeface="Arial" panose="020B0604020202020204" pitchFamily="34" charset="0"/>
+              </a:rPr>
+              <a:t>Common Inverse RL methods are using complex and time-consuming calculations to find the reward function</a:t>
+            </a:r>
+          </a:p>
+          <a:p>
+            <a:pPr marL="285750" indent="-285750" algn="just">
+              <a:buFont typeface="Wingdings" pitchFamily="2" charset="2"/>
+              <a:buChar char="Ø"/>
+            </a:pPr>
+            <a:endParaRPr lang="en-US" sz="1800" dirty="0">
+              <a:latin typeface="Arial" panose="020B0604020202020204" pitchFamily="34" charset="0"/>
+              <a:cs typeface="Arial" panose="020B0604020202020204" pitchFamily="34" charset="0"/>
+            </a:endParaRPr>
+          </a:p>
+          <a:p>
+            <a:pPr marL="285750" indent="-285750" algn="just">
+              <a:buFont typeface="Wingdings" pitchFamily="2" charset="2"/>
+              <a:buChar char="Ø"/>
+            </a:pPr>
+            <a:r>
+              <a:rPr lang="en-US" sz="1800" dirty="0">
+                <a:latin typeface="Arial" panose="020B0604020202020204" pitchFamily="34" charset="0"/>
+                <a:cs typeface="Arial" panose="020B0604020202020204" pitchFamily="34" charset="0"/>
+              </a:rPr>
+              <a:t>In the paper, they have purposed a new set of algorithms that only needs to solve the MDP for the demonstrated behavior once to recover the expert policy. </a:t>
+            </a:r>
+          </a:p>
+          <a:p>
+            <a:pPr marL="285750" indent="-285750" algn="just">
+              <a:buFont typeface="Wingdings" pitchFamily="2" charset="2"/>
+              <a:buChar char="Ø"/>
+            </a:pPr>
+            <a:endParaRPr lang="en-US" sz="1800" dirty="0">
+              <a:latin typeface="Arial" panose="020B0604020202020204" pitchFamily="34" charset="0"/>
+              <a:cs typeface="Arial" panose="020B0604020202020204" pitchFamily="34" charset="0"/>
+            </a:endParaRPr>
+          </a:p>
+          <a:p>
+            <a:pPr marL="285750" indent="-285750" algn="just">
+              <a:buFont typeface="Wingdings" pitchFamily="2" charset="2"/>
+              <a:buChar char="Ø"/>
+            </a:pPr>
+            <a:r>
+              <a:rPr lang="en-US" sz="1800" dirty="0">
+                <a:latin typeface="Arial" panose="020B0604020202020204" pitchFamily="34" charset="0"/>
+                <a:cs typeface="Arial" panose="020B0604020202020204" pitchFamily="34" charset="0"/>
+              </a:rPr>
+              <a:t>Their method, called Inverse Action-value Iteration (IAVI), can accurately recover an external agent's reward function using simple analytical calculations </a:t>
+            </a:r>
+          </a:p>
+          <a:p>
+            <a:pPr marL="285750" indent="-285750" algn="just">
+              <a:buFont typeface="Wingdings" pitchFamily="2" charset="2"/>
+              <a:buChar char="Ø"/>
+            </a:pPr>
+            <a:endParaRPr lang="en-US" sz="1800" dirty="0">
+              <a:latin typeface="Arial" panose="020B0604020202020204" pitchFamily="34" charset="0"/>
+              <a:cs typeface="Arial" panose="020B0604020202020204" pitchFamily="34" charset="0"/>
+            </a:endParaRPr>
+          </a:p>
+          <a:p>
+            <a:pPr marL="285750" indent="-285750" algn="just">
+              <a:buFont typeface="Wingdings" pitchFamily="2" charset="2"/>
+              <a:buChar char="Ø"/>
+            </a:pPr>
+            <a:r>
+              <a:rPr lang="en-US" sz="1800" dirty="0">
+                <a:latin typeface="Arial" panose="020B0604020202020204" pitchFamily="34" charset="0"/>
+                <a:cs typeface="Arial" panose="020B0604020202020204" pitchFamily="34" charset="0"/>
+              </a:rPr>
+              <a:t>They also provide a sampling-based variant that doesn't require a model of the environment. </a:t>
+            </a:r>
+          </a:p>
+          <a:p>
+            <a:pPr marL="285750" indent="-285750" algn="just">
+              <a:buFont typeface="Wingdings" pitchFamily="2" charset="2"/>
+              <a:buChar char="Ø"/>
+            </a:pPr>
+            <a:endParaRPr lang="en-US" sz="1800" dirty="0">
+              <a:latin typeface="Arial" panose="020B0604020202020204" pitchFamily="34" charset="0"/>
+              <a:cs typeface="Arial" panose="020B0604020202020204" pitchFamily="34" charset="0"/>
+            </a:endParaRPr>
+          </a:p>
+          <a:p>
+            <a:pPr marL="285750" indent="-285750" algn="just">
+              <a:buFont typeface="Wingdings" pitchFamily="2" charset="2"/>
+              <a:buChar char="Ø"/>
+            </a:pPr>
+            <a:r>
+              <a:rPr lang="en-US" sz="1800" dirty="0">
+                <a:effectLst/>
+                <a:latin typeface="Arial" panose="020B0604020202020204" pitchFamily="34" charset="0"/>
+                <a:ea typeface="Calibri" panose="020F0502020204030204" pitchFamily="34" charset="0"/>
+                <a:cs typeface="Arial" panose="020B0604020202020204" pitchFamily="34" charset="0"/>
+              </a:rPr>
+              <a:t>They evaluate the algorithms on the Objectworld benchmark and show a significant speedup compared to existing methods.</a:t>
+            </a:r>
+            <a:r>
+              <a:rPr lang="en-US" sz="1800" dirty="0">
+                <a:effectLst/>
+                <a:latin typeface="Arial" panose="020B0604020202020204" pitchFamily="34" charset="0"/>
+                <a:cs typeface="Arial" panose="020B0604020202020204" pitchFamily="34" charset="0"/>
+              </a:rPr>
+              <a:t> </a:t>
+            </a:r>
+          </a:p>
+          <a:p>
+            <a:pPr marL="285750" indent="-285750" algn="just">
+              <a:buFont typeface="Wingdings" pitchFamily="2" charset="2"/>
+              <a:buChar char="Ø"/>
+            </a:pPr>
+            <a:endParaRPr lang="en-US" sz="1800" dirty="0">
+              <a:effectLst/>
+              <a:latin typeface="Arial" panose="020B0604020202020204" pitchFamily="34" charset="0"/>
+              <a:cs typeface="Arial" panose="020B0604020202020204" pitchFamily="34" charset="0"/>
+            </a:endParaRPr>
+          </a:p>
+          <a:p>
+            <a:pPr marL="285750" indent="-285750" algn="just">
+              <a:buFont typeface="Wingdings" pitchFamily="2" charset="2"/>
+              <a:buChar char="Ø"/>
+            </a:pPr>
+            <a:r>
+              <a:rPr lang="en-US" sz="1800" dirty="0">
+                <a:effectLst/>
+                <a:latin typeface="Arial" panose="020B0604020202020204" pitchFamily="34" charset="0"/>
+                <a:ea typeface="Calibri" panose="020F0502020204030204" pitchFamily="34" charset="0"/>
+                <a:cs typeface="Arial" panose="020B0604020202020204" pitchFamily="34" charset="0"/>
+              </a:rPr>
+              <a:t>They also apply the Deep Constrained Inverse Q-learning algorithm to the task of learning autonomous lane-changes in a simulator and achieving competent driving after training on 30 minutes of demonstrations.</a:t>
+            </a:r>
+            <a:r>
+              <a:rPr lang="en-US" sz="1800" dirty="0">
+                <a:effectLst/>
+                <a:latin typeface="Arial" panose="020B0604020202020204" pitchFamily="34" charset="0"/>
+                <a:cs typeface="Arial" panose="020B0604020202020204" pitchFamily="34" charset="0"/>
+              </a:rPr>
+              <a:t> </a:t>
+            </a:r>
+            <a:endParaRPr lang="en-US" sz="1800" dirty="0">
+              <a:latin typeface="Arial" panose="020B0604020202020204" pitchFamily="34" charset="0"/>
+              <a:cs typeface="Arial" panose="020B0604020202020204" pitchFamily="34" charset="0"/>
+            </a:endParaRPr>
+          </a:p>
+          <a:p>
+            <a:pPr algn="l"/>
+            <a:endParaRPr lang="en-US" sz="1800" b="0" i="0" dirty="0">
+              <a:effectLst/>
+              <a:latin typeface="Arial" panose="020B0604020202020204" pitchFamily="34" charset="0"/>
+            </a:endParaRPr>
+          </a:p>
+          <a:p>
+            <a:pPr algn="l"/>
+            <a:endParaRPr lang="en-US" sz="1800" dirty="0">
+              <a:latin typeface="Arial" panose="020B0604020202020204" pitchFamily="34" charset="0"/>
+            </a:endParaRPr>
+          </a:p>
+        </p:txBody>
+      </p:sp>
+      <p:sp>
+        <p:nvSpPr>
+          <p:cNvPr id="2" name="Slide Number Placeholder 1">
+            <a:extLst>
+              <a:ext uri="{FF2B5EF4-FFF2-40B4-BE49-F238E27FC236}">
+                <a16:creationId xmlns:a16="http://schemas.microsoft.com/office/drawing/2014/main" id="{CC056DD1-CB66-ED44-A8E2-CF029D616276}"/>
+              </a:ext>
+            </a:extLst>
+          </p:cNvPr>
+          <p:cNvSpPr>
+            <a:spLocks noGrp="1"/>
+          </p:cNvSpPr>
+          <p:nvPr>
+            <p:ph type="sldNum" sz="quarter" idx="12"/>
+          </p:nvPr>
+        </p:nvSpPr>
+        <p:spPr/>
+        <p:txBody>
+          <a:bodyPr/>
+          <a:lstStyle/>
+          <a:p>
+            <a:fld id="{837B6784-DA4F-4E23-8F4C-41806829DD81}" type="slidenum">
+              <a:rPr lang="en-US" smtClean="0">
+                <a:solidFill>
+                  <a:schemeClr val="bg1"/>
+                </a:solidFill>
+              </a:rPr>
+              <a:t>4</a:t>
+            </a:fld>
+            <a:endParaRPr lang="en-US" dirty="0">
+              <a:solidFill>
+                <a:schemeClr val="bg1"/>
+              </a:solidFill>
+            </a:endParaRPr>
+          </a:p>
+        </p:txBody>
+      </p:sp>
+    </p:spTree>
+    <p:extLst>
+      <p:ext uri="{BB962C8B-B14F-4D97-AF65-F5344CB8AC3E}">
+        <p14:creationId xmlns:p14="http://schemas.microsoft.com/office/powerpoint/2010/main" val="2933040172"/>
+      </p:ext>
+    </p:extLst>
+  </p:cSld>
+  <p:clrMapOvr>
+    <a:masterClrMapping/>
+  </p:clrMapOvr>
+</p:sld>
+</file>
+
+<file path=ppt/slides/slide5.xml><?xml version="1.0" encoding="utf-8"?>
+<p:sld xmlns:a="http://schemas.openxmlformats.org/drawingml/2006/main" xmlns:r="http://schemas.openxmlformats.org/officeDocument/2006/relationships" xmlns:p="http://schemas.openxmlformats.org/presentationml/2006/main">
+  <p:cSld>
+    <p:spTree>
+      <p:nvGrpSpPr>
+        <p:cNvPr id="1" name=""/>
+        <p:cNvGrpSpPr/>
+        <p:nvPr/>
+      </p:nvGrpSpPr>
+      <p:grpSpPr>
+        <a:xfrm>
+          <a:off x="0" y="0"/>
+          <a:ext cx="0" cy="0"/>
+          <a:chOff x="0" y="0"/>
+          <a:chExt cx="0" cy="0"/>
+        </a:xfrm>
+      </p:grpSpPr>
+      <p:sp>
+        <p:nvSpPr>
+          <p:cNvPr id="3" name="Subtitle 2">
+            <a:extLst>
+              <a:ext uri="{FF2B5EF4-FFF2-40B4-BE49-F238E27FC236}">
+                <a16:creationId xmlns:a16="http://schemas.microsoft.com/office/drawing/2014/main" id="{038BE419-BB5F-A1E1-552E-536A04575F45}"/>
+              </a:ext>
+            </a:extLst>
+          </p:cNvPr>
+          <p:cNvSpPr>
+            <a:spLocks noGrp="1"/>
+          </p:cNvSpPr>
+          <p:nvPr>
+            <p:ph type="subTitle" idx="1"/>
+          </p:nvPr>
+        </p:nvSpPr>
+        <p:spPr>
+          <a:xfrm>
+            <a:off x="450850" y="566738"/>
+            <a:ext cx="11087100" cy="493712"/>
+          </a:xfrm>
+        </p:spPr>
+        <p:txBody>
+          <a:bodyPr>
+            <a:normAutofit lnSpcReduction="10000"/>
+          </a:bodyPr>
+          <a:lstStyle/>
+          <a:p>
+            <a:pPr algn="l"/>
+            <a:r>
+              <a:rPr lang="en-US" sz="2800" dirty="0"/>
+              <a:t>1. Introduction</a:t>
+            </a:r>
+          </a:p>
+          <a:p>
+            <a:pPr algn="l"/>
+            <a:endParaRPr lang="en-US" sz="2800" dirty="0"/>
+          </a:p>
+        </p:txBody>
+      </p:sp>
+      <p:sp>
+        <p:nvSpPr>
           <p:cNvPr id="7" name="Subtitle 2">
             <a:extLst>
               <a:ext uri="{FF2B5EF4-FFF2-40B4-BE49-F238E27FC236}">
@@ -14649,7 +15241,7 @@
                   <a:schemeClr val="bg1"/>
                 </a:solidFill>
               </a:rPr>
-              <a:t>4</a:t>
+              <a:t>5</a:t>
             </a:fld>
             <a:endParaRPr lang="en-US" dirty="0">
               <a:solidFill>
@@ -14672,7 +15264,7 @@
 </p:sld>
 </file>
 
-<file path=ppt/slides/slide5.xml><?xml version="1.0" encoding="utf-8"?>
+<file path=ppt/slides/slide6.xml><?xml version="1.0" encoding="utf-8"?>
 <p:sld xmlns:a="http://schemas.openxmlformats.org/drawingml/2006/main" xmlns:r="http://schemas.openxmlformats.org/officeDocument/2006/relationships" xmlns:p="http://schemas.openxmlformats.org/presentationml/2006/main">
   <p:cSld>
     <p:spTree>
@@ -15018,434 +15610,6 @@
                   <a:schemeClr val="bg1"/>
                 </a:solidFill>
               </a:rPr>
-              <a:t>5</a:t>
-            </a:fld>
-            <a:endParaRPr lang="en-US" dirty="0">
-              <a:solidFill>
-                <a:schemeClr val="bg1"/>
-              </a:solidFill>
-            </a:endParaRPr>
-          </a:p>
-        </p:txBody>
-      </p:sp>
-    </p:spTree>
-    <p:extLst>
-      <p:ext uri="{BB962C8B-B14F-4D97-AF65-F5344CB8AC3E}">
-        <p14:creationId xmlns:p14="http://schemas.microsoft.com/office/powerpoint/2010/main" val="589316951"/>
-      </p:ext>
-    </p:extLst>
-  </p:cSld>
-  <p:clrMapOvr>
-    <a:masterClrMapping/>
-  </p:clrMapOvr>
-</p:sld>
-</file>
-
-<file path=ppt/slides/slide6.xml><?xml version="1.0" encoding="utf-8"?>
-<p:sld xmlns:a="http://schemas.openxmlformats.org/drawingml/2006/main" xmlns:r="http://schemas.openxmlformats.org/officeDocument/2006/relationships" xmlns:p="http://schemas.openxmlformats.org/presentationml/2006/main">
-  <p:cSld>
-    <p:spTree>
-      <p:nvGrpSpPr>
-        <p:cNvPr id="1" name=""/>
-        <p:cNvGrpSpPr/>
-        <p:nvPr/>
-      </p:nvGrpSpPr>
-      <p:grpSpPr>
-        <a:xfrm>
-          <a:off x="0" y="0"/>
-          <a:ext cx="0" cy="0"/>
-          <a:chOff x="0" y="0"/>
-          <a:chExt cx="0" cy="0"/>
-        </a:xfrm>
-      </p:grpSpPr>
-      <p:sp>
-        <p:nvSpPr>
-          <p:cNvPr id="3" name="Subtitle 2">
-            <a:extLst>
-              <a:ext uri="{FF2B5EF4-FFF2-40B4-BE49-F238E27FC236}">
-                <a16:creationId xmlns:a16="http://schemas.microsoft.com/office/drawing/2014/main" id="{038BE419-BB5F-A1E1-552E-536A04575F45}"/>
-              </a:ext>
-            </a:extLst>
-          </p:cNvPr>
-          <p:cNvSpPr>
-            <a:spLocks noGrp="1"/>
-          </p:cNvSpPr>
-          <p:nvPr>
-            <p:ph type="subTitle" idx="1"/>
-          </p:nvPr>
-        </p:nvSpPr>
-        <p:spPr>
-          <a:xfrm>
-            <a:off x="450850" y="566738"/>
-            <a:ext cx="11087100" cy="493712"/>
-          </a:xfrm>
-        </p:spPr>
-        <p:txBody>
-          <a:bodyPr>
-            <a:normAutofit lnSpcReduction="10000"/>
-          </a:bodyPr>
-          <a:lstStyle/>
-          <a:p>
-            <a:pPr algn="l"/>
-            <a:r>
-              <a:rPr lang="en-US" sz="2800" dirty="0"/>
-              <a:t>1. Introduction</a:t>
-            </a:r>
-          </a:p>
-          <a:p>
-            <a:pPr algn="l"/>
-            <a:endParaRPr lang="en-US" sz="2800" dirty="0"/>
-          </a:p>
-        </p:txBody>
-      </p:sp>
-      <p:sp>
-        <p:nvSpPr>
-          <p:cNvPr id="6" name="Subtitle 2">
-            <a:extLst>
-              <a:ext uri="{FF2B5EF4-FFF2-40B4-BE49-F238E27FC236}">
-                <a16:creationId xmlns:a16="http://schemas.microsoft.com/office/drawing/2014/main" id="{0FEC28F5-F55B-8B3C-5971-761AB0F22975}"/>
-              </a:ext>
-            </a:extLst>
-          </p:cNvPr>
-          <p:cNvSpPr txBox="1">
-            <a:spLocks/>
-          </p:cNvSpPr>
-          <p:nvPr/>
-        </p:nvSpPr>
-        <p:spPr>
-          <a:xfrm>
-            <a:off x="854500" y="1457011"/>
-            <a:ext cx="10077450" cy="4874070"/>
-          </a:xfrm>
-          <a:prstGeom prst="rect">
-            <a:avLst/>
-          </a:prstGeom>
-        </p:spPr>
-        <p:txBody>
-          <a:bodyPr vert="horz" lIns="91440" tIns="45720" rIns="91440" bIns="45720" rtlCol="0">
-            <a:normAutofit/>
-          </a:bodyPr>
-          <a:lstStyle>
-            <a:lvl1pPr marL="0" indent="0" algn="ctr" defTabSz="914400" rtl="0" eaLnBrk="1" latinLnBrk="0" hangingPunct="1">
-              <a:lnSpc>
-                <a:spcPct val="90000"/>
-              </a:lnSpc>
-              <a:spcBef>
-                <a:spcPts val="1000"/>
-              </a:spcBef>
-              <a:buFont typeface="Arial" panose="020B0604020202020204" pitchFamily="34" charset="0"/>
-              <a:buNone/>
-              <a:defRPr sz="2400" kern="1200">
-                <a:solidFill>
-                  <a:schemeClr val="tx1"/>
-                </a:solidFill>
-                <a:latin typeface="+mn-lt"/>
-                <a:ea typeface="+mn-ea"/>
-                <a:cs typeface="+mn-cs"/>
-              </a:defRPr>
-            </a:lvl1pPr>
-            <a:lvl2pPr marL="457200" indent="0" algn="ctr" defTabSz="914400" rtl="0" eaLnBrk="1" latinLnBrk="0" hangingPunct="1">
-              <a:lnSpc>
-                <a:spcPct val="90000"/>
-              </a:lnSpc>
-              <a:spcBef>
-                <a:spcPts val="500"/>
-              </a:spcBef>
-              <a:buFont typeface="Arial" panose="020B0604020202020204" pitchFamily="34" charset="0"/>
-              <a:buNone/>
-              <a:defRPr sz="2000" kern="1200">
-                <a:solidFill>
-                  <a:schemeClr val="tx1"/>
-                </a:solidFill>
-                <a:latin typeface="+mn-lt"/>
-                <a:ea typeface="+mn-ea"/>
-                <a:cs typeface="+mn-cs"/>
-              </a:defRPr>
-            </a:lvl2pPr>
-            <a:lvl3pPr marL="914400" indent="0" algn="ctr" defTabSz="914400" rtl="0" eaLnBrk="1" latinLnBrk="0" hangingPunct="1">
-              <a:lnSpc>
-                <a:spcPct val="90000"/>
-              </a:lnSpc>
-              <a:spcBef>
-                <a:spcPts val="500"/>
-              </a:spcBef>
-              <a:buFont typeface="Arial" panose="020B0604020202020204" pitchFamily="34" charset="0"/>
-              <a:buNone/>
-              <a:defRPr sz="1800" kern="1200">
-                <a:solidFill>
-                  <a:schemeClr val="tx1"/>
-                </a:solidFill>
-                <a:latin typeface="+mn-lt"/>
-                <a:ea typeface="+mn-ea"/>
-                <a:cs typeface="+mn-cs"/>
-              </a:defRPr>
-            </a:lvl3pPr>
-            <a:lvl4pPr marL="1371600" indent="0" algn="ctr" defTabSz="914400" rtl="0" eaLnBrk="1" latinLnBrk="0" hangingPunct="1">
-              <a:lnSpc>
-                <a:spcPct val="90000"/>
-              </a:lnSpc>
-              <a:spcBef>
-                <a:spcPts val="500"/>
-              </a:spcBef>
-              <a:buFont typeface="Arial" panose="020B0604020202020204" pitchFamily="34" charset="0"/>
-              <a:buNone/>
-              <a:defRPr sz="1600" kern="1200">
-                <a:solidFill>
-                  <a:schemeClr val="tx1"/>
-                </a:solidFill>
-                <a:latin typeface="+mn-lt"/>
-                <a:ea typeface="+mn-ea"/>
-                <a:cs typeface="+mn-cs"/>
-              </a:defRPr>
-            </a:lvl4pPr>
-            <a:lvl5pPr marL="1828800" indent="0" algn="ctr" defTabSz="914400" rtl="0" eaLnBrk="1" latinLnBrk="0" hangingPunct="1">
-              <a:lnSpc>
-                <a:spcPct val="90000"/>
-              </a:lnSpc>
-              <a:spcBef>
-                <a:spcPts val="500"/>
-              </a:spcBef>
-              <a:buFont typeface="Arial" panose="020B0604020202020204" pitchFamily="34" charset="0"/>
-              <a:buNone/>
-              <a:defRPr sz="1600" kern="1200">
-                <a:solidFill>
-                  <a:schemeClr val="tx1"/>
-                </a:solidFill>
-                <a:latin typeface="+mn-lt"/>
-                <a:ea typeface="+mn-ea"/>
-                <a:cs typeface="+mn-cs"/>
-              </a:defRPr>
-            </a:lvl5pPr>
-            <a:lvl6pPr marL="2286000" indent="0" algn="ctr" defTabSz="914400" rtl="0" eaLnBrk="1" latinLnBrk="0" hangingPunct="1">
-              <a:lnSpc>
-                <a:spcPct val="90000"/>
-              </a:lnSpc>
-              <a:spcBef>
-                <a:spcPts val="500"/>
-              </a:spcBef>
-              <a:buFont typeface="Arial" panose="020B0604020202020204" pitchFamily="34" charset="0"/>
-              <a:buNone/>
-              <a:defRPr sz="1600" kern="1200">
-                <a:solidFill>
-                  <a:schemeClr val="tx1"/>
-                </a:solidFill>
-                <a:latin typeface="+mn-lt"/>
-                <a:ea typeface="+mn-ea"/>
-                <a:cs typeface="+mn-cs"/>
-              </a:defRPr>
-            </a:lvl6pPr>
-            <a:lvl7pPr marL="2743200" indent="0" algn="ctr" defTabSz="914400" rtl="0" eaLnBrk="1" latinLnBrk="0" hangingPunct="1">
-              <a:lnSpc>
-                <a:spcPct val="90000"/>
-              </a:lnSpc>
-              <a:spcBef>
-                <a:spcPts val="500"/>
-              </a:spcBef>
-              <a:buFont typeface="Arial" panose="020B0604020202020204" pitchFamily="34" charset="0"/>
-              <a:buNone/>
-              <a:defRPr sz="1600" kern="1200">
-                <a:solidFill>
-                  <a:schemeClr val="tx1"/>
-                </a:solidFill>
-                <a:latin typeface="+mn-lt"/>
-                <a:ea typeface="+mn-ea"/>
-                <a:cs typeface="+mn-cs"/>
-              </a:defRPr>
-            </a:lvl7pPr>
-            <a:lvl8pPr marL="3200400" indent="0" algn="ctr" defTabSz="914400" rtl="0" eaLnBrk="1" latinLnBrk="0" hangingPunct="1">
-              <a:lnSpc>
-                <a:spcPct val="90000"/>
-              </a:lnSpc>
-              <a:spcBef>
-                <a:spcPts val="500"/>
-              </a:spcBef>
-              <a:buFont typeface="Arial" panose="020B0604020202020204" pitchFamily="34" charset="0"/>
-              <a:buNone/>
-              <a:defRPr sz="1600" kern="1200">
-                <a:solidFill>
-                  <a:schemeClr val="tx1"/>
-                </a:solidFill>
-                <a:latin typeface="+mn-lt"/>
-                <a:ea typeface="+mn-ea"/>
-                <a:cs typeface="+mn-cs"/>
-              </a:defRPr>
-            </a:lvl8pPr>
-            <a:lvl9pPr marL="3657600" indent="0" algn="ctr" defTabSz="914400" rtl="0" eaLnBrk="1" latinLnBrk="0" hangingPunct="1">
-              <a:lnSpc>
-                <a:spcPct val="90000"/>
-              </a:lnSpc>
-              <a:spcBef>
-                <a:spcPts val="500"/>
-              </a:spcBef>
-              <a:buFont typeface="Arial" panose="020B0604020202020204" pitchFamily="34" charset="0"/>
-              <a:buNone/>
-              <a:defRPr sz="1600" kern="1200">
-                <a:solidFill>
-                  <a:schemeClr val="tx1"/>
-                </a:solidFill>
-                <a:latin typeface="+mn-lt"/>
-                <a:ea typeface="+mn-ea"/>
-                <a:cs typeface="+mn-cs"/>
-              </a:defRPr>
-            </a:lvl9pPr>
-          </a:lstStyle>
-          <a:p>
-            <a:pPr marL="285750" indent="-285750" algn="just">
-              <a:buFont typeface="Wingdings" pitchFamily="2" charset="2"/>
-              <a:buChar char="Ø"/>
-            </a:pPr>
-            <a:r>
-              <a:rPr lang="en-US" sz="1800" dirty="0">
-                <a:latin typeface="Arial" panose="020B0604020202020204" pitchFamily="34" charset="0"/>
-                <a:cs typeface="Arial" panose="020B0604020202020204" pitchFamily="34" charset="0"/>
-              </a:rPr>
-              <a:t>The idea behind the Inverse Q-learning is to learn the reward function and use Q-learning to find the optimal policy</a:t>
-            </a:r>
-          </a:p>
-          <a:p>
-            <a:pPr marL="285750" indent="-285750" algn="just">
-              <a:buFont typeface="Wingdings" pitchFamily="2" charset="2"/>
-              <a:buChar char="Ø"/>
-            </a:pPr>
-            <a:r>
-              <a:rPr lang="en-US" sz="1800" dirty="0">
-                <a:latin typeface="Arial" panose="020B0604020202020204" pitchFamily="34" charset="0"/>
-                <a:cs typeface="Arial" panose="020B0604020202020204" pitchFamily="34" charset="0"/>
-              </a:rPr>
-              <a:t>Common Inverse RL methods are using complex and time-consuming calculations to find the reward function</a:t>
-            </a:r>
-          </a:p>
-          <a:p>
-            <a:pPr marL="285750" indent="-285750" algn="just">
-              <a:buFont typeface="Wingdings" pitchFamily="2" charset="2"/>
-              <a:buChar char="Ø"/>
-            </a:pPr>
-            <a:r>
-              <a:rPr lang="en-US" sz="1800" dirty="0">
-                <a:latin typeface="Arial" panose="020B0604020202020204" pitchFamily="34" charset="0"/>
-                <a:cs typeface="Arial" panose="020B0604020202020204" pitchFamily="34" charset="0"/>
-              </a:rPr>
-              <a:t>In the paper, they have purposed a new set of algorithms that only needs to solve the MDP for the demonstrated behavior once to recover the expert policy. </a:t>
-            </a:r>
-          </a:p>
-          <a:p>
-            <a:pPr marL="285750" indent="-285750" algn="just">
-              <a:buFont typeface="Wingdings" pitchFamily="2" charset="2"/>
-              <a:buChar char="Ø"/>
-            </a:pPr>
-            <a:r>
-              <a:rPr lang="en-US" sz="1800" dirty="0">
-                <a:latin typeface="Arial" panose="020B0604020202020204" pitchFamily="34" charset="0"/>
-                <a:cs typeface="Arial" panose="020B0604020202020204" pitchFamily="34" charset="0"/>
-              </a:rPr>
-              <a:t>Their method, called Inverse Action-value Iteration (IAVI), can accurately recover an external agent's reward function using simple analytical calculations </a:t>
-            </a:r>
-          </a:p>
-          <a:p>
-            <a:pPr marL="285750" indent="-285750" algn="just">
-              <a:buFont typeface="Wingdings" pitchFamily="2" charset="2"/>
-              <a:buChar char="Ø"/>
-            </a:pPr>
-            <a:r>
-              <a:rPr lang="en-US" sz="1800" dirty="0">
-                <a:latin typeface="Arial" panose="020B0604020202020204" pitchFamily="34" charset="0"/>
-                <a:cs typeface="Arial" panose="020B0604020202020204" pitchFamily="34" charset="0"/>
-              </a:rPr>
-              <a:t>They also provide a sampling-based variant that doesn't require a model of the environment. </a:t>
-            </a:r>
-          </a:p>
-          <a:p>
-            <a:pPr marL="285750" indent="-285750" algn="just">
-              <a:buFont typeface="Wingdings" pitchFamily="2" charset="2"/>
-              <a:buChar char="Ø"/>
-            </a:pPr>
-            <a:r>
-              <a:rPr lang="en-US" sz="1800" dirty="0">
-                <a:effectLst/>
-                <a:latin typeface="Arial" panose="020B0604020202020204" pitchFamily="34" charset="0"/>
-                <a:ea typeface="Calibri" panose="020F0502020204030204" pitchFamily="34" charset="0"/>
-                <a:cs typeface="Arial" panose="020B0604020202020204" pitchFamily="34" charset="0"/>
-              </a:rPr>
-              <a:t>They evaluate the algorithms on the Objectworld benchmark and show a significant speedup compared to existing methods.</a:t>
-            </a:r>
-            <a:r>
-              <a:rPr lang="en-US" sz="1800" dirty="0">
-                <a:effectLst/>
-                <a:latin typeface="Arial" panose="020B0604020202020204" pitchFamily="34" charset="0"/>
-                <a:cs typeface="Arial" panose="020B0604020202020204" pitchFamily="34" charset="0"/>
-              </a:rPr>
-              <a:t> </a:t>
-            </a:r>
-          </a:p>
-          <a:p>
-            <a:pPr marL="285750" indent="-285750" algn="just">
-              <a:buFont typeface="Wingdings" pitchFamily="2" charset="2"/>
-              <a:buChar char="Ø"/>
-            </a:pPr>
-            <a:r>
-              <a:rPr lang="en-US" sz="1800" dirty="0">
-                <a:effectLst/>
-                <a:latin typeface="Arial" panose="020B0604020202020204" pitchFamily="34" charset="0"/>
-                <a:ea typeface="Calibri" panose="020F0502020204030204" pitchFamily="34" charset="0"/>
-                <a:cs typeface="Arial" panose="020B0604020202020204" pitchFamily="34" charset="0"/>
-              </a:rPr>
-              <a:t>They also apply the Deep Constrained Inverse Q-learning algorithm to the task of learning autonomous lane-changes in a simulator and achieving competent driving after training on 30 minutes of demonstrations.</a:t>
-            </a:r>
-            <a:r>
-              <a:rPr lang="en-US" sz="1800" dirty="0">
-                <a:effectLst/>
-                <a:latin typeface="Arial" panose="020B0604020202020204" pitchFamily="34" charset="0"/>
-                <a:cs typeface="Arial" panose="020B0604020202020204" pitchFamily="34" charset="0"/>
-              </a:rPr>
-              <a:t> </a:t>
-            </a:r>
-            <a:endParaRPr lang="en-US" sz="1800" dirty="0">
-              <a:latin typeface="Arial" panose="020B0604020202020204" pitchFamily="34" charset="0"/>
-              <a:cs typeface="Arial" panose="020B0604020202020204" pitchFamily="34" charset="0"/>
-            </a:endParaRPr>
-          </a:p>
-          <a:p>
-            <a:pPr algn="l"/>
-            <a:endParaRPr lang="en-US" sz="1800" b="0" i="0" dirty="0">
-              <a:effectLst/>
-              <a:latin typeface="Arial" panose="020B0604020202020204" pitchFamily="34" charset="0"/>
-            </a:endParaRPr>
-          </a:p>
-          <a:p>
-            <a:pPr algn="l"/>
-            <a:endParaRPr lang="en-US" sz="1800" dirty="0">
-              <a:latin typeface="Arial" panose="020B0604020202020204" pitchFamily="34" charset="0"/>
-            </a:endParaRPr>
-          </a:p>
-        </p:txBody>
-      </p:sp>
-      <p:sp>
-        <p:nvSpPr>
-          <p:cNvPr id="2" name="Slide Number Placeholder 1">
-            <a:extLst>
-              <a:ext uri="{FF2B5EF4-FFF2-40B4-BE49-F238E27FC236}">
-                <a16:creationId xmlns:a16="http://schemas.microsoft.com/office/drawing/2014/main" id="{CC056DD1-CB66-ED44-A8E2-CF029D616276}"/>
-              </a:ext>
-            </a:extLst>
-          </p:cNvPr>
-          <p:cNvSpPr>
-            <a:spLocks noGrp="1"/>
-          </p:cNvSpPr>
-          <p:nvPr>
-            <p:ph type="sldNum" sz="quarter" idx="12"/>
-          </p:nvPr>
-        </p:nvSpPr>
-        <p:spPr/>
-        <p:txBody>
-          <a:bodyPr/>
-          <a:lstStyle/>
-          <a:p>
-            <a:fld id="{837B6784-DA4F-4E23-8F4C-41806829DD81}" type="slidenum">
-              <a:rPr lang="en-US" smtClean="0">
-                <a:solidFill>
-                  <a:schemeClr val="bg1"/>
-                </a:solidFill>
-              </a:rPr>
               <a:t>6</a:t>
             </a:fld>
             <a:endParaRPr lang="en-US" dirty="0">
@@ -15459,7 +15623,7 @@
     </p:spTree>
     <p:extLst>
       <p:ext uri="{BB962C8B-B14F-4D97-AF65-F5344CB8AC3E}">
-        <p14:creationId xmlns:p14="http://schemas.microsoft.com/office/powerpoint/2010/main" val="2933040172"/>
+        <p14:creationId xmlns:p14="http://schemas.microsoft.com/office/powerpoint/2010/main" val="589316951"/>
       </p:ext>
     </p:extLst>
   </p:cSld>

--- a/docs/Deep_Inverse_Q_Learning-chinthaka.pptx
+++ b/docs/Deep_Inverse_Q_Learning-chinthaka.pptx
@@ -5,28 +5,26 @@
     <p:sldMasterId id="2147484033" r:id="rId1"/>
   </p:sldMasterIdLst>
   <p:notesMasterIdLst>
-    <p:notesMasterId r:id="rId21"/>
+    <p:notesMasterId r:id="rId19"/>
   </p:notesMasterIdLst>
   <p:sldIdLst>
     <p:sldId id="256" r:id="rId2"/>
     <p:sldId id="257" r:id="rId3"/>
     <p:sldId id="258" r:id="rId4"/>
     <p:sldId id="274" r:id="rId5"/>
-    <p:sldId id="275" r:id="rId6"/>
-    <p:sldId id="276" r:id="rId7"/>
-    <p:sldId id="268" r:id="rId8"/>
-    <p:sldId id="277" r:id="rId9"/>
-    <p:sldId id="269" r:id="rId10"/>
-    <p:sldId id="282" r:id="rId11"/>
-    <p:sldId id="287" r:id="rId12"/>
-    <p:sldId id="278" r:id="rId13"/>
-    <p:sldId id="279" r:id="rId14"/>
-    <p:sldId id="280" r:id="rId15"/>
-    <p:sldId id="281" r:id="rId16"/>
-    <p:sldId id="283" r:id="rId17"/>
-    <p:sldId id="284" r:id="rId18"/>
-    <p:sldId id="285" r:id="rId19"/>
-    <p:sldId id="286" r:id="rId20"/>
+    <p:sldId id="268" r:id="rId6"/>
+    <p:sldId id="277" r:id="rId7"/>
+    <p:sldId id="269" r:id="rId8"/>
+    <p:sldId id="282" r:id="rId9"/>
+    <p:sldId id="287" r:id="rId10"/>
+    <p:sldId id="278" r:id="rId11"/>
+    <p:sldId id="279" r:id="rId12"/>
+    <p:sldId id="280" r:id="rId13"/>
+    <p:sldId id="281" r:id="rId14"/>
+    <p:sldId id="283" r:id="rId15"/>
+    <p:sldId id="284" r:id="rId16"/>
+    <p:sldId id="285" r:id="rId17"/>
+    <p:sldId id="286" r:id="rId18"/>
   </p:sldIdLst>
   <p:sldSz cx="12192000" cy="6858000"/>
   <p:notesSz cx="6858000" cy="9144000"/>
@@ -215,7 +213,7 @@
           <a:p>
             <a:fld id="{C1228EDD-F92F-8142-B83E-C19EC04F34C9}" type="datetimeFigureOut">
               <a:rPr lang="en-US" smtClean="0"/>
-              <a:t>4/2/23</a:t>
+              <a:t>4/3/23</a:t>
             </a:fld>
             <a:endParaRPr lang="en-US"/>
           </a:p>
@@ -547,7 +545,7 @@
           <a:p>
             <a:fld id="{83149DE9-D850-B54D-B111-E50F1B5CC649}" type="slidenum">
               <a:rPr lang="en-US" smtClean="0"/>
-              <a:t>10</a:t>
+              <a:t>8</a:t>
             </a:fld>
             <a:endParaRPr lang="en-US"/>
           </a:p>
@@ -749,7 +747,7 @@
           <a:p>
             <a:fld id="{D8EDCB6C-42F2-304B-AE50-5727A6C827AD}" type="datetime1">
               <a:rPr lang="en-US" smtClean="0"/>
-              <a:t>4/2/23</a:t>
+              <a:t>4/3/23</a:t>
             </a:fld>
             <a:endParaRPr lang="en-US"/>
           </a:p>
@@ -1024,7 +1022,7 @@
           <a:p>
             <a:fld id="{8C2E2C2F-B67C-274F-8B32-7D2E6E2D91AE}" type="datetime1">
               <a:rPr lang="en-US" smtClean="0"/>
-              <a:t>4/2/23</a:t>
+              <a:t>4/3/23</a:t>
             </a:fld>
             <a:endParaRPr lang="en-US"/>
           </a:p>
@@ -1218,7 +1216,7 @@
           <a:p>
             <a:fld id="{13B825F4-2D21-034C-8123-A55B7B695247}" type="datetime1">
               <a:rPr lang="en-US" smtClean="0"/>
-              <a:t>4/2/23</a:t>
+              <a:t>4/3/23</a:t>
             </a:fld>
             <a:endParaRPr lang="en-US"/>
           </a:p>
@@ -1486,7 +1484,7 @@
           <a:p>
             <a:fld id="{8B9298D0-1221-9E47-B32A-9EFAD3B30C37}" type="datetime1">
               <a:rPr lang="en-US" smtClean="0"/>
-              <a:t>4/2/23</a:t>
+              <a:t>4/3/23</a:t>
             </a:fld>
             <a:endParaRPr lang="en-US"/>
           </a:p>
@@ -1818,7 +1816,7 @@
           <a:p>
             <a:fld id="{2BFE9E1B-3A75-D343-997B-61E2AA256BED}" type="datetime1">
               <a:rPr lang="en-US" smtClean="0"/>
-              <a:t>4/2/23</a:t>
+              <a:t>4/3/23</a:t>
             </a:fld>
             <a:endParaRPr lang="en-US"/>
           </a:p>
@@ -2428,7 +2426,7 @@
           <a:p>
             <a:fld id="{0726AA34-FA58-F145-ABC5-5D36038D5EEA}" type="datetime1">
               <a:rPr lang="en-US" smtClean="0"/>
-              <a:t>4/2/23</a:t>
+              <a:t>4/3/23</a:t>
             </a:fld>
             <a:endParaRPr lang="en-US"/>
           </a:p>
@@ -3275,7 +3273,7 @@
           <a:p>
             <a:fld id="{FDB1009E-2FB6-B948-B944-24C5576F825C}" type="datetime1">
               <a:rPr lang="en-US" smtClean="0"/>
-              <a:t>4/2/23</a:t>
+              <a:t>4/3/23</a:t>
             </a:fld>
             <a:endParaRPr lang="en-US"/>
           </a:p>
@@ -3445,7 +3443,7 @@
           <a:p>
             <a:fld id="{6C8144DB-19F6-074A-BA62-58378F42C4BE}" type="datetime1">
               <a:rPr lang="en-US" smtClean="0"/>
-              <a:t>4/2/23</a:t>
+              <a:t>4/3/23</a:t>
             </a:fld>
             <a:endParaRPr lang="en-US"/>
           </a:p>
@@ -3625,7 +3623,7 @@
           <a:p>
             <a:fld id="{2817B9ED-7423-594E-BE6E-A3DE24DE5122}" type="datetime1">
               <a:rPr lang="en-US" smtClean="0"/>
-              <a:t>4/2/23</a:t>
+              <a:t>4/3/23</a:t>
             </a:fld>
             <a:endParaRPr lang="en-US"/>
           </a:p>
@@ -3795,7 +3793,7 @@
           <a:p>
             <a:fld id="{9F650C93-B8FE-9743-8172-C05957EFB87C}" type="datetime1">
               <a:rPr lang="en-US" smtClean="0"/>
-              <a:t>4/2/23</a:t>
+              <a:t>4/3/23</a:t>
             </a:fld>
             <a:endParaRPr lang="en-US"/>
           </a:p>
@@ -4039,7 +4037,7 @@
           <a:p>
             <a:fld id="{0E931497-0394-FA44-BB05-EDB8BA47A151}" type="datetime1">
               <a:rPr lang="en-US" smtClean="0"/>
-              <a:t>4/2/23</a:t>
+              <a:t>4/3/23</a:t>
             </a:fld>
             <a:endParaRPr lang="en-US"/>
           </a:p>
@@ -4331,7 +4329,7 @@
           <a:p>
             <a:fld id="{592D6688-5440-804E-8E05-3B82E0C1D445}" type="datetime1">
               <a:rPr lang="en-US" smtClean="0"/>
-              <a:t>4/2/23</a:t>
+              <a:t>4/3/23</a:t>
             </a:fld>
             <a:endParaRPr lang="en-US"/>
           </a:p>
@@ -4774,7 +4772,7 @@
           <a:p>
             <a:fld id="{4F653B71-11E0-0446-8ADB-D698B48BEA5A}" type="datetime1">
               <a:rPr lang="en-US" smtClean="0"/>
-              <a:t>4/2/23</a:t>
+              <a:t>4/3/23</a:t>
             </a:fld>
             <a:endParaRPr lang="en-US"/>
           </a:p>
@@ -4897,7 +4895,7 @@
           <a:p>
             <a:fld id="{4842C25E-86BB-2642-864C-49E0B3276656}" type="datetime1">
               <a:rPr lang="en-US" smtClean="0"/>
-              <a:t>4/2/23</a:t>
+              <a:t>4/3/23</a:t>
             </a:fld>
             <a:endParaRPr lang="en-US"/>
           </a:p>
@@ -4992,7 +4990,7 @@
           <a:p>
             <a:fld id="{7C032C44-8D91-B54E-A4CC-25F0E7FE789D}" type="datetime1">
               <a:rPr lang="en-US" smtClean="0"/>
-              <a:t>4/2/23</a:t>
+              <a:t>4/3/23</a:t>
             </a:fld>
             <a:endParaRPr lang="en-US"/>
           </a:p>
@@ -5271,7 +5269,7 @@
           <a:p>
             <a:fld id="{83E86633-25D9-D54C-B119-518F4D9AD4F8}" type="datetime1">
               <a:rPr lang="en-US" smtClean="0"/>
-              <a:t>4/2/23</a:t>
+              <a:t>4/3/23</a:t>
             </a:fld>
             <a:endParaRPr lang="en-US"/>
           </a:p>
@@ -5551,7 +5549,7 @@
           <a:p>
             <a:fld id="{8B597637-AAC0-424F-8CCB-602F6CD5299E}" type="datetime1">
               <a:rPr lang="en-US" smtClean="0"/>
-              <a:t>4/2/23</a:t>
+              <a:t>4/3/23</a:t>
             </a:fld>
             <a:endParaRPr lang="en-US"/>
           </a:p>
@@ -5980,7 +5978,7 @@
           <a:p>
             <a:fld id="{9CB948AF-CD3C-0D44-AC51-010FFFE28289}" type="datetime1">
               <a:rPr lang="en-US" smtClean="0"/>
-              <a:t>4/2/23</a:t>
+              <a:t>4/3/23</a:t>
             </a:fld>
             <a:endParaRPr lang="en-US"/>
           </a:p>
@@ -6833,6 +6831,46 @@
       </p:grpSpPr>
       <p:sp>
         <p:nvSpPr>
+          <p:cNvPr id="3" name="Subtitle 2">
+            <a:extLst>
+              <a:ext uri="{FF2B5EF4-FFF2-40B4-BE49-F238E27FC236}">
+                <a16:creationId xmlns:a16="http://schemas.microsoft.com/office/drawing/2014/main" id="{038BE419-BB5F-A1E1-552E-536A04575F45}"/>
+              </a:ext>
+            </a:extLst>
+          </p:cNvPr>
+          <p:cNvSpPr>
+            <a:spLocks noGrp="1"/>
+          </p:cNvSpPr>
+          <p:nvPr>
+            <p:ph type="subTitle" idx="1"/>
+          </p:nvPr>
+        </p:nvSpPr>
+        <p:spPr>
+          <a:xfrm>
+            <a:off x="450850" y="566738"/>
+            <a:ext cx="11087100" cy="493712"/>
+          </a:xfrm>
+        </p:spPr>
+        <p:txBody>
+          <a:bodyPr>
+            <a:normAutofit lnSpcReduction="10000"/>
+          </a:bodyPr>
+          <a:lstStyle/>
+          <a:p>
+            <a:pPr algn="l"/>
+            <a:r>
+              <a:rPr lang="en-US" sz="2800" dirty="0"/>
+              <a:t>4. The Experiment</a:t>
+            </a:r>
+          </a:p>
+          <a:p>
+            <a:pPr algn="l"/>
+            <a:endParaRPr lang="en-US" sz="2800" dirty="0"/>
+          </a:p>
+        </p:txBody>
+      </p:sp>
+      <p:sp>
+        <p:nvSpPr>
           <p:cNvPr id="12" name="Subtitle 2">
             <a:extLst>
               <a:ext uri="{FF2B5EF4-FFF2-40B4-BE49-F238E27FC236}">
@@ -6847,8 +6885,8 @@
         </p:nvSpPr>
         <p:spPr>
           <a:xfrm>
-            <a:off x="854500" y="1932167"/>
-            <a:ext cx="10077450" cy="4398913"/>
+            <a:off x="854500" y="1457011"/>
+            <a:ext cx="10077450" cy="4874070"/>
           </a:xfrm>
           <a:prstGeom prst="rect">
             <a:avLst/>
@@ -6856,7 +6894,7 @@
         </p:spPr>
         <p:txBody>
           <a:bodyPr vert="horz" lIns="91440" tIns="45720" rIns="91440" bIns="45720" rtlCol="0">
-            <a:normAutofit/>
+            <a:normAutofit lnSpcReduction="10000"/>
           </a:bodyPr>
           <a:lstStyle>
             <a:lvl1pPr marL="0" indent="0" algn="ctr" defTabSz="914400" rtl="0" eaLnBrk="1" latinLnBrk="0" hangingPunct="1">
@@ -7027,6 +7065,642 @@
               <a:buFont typeface="Wingdings" pitchFamily="2" charset="2"/>
               <a:buChar char="Ø"/>
             </a:pPr>
+            <a:r>
+              <a:rPr lang="en-US" sz="1800" dirty="0">
+                <a:latin typeface="Arial" panose="020B0604020202020204" pitchFamily="34" charset="0"/>
+              </a:rPr>
+              <a:t>They evaluate the algorithms on the Objectworld benchmark and show a significant speedup compared to existing methods.</a:t>
+            </a:r>
+          </a:p>
+          <a:p>
+            <a:pPr marL="285750" indent="-285750" algn="just">
+              <a:buFont typeface="Wingdings" pitchFamily="2" charset="2"/>
+              <a:buChar char="Ø"/>
+            </a:pPr>
+            <a:endParaRPr lang="en-US" sz="1800" dirty="0">
+              <a:latin typeface="Arial" panose="020B0604020202020204" pitchFamily="34" charset="0"/>
+            </a:endParaRPr>
+          </a:p>
+          <a:p>
+            <a:pPr marL="285750" indent="-285750" algn="just">
+              <a:buFont typeface="Wingdings" pitchFamily="2" charset="2"/>
+              <a:buChar char="Ø"/>
+            </a:pPr>
+            <a:r>
+              <a:rPr lang="en-US" sz="1800" dirty="0">
+                <a:latin typeface="Arial" panose="020B0604020202020204" pitchFamily="34" charset="0"/>
+              </a:rPr>
+              <a:t>They evaluated the algorithm using Expected  Value Difference (EVD).</a:t>
+            </a:r>
+          </a:p>
+          <a:p>
+            <a:pPr marL="285750" indent="-285750" algn="just">
+              <a:buFont typeface="Wingdings" pitchFamily="2" charset="2"/>
+              <a:buChar char="Ø"/>
+            </a:pPr>
+            <a:endParaRPr lang="en-US" sz="1800" dirty="0">
+              <a:latin typeface="Arial" panose="020B0604020202020204" pitchFamily="34" charset="0"/>
+            </a:endParaRPr>
+          </a:p>
+          <a:p>
+            <a:pPr marL="285750" indent="-285750" algn="just">
+              <a:buFont typeface="Wingdings" pitchFamily="2" charset="2"/>
+              <a:buChar char="Ø"/>
+            </a:pPr>
+            <a:r>
+              <a:rPr lang="en-US" sz="1800" dirty="0">
+                <a:latin typeface="Arial" panose="020B0604020202020204" pitchFamily="34" charset="0"/>
+              </a:rPr>
+              <a:t>They also apply the Deep Constrained Inverse Q-learning algorithm to the task of learning autonomous lane-changes in a simulator and achieving competent driving after training on 30 minutes of demonstrations.</a:t>
+            </a:r>
+          </a:p>
+          <a:p>
+            <a:pPr marL="285750" indent="-285750" algn="just">
+              <a:buFont typeface="Wingdings" pitchFamily="2" charset="2"/>
+              <a:buChar char="Ø"/>
+            </a:pPr>
+            <a:endParaRPr lang="en-US" sz="1800" dirty="0">
+              <a:latin typeface="Arial" panose="020B0604020202020204" pitchFamily="34" charset="0"/>
+            </a:endParaRPr>
+          </a:p>
+          <a:p>
+            <a:pPr marL="285750" indent="-285750" algn="just">
+              <a:buFont typeface="Wingdings" pitchFamily="2" charset="2"/>
+              <a:buChar char="Ø"/>
+            </a:pPr>
+            <a:r>
+              <a:rPr lang="en-US" sz="1800" dirty="0">
+                <a:latin typeface="Arial" panose="020B0604020202020204" pitchFamily="34" charset="0"/>
+              </a:rPr>
+              <a:t>In this assignment, we will evaluate the IQL and IAVI on the </a:t>
+            </a:r>
+            <a:r>
+              <a:rPr lang="en-US" sz="1800" dirty="0" err="1">
+                <a:latin typeface="Arial" panose="020B0604020202020204" pitchFamily="34" charset="0"/>
+              </a:rPr>
+              <a:t>Objectworld</a:t>
+            </a:r>
+            <a:r>
+              <a:rPr lang="en-US" sz="1800" dirty="0">
+                <a:latin typeface="Arial" panose="020B0604020202020204" pitchFamily="34" charset="0"/>
+              </a:rPr>
+              <a:t> environment under the following settings</a:t>
+            </a:r>
+          </a:p>
+          <a:p>
+            <a:pPr marL="285750" indent="-285750" algn="just">
+              <a:buFont typeface="Wingdings" pitchFamily="2" charset="2"/>
+              <a:buChar char="Ø"/>
+            </a:pPr>
+            <a:endParaRPr lang="en-US" sz="1800" dirty="0">
+              <a:latin typeface="Arial" panose="020B0604020202020204" pitchFamily="34" charset="0"/>
+            </a:endParaRPr>
+          </a:p>
+          <a:p>
+            <a:pPr lvl="2" algn="just"/>
+            <a:r>
+              <a:rPr lang="en-US" sz="1200" dirty="0">
+                <a:latin typeface="Arial" panose="020B0604020202020204" pitchFamily="34" charset="0"/>
+              </a:rPr>
+              <a:t>grid_size = 32</a:t>
+            </a:r>
+          </a:p>
+          <a:p>
+            <a:pPr lvl="2" algn="just"/>
+            <a:r>
+              <a:rPr lang="en-US" sz="1200" dirty="0">
+                <a:latin typeface="Arial" panose="020B0604020202020204" pitchFamily="34" charset="0"/>
+              </a:rPr>
+              <a:t>n_objects = 50</a:t>
+            </a:r>
+          </a:p>
+          <a:p>
+            <a:pPr lvl="2" algn="just"/>
+            <a:r>
+              <a:rPr lang="en-US" sz="1200" dirty="0">
+                <a:latin typeface="Arial" panose="020B0604020202020204" pitchFamily="34" charset="0"/>
+              </a:rPr>
+              <a:t>n_colours = 2</a:t>
+            </a:r>
+          </a:p>
+          <a:p>
+            <a:pPr lvl="2" algn="just"/>
+            <a:r>
+              <a:rPr lang="en-US" sz="1200" dirty="0">
+                <a:latin typeface="Arial" panose="020B0604020202020204" pitchFamily="34" charset="0"/>
+              </a:rPr>
+              <a:t>wind = 0.3</a:t>
+            </a:r>
+          </a:p>
+          <a:p>
+            <a:pPr lvl="2" algn="just"/>
+            <a:r>
+              <a:rPr lang="en-US" sz="1200" dirty="0">
+                <a:latin typeface="Arial" panose="020B0604020202020204" pitchFamily="34" charset="0"/>
+              </a:rPr>
+              <a:t>discount = 0.99</a:t>
+            </a:r>
+          </a:p>
+          <a:p>
+            <a:pPr lvl="2" algn="just"/>
+            <a:r>
+              <a:rPr lang="en-US" sz="1200" dirty="0">
+                <a:latin typeface="Arial" panose="020B0604020202020204" pitchFamily="34" charset="0"/>
+              </a:rPr>
+              <a:t>trajectory_length = 8</a:t>
+            </a:r>
+          </a:p>
+          <a:p>
+            <a:pPr algn="just"/>
+            <a:endParaRPr lang="en-US" sz="1800" dirty="0">
+              <a:latin typeface="Arial" panose="020B0604020202020204" pitchFamily="34" charset="0"/>
+            </a:endParaRPr>
+          </a:p>
+          <a:p>
+            <a:pPr marL="285750" indent="-285750" algn="just">
+              <a:buFont typeface="Wingdings" pitchFamily="2" charset="2"/>
+              <a:buChar char="Ø"/>
+            </a:pPr>
+            <a:endParaRPr lang="en-US" sz="1800" dirty="0">
+              <a:latin typeface="Arial" panose="020B0604020202020204" pitchFamily="34" charset="0"/>
+            </a:endParaRPr>
+          </a:p>
+          <a:p>
+            <a:pPr algn="l"/>
+            <a:endParaRPr lang="en-US" sz="1800" dirty="0">
+              <a:latin typeface="Arial" panose="020B0604020202020204" pitchFamily="34" charset="0"/>
+            </a:endParaRPr>
+          </a:p>
+        </p:txBody>
+      </p:sp>
+      <p:sp>
+        <p:nvSpPr>
+          <p:cNvPr id="2" name="Slide Number Placeholder 1">
+            <a:extLst>
+              <a:ext uri="{FF2B5EF4-FFF2-40B4-BE49-F238E27FC236}">
+                <a16:creationId xmlns:a16="http://schemas.microsoft.com/office/drawing/2014/main" id="{50DA5DA1-793E-F340-AE4F-D8425082BB83}"/>
+              </a:ext>
+            </a:extLst>
+          </p:cNvPr>
+          <p:cNvSpPr>
+            <a:spLocks noGrp="1"/>
+          </p:cNvSpPr>
+          <p:nvPr>
+            <p:ph type="sldNum" sz="quarter" idx="12"/>
+          </p:nvPr>
+        </p:nvSpPr>
+        <p:spPr/>
+        <p:txBody>
+          <a:bodyPr/>
+          <a:lstStyle/>
+          <a:p>
+            <a:fld id="{837B6784-DA4F-4E23-8F4C-41806829DD81}" type="slidenum">
+              <a:rPr lang="en-US" smtClean="0">
+                <a:solidFill>
+                  <a:schemeClr val="bg1"/>
+                </a:solidFill>
+              </a:rPr>
+              <a:t>10</a:t>
+            </a:fld>
+            <a:endParaRPr lang="en-US" dirty="0">
+              <a:solidFill>
+                <a:schemeClr val="bg1"/>
+              </a:solidFill>
+            </a:endParaRPr>
+          </a:p>
+        </p:txBody>
+      </p:sp>
+    </p:spTree>
+    <p:extLst>
+      <p:ext uri="{BB962C8B-B14F-4D97-AF65-F5344CB8AC3E}">
+        <p14:creationId xmlns:p14="http://schemas.microsoft.com/office/powerpoint/2010/main" val="3533037585"/>
+      </p:ext>
+    </p:extLst>
+  </p:cSld>
+  <p:clrMapOvr>
+    <a:masterClrMapping/>
+  </p:clrMapOvr>
+</p:sld>
+</file>
+
+<file path=ppt/slides/slide11.xml><?xml version="1.0" encoding="utf-8"?>
+<p:sld xmlns:a="http://schemas.openxmlformats.org/drawingml/2006/main" xmlns:r="http://schemas.openxmlformats.org/officeDocument/2006/relationships" xmlns:p="http://schemas.openxmlformats.org/presentationml/2006/main">
+  <p:cSld>
+    <p:spTree>
+      <p:nvGrpSpPr>
+        <p:cNvPr id="1" name=""/>
+        <p:cNvGrpSpPr/>
+        <p:nvPr/>
+      </p:nvGrpSpPr>
+      <p:grpSpPr>
+        <a:xfrm>
+          <a:off x="0" y="0"/>
+          <a:ext cx="0" cy="0"/>
+          <a:chOff x="0" y="0"/>
+          <a:chExt cx="0" cy="0"/>
+        </a:xfrm>
+      </p:grpSpPr>
+      <p:sp>
+        <p:nvSpPr>
+          <p:cNvPr id="3" name="Subtitle 2">
+            <a:extLst>
+              <a:ext uri="{FF2B5EF4-FFF2-40B4-BE49-F238E27FC236}">
+                <a16:creationId xmlns:a16="http://schemas.microsoft.com/office/drawing/2014/main" id="{038BE419-BB5F-A1E1-552E-536A04575F45}"/>
+              </a:ext>
+            </a:extLst>
+          </p:cNvPr>
+          <p:cNvSpPr>
+            <a:spLocks noGrp="1"/>
+          </p:cNvSpPr>
+          <p:nvPr>
+            <p:ph type="subTitle" idx="1"/>
+          </p:nvPr>
+        </p:nvSpPr>
+        <p:spPr>
+          <a:xfrm>
+            <a:off x="450850" y="566738"/>
+            <a:ext cx="11087100" cy="493712"/>
+          </a:xfrm>
+        </p:spPr>
+        <p:txBody>
+          <a:bodyPr>
+            <a:normAutofit lnSpcReduction="10000"/>
+          </a:bodyPr>
+          <a:lstStyle/>
+          <a:p>
+            <a:pPr algn="l"/>
+            <a:r>
+              <a:rPr lang="en-US" sz="2800" dirty="0"/>
+              <a:t>4. The Experiment</a:t>
+            </a:r>
+          </a:p>
+          <a:p>
+            <a:pPr algn="l"/>
+            <a:endParaRPr lang="en-US" sz="2800" dirty="0"/>
+          </a:p>
+        </p:txBody>
+      </p:sp>
+      <p:sp>
+        <p:nvSpPr>
+          <p:cNvPr id="12" name="Subtitle 2">
+            <a:extLst>
+              <a:ext uri="{FF2B5EF4-FFF2-40B4-BE49-F238E27FC236}">
+                <a16:creationId xmlns:a16="http://schemas.microsoft.com/office/drawing/2014/main" id="{AF6B266F-1219-CD47-A248-483FB1190CBA}"/>
+              </a:ext>
+            </a:extLst>
+          </p:cNvPr>
+          <p:cNvSpPr txBox="1">
+            <a:spLocks/>
+          </p:cNvSpPr>
+          <p:nvPr/>
+        </p:nvSpPr>
+        <p:spPr>
+          <a:xfrm>
+            <a:off x="1057275" y="1692467"/>
+            <a:ext cx="10077450" cy="4874070"/>
+          </a:xfrm>
+          <a:prstGeom prst="rect">
+            <a:avLst/>
+          </a:prstGeom>
+        </p:spPr>
+        <p:txBody>
+          <a:bodyPr vert="horz" lIns="91440" tIns="45720" rIns="91440" bIns="45720" rtlCol="0">
+            <a:normAutofit lnSpcReduction="10000"/>
+          </a:bodyPr>
+          <a:lstStyle>
+            <a:lvl1pPr marL="0" indent="0" algn="ctr" defTabSz="914400" rtl="0" eaLnBrk="1" latinLnBrk="0" hangingPunct="1">
+              <a:lnSpc>
+                <a:spcPct val="90000"/>
+              </a:lnSpc>
+              <a:spcBef>
+                <a:spcPts val="1000"/>
+              </a:spcBef>
+              <a:buFont typeface="Arial" panose="020B0604020202020204" pitchFamily="34" charset="0"/>
+              <a:buNone/>
+              <a:defRPr sz="2400" kern="1200">
+                <a:solidFill>
+                  <a:schemeClr val="tx1"/>
+                </a:solidFill>
+                <a:latin typeface="+mn-lt"/>
+                <a:ea typeface="+mn-ea"/>
+                <a:cs typeface="+mn-cs"/>
+              </a:defRPr>
+            </a:lvl1pPr>
+            <a:lvl2pPr marL="457200" indent="0" algn="ctr" defTabSz="914400" rtl="0" eaLnBrk="1" latinLnBrk="0" hangingPunct="1">
+              <a:lnSpc>
+                <a:spcPct val="90000"/>
+              </a:lnSpc>
+              <a:spcBef>
+                <a:spcPts val="500"/>
+              </a:spcBef>
+              <a:buFont typeface="Arial" panose="020B0604020202020204" pitchFamily="34" charset="0"/>
+              <a:buNone/>
+              <a:defRPr sz="2000" kern="1200">
+                <a:solidFill>
+                  <a:schemeClr val="tx1"/>
+                </a:solidFill>
+                <a:latin typeface="+mn-lt"/>
+                <a:ea typeface="+mn-ea"/>
+                <a:cs typeface="+mn-cs"/>
+              </a:defRPr>
+            </a:lvl2pPr>
+            <a:lvl3pPr marL="914400" indent="0" algn="ctr" defTabSz="914400" rtl="0" eaLnBrk="1" latinLnBrk="0" hangingPunct="1">
+              <a:lnSpc>
+                <a:spcPct val="90000"/>
+              </a:lnSpc>
+              <a:spcBef>
+                <a:spcPts val="500"/>
+              </a:spcBef>
+              <a:buFont typeface="Arial" panose="020B0604020202020204" pitchFamily="34" charset="0"/>
+              <a:buNone/>
+              <a:defRPr sz="1800" kern="1200">
+                <a:solidFill>
+                  <a:schemeClr val="tx1"/>
+                </a:solidFill>
+                <a:latin typeface="+mn-lt"/>
+                <a:ea typeface="+mn-ea"/>
+                <a:cs typeface="+mn-cs"/>
+              </a:defRPr>
+            </a:lvl3pPr>
+            <a:lvl4pPr marL="1371600" indent="0" algn="ctr" defTabSz="914400" rtl="0" eaLnBrk="1" latinLnBrk="0" hangingPunct="1">
+              <a:lnSpc>
+                <a:spcPct val="90000"/>
+              </a:lnSpc>
+              <a:spcBef>
+                <a:spcPts val="500"/>
+              </a:spcBef>
+              <a:buFont typeface="Arial" panose="020B0604020202020204" pitchFamily="34" charset="0"/>
+              <a:buNone/>
+              <a:defRPr sz="1600" kern="1200">
+                <a:solidFill>
+                  <a:schemeClr val="tx1"/>
+                </a:solidFill>
+                <a:latin typeface="+mn-lt"/>
+                <a:ea typeface="+mn-ea"/>
+                <a:cs typeface="+mn-cs"/>
+              </a:defRPr>
+            </a:lvl4pPr>
+            <a:lvl5pPr marL="1828800" indent="0" algn="ctr" defTabSz="914400" rtl="0" eaLnBrk="1" latinLnBrk="0" hangingPunct="1">
+              <a:lnSpc>
+                <a:spcPct val="90000"/>
+              </a:lnSpc>
+              <a:spcBef>
+                <a:spcPts val="500"/>
+              </a:spcBef>
+              <a:buFont typeface="Arial" panose="020B0604020202020204" pitchFamily="34" charset="0"/>
+              <a:buNone/>
+              <a:defRPr sz="1600" kern="1200">
+                <a:solidFill>
+                  <a:schemeClr val="tx1"/>
+                </a:solidFill>
+                <a:latin typeface="+mn-lt"/>
+                <a:ea typeface="+mn-ea"/>
+                <a:cs typeface="+mn-cs"/>
+              </a:defRPr>
+            </a:lvl5pPr>
+            <a:lvl6pPr marL="2286000" indent="0" algn="ctr" defTabSz="914400" rtl="0" eaLnBrk="1" latinLnBrk="0" hangingPunct="1">
+              <a:lnSpc>
+                <a:spcPct val="90000"/>
+              </a:lnSpc>
+              <a:spcBef>
+                <a:spcPts val="500"/>
+              </a:spcBef>
+              <a:buFont typeface="Arial" panose="020B0604020202020204" pitchFamily="34" charset="0"/>
+              <a:buNone/>
+              <a:defRPr sz="1600" kern="1200">
+                <a:solidFill>
+                  <a:schemeClr val="tx1"/>
+                </a:solidFill>
+                <a:latin typeface="+mn-lt"/>
+                <a:ea typeface="+mn-ea"/>
+                <a:cs typeface="+mn-cs"/>
+              </a:defRPr>
+            </a:lvl6pPr>
+            <a:lvl7pPr marL="2743200" indent="0" algn="ctr" defTabSz="914400" rtl="0" eaLnBrk="1" latinLnBrk="0" hangingPunct="1">
+              <a:lnSpc>
+                <a:spcPct val="90000"/>
+              </a:lnSpc>
+              <a:spcBef>
+                <a:spcPts val="500"/>
+              </a:spcBef>
+              <a:buFont typeface="Arial" panose="020B0604020202020204" pitchFamily="34" charset="0"/>
+              <a:buNone/>
+              <a:defRPr sz="1600" kern="1200">
+                <a:solidFill>
+                  <a:schemeClr val="tx1"/>
+                </a:solidFill>
+                <a:latin typeface="+mn-lt"/>
+                <a:ea typeface="+mn-ea"/>
+                <a:cs typeface="+mn-cs"/>
+              </a:defRPr>
+            </a:lvl7pPr>
+            <a:lvl8pPr marL="3200400" indent="0" algn="ctr" defTabSz="914400" rtl="0" eaLnBrk="1" latinLnBrk="0" hangingPunct="1">
+              <a:lnSpc>
+                <a:spcPct val="90000"/>
+              </a:lnSpc>
+              <a:spcBef>
+                <a:spcPts val="500"/>
+              </a:spcBef>
+              <a:buFont typeface="Arial" panose="020B0604020202020204" pitchFamily="34" charset="0"/>
+              <a:buNone/>
+              <a:defRPr sz="1600" kern="1200">
+                <a:solidFill>
+                  <a:schemeClr val="tx1"/>
+                </a:solidFill>
+                <a:latin typeface="+mn-lt"/>
+                <a:ea typeface="+mn-ea"/>
+                <a:cs typeface="+mn-cs"/>
+              </a:defRPr>
+            </a:lvl8pPr>
+            <a:lvl9pPr marL="3657600" indent="0" algn="ctr" defTabSz="914400" rtl="0" eaLnBrk="1" latinLnBrk="0" hangingPunct="1">
+              <a:lnSpc>
+                <a:spcPct val="90000"/>
+              </a:lnSpc>
+              <a:spcBef>
+                <a:spcPts val="500"/>
+              </a:spcBef>
+              <a:buFont typeface="Arial" panose="020B0604020202020204" pitchFamily="34" charset="0"/>
+              <a:buNone/>
+              <a:defRPr sz="1600" kern="1200">
+                <a:solidFill>
+                  <a:schemeClr val="tx1"/>
+                </a:solidFill>
+                <a:latin typeface="+mn-lt"/>
+                <a:ea typeface="+mn-ea"/>
+                <a:cs typeface="+mn-cs"/>
+              </a:defRPr>
+            </a:lvl9pPr>
+          </a:lstStyle>
+          <a:p>
+            <a:pPr marL="285750" indent="-285750" algn="just">
+              <a:buFont typeface="Wingdings" pitchFamily="2" charset="2"/>
+              <a:buChar char="Ø"/>
+            </a:pPr>
+            <a:r>
+              <a:rPr lang="en-US" sz="1800" dirty="0">
+                <a:latin typeface="Arial" panose="020B0604020202020204" pitchFamily="34" charset="0"/>
+              </a:rPr>
+              <a:t>The Objectworld environment is an N × N map, where an agent can choose between going up, down, left, or right or staying in place per time step. </a:t>
+            </a:r>
+          </a:p>
+          <a:p>
+            <a:pPr marL="285750" indent="-285750" algn="just">
+              <a:buFont typeface="Wingdings" pitchFamily="2" charset="2"/>
+              <a:buChar char="Ø"/>
+            </a:pPr>
+            <a:endParaRPr lang="en-US" sz="1800" dirty="0">
+              <a:latin typeface="Arial" panose="020B0604020202020204" pitchFamily="34" charset="0"/>
+            </a:endParaRPr>
+          </a:p>
+          <a:p>
+            <a:pPr marL="285750" indent="-285750" algn="just">
+              <a:buFont typeface="Wingdings" pitchFamily="2" charset="2"/>
+              <a:buChar char="Ø"/>
+            </a:pPr>
+            <a:r>
+              <a:rPr lang="en-US" sz="1800" dirty="0">
+                <a:latin typeface="Arial" panose="020B0604020202020204" pitchFamily="34" charset="0"/>
+              </a:rPr>
+              <a:t>Stochastic transitions take the agent in a random direction with 30% chance. Objects are randomly put on the grid with certain inner and outer colors from a set of C colors.</a:t>
+            </a:r>
+          </a:p>
+          <a:p>
+            <a:pPr marL="285750" indent="-285750" algn="just">
+              <a:buFont typeface="Wingdings" pitchFamily="2" charset="2"/>
+              <a:buChar char="Ø"/>
+            </a:pPr>
+            <a:endParaRPr lang="en-US" sz="1800" dirty="0">
+              <a:latin typeface="Arial" panose="020B0604020202020204" pitchFamily="34" charset="0"/>
+            </a:endParaRPr>
+          </a:p>
+          <a:p>
+            <a:pPr marL="285750" indent="-285750" algn="just">
+              <a:buFont typeface="Wingdings" pitchFamily="2" charset="2"/>
+              <a:buChar char="Ø"/>
+            </a:pPr>
+            <a:r>
+              <a:rPr lang="en-US" sz="1800" dirty="0">
+                <a:latin typeface="Arial" panose="020B0604020202020204" pitchFamily="34" charset="0"/>
+              </a:rPr>
+              <a:t> Let’s say we have </a:t>
+            </a:r>
+            <a:r>
+              <a:rPr lang="en-US" sz="1800" b="1" dirty="0">
+                <a:latin typeface="Arial" panose="020B0604020202020204" pitchFamily="34" charset="0"/>
+              </a:rPr>
+              <a:t>two colors. </a:t>
+            </a:r>
+            <a:r>
+              <a:rPr lang="en-US" sz="1800" dirty="0">
+                <a:latin typeface="Arial" panose="020B0604020202020204" pitchFamily="34" charset="0"/>
+              </a:rPr>
+              <a:t>Then there will be 4 types of objects in the environment.</a:t>
+            </a:r>
+          </a:p>
+          <a:p>
+            <a:pPr marL="285750" indent="-285750" algn="just">
+              <a:buFont typeface="Wingdings" pitchFamily="2" charset="2"/>
+              <a:buChar char="Ø"/>
+            </a:pPr>
+            <a:endParaRPr lang="en-US" sz="1800" dirty="0">
+              <a:latin typeface="Arial" panose="020B0604020202020204" pitchFamily="34" charset="0"/>
+            </a:endParaRPr>
+          </a:p>
+          <a:p>
+            <a:pPr marL="400050" indent="-400050" algn="just">
+              <a:buFont typeface="+mj-lt"/>
+              <a:buAutoNum type="romanUcPeriod"/>
+            </a:pPr>
+            <a:r>
+              <a:rPr lang="en-US" sz="1600" dirty="0">
+                <a:latin typeface="Arial" panose="020B0604020202020204" pitchFamily="34" charset="0"/>
+              </a:rPr>
+              <a:t>Inner color of Color 0</a:t>
+            </a:r>
+          </a:p>
+          <a:p>
+            <a:pPr marL="400050" indent="-400050" algn="just">
+              <a:buFont typeface="+mj-lt"/>
+              <a:buAutoNum type="romanUcPeriod"/>
+            </a:pPr>
+            <a:r>
+              <a:rPr lang="en-US" sz="1600" dirty="0">
+                <a:latin typeface="Arial" panose="020B0604020202020204" pitchFamily="34" charset="0"/>
+              </a:rPr>
+              <a:t>Outer color of Color 0</a:t>
+            </a:r>
+          </a:p>
+          <a:p>
+            <a:pPr marL="400050" indent="-400050" algn="just">
+              <a:buFont typeface="+mj-lt"/>
+              <a:buAutoNum type="romanUcPeriod"/>
+            </a:pPr>
+            <a:r>
+              <a:rPr lang="en-US" sz="1600" dirty="0">
+                <a:latin typeface="Arial" panose="020B0604020202020204" pitchFamily="34" charset="0"/>
+              </a:rPr>
+              <a:t>Inner color of Color 1</a:t>
+            </a:r>
+          </a:p>
+          <a:p>
+            <a:pPr marL="400050" indent="-400050" algn="just">
+              <a:buFont typeface="+mj-lt"/>
+              <a:buAutoNum type="romanUcPeriod"/>
+            </a:pPr>
+            <a:r>
+              <a:rPr lang="en-US" sz="1600" dirty="0">
+                <a:latin typeface="Arial" panose="020B0604020202020204" pitchFamily="34" charset="0"/>
+              </a:rPr>
+              <a:t>Outer color of Color 1</a:t>
+            </a:r>
+          </a:p>
+          <a:p>
+            <a:pPr marL="400050" indent="-400050" algn="just">
+              <a:buFont typeface="+mj-lt"/>
+              <a:buAutoNum type="romanUcPeriod"/>
+            </a:pPr>
+            <a:endParaRPr lang="en-US" sz="1600" dirty="0">
+              <a:latin typeface="Arial" panose="020B0604020202020204" pitchFamily="34" charset="0"/>
+            </a:endParaRPr>
+          </a:p>
+          <a:p>
+            <a:pPr marL="285750" indent="-285750" algn="just">
+              <a:buFont typeface="Wingdings" pitchFamily="2" charset="2"/>
+              <a:buChar char="Ø"/>
+            </a:pPr>
+            <a:r>
+              <a:rPr lang="en-US" sz="1800" dirty="0">
+                <a:latin typeface="Arial" panose="020B0604020202020204" pitchFamily="34" charset="0"/>
+              </a:rPr>
+              <a:t>In this experiment, we are only considering the outer color, which means we only have two types of objects.</a:t>
+            </a:r>
+          </a:p>
+          <a:p>
+            <a:pPr algn="just"/>
+            <a:endParaRPr lang="en-US" sz="1800" dirty="0">
+              <a:latin typeface="Arial" panose="020B0604020202020204" pitchFamily="34" charset="0"/>
+            </a:endParaRPr>
+          </a:p>
+          <a:p>
+            <a:pPr marL="285750" indent="-285750" algn="just">
+              <a:buFont typeface="Wingdings" pitchFamily="2" charset="2"/>
+              <a:buChar char="Ø"/>
+            </a:pPr>
+            <a:endParaRPr lang="en-US" sz="1800" dirty="0">
+              <a:latin typeface="Arial" panose="020B0604020202020204" pitchFamily="34" charset="0"/>
+            </a:endParaRPr>
+          </a:p>
+          <a:p>
+            <a:pPr algn="just"/>
+            <a:endParaRPr lang="en-US" sz="1800" dirty="0">
+              <a:latin typeface="Arial" panose="020B0604020202020204" pitchFamily="34" charset="0"/>
+            </a:endParaRPr>
+          </a:p>
+          <a:p>
+            <a:pPr marL="285750" indent="-285750" algn="just">
+              <a:buFont typeface="Wingdings" pitchFamily="2" charset="2"/>
+              <a:buChar char="Ø"/>
+            </a:pPr>
             <a:endParaRPr lang="en-US" sz="1800" dirty="0">
               <a:latin typeface="Arial" panose="020B0604020202020204" pitchFamily="34" charset="0"/>
             </a:endParaRPr>
@@ -7044,7 +7718,7 @@
           <p:cNvPr id="4" name="Subtitle 2">
             <a:extLst>
               <a:ext uri="{FF2B5EF4-FFF2-40B4-BE49-F238E27FC236}">
-                <a16:creationId xmlns:a16="http://schemas.microsoft.com/office/drawing/2014/main" id="{B4B8C344-B172-9E43-A871-7E8F354FF5DE}"/>
+                <a16:creationId xmlns:a16="http://schemas.microsoft.com/office/drawing/2014/main" id="{C4C533A9-56B3-B646-9F8F-30CDE3EEBD0F}"/>
               </a:ext>
             </a:extLst>
           </p:cNvPr>
@@ -7234,19 +7908,20 @@
             <a:pPr algn="l"/>
             <a:r>
               <a:rPr lang="en-US" sz="2000" b="1" dirty="0">
-                <a:latin typeface="Arial" panose="020B0604020202020204" pitchFamily="34" charset="0"/>
-                <a:cs typeface="Arial" panose="020B0604020202020204" pitchFamily="34" charset="0"/>
-              </a:rPr>
-              <a:t>3.3</a:t>
-            </a:r>
-            <a:r>
-              <a:rPr lang="en-US" sz="2000" b="1" dirty="0">
                 <a:effectLst/>
                 <a:latin typeface="Arial" panose="020B0604020202020204" pitchFamily="34" charset="0"/>
                 <a:cs typeface="Arial" panose="020B0604020202020204" pitchFamily="34" charset="0"/>
               </a:rPr>
-              <a:t> Tabular Inverse Q-learning – Model-free</a:t>
-            </a:r>
+              <a:t>4.1 The Objectworld environment</a:t>
+            </a:r>
+          </a:p>
+          <a:p>
+            <a:pPr algn="l"/>
+            <a:endParaRPr lang="en-US" sz="2000" b="1" dirty="0">
+              <a:effectLst/>
+              <a:latin typeface="Arial" panose="020B0604020202020204" pitchFamily="34" charset="0"/>
+              <a:cs typeface="Arial" panose="020B0604020202020204" pitchFamily="34" charset="0"/>
+            </a:endParaRPr>
           </a:p>
           <a:p>
             <a:pPr algn="l"/>
@@ -7267,1681 +7942,10 @@
       </p:sp>
       <p:sp>
         <p:nvSpPr>
-          <p:cNvPr id="8" name="TextBox 7">
+          <p:cNvPr id="2" name="Slide Number Placeholder 1">
             <a:extLst>
               <a:ext uri="{FF2B5EF4-FFF2-40B4-BE49-F238E27FC236}">
-                <a16:creationId xmlns:a16="http://schemas.microsoft.com/office/drawing/2014/main" id="{6BDAA025-B379-844F-9153-06235CBF0E76}"/>
-              </a:ext>
-            </a:extLst>
-          </p:cNvPr>
-          <p:cNvSpPr txBox="1"/>
-          <p:nvPr/>
-        </p:nvSpPr>
-        <p:spPr>
-          <a:xfrm>
-            <a:off x="875507" y="1717482"/>
-            <a:ext cx="10461993" cy="923330"/>
-          </a:xfrm>
-          <a:prstGeom prst="rect">
-            <a:avLst/>
-          </a:prstGeom>
-          <a:noFill/>
-        </p:spPr>
-        <p:txBody>
-          <a:bodyPr wrap="square">
-            <a:spAutoFit/>
-          </a:bodyPr>
-          <a:lstStyle/>
-          <a:p>
-            <a:pPr marL="285750" indent="-285750">
-              <a:buFont typeface="Wingdings" pitchFamily="2" charset="2"/>
-              <a:buChar char="Ø"/>
-            </a:pPr>
-            <a:r>
-              <a:rPr lang="en-US" dirty="0">
-                <a:latin typeface="Arial" panose="020B0604020202020204" pitchFamily="34" charset="0"/>
-                <a:cs typeface="Arial" panose="020B0604020202020204" pitchFamily="34" charset="0"/>
-              </a:rPr>
-              <a:t>To relax the assumption of an existing transition model and action probabilities, they have extended the Inverse Action-value Iteration to a sampling-based algorithm. They have used shifted Q-functions to avoid the need of a model.</a:t>
-            </a:r>
-          </a:p>
-        </p:txBody>
-      </p:sp>
-      <mc:AlternateContent xmlns:mc="http://schemas.openxmlformats.org/markup-compatibility/2006" xmlns:a14="http://schemas.microsoft.com/office/drawing/2010/main">
-        <mc:Choice Requires="a14">
-          <p:sp>
-            <p:nvSpPr>
-              <p:cNvPr id="13" name="TextBox 12">
-                <a:extLst>
-                  <a:ext uri="{FF2B5EF4-FFF2-40B4-BE49-F238E27FC236}">
-                    <a16:creationId xmlns:a16="http://schemas.microsoft.com/office/drawing/2014/main" id="{4E321E74-C593-9346-BA86-6EB63E5C0233}"/>
-                  </a:ext>
-                </a:extLst>
-              </p:cNvPr>
-              <p:cNvSpPr txBox="1"/>
-              <p:nvPr/>
-            </p:nvSpPr>
-            <p:spPr>
-              <a:xfrm>
-                <a:off x="1515618" y="4703656"/>
-                <a:ext cx="3086413" cy="435312"/>
-              </a:xfrm>
-              <a:prstGeom prst="rect">
-                <a:avLst/>
-              </a:prstGeom>
-              <a:noFill/>
-            </p:spPr>
-            <p:txBody>
-              <a:bodyPr wrap="square">
-                <a:spAutoFit/>
-              </a:bodyPr>
-              <a:lstStyle/>
-              <a:p>
-                <a:pPr/>
-                <a14:m>
-                  <m:oMathPara xmlns:m="http://schemas.openxmlformats.org/officeDocument/2006/math">
-                    <m:oMathParaPr>
-                      <m:jc m:val="centerGroup"/>
-                    </m:oMathParaPr>
-                    <m:oMath xmlns:m="http://schemas.openxmlformats.org/officeDocument/2006/math">
-                      <m:sSup>
-                        <m:sSupPr>
-                          <m:ctrlPr>
-                            <a:rPr lang="en-US" sz="1400" b="0" i="1" smtClean="0">
-                              <a:solidFill>
-                                <a:schemeClr val="tx1"/>
-                              </a:solidFill>
-                              <a:latin typeface="Cambria Math" panose="02040503050406030204" pitchFamily="18" charset="0"/>
-                            </a:rPr>
-                          </m:ctrlPr>
-                        </m:sSupPr>
-                        <m:e>
-                          <m:r>
-                            <a:rPr lang="en-US" sz="1400" b="0" i="1" smtClean="0">
-                              <a:solidFill>
-                                <a:schemeClr val="tx1"/>
-                              </a:solidFill>
-                              <a:latin typeface="Cambria Math" panose="02040503050406030204" pitchFamily="18" charset="0"/>
-                            </a:rPr>
-                            <m:t>𝑄</m:t>
-                          </m:r>
-                        </m:e>
-                        <m:sup>
-                          <m:r>
-                            <a:rPr lang="en-US" sz="1400" b="0" i="1" smtClean="0">
-                              <a:solidFill>
-                                <a:schemeClr val="tx1"/>
-                              </a:solidFill>
-                              <a:latin typeface="Cambria Math" panose="02040503050406030204" pitchFamily="18" charset="0"/>
-                            </a:rPr>
-                            <m:t>𝑠h</m:t>
-                          </m:r>
-                        </m:sup>
-                      </m:sSup>
-                      <m:r>
-                        <a:rPr lang="en-US" sz="1400" b="0" i="1" smtClean="0">
-                          <a:solidFill>
-                            <a:schemeClr val="tx1"/>
-                          </a:solidFill>
-                          <a:latin typeface="Cambria Math" panose="02040503050406030204" pitchFamily="18" charset="0"/>
-                        </a:rPr>
-                        <m:t>=</m:t>
-                      </m:r>
-                      <m:r>
-                        <m:rPr>
-                          <m:sty m:val="p"/>
-                        </m:rPr>
-                        <a:rPr lang="en-US" sz="1400" i="0" smtClean="0">
-                          <a:solidFill>
-                            <a:schemeClr val="tx1"/>
-                          </a:solidFill>
-                          <a:latin typeface="Cambria Math" panose="02040503050406030204" pitchFamily="18" charset="0"/>
-                        </a:rPr>
-                        <m:t>γ</m:t>
-                      </m:r>
-                      <m:func>
-                        <m:funcPr>
-                          <m:ctrlPr>
-                            <a:rPr lang="en-US" sz="1400" i="1">
-                              <a:solidFill>
-                                <a:schemeClr val="tx1"/>
-                              </a:solidFill>
-                              <a:latin typeface="Cambria Math" panose="02040503050406030204" pitchFamily="18" charset="0"/>
-                            </a:rPr>
-                          </m:ctrlPr>
-                        </m:funcPr>
-                        <m:fName>
-                          <m:sSub>
-                            <m:sSubPr>
-                              <m:ctrlPr>
-                                <a:rPr lang="en-US" sz="1400" i="1">
-                                  <a:solidFill>
-                                    <a:schemeClr val="tx1"/>
-                                  </a:solidFill>
-                                  <a:latin typeface="Cambria Math" panose="02040503050406030204" pitchFamily="18" charset="0"/>
-                                </a:rPr>
-                              </m:ctrlPr>
-                            </m:sSubPr>
-                            <m:e>
-                              <m:r>
-                                <a:rPr lang="en-US" sz="1400" b="1" i="1">
-                                  <a:solidFill>
-                                    <a:schemeClr val="tx1"/>
-                                  </a:solidFill>
-                                  <a:latin typeface="Cambria Math" panose="02040503050406030204" pitchFamily="18" charset="0"/>
-                                </a:rPr>
-                                <m:t>𝒎𝒂𝒙</m:t>
-                              </m:r>
-                            </m:e>
-                            <m:sub>
-                              <m:r>
-                                <a:rPr lang="en-US" sz="1400" b="1" i="1">
-                                  <a:solidFill>
-                                    <a:schemeClr val="tx1"/>
-                                  </a:solidFill>
-                                  <a:latin typeface="Cambria Math" panose="02040503050406030204" pitchFamily="18" charset="0"/>
-                                </a:rPr>
-                                <m:t>𝒃</m:t>
-                              </m:r>
-                              <m:r>
-                                <a:rPr lang="en-US" sz="1400" b="0" i="0">
-                                  <a:solidFill>
-                                    <a:schemeClr val="tx1"/>
-                                  </a:solidFill>
-                                  <a:latin typeface="Cambria Math" panose="02040503050406030204" pitchFamily="18" charset="0"/>
-                                </a:rPr>
-                                <m:t>′</m:t>
-                              </m:r>
-                            </m:sub>
-                          </m:sSub>
-                        </m:fName>
-                        <m:e>
-                          <m:sSub>
-                            <m:sSubPr>
-                              <m:ctrlPr>
-                                <a:rPr lang="en-US" sz="1400" b="0" i="1">
-                                  <a:solidFill>
-                                    <a:schemeClr val="tx1"/>
-                                  </a:solidFill>
-                                  <a:latin typeface="Cambria Math" panose="02040503050406030204" pitchFamily="18" charset="0"/>
-                                </a:rPr>
-                              </m:ctrlPr>
-                            </m:sSubPr>
-                            <m:e>
-                              <m:r>
-                                <a:rPr lang="en-US" sz="1400" b="0" i="1">
-                                  <a:solidFill>
-                                    <a:schemeClr val="tx1"/>
-                                  </a:solidFill>
-                                  <a:latin typeface="Cambria Math" panose="02040503050406030204" pitchFamily="18" charset="0"/>
-                                </a:rPr>
-                                <m:t>𝐸</m:t>
-                              </m:r>
-                            </m:e>
-                            <m:sub>
-                              <m:sSup>
-                                <m:sSupPr>
-                                  <m:ctrlPr>
-                                    <a:rPr lang="en-US" sz="1400" b="0" i="1">
-                                      <a:solidFill>
-                                        <a:schemeClr val="tx1"/>
-                                      </a:solidFill>
-                                      <a:latin typeface="Cambria Math" panose="02040503050406030204" pitchFamily="18" charset="0"/>
-                                    </a:rPr>
-                                  </m:ctrlPr>
-                                </m:sSupPr>
-                                <m:e>
-                                  <m:r>
-                                    <a:rPr lang="en-US" sz="1400" b="0" i="1">
-                                      <a:solidFill>
-                                        <a:schemeClr val="tx1"/>
-                                      </a:solidFill>
-                                      <a:latin typeface="Cambria Math" panose="02040503050406030204" pitchFamily="18" charset="0"/>
-                                    </a:rPr>
-                                    <m:t>𝑠</m:t>
-                                  </m:r>
-                                </m:e>
-                                <m:sup>
-                                  <m:r>
-                                    <a:rPr lang="en-US" sz="1400" b="0" i="0">
-                                      <a:solidFill>
-                                        <a:schemeClr val="tx1"/>
-                                      </a:solidFill>
-                                      <a:latin typeface="Cambria Math" panose="02040503050406030204" pitchFamily="18" charset="0"/>
-                                    </a:rPr>
-                                    <m:t>′</m:t>
-                                  </m:r>
-                                </m:sup>
-                              </m:sSup>
-                              <m:r>
-                                <a:rPr lang="en-US" sz="1400" b="0" i="0">
-                                  <a:solidFill>
-                                    <a:schemeClr val="tx1"/>
-                                  </a:solidFill>
-                                  <a:latin typeface="Cambria Math" panose="02040503050406030204" pitchFamily="18" charset="0"/>
-                                </a:rPr>
-                                <m:t>~</m:t>
-                              </m:r>
-                              <m:r>
-                                <a:rPr lang="en-US" sz="1400" b="0" i="1">
-                                  <a:solidFill>
-                                    <a:schemeClr val="tx1"/>
-                                  </a:solidFill>
-                                  <a:latin typeface="Cambria Math" panose="02040503050406030204" pitchFamily="18" charset="0"/>
-                                </a:rPr>
-                                <m:t>𝑀</m:t>
-                              </m:r>
-                              <m:d>
-                                <m:dPr>
-                                  <m:sepChr m:val=","/>
-                                  <m:ctrlPr>
-                                    <a:rPr lang="en-US" sz="1400" b="0" i="1">
-                                      <a:solidFill>
-                                        <a:schemeClr val="tx1"/>
-                                      </a:solidFill>
-                                      <a:latin typeface="Cambria Math" panose="02040503050406030204" pitchFamily="18" charset="0"/>
-                                    </a:rPr>
-                                  </m:ctrlPr>
-                                </m:dPr>
-                                <m:e>
-                                  <m:r>
-                                    <a:rPr lang="en-US" sz="1400" b="0" i="1">
-                                      <a:solidFill>
-                                        <a:schemeClr val="tx1"/>
-                                      </a:solidFill>
-                                      <a:latin typeface="Cambria Math" panose="02040503050406030204" pitchFamily="18" charset="0"/>
-                                    </a:rPr>
-                                    <m:t>𝑠</m:t>
-                                  </m:r>
-                                </m:e>
-                                <m:e>
-                                  <m:r>
-                                    <a:rPr lang="en-US" sz="1400" b="0" i="1" smtClean="0">
-                                      <a:solidFill>
-                                        <a:schemeClr val="tx1"/>
-                                      </a:solidFill>
-                                      <a:latin typeface="Cambria Math" panose="02040503050406030204" pitchFamily="18" charset="0"/>
-                                    </a:rPr>
-                                    <m:t>𝑎</m:t>
-                                  </m:r>
-                                </m:e>
-                                <m:e>
-                                  <m:r>
-                                    <a:rPr lang="en-US" sz="1400" b="0" i="1">
-                                      <a:solidFill>
-                                        <a:schemeClr val="tx1"/>
-                                      </a:solidFill>
-                                      <a:latin typeface="Cambria Math" panose="02040503050406030204" pitchFamily="18" charset="0"/>
-                                    </a:rPr>
-                                    <m:t>𝑠</m:t>
-                                  </m:r>
-                                  <m:r>
-                                    <a:rPr lang="en-US" sz="1400" b="0" i="0">
-                                      <a:solidFill>
-                                        <a:schemeClr val="tx1"/>
-                                      </a:solidFill>
-                                      <a:latin typeface="Cambria Math" panose="02040503050406030204" pitchFamily="18" charset="0"/>
-                                    </a:rPr>
-                                    <m:t>′</m:t>
-                                  </m:r>
-                                </m:e>
-                              </m:d>
-                            </m:sub>
-                          </m:sSub>
-                          <m:sSup>
-                            <m:sSupPr>
-                              <m:ctrlPr>
-                                <a:rPr lang="en-US" sz="1400" b="0" i="1">
-                                  <a:solidFill>
-                                    <a:schemeClr val="tx1"/>
-                                  </a:solidFill>
-                                  <a:latin typeface="Cambria Math" panose="02040503050406030204" pitchFamily="18" charset="0"/>
-                                </a:rPr>
-                              </m:ctrlPr>
-                            </m:sSupPr>
-                            <m:e>
-                              <m:r>
-                                <a:rPr lang="en-US" sz="1400" b="0" i="1">
-                                  <a:solidFill>
-                                    <a:schemeClr val="tx1"/>
-                                  </a:solidFill>
-                                  <a:latin typeface="Cambria Math" panose="02040503050406030204" pitchFamily="18" charset="0"/>
-                                </a:rPr>
-                                <m:t>𝑄</m:t>
-                              </m:r>
-                            </m:e>
-                            <m:sup>
-                              <m:r>
-                                <a:rPr lang="en-US" sz="1400" b="0" i="0">
-                                  <a:solidFill>
-                                    <a:schemeClr val="tx1"/>
-                                  </a:solidFill>
-                                  <a:latin typeface="Cambria Math" panose="02040503050406030204" pitchFamily="18" charset="0"/>
-                                </a:rPr>
-                                <m:t>∗</m:t>
-                              </m:r>
-                            </m:sup>
-                          </m:sSup>
-                          <m:d>
-                            <m:dPr>
-                              <m:ctrlPr>
-                                <a:rPr lang="en-US" sz="1400" b="0" i="1">
-                                  <a:solidFill>
-                                    <a:schemeClr val="tx1"/>
-                                  </a:solidFill>
-                                  <a:latin typeface="Cambria Math" panose="02040503050406030204" pitchFamily="18" charset="0"/>
-                                </a:rPr>
-                              </m:ctrlPr>
-                            </m:dPr>
-                            <m:e>
-                              <m:sSup>
-                                <m:sSupPr>
-                                  <m:ctrlPr>
-                                    <a:rPr lang="en-US" sz="1400" b="0" i="1">
-                                      <a:solidFill>
-                                        <a:schemeClr val="tx1"/>
-                                      </a:solidFill>
-                                      <a:latin typeface="Cambria Math" panose="02040503050406030204" pitchFamily="18" charset="0"/>
-                                    </a:rPr>
-                                  </m:ctrlPr>
-                                </m:sSupPr>
-                                <m:e>
-                                  <m:r>
-                                    <a:rPr lang="en-US" sz="1400" b="0" i="1">
-                                      <a:solidFill>
-                                        <a:schemeClr val="tx1"/>
-                                      </a:solidFill>
-                                      <a:latin typeface="Cambria Math" panose="02040503050406030204" pitchFamily="18" charset="0"/>
-                                    </a:rPr>
-                                    <m:t>𝑠</m:t>
-                                  </m:r>
-                                </m:e>
-                                <m:sup>
-                                  <m:r>
-                                    <a:rPr lang="en-US" sz="1400" b="0" i="0">
-                                      <a:solidFill>
-                                        <a:schemeClr val="tx1"/>
-                                      </a:solidFill>
-                                      <a:latin typeface="Cambria Math" panose="02040503050406030204" pitchFamily="18" charset="0"/>
-                                    </a:rPr>
-                                    <m:t>′</m:t>
-                                  </m:r>
-                                </m:sup>
-                              </m:sSup>
-                              <m:r>
-                                <a:rPr lang="en-US" sz="1400" b="0" i="0">
-                                  <a:solidFill>
-                                    <a:schemeClr val="tx1"/>
-                                  </a:solidFill>
-                                  <a:latin typeface="Cambria Math" panose="02040503050406030204" pitchFamily="18" charset="0"/>
-                                </a:rPr>
-                                <m:t>,</m:t>
-                              </m:r>
-                              <m:sSup>
-                                <m:sSupPr>
-                                  <m:ctrlPr>
-                                    <a:rPr lang="en-US" sz="1400" b="0" i="1">
-                                      <a:solidFill>
-                                        <a:schemeClr val="tx1"/>
-                                      </a:solidFill>
-                                      <a:latin typeface="Cambria Math" panose="02040503050406030204" pitchFamily="18" charset="0"/>
-                                    </a:rPr>
-                                  </m:ctrlPr>
-                                </m:sSupPr>
-                                <m:e>
-                                  <m:r>
-                                    <a:rPr lang="en-US" sz="1400" b="0" i="1" smtClean="0">
-                                      <a:solidFill>
-                                        <a:schemeClr val="tx1"/>
-                                      </a:solidFill>
-                                      <a:latin typeface="Cambria Math" panose="02040503050406030204" pitchFamily="18" charset="0"/>
-                                    </a:rPr>
-                                    <m:t>𝑎</m:t>
-                                  </m:r>
-                                </m:e>
-                                <m:sup>
-                                  <m:r>
-                                    <a:rPr lang="en-US" sz="1400" b="0" i="0">
-                                      <a:solidFill>
-                                        <a:schemeClr val="tx1"/>
-                                      </a:solidFill>
-                                      <a:latin typeface="Cambria Math" panose="02040503050406030204" pitchFamily="18" charset="0"/>
-                                    </a:rPr>
-                                    <m:t>′</m:t>
-                                  </m:r>
-                                </m:sup>
-                              </m:sSup>
-                            </m:e>
-                          </m:d>
-                          <m:r>
-                            <a:rPr lang="en-US" sz="1400" b="0" i="0">
-                              <a:solidFill>
-                                <a:schemeClr val="tx1"/>
-                              </a:solidFill>
-                              <a:latin typeface="Cambria Math" panose="02040503050406030204" pitchFamily="18" charset="0"/>
-                            </a:rPr>
-                            <m:t> </m:t>
-                          </m:r>
-                        </m:e>
-                      </m:func>
-                    </m:oMath>
-                  </m:oMathPara>
-                </a14:m>
-                <a:endParaRPr lang="en-US" sz="1400" dirty="0"/>
-              </a:p>
-            </p:txBody>
-          </p:sp>
-        </mc:Choice>
-        <mc:Fallback xmlns="">
-          <p:sp>
-            <p:nvSpPr>
-              <p:cNvPr id="13" name="TextBox 12">
-                <a:extLst>
-                  <a:ext uri="{FF2B5EF4-FFF2-40B4-BE49-F238E27FC236}">
-                    <a16:creationId xmlns:a16="http://schemas.microsoft.com/office/drawing/2014/main" id="{4E321E74-C593-9346-BA86-6EB63E5C0233}"/>
-                  </a:ext>
-                </a:extLst>
-              </p:cNvPr>
-              <p:cNvSpPr txBox="1">
-                <a:spLocks noRot="1" noChangeAspect="1" noMove="1" noResize="1" noEditPoints="1" noAdjustHandles="1" noChangeArrowheads="1" noChangeShapeType="1" noTextEdit="1"/>
-              </p:cNvSpPr>
-              <p:nvPr/>
-            </p:nvSpPr>
-            <p:spPr>
-              <a:xfrm>
-                <a:off x="1515618" y="4703656"/>
-                <a:ext cx="3086413" cy="435312"/>
-              </a:xfrm>
-              <a:prstGeom prst="rect">
-                <a:avLst/>
-              </a:prstGeom>
-              <a:blipFill>
-                <a:blip r:embed="rId3"/>
-                <a:stretch>
-                  <a:fillRect/>
-                </a:stretch>
-              </a:blipFill>
-            </p:spPr>
-            <p:txBody>
-              <a:bodyPr/>
-              <a:lstStyle/>
-              <a:p>
-                <a:r>
-                  <a:rPr lang="en-US">
-                    <a:noFill/>
-                  </a:rPr>
-                  <a:t> </a:t>
-                </a:r>
-              </a:p>
-            </p:txBody>
-          </p:sp>
-        </mc:Fallback>
-      </mc:AlternateContent>
-      <mc:AlternateContent xmlns:mc="http://schemas.openxmlformats.org/markup-compatibility/2006" xmlns:a14="http://schemas.microsoft.com/office/drawing/2010/main">
-        <mc:Choice Requires="a14">
-          <p:sp>
-            <p:nvSpPr>
-              <p:cNvPr id="18" name="TextBox 17">
-                <a:extLst>
-                  <a:ext uri="{FF2B5EF4-FFF2-40B4-BE49-F238E27FC236}">
-                    <a16:creationId xmlns:a16="http://schemas.microsoft.com/office/drawing/2014/main" id="{38D618A9-BE5A-E54B-B579-521C3156FDE6}"/>
-                  </a:ext>
-                </a:extLst>
-              </p:cNvPr>
-              <p:cNvSpPr txBox="1"/>
-              <p:nvPr/>
-            </p:nvSpPr>
-            <p:spPr>
-              <a:xfrm>
-                <a:off x="1737159" y="3828306"/>
-                <a:ext cx="2864872" cy="320922"/>
-              </a:xfrm>
-              <a:prstGeom prst="rect">
-                <a:avLst/>
-              </a:prstGeom>
-              <a:noFill/>
-            </p:spPr>
-            <p:txBody>
-              <a:bodyPr wrap="square">
-                <a:spAutoFit/>
-              </a:bodyPr>
-              <a:lstStyle/>
-              <a:p>
-                <a14:m>
-                  <m:oMath xmlns:m="http://schemas.openxmlformats.org/officeDocument/2006/math">
-                    <m:sSup>
-                      <m:sSupPr>
-                        <m:ctrlPr>
-                          <a:rPr lang="en-US" sz="1400" i="1" smtClean="0">
-                            <a:latin typeface="Cambria Math" panose="02040503050406030204" pitchFamily="18" charset="0"/>
-                          </a:rPr>
-                        </m:ctrlPr>
-                      </m:sSupPr>
-                      <m:e>
-                        <m:bar>
-                          <m:barPr>
-                            <m:pos m:val="top"/>
-                            <m:ctrlPr>
-                              <a:rPr lang="en-US" sz="1400" i="1">
-                                <a:latin typeface="Cambria Math" panose="02040503050406030204" pitchFamily="18" charset="0"/>
-                              </a:rPr>
-                            </m:ctrlPr>
-                          </m:barPr>
-                          <m:e>
-                            <m:r>
-                              <a:rPr lang="el-GR" sz="1400" i="1">
-                                <a:latin typeface="Cambria Math" panose="02040503050406030204" pitchFamily="18" charset="0"/>
-                              </a:rPr>
-                              <m:t>𝜋</m:t>
-                            </m:r>
-                          </m:e>
-                        </m:bar>
-                      </m:e>
-                      <m:sup>
-                        <m:r>
-                          <a:rPr lang="en-US" sz="1400" i="1">
-                            <a:latin typeface="Cambria Math" panose="02040503050406030204" pitchFamily="18" charset="0"/>
-                          </a:rPr>
-                          <m:t>𝜀</m:t>
-                        </m:r>
-                      </m:sup>
-                    </m:sSup>
-                    <m:d>
-                      <m:dPr>
-                        <m:ctrlPr>
-                          <a:rPr lang="en-US" sz="1400" i="1">
-                            <a:latin typeface="Cambria Math" panose="02040503050406030204" pitchFamily="18" charset="0"/>
-                          </a:rPr>
-                        </m:ctrlPr>
-                      </m:dPr>
-                      <m:e>
-                        <m:r>
-                          <a:rPr lang="en-US" sz="1400" i="1">
-                            <a:latin typeface="Cambria Math" panose="02040503050406030204" pitchFamily="18" charset="0"/>
-                          </a:rPr>
-                          <m:t>𝑎</m:t>
-                        </m:r>
-                      </m:e>
-                      <m:e>
-                        <m:r>
-                          <a:rPr lang="en-US" sz="1400" i="1">
-                            <a:latin typeface="Cambria Math" panose="02040503050406030204" pitchFamily="18" charset="0"/>
-                          </a:rPr>
-                          <m:t>𝑠</m:t>
-                        </m:r>
-                      </m:e>
-                    </m:d>
-                  </m:oMath>
-                </a14:m>
-                <a:r>
-                  <a:rPr lang="en-US" sz="1400" dirty="0"/>
-                  <a:t> = </a:t>
-                </a:r>
-                <a:r>
-                  <a:rPr lang="el-GR" sz="1400" dirty="0"/>
-                  <a:t>ρ(</a:t>
-                </a:r>
-                <a:r>
-                  <a:rPr lang="en-US" sz="1400" dirty="0"/>
-                  <a:t>s, a) / </a:t>
-                </a:r>
-                <a14:m>
-                  <m:oMath xmlns:m="http://schemas.openxmlformats.org/officeDocument/2006/math">
-                    <m:nary>
-                      <m:naryPr>
-                        <m:chr m:val="∑"/>
-                        <m:limLoc m:val="undOvr"/>
-                        <m:supHide m:val="on"/>
-                        <m:ctrlPr>
-                          <a:rPr lang="en-US" sz="1400" i="1">
-                            <a:latin typeface="Cambria Math" panose="02040503050406030204" pitchFamily="18" charset="0"/>
-                          </a:rPr>
-                        </m:ctrlPr>
-                      </m:naryPr>
-                      <m:sub>
-                        <m:r>
-                          <a:rPr lang="en-US" sz="1400" b="0" i="1" smtClean="0">
-                            <a:latin typeface="Cambria Math" panose="02040503050406030204" pitchFamily="18" charset="0"/>
-                          </a:rPr>
-                          <m:t>𝐴</m:t>
-                        </m:r>
-                        <m:r>
-                          <a:rPr lang="en-US" sz="1400">
-                            <a:latin typeface="Cambria Math" panose="02040503050406030204" pitchFamily="18" charset="0"/>
-                          </a:rPr>
-                          <m:t> ∈</m:t>
-                        </m:r>
-                        <m:r>
-                          <a:rPr lang="en-US" sz="1400" b="1" i="1" smtClean="0">
-                            <a:latin typeface="Cambria Math" panose="02040503050406030204" pitchFamily="18" charset="0"/>
-                          </a:rPr>
-                          <m:t>𝑨</m:t>
-                        </m:r>
-                      </m:sub>
-                      <m:sup/>
-                      <m:e>
-                        <m:r>
-                          <m:rPr>
-                            <m:nor/>
-                          </m:rPr>
-                          <a:rPr lang="el-GR" sz="1400" dirty="0" smtClean="0"/>
-                          <m:t>ρ</m:t>
-                        </m:r>
-                        <m:r>
-                          <m:rPr>
-                            <m:nor/>
-                          </m:rPr>
-                          <a:rPr lang="el-GR" sz="1400" dirty="0" smtClean="0"/>
-                          <m:t>(</m:t>
-                        </m:r>
-                        <m:r>
-                          <m:rPr>
-                            <m:nor/>
-                          </m:rPr>
-                          <a:rPr lang="en-US" sz="1400" dirty="0" smtClean="0"/>
-                          <m:t>s</m:t>
-                        </m:r>
-                        <m:r>
-                          <m:rPr>
-                            <m:nor/>
-                          </m:rPr>
-                          <a:rPr lang="en-US" sz="1400" dirty="0" smtClean="0"/>
-                          <m:t>, </m:t>
-                        </m:r>
-                        <m:r>
-                          <m:rPr>
-                            <m:nor/>
-                          </m:rPr>
-                          <a:rPr lang="en-US" sz="1400" b="0" i="0" dirty="0" smtClean="0"/>
-                          <m:t>A</m:t>
-                        </m:r>
-                        <m:r>
-                          <m:rPr>
-                            <m:nor/>
-                          </m:rPr>
-                          <a:rPr lang="en-US" sz="1400" dirty="0" smtClean="0"/>
-                          <m:t>)</m:t>
-                        </m:r>
-                      </m:e>
-                    </m:nary>
-                  </m:oMath>
-                </a14:m>
-                <a:endParaRPr lang="en-US" sz="1400" dirty="0"/>
-              </a:p>
-            </p:txBody>
-          </p:sp>
-        </mc:Choice>
-        <mc:Fallback xmlns="">
-          <p:sp>
-            <p:nvSpPr>
-              <p:cNvPr id="18" name="TextBox 17">
-                <a:extLst>
-                  <a:ext uri="{FF2B5EF4-FFF2-40B4-BE49-F238E27FC236}">
-                    <a16:creationId xmlns:a16="http://schemas.microsoft.com/office/drawing/2014/main" id="{38D618A9-BE5A-E54B-B579-521C3156FDE6}"/>
-                  </a:ext>
-                </a:extLst>
-              </p:cNvPr>
-              <p:cNvSpPr txBox="1">
-                <a:spLocks noRot="1" noChangeAspect="1" noMove="1" noResize="1" noEditPoints="1" noAdjustHandles="1" noChangeArrowheads="1" noChangeShapeType="1" noTextEdit="1"/>
-              </p:cNvSpPr>
-              <p:nvPr/>
-            </p:nvSpPr>
-            <p:spPr>
-              <a:xfrm>
-                <a:off x="1737159" y="3828306"/>
-                <a:ext cx="2864872" cy="320922"/>
-              </a:xfrm>
-              <a:prstGeom prst="rect">
-                <a:avLst/>
-              </a:prstGeom>
-              <a:blipFill>
-                <a:blip r:embed="rId4"/>
-                <a:stretch>
-                  <a:fillRect t="-92308" b="-161538"/>
-                </a:stretch>
-              </a:blipFill>
-            </p:spPr>
-            <p:txBody>
-              <a:bodyPr/>
-              <a:lstStyle/>
-              <a:p>
-                <a:r>
-                  <a:rPr lang="en-US">
-                    <a:noFill/>
-                  </a:rPr>
-                  <a:t> </a:t>
-                </a:r>
-              </a:p>
-            </p:txBody>
-          </p:sp>
-        </mc:Fallback>
-      </mc:AlternateContent>
-      <mc:AlternateContent xmlns:mc="http://schemas.openxmlformats.org/markup-compatibility/2006" xmlns:a14="http://schemas.microsoft.com/office/drawing/2010/main">
-        <mc:Choice Requires="a14">
-          <p:sp>
-            <p:nvSpPr>
-              <p:cNvPr id="19" name="TextBox 18">
-                <a:extLst>
-                  <a:ext uri="{FF2B5EF4-FFF2-40B4-BE49-F238E27FC236}">
-                    <a16:creationId xmlns:a16="http://schemas.microsoft.com/office/drawing/2014/main" id="{6267EEE1-A038-C34F-9587-DEFB8965FA69}"/>
-                  </a:ext>
-                </a:extLst>
-              </p:cNvPr>
-              <p:cNvSpPr txBox="1"/>
-              <p:nvPr/>
-            </p:nvSpPr>
-            <p:spPr>
-              <a:xfrm>
-                <a:off x="1737159" y="5134725"/>
-                <a:ext cx="2643332" cy="414729"/>
-              </a:xfrm>
-              <a:prstGeom prst="rect">
-                <a:avLst/>
-              </a:prstGeom>
-              <a:noFill/>
-            </p:spPr>
-            <p:txBody>
-              <a:bodyPr wrap="square">
-                <a:spAutoFit/>
-              </a:bodyPr>
-              <a:lstStyle/>
-              <a:p>
-                <a:pPr/>
-                <a14:m>
-                  <m:oMathPara xmlns:m="http://schemas.openxmlformats.org/officeDocument/2006/math">
-                    <m:oMathParaPr>
-                      <m:jc m:val="centerGroup"/>
-                    </m:oMathParaPr>
-                    <m:oMath xmlns:m="http://schemas.openxmlformats.org/officeDocument/2006/math">
-                      <m:sSubSup>
-                        <m:sSubSupPr>
-                          <m:ctrlPr>
-                            <a:rPr lang="en-US" sz="1400" i="1" smtClean="0">
-                              <a:solidFill>
-                                <a:srgbClr val="836967"/>
-                              </a:solidFill>
-                              <a:latin typeface="Cambria Math" panose="02040503050406030204" pitchFamily="18" charset="0"/>
-                            </a:rPr>
-                          </m:ctrlPr>
-                        </m:sSubSupPr>
-                        <m:e>
-                          <m:r>
-                            <a:rPr lang="en-US" sz="1400" i="1">
-                              <a:latin typeface="Cambria Math" panose="02040503050406030204" pitchFamily="18" charset="0"/>
-                            </a:rPr>
-                            <m:t>𝜂</m:t>
-                          </m:r>
-                        </m:e>
-                        <m:sub>
-                          <m:r>
-                            <a:rPr lang="en-US" sz="1400" i="1">
-                              <a:latin typeface="Cambria Math" panose="02040503050406030204" pitchFamily="18" charset="0"/>
-                            </a:rPr>
-                            <m:t>𝑠</m:t>
-                          </m:r>
-                        </m:sub>
-                        <m:sup>
-                          <m:r>
-                            <a:rPr lang="en-US" sz="1400" i="1">
-                              <a:latin typeface="Cambria Math" panose="02040503050406030204" pitchFamily="18" charset="0"/>
-                            </a:rPr>
-                            <m:t>𝑎</m:t>
-                          </m:r>
-                        </m:sup>
-                      </m:sSubSup>
-                      <m:r>
-                        <a:rPr lang="en-US" sz="1400" i="1" dirty="0" smtClean="0">
-                          <a:latin typeface="Cambria Math" panose="02040503050406030204" pitchFamily="18" charset="0"/>
-                        </a:rPr>
-                        <m:t>=</m:t>
-                      </m:r>
-                      <m:r>
-                        <m:rPr>
-                          <m:sty m:val="p"/>
-                        </m:rPr>
-                        <a:rPr lang="en-US" sz="1400">
-                          <a:latin typeface="Cambria Math" panose="02040503050406030204" pitchFamily="18" charset="0"/>
-                        </a:rPr>
-                        <m:t>log</m:t>
-                      </m:r>
-                      <m:d>
-                        <m:dPr>
-                          <m:ctrlPr>
-                            <a:rPr lang="en-US" sz="1400" i="1">
-                              <a:latin typeface="Cambria Math" panose="02040503050406030204" pitchFamily="18" charset="0"/>
-                            </a:rPr>
-                          </m:ctrlPr>
-                        </m:dPr>
-                        <m:e>
-                          <m:sSup>
-                            <m:sSupPr>
-                              <m:ctrlPr>
-                                <a:rPr lang="en-US" sz="1400" i="1">
-                                  <a:latin typeface="Cambria Math" panose="02040503050406030204" pitchFamily="18" charset="0"/>
-                                </a:rPr>
-                              </m:ctrlPr>
-                            </m:sSupPr>
-                            <m:e>
-                              <m:bar>
-                                <m:barPr>
-                                  <m:pos m:val="top"/>
-                                  <m:ctrlPr>
-                                    <a:rPr lang="en-US" sz="1400" i="1">
-                                      <a:latin typeface="Cambria Math" panose="02040503050406030204" pitchFamily="18" charset="0"/>
-                                    </a:rPr>
-                                  </m:ctrlPr>
-                                </m:barPr>
-                                <m:e>
-                                  <m:r>
-                                    <a:rPr lang="el-GR" sz="1400" i="1">
-                                      <a:latin typeface="Cambria Math" panose="02040503050406030204" pitchFamily="18" charset="0"/>
-                                    </a:rPr>
-                                    <m:t>𝜋</m:t>
-                                  </m:r>
-                                </m:e>
-                              </m:bar>
-                            </m:e>
-                            <m:sup>
-                              <m:r>
-                                <a:rPr lang="en-US" sz="1400" i="1">
-                                  <a:latin typeface="Cambria Math" panose="02040503050406030204" pitchFamily="18" charset="0"/>
-                                </a:rPr>
-                                <m:t>𝜀</m:t>
-                              </m:r>
-                            </m:sup>
-                          </m:sSup>
-                          <m:d>
-                            <m:dPr>
-                              <m:ctrlPr>
-                                <a:rPr lang="en-US" sz="1400" i="1">
-                                  <a:latin typeface="Cambria Math" panose="02040503050406030204" pitchFamily="18" charset="0"/>
-                                </a:rPr>
-                              </m:ctrlPr>
-                            </m:dPr>
-                            <m:e>
-                              <m:r>
-                                <a:rPr lang="en-US" sz="1400" i="1">
-                                  <a:latin typeface="Cambria Math" panose="02040503050406030204" pitchFamily="18" charset="0"/>
-                                </a:rPr>
-                                <m:t>𝑎</m:t>
-                              </m:r>
-                            </m:e>
-                            <m:e>
-                              <m:r>
-                                <a:rPr lang="en-US" sz="1400" i="1">
-                                  <a:latin typeface="Cambria Math" panose="02040503050406030204" pitchFamily="18" charset="0"/>
-                                </a:rPr>
-                                <m:t>𝑠</m:t>
-                              </m:r>
-                            </m:e>
-                          </m:d>
-                        </m:e>
-                      </m:d>
-                      <m:r>
-                        <a:rPr lang="en-US" sz="1400">
-                          <a:latin typeface="Cambria Math" panose="02040503050406030204" pitchFamily="18" charset="0"/>
-                        </a:rPr>
-                        <m:t>−</m:t>
-                      </m:r>
-                      <m:sSup>
-                        <m:sSupPr>
-                          <m:ctrlPr>
-                            <a:rPr lang="en-US" sz="1400" i="1">
-                              <a:latin typeface="Cambria Math" panose="02040503050406030204" pitchFamily="18" charset="0"/>
-                            </a:rPr>
-                          </m:ctrlPr>
-                        </m:sSupPr>
-                        <m:e>
-                          <m:r>
-                            <a:rPr lang="en-US" sz="1400" i="1">
-                              <a:latin typeface="Cambria Math" panose="02040503050406030204" pitchFamily="18" charset="0"/>
-                            </a:rPr>
-                            <m:t>𝑄</m:t>
-                          </m:r>
-                        </m:e>
-                        <m:sup>
-                          <m:r>
-                            <a:rPr lang="en-US" sz="1400" i="1">
-                              <a:latin typeface="Cambria Math" panose="02040503050406030204" pitchFamily="18" charset="0"/>
-                            </a:rPr>
-                            <m:t>𝑠h</m:t>
-                          </m:r>
-                        </m:sup>
-                      </m:sSup>
-                      <m:r>
-                        <a:rPr lang="en-US" sz="1400" b="0" i="1" smtClean="0">
-                          <a:latin typeface="Cambria Math" panose="02040503050406030204" pitchFamily="18" charset="0"/>
-                        </a:rPr>
-                        <m:t>(</m:t>
-                      </m:r>
-                      <m:r>
-                        <a:rPr lang="en-US" sz="1400" b="0" i="1" smtClean="0">
-                          <a:latin typeface="Cambria Math" panose="02040503050406030204" pitchFamily="18" charset="0"/>
-                        </a:rPr>
-                        <m:t>𝑠</m:t>
-                      </m:r>
-                      <m:r>
-                        <a:rPr lang="en-US" sz="1400" b="0" i="1" smtClean="0">
-                          <a:latin typeface="Cambria Math" panose="02040503050406030204" pitchFamily="18" charset="0"/>
-                        </a:rPr>
-                        <m:t>,</m:t>
-                      </m:r>
-                      <m:r>
-                        <a:rPr lang="en-US" sz="1400" b="0" i="1" smtClean="0">
-                          <a:latin typeface="Cambria Math" panose="02040503050406030204" pitchFamily="18" charset="0"/>
-                        </a:rPr>
-                        <m:t>𝑎</m:t>
-                      </m:r>
-                      <m:r>
-                        <a:rPr lang="en-US" sz="1400" b="0" i="1" smtClean="0">
-                          <a:latin typeface="Cambria Math" panose="02040503050406030204" pitchFamily="18" charset="0"/>
-                        </a:rPr>
-                        <m:t>)</m:t>
-                      </m:r>
-                    </m:oMath>
-                  </m:oMathPara>
-                </a14:m>
-                <a:endParaRPr lang="en-US" sz="1400" dirty="0"/>
-              </a:p>
-            </p:txBody>
-          </p:sp>
-        </mc:Choice>
-        <mc:Fallback xmlns="">
-          <p:sp>
-            <p:nvSpPr>
-              <p:cNvPr id="19" name="TextBox 18">
-                <a:extLst>
-                  <a:ext uri="{FF2B5EF4-FFF2-40B4-BE49-F238E27FC236}">
-                    <a16:creationId xmlns:a16="http://schemas.microsoft.com/office/drawing/2014/main" id="{6267EEE1-A038-C34F-9587-DEFB8965FA69}"/>
-                  </a:ext>
-                </a:extLst>
-              </p:cNvPr>
-              <p:cNvSpPr txBox="1">
-                <a:spLocks noRot="1" noChangeAspect="1" noMove="1" noResize="1" noEditPoints="1" noAdjustHandles="1" noChangeArrowheads="1" noChangeShapeType="1" noTextEdit="1"/>
-              </p:cNvSpPr>
-              <p:nvPr/>
-            </p:nvSpPr>
-            <p:spPr>
-              <a:xfrm>
-                <a:off x="1737159" y="5134725"/>
-                <a:ext cx="2643332" cy="414729"/>
-              </a:xfrm>
-              <a:prstGeom prst="rect">
-                <a:avLst/>
-              </a:prstGeom>
-              <a:blipFill>
-                <a:blip r:embed="rId5"/>
-                <a:stretch>
-                  <a:fillRect/>
-                </a:stretch>
-              </a:blipFill>
-            </p:spPr>
-            <p:txBody>
-              <a:bodyPr/>
-              <a:lstStyle/>
-              <a:p>
-                <a:r>
-                  <a:rPr lang="en-US">
-                    <a:noFill/>
-                  </a:rPr>
-                  <a:t> </a:t>
-                </a:r>
-              </a:p>
-            </p:txBody>
-          </p:sp>
-        </mc:Fallback>
-      </mc:AlternateContent>
-      <p:pic>
-        <p:nvPicPr>
-          <p:cNvPr id="21" name="Picture 20">
-            <a:extLst>
-              <a:ext uri="{FF2B5EF4-FFF2-40B4-BE49-F238E27FC236}">
-                <a16:creationId xmlns:a16="http://schemas.microsoft.com/office/drawing/2014/main" id="{EC5F9047-459D-004D-97E6-B907ED452510}"/>
-              </a:ext>
-            </a:extLst>
-          </p:cNvPr>
-          <p:cNvPicPr>
-            <a:picLocks noChangeAspect="1"/>
-          </p:cNvPicPr>
-          <p:nvPr/>
-        </p:nvPicPr>
-        <p:blipFill>
-          <a:blip r:embed="rId6">
-            <a:extLst>
-              <a:ext uri="{28A0092B-C50C-407E-A947-70E740481C1C}">
-                <a14:useLocalDpi xmlns:a14="http://schemas.microsoft.com/office/drawing/2010/main" val="0"/>
-              </a:ext>
-            </a:extLst>
-          </a:blip>
-          <a:stretch>
-            <a:fillRect/>
-          </a:stretch>
-        </p:blipFill>
-        <p:spPr>
-          <a:xfrm>
-            <a:off x="5857157" y="3797991"/>
-            <a:ext cx="5480343" cy="1926458"/>
-          </a:xfrm>
-          <a:prstGeom prst="rect">
-            <a:avLst/>
-          </a:prstGeom>
-        </p:spPr>
-      </p:pic>
-      <mc:AlternateContent xmlns:mc="http://schemas.openxmlformats.org/markup-compatibility/2006" xmlns:a14="http://schemas.microsoft.com/office/drawing/2010/main">
-        <mc:Choice Requires="a14">
-          <p:sp>
-            <p:nvSpPr>
-              <p:cNvPr id="27" name="TextBox 26">
-                <a:extLst>
-                  <a:ext uri="{FF2B5EF4-FFF2-40B4-BE49-F238E27FC236}">
-                    <a16:creationId xmlns:a16="http://schemas.microsoft.com/office/drawing/2014/main" id="{5605ED7F-6387-2045-83E5-64E010C0B73E}"/>
-                  </a:ext>
-                </a:extLst>
-              </p:cNvPr>
-              <p:cNvSpPr txBox="1"/>
-              <p:nvPr/>
-            </p:nvSpPr>
-            <p:spPr>
-              <a:xfrm>
-                <a:off x="376814" y="4188820"/>
-                <a:ext cx="5480343" cy="466666"/>
-              </a:xfrm>
-              <a:prstGeom prst="rect">
-                <a:avLst/>
-              </a:prstGeom>
-              <a:noFill/>
-            </p:spPr>
-            <p:txBody>
-              <a:bodyPr wrap="square">
-                <a:spAutoFit/>
-              </a:bodyPr>
-              <a:lstStyle/>
-              <a:p>
-                <a14:m>
-                  <m:oMath xmlns:m="http://schemas.openxmlformats.org/officeDocument/2006/math">
-                    <m:r>
-                      <a:rPr lang="en-US" sz="1600" i="1" smtClean="0">
-                        <a:solidFill>
-                          <a:schemeClr val="tx1"/>
-                        </a:solidFill>
-                        <a:latin typeface="Cambria Math" panose="02040503050406030204" pitchFamily="18" charset="0"/>
-                      </a:rPr>
-                      <m:t>𝑟</m:t>
-                    </m:r>
-                    <m:d>
-                      <m:dPr>
-                        <m:ctrlPr>
-                          <a:rPr lang="en-US" sz="1600" i="1">
-                            <a:solidFill>
-                              <a:schemeClr val="tx1"/>
-                            </a:solidFill>
-                            <a:latin typeface="Cambria Math" panose="02040503050406030204" pitchFamily="18" charset="0"/>
-                          </a:rPr>
-                        </m:ctrlPr>
-                      </m:dPr>
-                      <m:e>
-                        <m:r>
-                          <a:rPr lang="en-US" sz="1600" i="1">
-                            <a:solidFill>
-                              <a:schemeClr val="tx1"/>
-                            </a:solidFill>
-                            <a:latin typeface="Cambria Math" panose="02040503050406030204" pitchFamily="18" charset="0"/>
-                          </a:rPr>
-                          <m:t>𝑠</m:t>
-                        </m:r>
-                        <m:r>
-                          <a:rPr lang="en-US" sz="1600" i="0">
-                            <a:solidFill>
-                              <a:schemeClr val="tx1"/>
-                            </a:solidFill>
-                            <a:latin typeface="Cambria Math" panose="02040503050406030204" pitchFamily="18" charset="0"/>
-                          </a:rPr>
-                          <m:t>,</m:t>
-                        </m:r>
-                        <m:r>
-                          <a:rPr lang="en-US" sz="1600" i="1">
-                            <a:solidFill>
-                              <a:schemeClr val="tx1"/>
-                            </a:solidFill>
-                            <a:latin typeface="Cambria Math" panose="02040503050406030204" pitchFamily="18" charset="0"/>
-                          </a:rPr>
-                          <m:t>𝑎</m:t>
-                        </m:r>
-                      </m:e>
-                    </m:d>
-                    <m:r>
-                      <a:rPr lang="en-US" sz="1600" b="0" i="1" dirty="0" smtClean="0">
-                        <a:solidFill>
-                          <a:schemeClr val="tx1"/>
-                        </a:solidFill>
-                        <a:latin typeface="Cambria Math" panose="02040503050406030204" pitchFamily="18" charset="0"/>
-                        <a:ea typeface="Cambria Math" panose="02040503050406030204" pitchFamily="18" charset="0"/>
-                      </a:rPr>
-                      <m:t>←</m:t>
-                    </m:r>
-                    <m:r>
-                      <a:rPr lang="en-US" sz="1600" b="0" i="0" smtClean="0">
-                        <a:solidFill>
-                          <a:schemeClr val="tx1"/>
-                        </a:solidFill>
-                        <a:latin typeface="Cambria Math" panose="02040503050406030204" pitchFamily="18" charset="0"/>
-                      </a:rPr>
-                      <m:t>   </m:t>
-                    </m:r>
-                    <m:d>
-                      <m:dPr>
-                        <m:ctrlPr>
-                          <a:rPr lang="en-US" sz="1600" b="0" i="1" smtClean="0">
-                            <a:solidFill>
-                              <a:schemeClr val="tx1"/>
-                            </a:solidFill>
-                            <a:latin typeface="Cambria Math" panose="02040503050406030204" pitchFamily="18" charset="0"/>
-                          </a:rPr>
-                        </m:ctrlPr>
-                      </m:dPr>
-                      <m:e>
-                        <m:r>
-                          <a:rPr lang="en-US" sz="1600" b="0" i="0" smtClean="0">
-                            <a:solidFill>
-                              <a:schemeClr val="tx1"/>
-                            </a:solidFill>
-                            <a:latin typeface="Cambria Math" panose="02040503050406030204" pitchFamily="18" charset="0"/>
-                          </a:rPr>
-                          <m:t>1−</m:t>
-                        </m:r>
-                        <m:r>
-                          <m:rPr>
-                            <m:sty m:val="p"/>
-                          </m:rPr>
-                          <a:rPr lang="el-GR" sz="1600" b="0" i="1" smtClean="0">
-                            <a:solidFill>
-                              <a:schemeClr val="tx1"/>
-                            </a:solidFill>
-                            <a:latin typeface="Cambria Math" panose="02040503050406030204" pitchFamily="18" charset="0"/>
-                            <a:ea typeface="Cambria Math" panose="02040503050406030204" pitchFamily="18" charset="0"/>
-                          </a:rPr>
-                          <m:t>α</m:t>
-                        </m:r>
-                      </m:e>
-                    </m:d>
-                    <m:r>
-                      <a:rPr lang="en-US" sz="1600" b="0" i="1" smtClean="0">
-                        <a:solidFill>
-                          <a:schemeClr val="tx1"/>
-                        </a:solidFill>
-                        <a:latin typeface="Cambria Math" panose="02040503050406030204" pitchFamily="18" charset="0"/>
-                        <a:ea typeface="Cambria Math" panose="02040503050406030204" pitchFamily="18" charset="0"/>
-                      </a:rPr>
-                      <m:t>𝑟</m:t>
-                    </m:r>
-                    <m:d>
-                      <m:dPr>
-                        <m:ctrlPr>
-                          <a:rPr lang="en-US" sz="1600" b="0" i="1" smtClean="0">
-                            <a:solidFill>
-                              <a:schemeClr val="tx1"/>
-                            </a:solidFill>
-                            <a:latin typeface="Cambria Math" panose="02040503050406030204" pitchFamily="18" charset="0"/>
-                            <a:ea typeface="Cambria Math" panose="02040503050406030204" pitchFamily="18" charset="0"/>
-                          </a:rPr>
-                        </m:ctrlPr>
-                      </m:dPr>
-                      <m:e>
-                        <m:r>
-                          <a:rPr lang="en-US" sz="1600" b="0" i="1" smtClean="0">
-                            <a:solidFill>
-                              <a:schemeClr val="tx1"/>
-                            </a:solidFill>
-                            <a:latin typeface="Cambria Math" panose="02040503050406030204" pitchFamily="18" charset="0"/>
-                            <a:ea typeface="Cambria Math" panose="02040503050406030204" pitchFamily="18" charset="0"/>
-                          </a:rPr>
-                          <m:t>𝑠</m:t>
-                        </m:r>
-                        <m:r>
-                          <a:rPr lang="en-US" sz="1600" b="0" i="1" smtClean="0">
-                            <a:solidFill>
-                              <a:schemeClr val="tx1"/>
-                            </a:solidFill>
-                            <a:latin typeface="Cambria Math" panose="02040503050406030204" pitchFamily="18" charset="0"/>
-                            <a:ea typeface="Cambria Math" panose="02040503050406030204" pitchFamily="18" charset="0"/>
-                          </a:rPr>
-                          <m:t>, </m:t>
-                        </m:r>
-                        <m:r>
-                          <a:rPr lang="en-US" sz="1600" b="0" i="1" smtClean="0">
-                            <a:solidFill>
-                              <a:schemeClr val="tx1"/>
-                            </a:solidFill>
-                            <a:latin typeface="Cambria Math" panose="02040503050406030204" pitchFamily="18" charset="0"/>
-                            <a:ea typeface="Cambria Math" panose="02040503050406030204" pitchFamily="18" charset="0"/>
-                          </a:rPr>
-                          <m:t>𝑎</m:t>
-                        </m:r>
-                      </m:e>
-                    </m:d>
-                    <m:r>
-                      <a:rPr lang="en-US" sz="1600" b="0" i="1" smtClean="0">
-                        <a:solidFill>
-                          <a:schemeClr val="tx1"/>
-                        </a:solidFill>
-                        <a:latin typeface="Cambria Math" panose="02040503050406030204" pitchFamily="18" charset="0"/>
-                        <a:ea typeface="Cambria Math" panose="02040503050406030204" pitchFamily="18" charset="0"/>
-                      </a:rPr>
-                      <m:t>+ </m:t>
-                    </m:r>
-                    <m:r>
-                      <m:rPr>
-                        <m:sty m:val="p"/>
-                      </m:rPr>
-                      <a:rPr lang="el-GR" sz="1600" b="0" i="1" smtClean="0">
-                        <a:solidFill>
-                          <a:schemeClr val="tx1"/>
-                        </a:solidFill>
-                        <a:latin typeface="Cambria Math" panose="02040503050406030204" pitchFamily="18" charset="0"/>
-                        <a:ea typeface="Cambria Math" panose="02040503050406030204" pitchFamily="18" charset="0"/>
-                      </a:rPr>
-                      <m:t>α</m:t>
-                    </m:r>
-                  </m:oMath>
-                </a14:m>
-                <a:r>
-                  <a:rPr lang="en-US" sz="1600" dirty="0">
-                    <a:solidFill>
-                      <a:schemeClr val="tx1"/>
-                    </a:solidFill>
-                  </a:rPr>
-                  <a:t>(</a:t>
-                </a:r>
-                <a14:m>
-                  <m:oMath xmlns:m="http://schemas.openxmlformats.org/officeDocument/2006/math">
-                    <m:sSubSup>
-                      <m:sSubSupPr>
-                        <m:ctrlPr>
-                          <a:rPr lang="en-US" sz="1600" i="1" smtClean="0">
-                            <a:solidFill>
-                              <a:schemeClr val="tx1"/>
-                            </a:solidFill>
-                            <a:latin typeface="Cambria Math" panose="02040503050406030204" pitchFamily="18" charset="0"/>
-                          </a:rPr>
-                        </m:ctrlPr>
-                      </m:sSubSupPr>
-                      <m:e>
-                        <m:r>
-                          <a:rPr lang="en-US" sz="1600" i="1">
-                            <a:solidFill>
-                              <a:schemeClr val="tx1"/>
-                            </a:solidFill>
-                            <a:latin typeface="Cambria Math" panose="02040503050406030204" pitchFamily="18" charset="0"/>
-                          </a:rPr>
-                          <m:t>𝜂</m:t>
-                        </m:r>
-                      </m:e>
-                      <m:sub>
-                        <m:r>
-                          <a:rPr lang="en-US" sz="1600" i="1">
-                            <a:solidFill>
-                              <a:schemeClr val="tx1"/>
-                            </a:solidFill>
-                            <a:latin typeface="Cambria Math" panose="02040503050406030204" pitchFamily="18" charset="0"/>
-                          </a:rPr>
-                          <m:t>𝑠</m:t>
-                        </m:r>
-                      </m:sub>
-                      <m:sup>
-                        <m:r>
-                          <a:rPr lang="en-US" sz="1600" i="1">
-                            <a:solidFill>
-                              <a:schemeClr val="tx1"/>
-                            </a:solidFill>
-                            <a:latin typeface="Cambria Math" panose="02040503050406030204" pitchFamily="18" charset="0"/>
-                          </a:rPr>
-                          <m:t>𝑎</m:t>
-                        </m:r>
-                      </m:sup>
-                    </m:sSubSup>
-                    <m:r>
-                      <a:rPr lang="en-US" sz="1600" i="0">
-                        <a:solidFill>
-                          <a:schemeClr val="tx1"/>
-                        </a:solidFill>
-                        <a:latin typeface="Cambria Math" panose="02040503050406030204" pitchFamily="18" charset="0"/>
-                      </a:rPr>
-                      <m:t>+</m:t>
-                    </m:r>
-                    <m:f>
-                      <m:fPr>
-                        <m:ctrlPr>
-                          <a:rPr lang="en-US" sz="1600" i="1">
-                            <a:solidFill>
-                              <a:schemeClr val="tx1"/>
-                            </a:solidFill>
-                            <a:latin typeface="Cambria Math" panose="02040503050406030204" pitchFamily="18" charset="0"/>
-                          </a:rPr>
-                        </m:ctrlPr>
-                      </m:fPr>
-                      <m:num>
-                        <m:r>
-                          <a:rPr lang="en-US" sz="1600" i="0">
-                            <a:solidFill>
-                              <a:schemeClr val="tx1"/>
-                            </a:solidFill>
-                            <a:latin typeface="Cambria Math" panose="02040503050406030204" pitchFamily="18" charset="0"/>
-                          </a:rPr>
-                          <m:t>1</m:t>
-                        </m:r>
-                      </m:num>
-                      <m:den>
-                        <m:d>
-                          <m:dPr>
-                            <m:ctrlPr>
-                              <a:rPr lang="en-US" sz="1600" i="1">
-                                <a:solidFill>
-                                  <a:schemeClr val="tx1"/>
-                                </a:solidFill>
-                                <a:latin typeface="Cambria Math" panose="02040503050406030204" pitchFamily="18" charset="0"/>
-                              </a:rPr>
-                            </m:ctrlPr>
-                          </m:dPr>
-                          <m:e>
-                            <m:r>
-                              <a:rPr lang="en-US" sz="1600" i="1">
-                                <a:solidFill>
-                                  <a:schemeClr val="tx1"/>
-                                </a:solidFill>
-                                <a:latin typeface="Cambria Math" panose="02040503050406030204" pitchFamily="18" charset="0"/>
-                              </a:rPr>
-                              <m:t>𝑛</m:t>
-                            </m:r>
-                            <m:r>
-                              <a:rPr lang="en-US" sz="1600" i="0">
-                                <a:solidFill>
-                                  <a:schemeClr val="tx1"/>
-                                </a:solidFill>
-                                <a:latin typeface="Cambria Math" panose="02040503050406030204" pitchFamily="18" charset="0"/>
-                              </a:rPr>
-                              <m:t>−1</m:t>
-                            </m:r>
-                          </m:e>
-                        </m:d>
-                      </m:den>
-                    </m:f>
-                    <m:nary>
-                      <m:naryPr>
-                        <m:chr m:val="∑"/>
-                        <m:limLoc m:val="undOvr"/>
-                        <m:supHide m:val="on"/>
-                        <m:ctrlPr>
-                          <a:rPr lang="en-US" sz="1600" i="1">
-                            <a:solidFill>
-                              <a:schemeClr val="tx1"/>
-                            </a:solidFill>
-                            <a:latin typeface="Cambria Math" panose="02040503050406030204" pitchFamily="18" charset="0"/>
-                          </a:rPr>
-                        </m:ctrlPr>
-                      </m:naryPr>
-                      <m:sub>
-                        <m:r>
-                          <a:rPr lang="en-US" sz="1600" i="1">
-                            <a:solidFill>
-                              <a:schemeClr val="tx1"/>
-                            </a:solidFill>
-                            <a:latin typeface="Cambria Math" panose="02040503050406030204" pitchFamily="18" charset="0"/>
-                          </a:rPr>
-                          <m:t>𝑏</m:t>
-                        </m:r>
-                        <m:r>
-                          <a:rPr lang="en-US" sz="1600" i="0">
-                            <a:solidFill>
-                              <a:schemeClr val="tx1"/>
-                            </a:solidFill>
-                            <a:latin typeface="Cambria Math" panose="02040503050406030204" pitchFamily="18" charset="0"/>
-                          </a:rPr>
-                          <m:t> ∈ </m:t>
-                        </m:r>
-                        <m:sSub>
-                          <m:sSubPr>
-                            <m:ctrlPr>
-                              <a:rPr lang="en-US" sz="1600" i="1">
-                                <a:solidFill>
-                                  <a:schemeClr val="tx1"/>
-                                </a:solidFill>
-                                <a:latin typeface="Cambria Math" panose="02040503050406030204" pitchFamily="18" charset="0"/>
-                              </a:rPr>
-                            </m:ctrlPr>
-                          </m:sSubPr>
-                          <m:e>
-                            <m:r>
-                              <a:rPr lang="en-US" sz="1600" b="1" i="1">
-                                <a:solidFill>
-                                  <a:schemeClr val="tx1"/>
-                                </a:solidFill>
-                                <a:latin typeface="Cambria Math" panose="02040503050406030204" pitchFamily="18" charset="0"/>
-                              </a:rPr>
-                              <m:t>𝑨</m:t>
-                            </m:r>
-                          </m:e>
-                          <m:sub>
-                            <m:r>
-                              <a:rPr lang="en-US" sz="1600" b="0" i="0">
-                                <a:solidFill>
-                                  <a:schemeClr val="tx1"/>
-                                </a:solidFill>
-                                <a:latin typeface="Cambria Math" panose="02040503050406030204" pitchFamily="18" charset="0"/>
-                              </a:rPr>
-                              <m:t>ã</m:t>
-                            </m:r>
-                          </m:sub>
-                        </m:sSub>
-                      </m:sub>
-                      <m:sup/>
-                      <m:e>
-                        <m:r>
-                          <a:rPr lang="en-US" sz="1600" b="0" i="1">
-                            <a:solidFill>
-                              <a:schemeClr val="tx1"/>
-                            </a:solidFill>
-                            <a:latin typeface="Cambria Math" panose="02040503050406030204" pitchFamily="18" charset="0"/>
-                          </a:rPr>
-                          <m:t>𝑟</m:t>
-                        </m:r>
-                        <m:d>
-                          <m:dPr>
-                            <m:ctrlPr>
-                              <a:rPr lang="en-US" sz="1600" b="0" i="1">
-                                <a:solidFill>
-                                  <a:schemeClr val="tx1"/>
-                                </a:solidFill>
-                                <a:latin typeface="Cambria Math" panose="02040503050406030204" pitchFamily="18" charset="0"/>
-                              </a:rPr>
-                            </m:ctrlPr>
-                          </m:dPr>
-                          <m:e>
-                            <m:r>
-                              <a:rPr lang="en-US" sz="1600" b="0" i="1">
-                                <a:solidFill>
-                                  <a:schemeClr val="tx1"/>
-                                </a:solidFill>
-                                <a:latin typeface="Cambria Math" panose="02040503050406030204" pitchFamily="18" charset="0"/>
-                              </a:rPr>
-                              <m:t>𝑠</m:t>
-                            </m:r>
-                            <m:r>
-                              <a:rPr lang="en-US" sz="1600" b="0" i="0">
-                                <a:solidFill>
-                                  <a:schemeClr val="tx1"/>
-                                </a:solidFill>
-                                <a:latin typeface="Cambria Math" panose="02040503050406030204" pitchFamily="18" charset="0"/>
-                              </a:rPr>
-                              <m:t>,</m:t>
-                            </m:r>
-                            <m:r>
-                              <a:rPr lang="en-US" sz="1600" b="0" i="1">
-                                <a:solidFill>
-                                  <a:schemeClr val="tx1"/>
-                                </a:solidFill>
-                                <a:latin typeface="Cambria Math" panose="02040503050406030204" pitchFamily="18" charset="0"/>
-                              </a:rPr>
-                              <m:t>𝑏</m:t>
-                            </m:r>
-                          </m:e>
-                        </m:d>
-                        <m:r>
-                          <a:rPr lang="en-US" sz="1600" b="0" i="0">
-                            <a:solidFill>
-                              <a:schemeClr val="tx1"/>
-                            </a:solidFill>
-                            <a:latin typeface="Cambria Math" panose="02040503050406030204" pitchFamily="18" charset="0"/>
-                          </a:rPr>
-                          <m:t>−</m:t>
-                        </m:r>
-                        <m:sSubSup>
-                          <m:sSubSupPr>
-                            <m:ctrlPr>
-                              <a:rPr lang="en-US" sz="1600" b="0" i="1">
-                                <a:solidFill>
-                                  <a:schemeClr val="tx1"/>
-                                </a:solidFill>
-                                <a:latin typeface="Cambria Math" panose="02040503050406030204" pitchFamily="18" charset="0"/>
-                              </a:rPr>
-                            </m:ctrlPr>
-                          </m:sSubSupPr>
-                          <m:e>
-                            <m:r>
-                              <a:rPr lang="en-US" sz="1600" b="0" i="1">
-                                <a:solidFill>
-                                  <a:schemeClr val="tx1"/>
-                                </a:solidFill>
-                                <a:latin typeface="Cambria Math" panose="02040503050406030204" pitchFamily="18" charset="0"/>
-                              </a:rPr>
-                              <m:t>𝜂</m:t>
-                            </m:r>
-                          </m:e>
-                          <m:sub>
-                            <m:r>
-                              <a:rPr lang="en-US" sz="1600" b="0" i="1">
-                                <a:solidFill>
-                                  <a:schemeClr val="tx1"/>
-                                </a:solidFill>
-                                <a:latin typeface="Cambria Math" panose="02040503050406030204" pitchFamily="18" charset="0"/>
-                              </a:rPr>
-                              <m:t>𝑠</m:t>
-                            </m:r>
-                          </m:sub>
-                          <m:sup>
-                            <m:r>
-                              <a:rPr lang="en-US" sz="1600" b="0" i="1">
-                                <a:solidFill>
-                                  <a:schemeClr val="tx1"/>
-                                </a:solidFill>
-                                <a:latin typeface="Cambria Math" panose="02040503050406030204" pitchFamily="18" charset="0"/>
-                              </a:rPr>
-                              <m:t>𝑏</m:t>
-                            </m:r>
-                          </m:sup>
-                        </m:sSubSup>
-                      </m:e>
-                    </m:nary>
-                  </m:oMath>
-                </a14:m>
-                <a:r>
-                  <a:rPr lang="en-US" sz="1600" dirty="0">
-                    <a:solidFill>
-                      <a:schemeClr val="tx1"/>
-                    </a:solidFill>
-                  </a:rPr>
-                  <a:t>)</a:t>
-                </a:r>
-              </a:p>
-            </p:txBody>
-          </p:sp>
-        </mc:Choice>
-        <mc:Fallback xmlns="">
-          <p:sp>
-            <p:nvSpPr>
-              <p:cNvPr id="27" name="TextBox 26">
-                <a:extLst>
-                  <a:ext uri="{FF2B5EF4-FFF2-40B4-BE49-F238E27FC236}">
-                    <a16:creationId xmlns:a16="http://schemas.microsoft.com/office/drawing/2014/main" id="{5605ED7F-6387-2045-83E5-64E010C0B73E}"/>
-                  </a:ext>
-                </a:extLst>
-              </p:cNvPr>
-              <p:cNvSpPr txBox="1">
-                <a:spLocks noRot="1" noChangeAspect="1" noMove="1" noResize="1" noEditPoints="1" noAdjustHandles="1" noChangeArrowheads="1" noChangeShapeType="1" noTextEdit="1"/>
-              </p:cNvSpPr>
-              <p:nvPr/>
-            </p:nvSpPr>
-            <p:spPr>
-              <a:xfrm>
-                <a:off x="376814" y="4188820"/>
-                <a:ext cx="5480343" cy="466666"/>
-              </a:xfrm>
-              <a:prstGeom prst="rect">
-                <a:avLst/>
-              </a:prstGeom>
-              <a:blipFill>
-                <a:blip r:embed="rId7"/>
-                <a:stretch>
-                  <a:fillRect t="-68421" b="-110526"/>
-                </a:stretch>
-              </a:blipFill>
-            </p:spPr>
-            <p:txBody>
-              <a:bodyPr/>
-              <a:lstStyle/>
-              <a:p>
-                <a:r>
-                  <a:rPr lang="en-US">
-                    <a:noFill/>
-                  </a:rPr>
-                  <a:t> </a:t>
-                </a:r>
-              </a:p>
-            </p:txBody>
-          </p:sp>
-        </mc:Fallback>
-      </mc:AlternateContent>
-      <p:sp>
-        <p:nvSpPr>
-          <p:cNvPr id="28" name="Subtitle 2">
-            <a:extLst>
-              <a:ext uri="{FF2B5EF4-FFF2-40B4-BE49-F238E27FC236}">
-                <a16:creationId xmlns:a16="http://schemas.microsoft.com/office/drawing/2014/main" id="{A2050577-B14A-3346-A8C8-F7EAE5C0C22D}"/>
-              </a:ext>
-            </a:extLst>
-          </p:cNvPr>
-          <p:cNvSpPr>
-            <a:spLocks noGrp="1"/>
-          </p:cNvSpPr>
-          <p:nvPr>
-            <p:ph type="subTitle" idx="1"/>
-          </p:nvPr>
-        </p:nvSpPr>
-        <p:spPr>
-          <a:xfrm>
-            <a:off x="458395" y="492802"/>
-            <a:ext cx="11087100" cy="493712"/>
-          </a:xfrm>
-        </p:spPr>
-        <p:txBody>
-          <a:bodyPr>
-            <a:normAutofit lnSpcReduction="10000"/>
-          </a:bodyPr>
-          <a:lstStyle/>
-          <a:p>
-            <a:pPr algn="l"/>
-            <a:r>
-              <a:rPr lang="en-US" sz="2800" dirty="0"/>
-              <a:t>3. Methodology and algorithms</a:t>
-            </a:r>
-          </a:p>
-        </p:txBody>
-      </p:sp>
-      <p:sp>
-        <p:nvSpPr>
-          <p:cNvPr id="29" name="Slide Number Placeholder 28">
-            <a:extLst>
-              <a:ext uri="{FF2B5EF4-FFF2-40B4-BE49-F238E27FC236}">
-                <a16:creationId xmlns:a16="http://schemas.microsoft.com/office/drawing/2014/main" id="{5722C15F-0FD5-C64B-9C54-BC2AD14E929E}"/>
+                <a16:creationId xmlns:a16="http://schemas.microsoft.com/office/drawing/2014/main" id="{3E5361C0-CDFA-5D4C-A533-F2978688B838}"/>
               </a:ext>
             </a:extLst>
           </p:cNvPr>
@@ -8963,335 +7967,6 @@
                   <a:schemeClr val="bg1"/>
                 </a:solidFill>
               </a:rPr>
-              <a:t>10</a:t>
-            </a:fld>
-            <a:endParaRPr lang="en-US" dirty="0">
-              <a:solidFill>
-                <a:schemeClr val="bg1"/>
-              </a:solidFill>
-            </a:endParaRPr>
-          </a:p>
-        </p:txBody>
-      </p:sp>
-    </p:spTree>
-    <p:extLst>
-      <p:ext uri="{BB962C8B-B14F-4D97-AF65-F5344CB8AC3E}">
-        <p14:creationId xmlns:p14="http://schemas.microsoft.com/office/powerpoint/2010/main" val="3818981759"/>
-      </p:ext>
-    </p:extLst>
-  </p:cSld>
-  <p:clrMapOvr>
-    <a:masterClrMapping/>
-  </p:clrMapOvr>
-</p:sld>
-</file>
-
-<file path=ppt/slides/slide11.xml><?xml version="1.0" encoding="utf-8"?>
-<p:sld xmlns:a="http://schemas.openxmlformats.org/drawingml/2006/main" xmlns:r="http://schemas.openxmlformats.org/officeDocument/2006/relationships" xmlns:p="http://schemas.openxmlformats.org/presentationml/2006/main">
-  <p:cSld>
-    <p:spTree>
-      <p:nvGrpSpPr>
-        <p:cNvPr id="1" name=""/>
-        <p:cNvGrpSpPr/>
-        <p:nvPr/>
-      </p:nvGrpSpPr>
-      <p:grpSpPr>
-        <a:xfrm>
-          <a:off x="0" y="0"/>
-          <a:ext cx="0" cy="0"/>
-          <a:chOff x="0" y="0"/>
-          <a:chExt cx="0" cy="0"/>
-        </a:xfrm>
-      </p:grpSpPr>
-      <p:sp>
-        <p:nvSpPr>
-          <p:cNvPr id="4" name="Subtitle 2">
-            <a:extLst>
-              <a:ext uri="{FF2B5EF4-FFF2-40B4-BE49-F238E27FC236}">
-                <a16:creationId xmlns:a16="http://schemas.microsoft.com/office/drawing/2014/main" id="{B4B8C344-B172-9E43-A871-7E8F354FF5DE}"/>
-              </a:ext>
-            </a:extLst>
-          </p:cNvPr>
-          <p:cNvSpPr txBox="1">
-            <a:spLocks/>
-          </p:cNvSpPr>
-          <p:nvPr/>
-        </p:nvSpPr>
-        <p:spPr>
-          <a:xfrm>
-            <a:off x="854500" y="1133551"/>
-            <a:ext cx="10077450" cy="371789"/>
-          </a:xfrm>
-          <a:prstGeom prst="rect">
-            <a:avLst/>
-          </a:prstGeom>
-        </p:spPr>
-        <p:txBody>
-          <a:bodyPr vert="horz" lIns="91440" tIns="45720" rIns="91440" bIns="45720" rtlCol="0">
-            <a:normAutofit/>
-          </a:bodyPr>
-          <a:lstStyle>
-            <a:lvl1pPr marL="0" indent="0" algn="ctr" defTabSz="914400" rtl="0" eaLnBrk="1" latinLnBrk="0" hangingPunct="1">
-              <a:lnSpc>
-                <a:spcPct val="90000"/>
-              </a:lnSpc>
-              <a:spcBef>
-                <a:spcPts val="1000"/>
-              </a:spcBef>
-              <a:buFont typeface="Arial" panose="020B0604020202020204" pitchFamily="34" charset="0"/>
-              <a:buNone/>
-              <a:defRPr sz="2400" kern="1200">
-                <a:solidFill>
-                  <a:schemeClr val="tx1"/>
-                </a:solidFill>
-                <a:latin typeface="+mn-lt"/>
-                <a:ea typeface="+mn-ea"/>
-                <a:cs typeface="+mn-cs"/>
-              </a:defRPr>
-            </a:lvl1pPr>
-            <a:lvl2pPr marL="457200" indent="0" algn="ctr" defTabSz="914400" rtl="0" eaLnBrk="1" latinLnBrk="0" hangingPunct="1">
-              <a:lnSpc>
-                <a:spcPct val="90000"/>
-              </a:lnSpc>
-              <a:spcBef>
-                <a:spcPts val="500"/>
-              </a:spcBef>
-              <a:buFont typeface="Arial" panose="020B0604020202020204" pitchFamily="34" charset="0"/>
-              <a:buNone/>
-              <a:defRPr sz="2000" kern="1200">
-                <a:solidFill>
-                  <a:schemeClr val="tx1"/>
-                </a:solidFill>
-                <a:latin typeface="+mn-lt"/>
-                <a:ea typeface="+mn-ea"/>
-                <a:cs typeface="+mn-cs"/>
-              </a:defRPr>
-            </a:lvl2pPr>
-            <a:lvl3pPr marL="914400" indent="0" algn="ctr" defTabSz="914400" rtl="0" eaLnBrk="1" latinLnBrk="0" hangingPunct="1">
-              <a:lnSpc>
-                <a:spcPct val="90000"/>
-              </a:lnSpc>
-              <a:spcBef>
-                <a:spcPts val="500"/>
-              </a:spcBef>
-              <a:buFont typeface="Arial" panose="020B0604020202020204" pitchFamily="34" charset="0"/>
-              <a:buNone/>
-              <a:defRPr sz="1800" kern="1200">
-                <a:solidFill>
-                  <a:schemeClr val="tx1"/>
-                </a:solidFill>
-                <a:latin typeface="+mn-lt"/>
-                <a:ea typeface="+mn-ea"/>
-                <a:cs typeface="+mn-cs"/>
-              </a:defRPr>
-            </a:lvl3pPr>
-            <a:lvl4pPr marL="1371600" indent="0" algn="ctr" defTabSz="914400" rtl="0" eaLnBrk="1" latinLnBrk="0" hangingPunct="1">
-              <a:lnSpc>
-                <a:spcPct val="90000"/>
-              </a:lnSpc>
-              <a:spcBef>
-                <a:spcPts val="500"/>
-              </a:spcBef>
-              <a:buFont typeface="Arial" panose="020B0604020202020204" pitchFamily="34" charset="0"/>
-              <a:buNone/>
-              <a:defRPr sz="1600" kern="1200">
-                <a:solidFill>
-                  <a:schemeClr val="tx1"/>
-                </a:solidFill>
-                <a:latin typeface="+mn-lt"/>
-                <a:ea typeface="+mn-ea"/>
-                <a:cs typeface="+mn-cs"/>
-              </a:defRPr>
-            </a:lvl4pPr>
-            <a:lvl5pPr marL="1828800" indent="0" algn="ctr" defTabSz="914400" rtl="0" eaLnBrk="1" latinLnBrk="0" hangingPunct="1">
-              <a:lnSpc>
-                <a:spcPct val="90000"/>
-              </a:lnSpc>
-              <a:spcBef>
-                <a:spcPts val="500"/>
-              </a:spcBef>
-              <a:buFont typeface="Arial" panose="020B0604020202020204" pitchFamily="34" charset="0"/>
-              <a:buNone/>
-              <a:defRPr sz="1600" kern="1200">
-                <a:solidFill>
-                  <a:schemeClr val="tx1"/>
-                </a:solidFill>
-                <a:latin typeface="+mn-lt"/>
-                <a:ea typeface="+mn-ea"/>
-                <a:cs typeface="+mn-cs"/>
-              </a:defRPr>
-            </a:lvl5pPr>
-            <a:lvl6pPr marL="2286000" indent="0" algn="ctr" defTabSz="914400" rtl="0" eaLnBrk="1" latinLnBrk="0" hangingPunct="1">
-              <a:lnSpc>
-                <a:spcPct val="90000"/>
-              </a:lnSpc>
-              <a:spcBef>
-                <a:spcPts val="500"/>
-              </a:spcBef>
-              <a:buFont typeface="Arial" panose="020B0604020202020204" pitchFamily="34" charset="0"/>
-              <a:buNone/>
-              <a:defRPr sz="1600" kern="1200">
-                <a:solidFill>
-                  <a:schemeClr val="tx1"/>
-                </a:solidFill>
-                <a:latin typeface="+mn-lt"/>
-                <a:ea typeface="+mn-ea"/>
-                <a:cs typeface="+mn-cs"/>
-              </a:defRPr>
-            </a:lvl6pPr>
-            <a:lvl7pPr marL="2743200" indent="0" algn="ctr" defTabSz="914400" rtl="0" eaLnBrk="1" latinLnBrk="0" hangingPunct="1">
-              <a:lnSpc>
-                <a:spcPct val="90000"/>
-              </a:lnSpc>
-              <a:spcBef>
-                <a:spcPts val="500"/>
-              </a:spcBef>
-              <a:buFont typeface="Arial" panose="020B0604020202020204" pitchFamily="34" charset="0"/>
-              <a:buNone/>
-              <a:defRPr sz="1600" kern="1200">
-                <a:solidFill>
-                  <a:schemeClr val="tx1"/>
-                </a:solidFill>
-                <a:latin typeface="+mn-lt"/>
-                <a:ea typeface="+mn-ea"/>
-                <a:cs typeface="+mn-cs"/>
-              </a:defRPr>
-            </a:lvl7pPr>
-            <a:lvl8pPr marL="3200400" indent="0" algn="ctr" defTabSz="914400" rtl="0" eaLnBrk="1" latinLnBrk="0" hangingPunct="1">
-              <a:lnSpc>
-                <a:spcPct val="90000"/>
-              </a:lnSpc>
-              <a:spcBef>
-                <a:spcPts val="500"/>
-              </a:spcBef>
-              <a:buFont typeface="Arial" panose="020B0604020202020204" pitchFamily="34" charset="0"/>
-              <a:buNone/>
-              <a:defRPr sz="1600" kern="1200">
-                <a:solidFill>
-                  <a:schemeClr val="tx1"/>
-                </a:solidFill>
-                <a:latin typeface="+mn-lt"/>
-                <a:ea typeface="+mn-ea"/>
-                <a:cs typeface="+mn-cs"/>
-              </a:defRPr>
-            </a:lvl8pPr>
-            <a:lvl9pPr marL="3657600" indent="0" algn="ctr" defTabSz="914400" rtl="0" eaLnBrk="1" latinLnBrk="0" hangingPunct="1">
-              <a:lnSpc>
-                <a:spcPct val="90000"/>
-              </a:lnSpc>
-              <a:spcBef>
-                <a:spcPts val="500"/>
-              </a:spcBef>
-              <a:buFont typeface="Arial" panose="020B0604020202020204" pitchFamily="34" charset="0"/>
-              <a:buNone/>
-              <a:defRPr sz="1600" kern="1200">
-                <a:solidFill>
-                  <a:schemeClr val="tx1"/>
-                </a:solidFill>
-                <a:latin typeface="+mn-lt"/>
-                <a:ea typeface="+mn-ea"/>
-                <a:cs typeface="+mn-cs"/>
-              </a:defRPr>
-            </a:lvl9pPr>
-          </a:lstStyle>
-          <a:p>
-            <a:pPr algn="l"/>
-            <a:r>
-              <a:rPr lang="en-US" sz="2000" b="1" dirty="0">
-                <a:latin typeface="Arial" panose="020B0604020202020204" pitchFamily="34" charset="0"/>
-                <a:cs typeface="Arial" panose="020B0604020202020204" pitchFamily="34" charset="0"/>
-              </a:rPr>
-              <a:t>3.4</a:t>
-            </a:r>
-            <a:r>
-              <a:rPr lang="en-US" sz="2000" b="1" dirty="0">
-                <a:effectLst/>
-                <a:latin typeface="Arial" panose="020B0604020202020204" pitchFamily="34" charset="0"/>
-                <a:cs typeface="Arial" panose="020B0604020202020204" pitchFamily="34" charset="0"/>
-              </a:rPr>
-              <a:t> Flow chart of the implementation</a:t>
-            </a:r>
-          </a:p>
-          <a:p>
-            <a:pPr algn="l"/>
-            <a:endParaRPr lang="en-US" sz="1800" b="0" i="0" dirty="0">
-              <a:effectLst/>
-              <a:latin typeface="Arial" panose="020B0604020202020204" pitchFamily="34" charset="0"/>
-              <a:cs typeface="Arial" panose="020B0604020202020204" pitchFamily="34" charset="0"/>
-            </a:endParaRPr>
-          </a:p>
-          <a:p>
-            <a:pPr algn="l"/>
-            <a:endParaRPr lang="en-US" sz="1800" dirty="0">
-              <a:latin typeface="Arial" panose="020B0604020202020204" pitchFamily="34" charset="0"/>
-              <a:cs typeface="Arial" panose="020B0604020202020204" pitchFamily="34" charset="0"/>
-            </a:endParaRPr>
-          </a:p>
-        </p:txBody>
-      </p:sp>
-      <p:sp>
-        <p:nvSpPr>
-          <p:cNvPr id="28" name="Subtitle 2">
-            <a:extLst>
-              <a:ext uri="{FF2B5EF4-FFF2-40B4-BE49-F238E27FC236}">
-                <a16:creationId xmlns:a16="http://schemas.microsoft.com/office/drawing/2014/main" id="{A2050577-B14A-3346-A8C8-F7EAE5C0C22D}"/>
-              </a:ext>
-            </a:extLst>
-          </p:cNvPr>
-          <p:cNvSpPr>
-            <a:spLocks noGrp="1"/>
-          </p:cNvSpPr>
-          <p:nvPr>
-            <p:ph type="subTitle" idx="1"/>
-          </p:nvPr>
-        </p:nvSpPr>
-        <p:spPr>
-          <a:xfrm>
-            <a:off x="458395" y="492802"/>
-            <a:ext cx="11087100" cy="493712"/>
-          </a:xfrm>
-        </p:spPr>
-        <p:txBody>
-          <a:bodyPr>
-            <a:normAutofit lnSpcReduction="10000"/>
-          </a:bodyPr>
-          <a:lstStyle/>
-          <a:p>
-            <a:pPr algn="l"/>
-            <a:r>
-              <a:rPr lang="en-US" sz="2800" dirty="0"/>
-              <a:t>3. Methodology and algorithms</a:t>
-            </a:r>
-          </a:p>
-        </p:txBody>
-      </p:sp>
-      <p:sp>
-        <p:nvSpPr>
-          <p:cNvPr id="29" name="Slide Number Placeholder 28">
-            <a:extLst>
-              <a:ext uri="{FF2B5EF4-FFF2-40B4-BE49-F238E27FC236}">
-                <a16:creationId xmlns:a16="http://schemas.microsoft.com/office/drawing/2014/main" id="{5722C15F-0FD5-C64B-9C54-BC2AD14E929E}"/>
-              </a:ext>
-            </a:extLst>
-          </p:cNvPr>
-          <p:cNvSpPr>
-            <a:spLocks noGrp="1"/>
-          </p:cNvSpPr>
-          <p:nvPr>
-            <p:ph type="sldNum" sz="quarter" idx="12"/>
-          </p:nvPr>
-        </p:nvSpPr>
-        <p:spPr/>
-        <p:txBody>
-          <a:bodyPr/>
-          <a:lstStyle/>
-          <a:p>
-            <a:fld id="{837B6784-DA4F-4E23-8F4C-41806829DD81}" type="slidenum">
-              <a:rPr lang="en-US" smtClean="0">
-                <a:solidFill>
-                  <a:schemeClr val="bg1"/>
-                </a:solidFill>
-              </a:rPr>
               <a:t>11</a:t>
             </a:fld>
             <a:endParaRPr lang="en-US" dirty="0">
@@ -9302,46 +7977,10 @@
           </a:p>
         </p:txBody>
       </p:sp>
-      <p:pic>
-        <p:nvPicPr>
-          <p:cNvPr id="3" name="Picture 2">
-            <a:extLst>
-              <a:ext uri="{FF2B5EF4-FFF2-40B4-BE49-F238E27FC236}">
-                <a16:creationId xmlns:a16="http://schemas.microsoft.com/office/drawing/2014/main" id="{9099684B-D4A6-3740-874C-1BFA37984501}"/>
-              </a:ext>
-            </a:extLst>
-          </p:cNvPr>
-          <p:cNvPicPr>
-            <a:picLocks noChangeAspect="1"/>
-          </p:cNvPicPr>
-          <p:nvPr/>
-        </p:nvPicPr>
-        <p:blipFill>
-          <a:blip r:embed="rId2">
-            <a:extLst>
-              <a:ext uri="{28A0092B-C50C-407E-A947-70E740481C1C}">
-                <a14:useLocalDpi xmlns:a14="http://schemas.microsoft.com/office/drawing/2010/main" val="0"/>
-              </a:ext>
-            </a:extLst>
-          </a:blip>
-          <a:stretch>
-            <a:fillRect/>
-          </a:stretch>
-        </p:blipFill>
-        <p:spPr>
-          <a:xfrm>
-            <a:off x="854500" y="1652377"/>
-            <a:ext cx="10412376" cy="4432834"/>
-          </a:xfrm>
-          <a:prstGeom prst="rect">
-            <a:avLst/>
-          </a:prstGeom>
-        </p:spPr>
-      </p:pic>
     </p:spTree>
     <p:extLst>
       <p:ext uri="{BB962C8B-B14F-4D97-AF65-F5344CB8AC3E}">
-        <p14:creationId xmlns:p14="http://schemas.microsoft.com/office/powerpoint/2010/main" val="3357417290"/>
+        <p14:creationId xmlns:p14="http://schemas.microsoft.com/office/powerpoint/2010/main" val="2547686255"/>
       </p:ext>
     </p:extLst>
   </p:cSld>
@@ -9424,8 +8063,8 @@
         </p:nvSpPr>
         <p:spPr>
           <a:xfrm>
-            <a:off x="854500" y="1457011"/>
-            <a:ext cx="10077450" cy="4874070"/>
+            <a:off x="1057275" y="1836845"/>
+            <a:ext cx="10077450" cy="2391123"/>
           </a:xfrm>
           <a:prstGeom prst="rect">
             <a:avLst/>
@@ -9433,7 +8072,7 @@
         </p:spPr>
         <p:txBody>
           <a:bodyPr vert="horz" lIns="91440" tIns="45720" rIns="91440" bIns="45720" rtlCol="0">
-            <a:normAutofit lnSpcReduction="10000"/>
+            <a:normAutofit/>
           </a:bodyPr>
           <a:lstStyle>
             <a:lvl1pPr marL="0" indent="0" algn="ctr" defTabSz="914400" rtl="0" eaLnBrk="1" latinLnBrk="0" hangingPunct="1">
@@ -9601,6 +8240,9 @@
           </a:lstStyle>
           <a:p>
             <a:pPr marL="285750" indent="-285750" algn="just">
+              <a:spcAft>
+                <a:spcPts val="1200"/>
+              </a:spcAft>
               <a:buFont typeface="Wingdings" pitchFamily="2" charset="2"/>
               <a:buChar char="Ø"/>
             </a:pPr>
@@ -9608,8 +8250,95 @@
               <a:rPr lang="en-US" sz="1800" dirty="0">
                 <a:latin typeface="Arial" panose="020B0604020202020204" pitchFamily="34" charset="0"/>
               </a:rPr>
-              <a:t>They evaluate the algorithms on the Objectworld benchmark and show a significant speedup compared to existing methods.</a:t>
-            </a:r>
+              <a:t>Let’s say the agent position is (x, y) and, the number of colors is two. </a:t>
+            </a:r>
+          </a:p>
+          <a:p>
+            <a:pPr marL="285750" indent="-285750" algn="just">
+              <a:spcAft>
+                <a:spcPts val="1200"/>
+              </a:spcAft>
+              <a:buFont typeface="Wingdings" pitchFamily="2" charset="2"/>
+              <a:buChar char="Ø"/>
+            </a:pPr>
+            <a:r>
+              <a:rPr lang="en-US" sz="1800" dirty="0">
+                <a:latin typeface="Arial" panose="020B0604020202020204" pitchFamily="34" charset="0"/>
+              </a:rPr>
+              <a:t>Then the environment will check for at least 1 </a:t>
+            </a:r>
+            <a:r>
+              <a:rPr lang="en-US" sz="1800" dirty="0">
+                <a:solidFill>
+                  <a:srgbClr val="00B050"/>
+                </a:solidFill>
+                <a:latin typeface="Arial" panose="020B0604020202020204" pitchFamily="34" charset="0"/>
+              </a:rPr>
+              <a:t>outer color 0 </a:t>
+            </a:r>
+            <a:r>
+              <a:rPr lang="en-US" sz="1800" dirty="0">
+                <a:latin typeface="Arial" panose="020B0604020202020204" pitchFamily="34" charset="0"/>
+              </a:rPr>
+              <a:t>object within the distance of 3 </a:t>
+            </a:r>
+          </a:p>
+          <a:p>
+            <a:pPr marL="285750" indent="-285750" algn="just">
+              <a:spcAft>
+                <a:spcPts val="1200"/>
+              </a:spcAft>
+              <a:buFont typeface="Wingdings" pitchFamily="2" charset="2"/>
+              <a:buChar char="Ø"/>
+            </a:pPr>
+            <a:r>
+              <a:rPr lang="en-US" sz="1800" dirty="0">
+                <a:latin typeface="Arial" panose="020B0604020202020204" pitchFamily="34" charset="0"/>
+              </a:rPr>
+              <a:t>And the environment will check for at least 1 </a:t>
+            </a:r>
+            <a:r>
+              <a:rPr lang="en-US" sz="1800" dirty="0">
+                <a:solidFill>
+                  <a:srgbClr val="0070C0"/>
+                </a:solidFill>
+                <a:latin typeface="Arial" panose="020B0604020202020204" pitchFamily="34" charset="0"/>
+              </a:rPr>
+              <a:t>outer color 1 </a:t>
+            </a:r>
+            <a:r>
+              <a:rPr lang="en-US" sz="1800" dirty="0">
+                <a:latin typeface="Arial" panose="020B0604020202020204" pitchFamily="34" charset="0"/>
+              </a:rPr>
+              <a:t>object within the distance of 2</a:t>
+            </a:r>
+          </a:p>
+          <a:p>
+            <a:pPr marL="285750" indent="-285750" algn="just">
+              <a:spcAft>
+                <a:spcPts val="1200"/>
+              </a:spcAft>
+              <a:buFont typeface="Wingdings" pitchFamily="2" charset="2"/>
+              <a:buChar char="Ø"/>
+            </a:pPr>
+            <a:r>
+              <a:rPr lang="en-US" sz="1800" dirty="0">
+                <a:latin typeface="Arial" panose="020B0604020202020204" pitchFamily="34" charset="0"/>
+              </a:rPr>
+              <a:t>If there are objects of both colors, the reward is 1. If there are only objects of color 0, the reward is -1. Otherwise, the reward is 0.</a:t>
+            </a:r>
+          </a:p>
+          <a:p>
+            <a:pPr algn="just"/>
+            <a:endParaRPr lang="en-US" sz="1800" dirty="0">
+              <a:latin typeface="Arial" panose="020B0604020202020204" pitchFamily="34" charset="0"/>
+            </a:endParaRPr>
+          </a:p>
+          <a:p>
+            <a:pPr algn="just"/>
+            <a:endParaRPr lang="en-US" sz="1800" dirty="0">
+              <a:latin typeface="Arial" panose="020B0604020202020204" pitchFamily="34" charset="0"/>
+            </a:endParaRPr>
           </a:p>
           <a:p>
             <a:pPr marL="285750" indent="-285750" algn="just">
@@ -9621,150 +8350,6 @@
             </a:endParaRPr>
           </a:p>
           <a:p>
-            <a:pPr marL="285750" indent="-285750" algn="just">
-              <a:buFont typeface="Wingdings" pitchFamily="2" charset="2"/>
-              <a:buChar char="Ø"/>
-            </a:pPr>
-            <a:r>
-              <a:rPr lang="en-US" sz="1800" dirty="0">
-                <a:latin typeface="Arial" panose="020B0604020202020204" pitchFamily="34" charset="0"/>
-              </a:rPr>
-              <a:t>They evaluated the algorithm using Expected  Value Difference (EVD).</a:t>
-            </a:r>
-          </a:p>
-          <a:p>
-            <a:pPr marL="285750" indent="-285750" algn="just">
-              <a:buFont typeface="Wingdings" pitchFamily="2" charset="2"/>
-              <a:buChar char="Ø"/>
-            </a:pPr>
-            <a:endParaRPr lang="en-US" sz="1800" dirty="0">
-              <a:latin typeface="Arial" panose="020B0604020202020204" pitchFamily="34" charset="0"/>
-            </a:endParaRPr>
-          </a:p>
-          <a:p>
-            <a:pPr marL="285750" indent="-285750" algn="just">
-              <a:buFont typeface="Wingdings" pitchFamily="2" charset="2"/>
-              <a:buChar char="Ø"/>
-            </a:pPr>
-            <a:r>
-              <a:rPr lang="en-US" sz="1800" dirty="0">
-                <a:latin typeface="Arial" panose="020B0604020202020204" pitchFamily="34" charset="0"/>
-              </a:rPr>
-              <a:t>They also apply the Deep Constrained Inverse Q-learning algorithm to the task of learning autonomous lane-changes in a simulator and achieving competent driving after training on 30 minutes of demonstrations.</a:t>
-            </a:r>
-          </a:p>
-          <a:p>
-            <a:pPr marL="285750" indent="-285750" algn="just">
-              <a:buFont typeface="Wingdings" pitchFamily="2" charset="2"/>
-              <a:buChar char="Ø"/>
-            </a:pPr>
-            <a:endParaRPr lang="en-US" sz="1800" dirty="0">
-              <a:latin typeface="Arial" panose="020B0604020202020204" pitchFamily="34" charset="0"/>
-            </a:endParaRPr>
-          </a:p>
-          <a:p>
-            <a:pPr marL="285750" indent="-285750" algn="just">
-              <a:buFont typeface="Wingdings" pitchFamily="2" charset="2"/>
-              <a:buChar char="Ø"/>
-            </a:pPr>
-            <a:r>
-              <a:rPr lang="en-US" sz="1800" dirty="0">
-                <a:latin typeface="Arial" panose="020B0604020202020204" pitchFamily="34" charset="0"/>
-              </a:rPr>
-              <a:t>In this assignment, we will evaluate the IQL and IAVI on the </a:t>
-            </a:r>
-            <a:r>
-              <a:rPr lang="en-US" sz="1800" dirty="0" err="1">
-                <a:latin typeface="Arial" panose="020B0604020202020204" pitchFamily="34" charset="0"/>
-              </a:rPr>
-              <a:t>Objectworld</a:t>
-            </a:r>
-            <a:r>
-              <a:rPr lang="en-US" sz="1800" dirty="0">
-                <a:latin typeface="Arial" panose="020B0604020202020204" pitchFamily="34" charset="0"/>
-              </a:rPr>
-              <a:t> environment under the following settings</a:t>
-            </a:r>
-          </a:p>
-          <a:p>
-            <a:pPr marL="285750" indent="-285750" algn="just">
-              <a:buFont typeface="Wingdings" pitchFamily="2" charset="2"/>
-              <a:buChar char="Ø"/>
-            </a:pPr>
-            <a:endParaRPr lang="en-US" sz="1800" dirty="0">
-              <a:latin typeface="Arial" panose="020B0604020202020204" pitchFamily="34" charset="0"/>
-            </a:endParaRPr>
-          </a:p>
-          <a:p>
-            <a:pPr lvl="2" algn="just"/>
-            <a:r>
-              <a:rPr lang="en-US" sz="1200" dirty="0">
-                <a:latin typeface="Arial" panose="020B0604020202020204" pitchFamily="34" charset="0"/>
-              </a:rPr>
-              <a:t>grid_size = 32</a:t>
-            </a:r>
-          </a:p>
-          <a:p>
-            <a:pPr lvl="2" algn="just"/>
-            <a:r>
-              <a:rPr lang="en-US" sz="1200" dirty="0">
-                <a:latin typeface="Arial" panose="020B0604020202020204" pitchFamily="34" charset="0"/>
-              </a:rPr>
-              <a:t>n_objects = 50</a:t>
-            </a:r>
-          </a:p>
-          <a:p>
-            <a:pPr lvl="2" algn="just"/>
-            <a:r>
-              <a:rPr lang="en-US" sz="1200" dirty="0">
-                <a:latin typeface="Arial" panose="020B0604020202020204" pitchFamily="34" charset="0"/>
-              </a:rPr>
-              <a:t>n_colours = 2</a:t>
-            </a:r>
-          </a:p>
-          <a:p>
-            <a:pPr lvl="2" algn="just"/>
-            <a:r>
-              <a:rPr lang="en-US" sz="1200" dirty="0">
-                <a:latin typeface="Arial" panose="020B0604020202020204" pitchFamily="34" charset="0"/>
-              </a:rPr>
-              <a:t>wind = 0.3</a:t>
-            </a:r>
-          </a:p>
-          <a:p>
-            <a:pPr lvl="2" algn="just"/>
-            <a:r>
-              <a:rPr lang="en-US" sz="1200" dirty="0">
-                <a:latin typeface="Arial" panose="020B0604020202020204" pitchFamily="34" charset="0"/>
-              </a:rPr>
-              <a:t>discount = 0.99</a:t>
-            </a:r>
-          </a:p>
-          <a:p>
-            <a:pPr lvl="2" algn="just"/>
-            <a:r>
-              <a:rPr lang="en-US" sz="1200" dirty="0">
-                <a:latin typeface="Arial" panose="020B0604020202020204" pitchFamily="34" charset="0"/>
-              </a:rPr>
-              <a:t>trajectory_length = 8</a:t>
-            </a:r>
-          </a:p>
-          <a:p>
-            <a:pPr algn="just"/>
-            <a:endParaRPr lang="en-US" sz="1800" dirty="0">
-              <a:latin typeface="Arial" panose="020B0604020202020204" pitchFamily="34" charset="0"/>
-            </a:endParaRPr>
-          </a:p>
-          <a:p>
-            <a:pPr marL="285750" indent="-285750" algn="just">
-              <a:buFont typeface="Wingdings" pitchFamily="2" charset="2"/>
-              <a:buChar char="Ø"/>
-            </a:pPr>
-            <a:endParaRPr lang="en-US" sz="1800" dirty="0">
-              <a:latin typeface="Arial" panose="020B0604020202020204" pitchFamily="34" charset="0"/>
-            </a:endParaRPr>
-          </a:p>
-          <a:p>
             <a:pPr algn="l"/>
             <a:endParaRPr lang="en-US" sz="1800" dirty="0">
               <a:latin typeface="Arial" panose="020B0604020202020204" pitchFamily="34" charset="0"/>
@@ -9774,10 +8359,362 @@
       </p:sp>
       <p:sp>
         <p:nvSpPr>
-          <p:cNvPr id="2" name="Slide Number Placeholder 1">
+          <p:cNvPr id="4" name="Subtitle 2">
             <a:extLst>
               <a:ext uri="{FF2B5EF4-FFF2-40B4-BE49-F238E27FC236}">
-                <a16:creationId xmlns:a16="http://schemas.microsoft.com/office/drawing/2014/main" id="{50DA5DA1-793E-F340-AE4F-D8425082BB83}"/>
+                <a16:creationId xmlns:a16="http://schemas.microsoft.com/office/drawing/2014/main" id="{C4C533A9-56B3-B646-9F8F-30CDE3EEBD0F}"/>
+              </a:ext>
+            </a:extLst>
+          </p:cNvPr>
+          <p:cNvSpPr txBox="1">
+            <a:spLocks/>
+          </p:cNvSpPr>
+          <p:nvPr/>
+        </p:nvSpPr>
+        <p:spPr>
+          <a:xfrm>
+            <a:off x="854500" y="1133551"/>
+            <a:ext cx="10077450" cy="371789"/>
+          </a:xfrm>
+          <a:prstGeom prst="rect">
+            <a:avLst/>
+          </a:prstGeom>
+        </p:spPr>
+        <p:txBody>
+          <a:bodyPr vert="horz" lIns="91440" tIns="45720" rIns="91440" bIns="45720" rtlCol="0">
+            <a:normAutofit/>
+          </a:bodyPr>
+          <a:lstStyle>
+            <a:lvl1pPr marL="0" indent="0" algn="ctr" defTabSz="914400" rtl="0" eaLnBrk="1" latinLnBrk="0" hangingPunct="1">
+              <a:lnSpc>
+                <a:spcPct val="90000"/>
+              </a:lnSpc>
+              <a:spcBef>
+                <a:spcPts val="1000"/>
+              </a:spcBef>
+              <a:buFont typeface="Arial" panose="020B0604020202020204" pitchFamily="34" charset="0"/>
+              <a:buNone/>
+              <a:defRPr sz="2400" kern="1200">
+                <a:solidFill>
+                  <a:schemeClr val="tx1"/>
+                </a:solidFill>
+                <a:latin typeface="+mn-lt"/>
+                <a:ea typeface="+mn-ea"/>
+                <a:cs typeface="+mn-cs"/>
+              </a:defRPr>
+            </a:lvl1pPr>
+            <a:lvl2pPr marL="457200" indent="0" algn="ctr" defTabSz="914400" rtl="0" eaLnBrk="1" latinLnBrk="0" hangingPunct="1">
+              <a:lnSpc>
+                <a:spcPct val="90000"/>
+              </a:lnSpc>
+              <a:spcBef>
+                <a:spcPts val="500"/>
+              </a:spcBef>
+              <a:buFont typeface="Arial" panose="020B0604020202020204" pitchFamily="34" charset="0"/>
+              <a:buNone/>
+              <a:defRPr sz="2000" kern="1200">
+                <a:solidFill>
+                  <a:schemeClr val="tx1"/>
+                </a:solidFill>
+                <a:latin typeface="+mn-lt"/>
+                <a:ea typeface="+mn-ea"/>
+                <a:cs typeface="+mn-cs"/>
+              </a:defRPr>
+            </a:lvl2pPr>
+            <a:lvl3pPr marL="914400" indent="0" algn="ctr" defTabSz="914400" rtl="0" eaLnBrk="1" latinLnBrk="0" hangingPunct="1">
+              <a:lnSpc>
+                <a:spcPct val="90000"/>
+              </a:lnSpc>
+              <a:spcBef>
+                <a:spcPts val="500"/>
+              </a:spcBef>
+              <a:buFont typeface="Arial" panose="020B0604020202020204" pitchFamily="34" charset="0"/>
+              <a:buNone/>
+              <a:defRPr sz="1800" kern="1200">
+                <a:solidFill>
+                  <a:schemeClr val="tx1"/>
+                </a:solidFill>
+                <a:latin typeface="+mn-lt"/>
+                <a:ea typeface="+mn-ea"/>
+                <a:cs typeface="+mn-cs"/>
+              </a:defRPr>
+            </a:lvl3pPr>
+            <a:lvl4pPr marL="1371600" indent="0" algn="ctr" defTabSz="914400" rtl="0" eaLnBrk="1" latinLnBrk="0" hangingPunct="1">
+              <a:lnSpc>
+                <a:spcPct val="90000"/>
+              </a:lnSpc>
+              <a:spcBef>
+                <a:spcPts val="500"/>
+              </a:spcBef>
+              <a:buFont typeface="Arial" panose="020B0604020202020204" pitchFamily="34" charset="0"/>
+              <a:buNone/>
+              <a:defRPr sz="1600" kern="1200">
+                <a:solidFill>
+                  <a:schemeClr val="tx1"/>
+                </a:solidFill>
+                <a:latin typeface="+mn-lt"/>
+                <a:ea typeface="+mn-ea"/>
+                <a:cs typeface="+mn-cs"/>
+              </a:defRPr>
+            </a:lvl4pPr>
+            <a:lvl5pPr marL="1828800" indent="0" algn="ctr" defTabSz="914400" rtl="0" eaLnBrk="1" latinLnBrk="0" hangingPunct="1">
+              <a:lnSpc>
+                <a:spcPct val="90000"/>
+              </a:lnSpc>
+              <a:spcBef>
+                <a:spcPts val="500"/>
+              </a:spcBef>
+              <a:buFont typeface="Arial" panose="020B0604020202020204" pitchFamily="34" charset="0"/>
+              <a:buNone/>
+              <a:defRPr sz="1600" kern="1200">
+                <a:solidFill>
+                  <a:schemeClr val="tx1"/>
+                </a:solidFill>
+                <a:latin typeface="+mn-lt"/>
+                <a:ea typeface="+mn-ea"/>
+                <a:cs typeface="+mn-cs"/>
+              </a:defRPr>
+            </a:lvl5pPr>
+            <a:lvl6pPr marL="2286000" indent="0" algn="ctr" defTabSz="914400" rtl="0" eaLnBrk="1" latinLnBrk="0" hangingPunct="1">
+              <a:lnSpc>
+                <a:spcPct val="90000"/>
+              </a:lnSpc>
+              <a:spcBef>
+                <a:spcPts val="500"/>
+              </a:spcBef>
+              <a:buFont typeface="Arial" panose="020B0604020202020204" pitchFamily="34" charset="0"/>
+              <a:buNone/>
+              <a:defRPr sz="1600" kern="1200">
+                <a:solidFill>
+                  <a:schemeClr val="tx1"/>
+                </a:solidFill>
+                <a:latin typeface="+mn-lt"/>
+                <a:ea typeface="+mn-ea"/>
+                <a:cs typeface="+mn-cs"/>
+              </a:defRPr>
+            </a:lvl6pPr>
+            <a:lvl7pPr marL="2743200" indent="0" algn="ctr" defTabSz="914400" rtl="0" eaLnBrk="1" latinLnBrk="0" hangingPunct="1">
+              <a:lnSpc>
+                <a:spcPct val="90000"/>
+              </a:lnSpc>
+              <a:spcBef>
+                <a:spcPts val="500"/>
+              </a:spcBef>
+              <a:buFont typeface="Arial" panose="020B0604020202020204" pitchFamily="34" charset="0"/>
+              <a:buNone/>
+              <a:defRPr sz="1600" kern="1200">
+                <a:solidFill>
+                  <a:schemeClr val="tx1"/>
+                </a:solidFill>
+                <a:latin typeface="+mn-lt"/>
+                <a:ea typeface="+mn-ea"/>
+                <a:cs typeface="+mn-cs"/>
+              </a:defRPr>
+            </a:lvl7pPr>
+            <a:lvl8pPr marL="3200400" indent="0" algn="ctr" defTabSz="914400" rtl="0" eaLnBrk="1" latinLnBrk="0" hangingPunct="1">
+              <a:lnSpc>
+                <a:spcPct val="90000"/>
+              </a:lnSpc>
+              <a:spcBef>
+                <a:spcPts val="500"/>
+              </a:spcBef>
+              <a:buFont typeface="Arial" panose="020B0604020202020204" pitchFamily="34" charset="0"/>
+              <a:buNone/>
+              <a:defRPr sz="1600" kern="1200">
+                <a:solidFill>
+                  <a:schemeClr val="tx1"/>
+                </a:solidFill>
+                <a:latin typeface="+mn-lt"/>
+                <a:ea typeface="+mn-ea"/>
+                <a:cs typeface="+mn-cs"/>
+              </a:defRPr>
+            </a:lvl8pPr>
+            <a:lvl9pPr marL="3657600" indent="0" algn="ctr" defTabSz="914400" rtl="0" eaLnBrk="1" latinLnBrk="0" hangingPunct="1">
+              <a:lnSpc>
+                <a:spcPct val="90000"/>
+              </a:lnSpc>
+              <a:spcBef>
+                <a:spcPts val="500"/>
+              </a:spcBef>
+              <a:buFont typeface="Arial" panose="020B0604020202020204" pitchFamily="34" charset="0"/>
+              <a:buNone/>
+              <a:defRPr sz="1600" kern="1200">
+                <a:solidFill>
+                  <a:schemeClr val="tx1"/>
+                </a:solidFill>
+                <a:latin typeface="+mn-lt"/>
+                <a:ea typeface="+mn-ea"/>
+                <a:cs typeface="+mn-cs"/>
+              </a:defRPr>
+            </a:lvl9pPr>
+          </a:lstStyle>
+          <a:p>
+            <a:pPr algn="l"/>
+            <a:r>
+              <a:rPr lang="en-US" sz="2000" b="1" dirty="0">
+                <a:effectLst/>
+                <a:latin typeface="Arial" panose="020B0604020202020204" pitchFamily="34" charset="0"/>
+                <a:cs typeface="Arial" panose="020B0604020202020204" pitchFamily="34" charset="0"/>
+              </a:rPr>
+              <a:t>4.1 The Objectworld environment</a:t>
+            </a:r>
+          </a:p>
+          <a:p>
+            <a:pPr algn="l"/>
+            <a:endParaRPr lang="en-US" sz="2000" b="1" dirty="0">
+              <a:effectLst/>
+              <a:latin typeface="Arial" panose="020B0604020202020204" pitchFamily="34" charset="0"/>
+              <a:cs typeface="Arial" panose="020B0604020202020204" pitchFamily="34" charset="0"/>
+            </a:endParaRPr>
+          </a:p>
+          <a:p>
+            <a:pPr algn="l"/>
+            <a:endParaRPr lang="en-US" sz="1800" b="0" i="0" dirty="0">
+              <a:effectLst/>
+              <a:latin typeface="Arial" panose="020B0604020202020204" pitchFamily="34" charset="0"/>
+              <a:cs typeface="Arial" panose="020B0604020202020204" pitchFamily="34" charset="0"/>
+            </a:endParaRPr>
+          </a:p>
+          <a:p>
+            <a:pPr algn="l"/>
+            <a:endParaRPr lang="en-US" sz="1800" dirty="0">
+              <a:latin typeface="Arial" panose="020B0604020202020204" pitchFamily="34" charset="0"/>
+              <a:cs typeface="Arial" panose="020B0604020202020204" pitchFamily="34" charset="0"/>
+            </a:endParaRPr>
+          </a:p>
+        </p:txBody>
+      </p:sp>
+      <p:sp>
+        <p:nvSpPr>
+          <p:cNvPr id="10" name="TextBox 9">
+            <a:extLst>
+              <a:ext uri="{FF2B5EF4-FFF2-40B4-BE49-F238E27FC236}">
+                <a16:creationId xmlns:a16="http://schemas.microsoft.com/office/drawing/2014/main" id="{BC12FA80-A547-F74F-AB53-116DD5869477}"/>
+              </a:ext>
+            </a:extLst>
+          </p:cNvPr>
+          <p:cNvSpPr txBox="1"/>
+          <p:nvPr/>
+        </p:nvSpPr>
+        <p:spPr>
+          <a:xfrm>
+            <a:off x="4399266" y="5944532"/>
+            <a:ext cx="3393467" cy="276999"/>
+          </a:xfrm>
+          <a:prstGeom prst="rect">
+            <a:avLst/>
+          </a:prstGeom>
+          <a:noFill/>
+        </p:spPr>
+        <p:txBody>
+          <a:bodyPr wrap="square">
+            <a:spAutoFit/>
+          </a:bodyPr>
+          <a:lstStyle/>
+          <a:p>
+            <a:pPr algn="ctr"/>
+            <a:r>
+              <a:rPr lang="en-US" sz="1200" dirty="0">
+                <a:latin typeface="Arial" panose="020B0604020202020204" pitchFamily="34" charset="0"/>
+                <a:cs typeface="Arial" panose="020B0604020202020204" pitchFamily="34" charset="0"/>
+              </a:rPr>
+              <a:t>Figure 4: Reward heatmap of the environment</a:t>
+            </a:r>
+          </a:p>
+        </p:txBody>
+      </p:sp>
+      <p:sp>
+        <p:nvSpPr>
+          <p:cNvPr id="11" name="TextBox 10">
+            <a:extLst>
+              <a:ext uri="{FF2B5EF4-FFF2-40B4-BE49-F238E27FC236}">
+                <a16:creationId xmlns:a16="http://schemas.microsoft.com/office/drawing/2014/main" id="{4FE256AB-4DF0-FB4A-BD68-62623A4B1B8D}"/>
+              </a:ext>
+            </a:extLst>
+          </p:cNvPr>
+          <p:cNvSpPr txBox="1"/>
+          <p:nvPr/>
+        </p:nvSpPr>
+        <p:spPr>
+          <a:xfrm>
+            <a:off x="6815965" y="4670751"/>
+            <a:ext cx="897587" cy="661740"/>
+          </a:xfrm>
+          <a:prstGeom prst="rect">
+            <a:avLst/>
+          </a:prstGeom>
+          <a:noFill/>
+        </p:spPr>
+        <p:txBody>
+          <a:bodyPr wrap="square">
+            <a:spAutoFit/>
+          </a:bodyPr>
+          <a:lstStyle/>
+          <a:p>
+            <a:r>
+              <a:rPr lang="en-US" sz="1200" dirty="0">
+                <a:solidFill>
+                  <a:srgbClr val="FFFF00"/>
+                </a:solidFill>
+                <a:latin typeface="Arial" panose="020B0604020202020204" pitchFamily="34" charset="0"/>
+                <a:cs typeface="Arial" panose="020B0604020202020204" pitchFamily="34" charset="0"/>
+              </a:rPr>
+              <a:t>Yellow</a:t>
+            </a:r>
+            <a:r>
+              <a:rPr lang="en-US" sz="1200" dirty="0">
+                <a:latin typeface="Arial" panose="020B0604020202020204" pitchFamily="34" charset="0"/>
+                <a:cs typeface="Arial" panose="020B0604020202020204" pitchFamily="34" charset="0"/>
+              </a:rPr>
+              <a:t>: +1</a:t>
+            </a:r>
+          </a:p>
+          <a:p>
+            <a:r>
+              <a:rPr lang="en-US" sz="1200" dirty="0">
+                <a:solidFill>
+                  <a:srgbClr val="00BB8E"/>
+                </a:solidFill>
+                <a:latin typeface="Arial" panose="020B0604020202020204" pitchFamily="34" charset="0"/>
+                <a:cs typeface="Arial" panose="020B0604020202020204" pitchFamily="34" charset="0"/>
+              </a:rPr>
+              <a:t>Green</a:t>
+            </a:r>
+            <a:r>
+              <a:rPr lang="en-US" sz="1200" dirty="0">
+                <a:latin typeface="Arial" panose="020B0604020202020204" pitchFamily="34" charset="0"/>
+                <a:cs typeface="Arial" panose="020B0604020202020204" pitchFamily="34" charset="0"/>
+              </a:rPr>
+              <a:t>: 0</a:t>
+            </a:r>
+          </a:p>
+          <a:p>
+            <a:r>
+              <a:rPr lang="en-US" sz="1200" dirty="0">
+                <a:solidFill>
+                  <a:srgbClr val="7030A0"/>
+                </a:solidFill>
+                <a:latin typeface="Arial" panose="020B0604020202020204" pitchFamily="34" charset="0"/>
+                <a:cs typeface="Arial" panose="020B0604020202020204" pitchFamily="34" charset="0"/>
+              </a:rPr>
+              <a:t>Violet</a:t>
+            </a:r>
+            <a:r>
+              <a:rPr lang="en-US" sz="1200" dirty="0">
+                <a:latin typeface="Arial" panose="020B0604020202020204" pitchFamily="34" charset="0"/>
+                <a:cs typeface="Arial" panose="020B0604020202020204" pitchFamily="34" charset="0"/>
+              </a:rPr>
+              <a:t>: -1</a:t>
+            </a:r>
+          </a:p>
+        </p:txBody>
+      </p:sp>
+      <p:sp>
+        <p:nvSpPr>
+          <p:cNvPr id="7" name="Slide Number Placeholder 6">
+            <a:extLst>
+              <a:ext uri="{FF2B5EF4-FFF2-40B4-BE49-F238E27FC236}">
+                <a16:creationId xmlns:a16="http://schemas.microsoft.com/office/drawing/2014/main" id="{DCEBCB51-E54B-B24F-877A-DBC3641771F8}"/>
               </a:ext>
             </a:extLst>
           </p:cNvPr>
@@ -9809,10 +8746,45 @@
           </a:p>
         </p:txBody>
       </p:sp>
+      <p:pic>
+        <p:nvPicPr>
+          <p:cNvPr id="5" name="Picture 4">
+            <a:extLst>
+              <a:ext uri="{FF2B5EF4-FFF2-40B4-BE49-F238E27FC236}">
+                <a16:creationId xmlns:a16="http://schemas.microsoft.com/office/drawing/2014/main" id="{41BB532D-CD02-CC4D-AFF2-4B34C3EFDB9C}"/>
+              </a:ext>
+            </a:extLst>
+          </p:cNvPr>
+          <p:cNvPicPr>
+            <a:picLocks noChangeAspect="1"/>
+          </p:cNvPicPr>
+          <p:nvPr/>
+        </p:nvPicPr>
+        <p:blipFill rotWithShape="1">
+          <a:blip r:embed="rId2">
+            <a:extLst>
+              <a:ext uri="{28A0092B-C50C-407E-A947-70E740481C1C}">
+                <a14:useLocalDpi xmlns:a14="http://schemas.microsoft.com/office/drawing/2010/main" val="0"/>
+              </a:ext>
+            </a:extLst>
+          </a:blip>
+          <a:srcRect l="12537" t="35304" r="64597" b="34817"/>
+          <a:stretch/>
+        </p:blipFill>
+        <p:spPr>
+          <a:xfrm>
+            <a:off x="4651513" y="4050718"/>
+            <a:ext cx="1940119" cy="1901358"/>
+          </a:xfrm>
+          <a:prstGeom prst="rect">
+            <a:avLst/>
+          </a:prstGeom>
+        </p:spPr>
+      </p:pic>
     </p:spTree>
     <p:extLst>
       <p:ext uri="{BB962C8B-B14F-4D97-AF65-F5344CB8AC3E}">
-        <p14:creationId xmlns:p14="http://schemas.microsoft.com/office/powerpoint/2010/main" val="3533037585"/>
+        <p14:creationId xmlns:p14="http://schemas.microsoft.com/office/powerpoint/2010/main" val="584509643"/>
       </p:ext>
     </p:extLst>
   </p:cSld>
@@ -9895,8 +8867,8 @@
         </p:nvSpPr>
         <p:spPr>
           <a:xfrm>
-            <a:off x="1057275" y="1692467"/>
-            <a:ext cx="10077450" cy="4874070"/>
+            <a:off x="1057275" y="1836846"/>
+            <a:ext cx="10077450" cy="1592154"/>
           </a:xfrm>
           <a:prstGeom prst="rect">
             <a:avLst/>
@@ -9904,7 +8876,7 @@
         </p:spPr>
         <p:txBody>
           <a:bodyPr vert="horz" lIns="91440" tIns="45720" rIns="91440" bIns="45720" rtlCol="0">
-            <a:normAutofit lnSpcReduction="10000"/>
+            <a:normAutofit/>
           </a:bodyPr>
           <a:lstStyle>
             <a:lvl1pPr marL="0" indent="0" algn="ctr" defTabSz="914400" rtl="0" eaLnBrk="1" latinLnBrk="0" hangingPunct="1">
@@ -10079,7 +9051,7 @@
               <a:rPr lang="en-US" sz="1800" dirty="0">
                 <a:latin typeface="Arial" panose="020B0604020202020204" pitchFamily="34" charset="0"/>
               </a:rPr>
-              <a:t>The Objectworld environment is an N × N map, where an agent can choose between going up, down, left, or right or staying in place per time step. </a:t>
+              <a:t>The expert policy is already implemented using Q-learning in the object world environment.</a:t>
             </a:r>
           </a:p>
           <a:p>
@@ -10087,9 +9059,12 @@
               <a:buFont typeface="Wingdings" pitchFamily="2" charset="2"/>
               <a:buChar char="Ø"/>
             </a:pPr>
-            <a:endParaRPr lang="en-US" sz="1800" dirty="0">
-              <a:latin typeface="Arial" panose="020B0604020202020204" pitchFamily="34" charset="0"/>
-            </a:endParaRPr>
+            <a:r>
+              <a:rPr lang="en-US" sz="1800" dirty="0">
+                <a:latin typeface="Arial" panose="020B0604020202020204" pitchFamily="34" charset="0"/>
+              </a:rPr>
+              <a:t>That policy has been used to generate demonstrations.</a:t>
+            </a:r>
           </a:p>
           <a:p>
             <a:pPr marL="285750" indent="-285750" algn="just">
@@ -10100,140 +9075,8 @@
               <a:rPr lang="en-US" sz="1800" dirty="0">
                 <a:latin typeface="Arial" panose="020B0604020202020204" pitchFamily="34" charset="0"/>
               </a:rPr>
-              <a:t>Stochastic transitions take the agent in a random direction with 30% chance. Objects are randomly put on the grid with certain inner and outer colors from a set of C colors.</a:t>
-            </a:r>
-          </a:p>
-          <a:p>
-            <a:pPr marL="285750" indent="-285750" algn="just">
-              <a:buFont typeface="Wingdings" pitchFamily="2" charset="2"/>
-              <a:buChar char="Ø"/>
-            </a:pPr>
-            <a:endParaRPr lang="en-US" sz="1800" dirty="0">
-              <a:latin typeface="Arial" panose="020B0604020202020204" pitchFamily="34" charset="0"/>
-            </a:endParaRPr>
-          </a:p>
-          <a:p>
-            <a:pPr marL="285750" indent="-285750" algn="just">
-              <a:buFont typeface="Wingdings" pitchFamily="2" charset="2"/>
-              <a:buChar char="Ø"/>
-            </a:pPr>
-            <a:r>
-              <a:rPr lang="en-US" sz="1800" dirty="0">
-                <a:latin typeface="Arial" panose="020B0604020202020204" pitchFamily="34" charset="0"/>
-              </a:rPr>
-              <a:t> Let’s say we have </a:t>
-            </a:r>
-            <a:r>
-              <a:rPr lang="en-US" sz="1800" b="1" dirty="0">
-                <a:latin typeface="Arial" panose="020B0604020202020204" pitchFamily="34" charset="0"/>
-              </a:rPr>
-              <a:t>two colors. </a:t>
-            </a:r>
-            <a:r>
-              <a:rPr lang="en-US" sz="1800" dirty="0">
-                <a:latin typeface="Arial" panose="020B0604020202020204" pitchFamily="34" charset="0"/>
-              </a:rPr>
-              <a:t>Then there will be 4 types of objects in the environment.</a:t>
-            </a:r>
-          </a:p>
-          <a:p>
-            <a:pPr marL="285750" indent="-285750" algn="just">
-              <a:buFont typeface="Wingdings" pitchFamily="2" charset="2"/>
-              <a:buChar char="Ø"/>
-            </a:pPr>
-            <a:endParaRPr lang="en-US" sz="1800" dirty="0">
-              <a:latin typeface="Arial" panose="020B0604020202020204" pitchFamily="34" charset="0"/>
-            </a:endParaRPr>
-          </a:p>
-          <a:p>
-            <a:pPr marL="400050" indent="-400050" algn="just">
-              <a:buFont typeface="+mj-lt"/>
-              <a:buAutoNum type="romanUcPeriod"/>
-            </a:pPr>
-            <a:r>
-              <a:rPr lang="en-US" sz="1600" dirty="0">
-                <a:latin typeface="Arial" panose="020B0604020202020204" pitchFamily="34" charset="0"/>
-              </a:rPr>
-              <a:t>Inner color of Color 0</a:t>
-            </a:r>
-          </a:p>
-          <a:p>
-            <a:pPr marL="400050" indent="-400050" algn="just">
-              <a:buFont typeface="+mj-lt"/>
-              <a:buAutoNum type="romanUcPeriod"/>
-            </a:pPr>
-            <a:r>
-              <a:rPr lang="en-US" sz="1600" dirty="0">
-                <a:latin typeface="Arial" panose="020B0604020202020204" pitchFamily="34" charset="0"/>
-              </a:rPr>
-              <a:t>Outer color of Color 0</a:t>
-            </a:r>
-          </a:p>
-          <a:p>
-            <a:pPr marL="400050" indent="-400050" algn="just">
-              <a:buFont typeface="+mj-lt"/>
-              <a:buAutoNum type="romanUcPeriod"/>
-            </a:pPr>
-            <a:r>
-              <a:rPr lang="en-US" sz="1600" dirty="0">
-                <a:latin typeface="Arial" panose="020B0604020202020204" pitchFamily="34" charset="0"/>
-              </a:rPr>
-              <a:t>Inner color of Color 1</a:t>
-            </a:r>
-          </a:p>
-          <a:p>
-            <a:pPr marL="400050" indent="-400050" algn="just">
-              <a:buFont typeface="+mj-lt"/>
-              <a:buAutoNum type="romanUcPeriod"/>
-            </a:pPr>
-            <a:r>
-              <a:rPr lang="en-US" sz="1600" dirty="0">
-                <a:latin typeface="Arial" panose="020B0604020202020204" pitchFamily="34" charset="0"/>
-              </a:rPr>
-              <a:t>Outer color of Color 1</a:t>
-            </a:r>
-          </a:p>
-          <a:p>
-            <a:pPr marL="400050" indent="-400050" algn="just">
-              <a:buFont typeface="+mj-lt"/>
-              <a:buAutoNum type="romanUcPeriod"/>
-            </a:pPr>
-            <a:endParaRPr lang="en-US" sz="1600" dirty="0">
-              <a:latin typeface="Arial" panose="020B0604020202020204" pitchFamily="34" charset="0"/>
-            </a:endParaRPr>
-          </a:p>
-          <a:p>
-            <a:pPr marL="285750" indent="-285750" algn="just">
-              <a:buFont typeface="Wingdings" pitchFamily="2" charset="2"/>
-              <a:buChar char="Ø"/>
-            </a:pPr>
-            <a:r>
-              <a:rPr lang="en-US" sz="1800" dirty="0">
-                <a:latin typeface="Arial" panose="020B0604020202020204" pitchFamily="34" charset="0"/>
-              </a:rPr>
-              <a:t>In this experiment, we are only considering the outer color, which means we only have two types of objects.</a:t>
-            </a:r>
-          </a:p>
-          <a:p>
-            <a:pPr algn="just"/>
-            <a:endParaRPr lang="en-US" sz="1800" dirty="0">
-              <a:latin typeface="Arial" panose="020B0604020202020204" pitchFamily="34" charset="0"/>
-            </a:endParaRPr>
-          </a:p>
-          <a:p>
-            <a:pPr marL="285750" indent="-285750" algn="just">
-              <a:buFont typeface="Wingdings" pitchFamily="2" charset="2"/>
-              <a:buChar char="Ø"/>
-            </a:pPr>
-            <a:endParaRPr lang="en-US" sz="1800" dirty="0">
-              <a:latin typeface="Arial" panose="020B0604020202020204" pitchFamily="34" charset="0"/>
-            </a:endParaRPr>
-          </a:p>
-          <a:p>
-            <a:pPr algn="just"/>
-            <a:endParaRPr lang="en-US" sz="1800" dirty="0">
-              <a:latin typeface="Arial" panose="020B0604020202020204" pitchFamily="34" charset="0"/>
-            </a:endParaRPr>
+              <a:t>Generated demonstrations have been used to train IAVI and tabular inverse Q-learning, which is an extended version of IAVI </a:t>
+            </a:r>
           </a:p>
           <a:p>
             <a:pPr marL="285750" indent="-285750" algn="just">
@@ -10451,1388 +9294,6 @@
                 <a:latin typeface="Arial" panose="020B0604020202020204" pitchFamily="34" charset="0"/>
                 <a:cs typeface="Arial" panose="020B0604020202020204" pitchFamily="34" charset="0"/>
               </a:rPr>
-              <a:t>4.1 The Objectworld environment</a:t>
-            </a:r>
-          </a:p>
-          <a:p>
-            <a:pPr algn="l"/>
-            <a:endParaRPr lang="en-US" sz="2000" b="1" dirty="0">
-              <a:effectLst/>
-              <a:latin typeface="Arial" panose="020B0604020202020204" pitchFamily="34" charset="0"/>
-              <a:cs typeface="Arial" panose="020B0604020202020204" pitchFamily="34" charset="0"/>
-            </a:endParaRPr>
-          </a:p>
-          <a:p>
-            <a:pPr algn="l"/>
-            <a:endParaRPr lang="en-US" sz="1800" b="0" i="0" dirty="0">
-              <a:effectLst/>
-              <a:latin typeface="Arial" panose="020B0604020202020204" pitchFamily="34" charset="0"/>
-              <a:cs typeface="Arial" panose="020B0604020202020204" pitchFamily="34" charset="0"/>
-            </a:endParaRPr>
-          </a:p>
-          <a:p>
-            <a:pPr algn="l"/>
-            <a:endParaRPr lang="en-US" sz="1800" dirty="0">
-              <a:latin typeface="Arial" panose="020B0604020202020204" pitchFamily="34" charset="0"/>
-              <a:cs typeface="Arial" panose="020B0604020202020204" pitchFamily="34" charset="0"/>
-            </a:endParaRPr>
-          </a:p>
-        </p:txBody>
-      </p:sp>
-      <p:sp>
-        <p:nvSpPr>
-          <p:cNvPr id="2" name="Slide Number Placeholder 1">
-            <a:extLst>
-              <a:ext uri="{FF2B5EF4-FFF2-40B4-BE49-F238E27FC236}">
-                <a16:creationId xmlns:a16="http://schemas.microsoft.com/office/drawing/2014/main" id="{3E5361C0-CDFA-5D4C-A533-F2978688B838}"/>
-              </a:ext>
-            </a:extLst>
-          </p:cNvPr>
-          <p:cNvSpPr>
-            <a:spLocks noGrp="1"/>
-          </p:cNvSpPr>
-          <p:nvPr>
-            <p:ph type="sldNum" sz="quarter" idx="12"/>
-          </p:nvPr>
-        </p:nvSpPr>
-        <p:spPr/>
-        <p:txBody>
-          <a:bodyPr/>
-          <a:lstStyle/>
-          <a:p>
-            <a:fld id="{837B6784-DA4F-4E23-8F4C-41806829DD81}" type="slidenum">
-              <a:rPr lang="en-US" smtClean="0">
-                <a:solidFill>
-                  <a:schemeClr val="bg1"/>
-                </a:solidFill>
-              </a:rPr>
-              <a:t>13</a:t>
-            </a:fld>
-            <a:endParaRPr lang="en-US" dirty="0">
-              <a:solidFill>
-                <a:schemeClr val="bg1"/>
-              </a:solidFill>
-            </a:endParaRPr>
-          </a:p>
-        </p:txBody>
-      </p:sp>
-    </p:spTree>
-    <p:extLst>
-      <p:ext uri="{BB962C8B-B14F-4D97-AF65-F5344CB8AC3E}">
-        <p14:creationId xmlns:p14="http://schemas.microsoft.com/office/powerpoint/2010/main" val="2547686255"/>
-      </p:ext>
-    </p:extLst>
-  </p:cSld>
-  <p:clrMapOvr>
-    <a:masterClrMapping/>
-  </p:clrMapOvr>
-</p:sld>
-</file>
-
-<file path=ppt/slides/slide14.xml><?xml version="1.0" encoding="utf-8"?>
-<p:sld xmlns:a="http://schemas.openxmlformats.org/drawingml/2006/main" xmlns:r="http://schemas.openxmlformats.org/officeDocument/2006/relationships" xmlns:p="http://schemas.openxmlformats.org/presentationml/2006/main">
-  <p:cSld>
-    <p:spTree>
-      <p:nvGrpSpPr>
-        <p:cNvPr id="1" name=""/>
-        <p:cNvGrpSpPr/>
-        <p:nvPr/>
-      </p:nvGrpSpPr>
-      <p:grpSpPr>
-        <a:xfrm>
-          <a:off x="0" y="0"/>
-          <a:ext cx="0" cy="0"/>
-          <a:chOff x="0" y="0"/>
-          <a:chExt cx="0" cy="0"/>
-        </a:xfrm>
-      </p:grpSpPr>
-      <p:sp>
-        <p:nvSpPr>
-          <p:cNvPr id="3" name="Subtitle 2">
-            <a:extLst>
-              <a:ext uri="{FF2B5EF4-FFF2-40B4-BE49-F238E27FC236}">
-                <a16:creationId xmlns:a16="http://schemas.microsoft.com/office/drawing/2014/main" id="{038BE419-BB5F-A1E1-552E-536A04575F45}"/>
-              </a:ext>
-            </a:extLst>
-          </p:cNvPr>
-          <p:cNvSpPr>
-            <a:spLocks noGrp="1"/>
-          </p:cNvSpPr>
-          <p:nvPr>
-            <p:ph type="subTitle" idx="1"/>
-          </p:nvPr>
-        </p:nvSpPr>
-        <p:spPr>
-          <a:xfrm>
-            <a:off x="450850" y="566738"/>
-            <a:ext cx="11087100" cy="493712"/>
-          </a:xfrm>
-        </p:spPr>
-        <p:txBody>
-          <a:bodyPr>
-            <a:normAutofit lnSpcReduction="10000"/>
-          </a:bodyPr>
-          <a:lstStyle/>
-          <a:p>
-            <a:pPr algn="l"/>
-            <a:r>
-              <a:rPr lang="en-US" sz="2800" dirty="0"/>
-              <a:t>4. The Experiment</a:t>
-            </a:r>
-          </a:p>
-          <a:p>
-            <a:pPr algn="l"/>
-            <a:endParaRPr lang="en-US" sz="2800" dirty="0"/>
-          </a:p>
-        </p:txBody>
-      </p:sp>
-      <p:sp>
-        <p:nvSpPr>
-          <p:cNvPr id="12" name="Subtitle 2">
-            <a:extLst>
-              <a:ext uri="{FF2B5EF4-FFF2-40B4-BE49-F238E27FC236}">
-                <a16:creationId xmlns:a16="http://schemas.microsoft.com/office/drawing/2014/main" id="{AF6B266F-1219-CD47-A248-483FB1190CBA}"/>
-              </a:ext>
-            </a:extLst>
-          </p:cNvPr>
-          <p:cNvSpPr txBox="1">
-            <a:spLocks/>
-          </p:cNvSpPr>
-          <p:nvPr/>
-        </p:nvSpPr>
-        <p:spPr>
-          <a:xfrm>
-            <a:off x="1057275" y="1836845"/>
-            <a:ext cx="10077450" cy="2391123"/>
-          </a:xfrm>
-          <a:prstGeom prst="rect">
-            <a:avLst/>
-          </a:prstGeom>
-        </p:spPr>
-        <p:txBody>
-          <a:bodyPr vert="horz" lIns="91440" tIns="45720" rIns="91440" bIns="45720" rtlCol="0">
-            <a:normAutofit/>
-          </a:bodyPr>
-          <a:lstStyle>
-            <a:lvl1pPr marL="0" indent="0" algn="ctr" defTabSz="914400" rtl="0" eaLnBrk="1" latinLnBrk="0" hangingPunct="1">
-              <a:lnSpc>
-                <a:spcPct val="90000"/>
-              </a:lnSpc>
-              <a:spcBef>
-                <a:spcPts val="1000"/>
-              </a:spcBef>
-              <a:buFont typeface="Arial" panose="020B0604020202020204" pitchFamily="34" charset="0"/>
-              <a:buNone/>
-              <a:defRPr sz="2400" kern="1200">
-                <a:solidFill>
-                  <a:schemeClr val="tx1"/>
-                </a:solidFill>
-                <a:latin typeface="+mn-lt"/>
-                <a:ea typeface="+mn-ea"/>
-                <a:cs typeface="+mn-cs"/>
-              </a:defRPr>
-            </a:lvl1pPr>
-            <a:lvl2pPr marL="457200" indent="0" algn="ctr" defTabSz="914400" rtl="0" eaLnBrk="1" latinLnBrk="0" hangingPunct="1">
-              <a:lnSpc>
-                <a:spcPct val="90000"/>
-              </a:lnSpc>
-              <a:spcBef>
-                <a:spcPts val="500"/>
-              </a:spcBef>
-              <a:buFont typeface="Arial" panose="020B0604020202020204" pitchFamily="34" charset="0"/>
-              <a:buNone/>
-              <a:defRPr sz="2000" kern="1200">
-                <a:solidFill>
-                  <a:schemeClr val="tx1"/>
-                </a:solidFill>
-                <a:latin typeface="+mn-lt"/>
-                <a:ea typeface="+mn-ea"/>
-                <a:cs typeface="+mn-cs"/>
-              </a:defRPr>
-            </a:lvl2pPr>
-            <a:lvl3pPr marL="914400" indent="0" algn="ctr" defTabSz="914400" rtl="0" eaLnBrk="1" latinLnBrk="0" hangingPunct="1">
-              <a:lnSpc>
-                <a:spcPct val="90000"/>
-              </a:lnSpc>
-              <a:spcBef>
-                <a:spcPts val="500"/>
-              </a:spcBef>
-              <a:buFont typeface="Arial" panose="020B0604020202020204" pitchFamily="34" charset="0"/>
-              <a:buNone/>
-              <a:defRPr sz="1800" kern="1200">
-                <a:solidFill>
-                  <a:schemeClr val="tx1"/>
-                </a:solidFill>
-                <a:latin typeface="+mn-lt"/>
-                <a:ea typeface="+mn-ea"/>
-                <a:cs typeface="+mn-cs"/>
-              </a:defRPr>
-            </a:lvl3pPr>
-            <a:lvl4pPr marL="1371600" indent="0" algn="ctr" defTabSz="914400" rtl="0" eaLnBrk="1" latinLnBrk="0" hangingPunct="1">
-              <a:lnSpc>
-                <a:spcPct val="90000"/>
-              </a:lnSpc>
-              <a:spcBef>
-                <a:spcPts val="500"/>
-              </a:spcBef>
-              <a:buFont typeface="Arial" panose="020B0604020202020204" pitchFamily="34" charset="0"/>
-              <a:buNone/>
-              <a:defRPr sz="1600" kern="1200">
-                <a:solidFill>
-                  <a:schemeClr val="tx1"/>
-                </a:solidFill>
-                <a:latin typeface="+mn-lt"/>
-                <a:ea typeface="+mn-ea"/>
-                <a:cs typeface="+mn-cs"/>
-              </a:defRPr>
-            </a:lvl4pPr>
-            <a:lvl5pPr marL="1828800" indent="0" algn="ctr" defTabSz="914400" rtl="0" eaLnBrk="1" latinLnBrk="0" hangingPunct="1">
-              <a:lnSpc>
-                <a:spcPct val="90000"/>
-              </a:lnSpc>
-              <a:spcBef>
-                <a:spcPts val="500"/>
-              </a:spcBef>
-              <a:buFont typeface="Arial" panose="020B0604020202020204" pitchFamily="34" charset="0"/>
-              <a:buNone/>
-              <a:defRPr sz="1600" kern="1200">
-                <a:solidFill>
-                  <a:schemeClr val="tx1"/>
-                </a:solidFill>
-                <a:latin typeface="+mn-lt"/>
-                <a:ea typeface="+mn-ea"/>
-                <a:cs typeface="+mn-cs"/>
-              </a:defRPr>
-            </a:lvl5pPr>
-            <a:lvl6pPr marL="2286000" indent="0" algn="ctr" defTabSz="914400" rtl="0" eaLnBrk="1" latinLnBrk="0" hangingPunct="1">
-              <a:lnSpc>
-                <a:spcPct val="90000"/>
-              </a:lnSpc>
-              <a:spcBef>
-                <a:spcPts val="500"/>
-              </a:spcBef>
-              <a:buFont typeface="Arial" panose="020B0604020202020204" pitchFamily="34" charset="0"/>
-              <a:buNone/>
-              <a:defRPr sz="1600" kern="1200">
-                <a:solidFill>
-                  <a:schemeClr val="tx1"/>
-                </a:solidFill>
-                <a:latin typeface="+mn-lt"/>
-                <a:ea typeface="+mn-ea"/>
-                <a:cs typeface="+mn-cs"/>
-              </a:defRPr>
-            </a:lvl6pPr>
-            <a:lvl7pPr marL="2743200" indent="0" algn="ctr" defTabSz="914400" rtl="0" eaLnBrk="1" latinLnBrk="0" hangingPunct="1">
-              <a:lnSpc>
-                <a:spcPct val="90000"/>
-              </a:lnSpc>
-              <a:spcBef>
-                <a:spcPts val="500"/>
-              </a:spcBef>
-              <a:buFont typeface="Arial" panose="020B0604020202020204" pitchFamily="34" charset="0"/>
-              <a:buNone/>
-              <a:defRPr sz="1600" kern="1200">
-                <a:solidFill>
-                  <a:schemeClr val="tx1"/>
-                </a:solidFill>
-                <a:latin typeface="+mn-lt"/>
-                <a:ea typeface="+mn-ea"/>
-                <a:cs typeface="+mn-cs"/>
-              </a:defRPr>
-            </a:lvl7pPr>
-            <a:lvl8pPr marL="3200400" indent="0" algn="ctr" defTabSz="914400" rtl="0" eaLnBrk="1" latinLnBrk="0" hangingPunct="1">
-              <a:lnSpc>
-                <a:spcPct val="90000"/>
-              </a:lnSpc>
-              <a:spcBef>
-                <a:spcPts val="500"/>
-              </a:spcBef>
-              <a:buFont typeface="Arial" panose="020B0604020202020204" pitchFamily="34" charset="0"/>
-              <a:buNone/>
-              <a:defRPr sz="1600" kern="1200">
-                <a:solidFill>
-                  <a:schemeClr val="tx1"/>
-                </a:solidFill>
-                <a:latin typeface="+mn-lt"/>
-                <a:ea typeface="+mn-ea"/>
-                <a:cs typeface="+mn-cs"/>
-              </a:defRPr>
-            </a:lvl8pPr>
-            <a:lvl9pPr marL="3657600" indent="0" algn="ctr" defTabSz="914400" rtl="0" eaLnBrk="1" latinLnBrk="0" hangingPunct="1">
-              <a:lnSpc>
-                <a:spcPct val="90000"/>
-              </a:lnSpc>
-              <a:spcBef>
-                <a:spcPts val="500"/>
-              </a:spcBef>
-              <a:buFont typeface="Arial" panose="020B0604020202020204" pitchFamily="34" charset="0"/>
-              <a:buNone/>
-              <a:defRPr sz="1600" kern="1200">
-                <a:solidFill>
-                  <a:schemeClr val="tx1"/>
-                </a:solidFill>
-                <a:latin typeface="+mn-lt"/>
-                <a:ea typeface="+mn-ea"/>
-                <a:cs typeface="+mn-cs"/>
-              </a:defRPr>
-            </a:lvl9pPr>
-          </a:lstStyle>
-          <a:p>
-            <a:pPr marL="285750" indent="-285750" algn="just">
-              <a:spcAft>
-                <a:spcPts val="1200"/>
-              </a:spcAft>
-              <a:buFont typeface="Wingdings" pitchFamily="2" charset="2"/>
-              <a:buChar char="Ø"/>
-            </a:pPr>
-            <a:r>
-              <a:rPr lang="en-US" sz="1800" dirty="0">
-                <a:latin typeface="Arial" panose="020B0604020202020204" pitchFamily="34" charset="0"/>
-              </a:rPr>
-              <a:t>Let’s say the agent position is (x, y) and, the number of colors is two. </a:t>
-            </a:r>
-          </a:p>
-          <a:p>
-            <a:pPr marL="285750" indent="-285750" algn="just">
-              <a:spcAft>
-                <a:spcPts val="1200"/>
-              </a:spcAft>
-              <a:buFont typeface="Wingdings" pitchFamily="2" charset="2"/>
-              <a:buChar char="Ø"/>
-            </a:pPr>
-            <a:r>
-              <a:rPr lang="en-US" sz="1800" dirty="0">
-                <a:latin typeface="Arial" panose="020B0604020202020204" pitchFamily="34" charset="0"/>
-              </a:rPr>
-              <a:t>Then the environment will check for at least 1 </a:t>
-            </a:r>
-            <a:r>
-              <a:rPr lang="en-US" sz="1800" dirty="0">
-                <a:solidFill>
-                  <a:srgbClr val="00B050"/>
-                </a:solidFill>
-                <a:latin typeface="Arial" panose="020B0604020202020204" pitchFamily="34" charset="0"/>
-              </a:rPr>
-              <a:t>outer color 0 </a:t>
-            </a:r>
-            <a:r>
-              <a:rPr lang="en-US" sz="1800" dirty="0">
-                <a:latin typeface="Arial" panose="020B0604020202020204" pitchFamily="34" charset="0"/>
-              </a:rPr>
-              <a:t>object within the distance of 3 </a:t>
-            </a:r>
-          </a:p>
-          <a:p>
-            <a:pPr marL="285750" indent="-285750" algn="just">
-              <a:spcAft>
-                <a:spcPts val="1200"/>
-              </a:spcAft>
-              <a:buFont typeface="Wingdings" pitchFamily="2" charset="2"/>
-              <a:buChar char="Ø"/>
-            </a:pPr>
-            <a:r>
-              <a:rPr lang="en-US" sz="1800" dirty="0">
-                <a:latin typeface="Arial" panose="020B0604020202020204" pitchFamily="34" charset="0"/>
-              </a:rPr>
-              <a:t>And the environment will check for at least 1 </a:t>
-            </a:r>
-            <a:r>
-              <a:rPr lang="en-US" sz="1800" dirty="0">
-                <a:solidFill>
-                  <a:srgbClr val="0070C0"/>
-                </a:solidFill>
-                <a:latin typeface="Arial" panose="020B0604020202020204" pitchFamily="34" charset="0"/>
-              </a:rPr>
-              <a:t>outer color 1 </a:t>
-            </a:r>
-            <a:r>
-              <a:rPr lang="en-US" sz="1800" dirty="0">
-                <a:latin typeface="Arial" panose="020B0604020202020204" pitchFamily="34" charset="0"/>
-              </a:rPr>
-              <a:t>object within the distance of 2</a:t>
-            </a:r>
-          </a:p>
-          <a:p>
-            <a:pPr marL="285750" indent="-285750" algn="just">
-              <a:spcAft>
-                <a:spcPts val="1200"/>
-              </a:spcAft>
-              <a:buFont typeface="Wingdings" pitchFamily="2" charset="2"/>
-              <a:buChar char="Ø"/>
-            </a:pPr>
-            <a:r>
-              <a:rPr lang="en-US" sz="1800" dirty="0">
-                <a:latin typeface="Arial" panose="020B0604020202020204" pitchFamily="34" charset="0"/>
-              </a:rPr>
-              <a:t>If there are objects of both colors, the reward is 1. If there are only objects of color 0, the reward is -1. Otherwise, the reward is 0.</a:t>
-            </a:r>
-          </a:p>
-          <a:p>
-            <a:pPr algn="just"/>
-            <a:endParaRPr lang="en-US" sz="1800" dirty="0">
-              <a:latin typeface="Arial" panose="020B0604020202020204" pitchFamily="34" charset="0"/>
-            </a:endParaRPr>
-          </a:p>
-          <a:p>
-            <a:pPr algn="just"/>
-            <a:endParaRPr lang="en-US" sz="1800" dirty="0">
-              <a:latin typeface="Arial" panose="020B0604020202020204" pitchFamily="34" charset="0"/>
-            </a:endParaRPr>
-          </a:p>
-          <a:p>
-            <a:pPr marL="285750" indent="-285750" algn="just">
-              <a:buFont typeface="Wingdings" pitchFamily="2" charset="2"/>
-              <a:buChar char="Ø"/>
-            </a:pPr>
-            <a:endParaRPr lang="en-US" sz="1800" dirty="0">
-              <a:latin typeface="Arial" panose="020B0604020202020204" pitchFamily="34" charset="0"/>
-            </a:endParaRPr>
-          </a:p>
-          <a:p>
-            <a:pPr algn="l"/>
-            <a:endParaRPr lang="en-US" sz="1800" dirty="0">
-              <a:latin typeface="Arial" panose="020B0604020202020204" pitchFamily="34" charset="0"/>
-            </a:endParaRPr>
-          </a:p>
-        </p:txBody>
-      </p:sp>
-      <p:sp>
-        <p:nvSpPr>
-          <p:cNvPr id="4" name="Subtitle 2">
-            <a:extLst>
-              <a:ext uri="{FF2B5EF4-FFF2-40B4-BE49-F238E27FC236}">
-                <a16:creationId xmlns:a16="http://schemas.microsoft.com/office/drawing/2014/main" id="{C4C533A9-56B3-B646-9F8F-30CDE3EEBD0F}"/>
-              </a:ext>
-            </a:extLst>
-          </p:cNvPr>
-          <p:cNvSpPr txBox="1">
-            <a:spLocks/>
-          </p:cNvSpPr>
-          <p:nvPr/>
-        </p:nvSpPr>
-        <p:spPr>
-          <a:xfrm>
-            <a:off x="854500" y="1133551"/>
-            <a:ext cx="10077450" cy="371789"/>
-          </a:xfrm>
-          <a:prstGeom prst="rect">
-            <a:avLst/>
-          </a:prstGeom>
-        </p:spPr>
-        <p:txBody>
-          <a:bodyPr vert="horz" lIns="91440" tIns="45720" rIns="91440" bIns="45720" rtlCol="0">
-            <a:normAutofit/>
-          </a:bodyPr>
-          <a:lstStyle>
-            <a:lvl1pPr marL="0" indent="0" algn="ctr" defTabSz="914400" rtl="0" eaLnBrk="1" latinLnBrk="0" hangingPunct="1">
-              <a:lnSpc>
-                <a:spcPct val="90000"/>
-              </a:lnSpc>
-              <a:spcBef>
-                <a:spcPts val="1000"/>
-              </a:spcBef>
-              <a:buFont typeface="Arial" panose="020B0604020202020204" pitchFamily="34" charset="0"/>
-              <a:buNone/>
-              <a:defRPr sz="2400" kern="1200">
-                <a:solidFill>
-                  <a:schemeClr val="tx1"/>
-                </a:solidFill>
-                <a:latin typeface="+mn-lt"/>
-                <a:ea typeface="+mn-ea"/>
-                <a:cs typeface="+mn-cs"/>
-              </a:defRPr>
-            </a:lvl1pPr>
-            <a:lvl2pPr marL="457200" indent="0" algn="ctr" defTabSz="914400" rtl="0" eaLnBrk="1" latinLnBrk="0" hangingPunct="1">
-              <a:lnSpc>
-                <a:spcPct val="90000"/>
-              </a:lnSpc>
-              <a:spcBef>
-                <a:spcPts val="500"/>
-              </a:spcBef>
-              <a:buFont typeface="Arial" panose="020B0604020202020204" pitchFamily="34" charset="0"/>
-              <a:buNone/>
-              <a:defRPr sz="2000" kern="1200">
-                <a:solidFill>
-                  <a:schemeClr val="tx1"/>
-                </a:solidFill>
-                <a:latin typeface="+mn-lt"/>
-                <a:ea typeface="+mn-ea"/>
-                <a:cs typeface="+mn-cs"/>
-              </a:defRPr>
-            </a:lvl2pPr>
-            <a:lvl3pPr marL="914400" indent="0" algn="ctr" defTabSz="914400" rtl="0" eaLnBrk="1" latinLnBrk="0" hangingPunct="1">
-              <a:lnSpc>
-                <a:spcPct val="90000"/>
-              </a:lnSpc>
-              <a:spcBef>
-                <a:spcPts val="500"/>
-              </a:spcBef>
-              <a:buFont typeface="Arial" panose="020B0604020202020204" pitchFamily="34" charset="0"/>
-              <a:buNone/>
-              <a:defRPr sz="1800" kern="1200">
-                <a:solidFill>
-                  <a:schemeClr val="tx1"/>
-                </a:solidFill>
-                <a:latin typeface="+mn-lt"/>
-                <a:ea typeface="+mn-ea"/>
-                <a:cs typeface="+mn-cs"/>
-              </a:defRPr>
-            </a:lvl3pPr>
-            <a:lvl4pPr marL="1371600" indent="0" algn="ctr" defTabSz="914400" rtl="0" eaLnBrk="1" latinLnBrk="0" hangingPunct="1">
-              <a:lnSpc>
-                <a:spcPct val="90000"/>
-              </a:lnSpc>
-              <a:spcBef>
-                <a:spcPts val="500"/>
-              </a:spcBef>
-              <a:buFont typeface="Arial" panose="020B0604020202020204" pitchFamily="34" charset="0"/>
-              <a:buNone/>
-              <a:defRPr sz="1600" kern="1200">
-                <a:solidFill>
-                  <a:schemeClr val="tx1"/>
-                </a:solidFill>
-                <a:latin typeface="+mn-lt"/>
-                <a:ea typeface="+mn-ea"/>
-                <a:cs typeface="+mn-cs"/>
-              </a:defRPr>
-            </a:lvl4pPr>
-            <a:lvl5pPr marL="1828800" indent="0" algn="ctr" defTabSz="914400" rtl="0" eaLnBrk="1" latinLnBrk="0" hangingPunct="1">
-              <a:lnSpc>
-                <a:spcPct val="90000"/>
-              </a:lnSpc>
-              <a:spcBef>
-                <a:spcPts val="500"/>
-              </a:spcBef>
-              <a:buFont typeface="Arial" panose="020B0604020202020204" pitchFamily="34" charset="0"/>
-              <a:buNone/>
-              <a:defRPr sz="1600" kern="1200">
-                <a:solidFill>
-                  <a:schemeClr val="tx1"/>
-                </a:solidFill>
-                <a:latin typeface="+mn-lt"/>
-                <a:ea typeface="+mn-ea"/>
-                <a:cs typeface="+mn-cs"/>
-              </a:defRPr>
-            </a:lvl5pPr>
-            <a:lvl6pPr marL="2286000" indent="0" algn="ctr" defTabSz="914400" rtl="0" eaLnBrk="1" latinLnBrk="0" hangingPunct="1">
-              <a:lnSpc>
-                <a:spcPct val="90000"/>
-              </a:lnSpc>
-              <a:spcBef>
-                <a:spcPts val="500"/>
-              </a:spcBef>
-              <a:buFont typeface="Arial" panose="020B0604020202020204" pitchFamily="34" charset="0"/>
-              <a:buNone/>
-              <a:defRPr sz="1600" kern="1200">
-                <a:solidFill>
-                  <a:schemeClr val="tx1"/>
-                </a:solidFill>
-                <a:latin typeface="+mn-lt"/>
-                <a:ea typeface="+mn-ea"/>
-                <a:cs typeface="+mn-cs"/>
-              </a:defRPr>
-            </a:lvl6pPr>
-            <a:lvl7pPr marL="2743200" indent="0" algn="ctr" defTabSz="914400" rtl="0" eaLnBrk="1" latinLnBrk="0" hangingPunct="1">
-              <a:lnSpc>
-                <a:spcPct val="90000"/>
-              </a:lnSpc>
-              <a:spcBef>
-                <a:spcPts val="500"/>
-              </a:spcBef>
-              <a:buFont typeface="Arial" panose="020B0604020202020204" pitchFamily="34" charset="0"/>
-              <a:buNone/>
-              <a:defRPr sz="1600" kern="1200">
-                <a:solidFill>
-                  <a:schemeClr val="tx1"/>
-                </a:solidFill>
-                <a:latin typeface="+mn-lt"/>
-                <a:ea typeface="+mn-ea"/>
-                <a:cs typeface="+mn-cs"/>
-              </a:defRPr>
-            </a:lvl7pPr>
-            <a:lvl8pPr marL="3200400" indent="0" algn="ctr" defTabSz="914400" rtl="0" eaLnBrk="1" latinLnBrk="0" hangingPunct="1">
-              <a:lnSpc>
-                <a:spcPct val="90000"/>
-              </a:lnSpc>
-              <a:spcBef>
-                <a:spcPts val="500"/>
-              </a:spcBef>
-              <a:buFont typeface="Arial" panose="020B0604020202020204" pitchFamily="34" charset="0"/>
-              <a:buNone/>
-              <a:defRPr sz="1600" kern="1200">
-                <a:solidFill>
-                  <a:schemeClr val="tx1"/>
-                </a:solidFill>
-                <a:latin typeface="+mn-lt"/>
-                <a:ea typeface="+mn-ea"/>
-                <a:cs typeface="+mn-cs"/>
-              </a:defRPr>
-            </a:lvl8pPr>
-            <a:lvl9pPr marL="3657600" indent="0" algn="ctr" defTabSz="914400" rtl="0" eaLnBrk="1" latinLnBrk="0" hangingPunct="1">
-              <a:lnSpc>
-                <a:spcPct val="90000"/>
-              </a:lnSpc>
-              <a:spcBef>
-                <a:spcPts val="500"/>
-              </a:spcBef>
-              <a:buFont typeface="Arial" panose="020B0604020202020204" pitchFamily="34" charset="0"/>
-              <a:buNone/>
-              <a:defRPr sz="1600" kern="1200">
-                <a:solidFill>
-                  <a:schemeClr val="tx1"/>
-                </a:solidFill>
-                <a:latin typeface="+mn-lt"/>
-                <a:ea typeface="+mn-ea"/>
-                <a:cs typeface="+mn-cs"/>
-              </a:defRPr>
-            </a:lvl9pPr>
-          </a:lstStyle>
-          <a:p>
-            <a:pPr algn="l"/>
-            <a:r>
-              <a:rPr lang="en-US" sz="2000" b="1" dirty="0">
-                <a:effectLst/>
-                <a:latin typeface="Arial" panose="020B0604020202020204" pitchFamily="34" charset="0"/>
-                <a:cs typeface="Arial" panose="020B0604020202020204" pitchFamily="34" charset="0"/>
-              </a:rPr>
-              <a:t>4.1 The Objectworld environment</a:t>
-            </a:r>
-          </a:p>
-          <a:p>
-            <a:pPr algn="l"/>
-            <a:endParaRPr lang="en-US" sz="2000" b="1" dirty="0">
-              <a:effectLst/>
-              <a:latin typeface="Arial" panose="020B0604020202020204" pitchFamily="34" charset="0"/>
-              <a:cs typeface="Arial" panose="020B0604020202020204" pitchFamily="34" charset="0"/>
-            </a:endParaRPr>
-          </a:p>
-          <a:p>
-            <a:pPr algn="l"/>
-            <a:endParaRPr lang="en-US" sz="1800" b="0" i="0" dirty="0">
-              <a:effectLst/>
-              <a:latin typeface="Arial" panose="020B0604020202020204" pitchFamily="34" charset="0"/>
-              <a:cs typeface="Arial" panose="020B0604020202020204" pitchFamily="34" charset="0"/>
-            </a:endParaRPr>
-          </a:p>
-          <a:p>
-            <a:pPr algn="l"/>
-            <a:endParaRPr lang="en-US" sz="1800" dirty="0">
-              <a:latin typeface="Arial" panose="020B0604020202020204" pitchFamily="34" charset="0"/>
-              <a:cs typeface="Arial" panose="020B0604020202020204" pitchFamily="34" charset="0"/>
-            </a:endParaRPr>
-          </a:p>
-        </p:txBody>
-      </p:sp>
-      <p:sp>
-        <p:nvSpPr>
-          <p:cNvPr id="10" name="TextBox 9">
-            <a:extLst>
-              <a:ext uri="{FF2B5EF4-FFF2-40B4-BE49-F238E27FC236}">
-                <a16:creationId xmlns:a16="http://schemas.microsoft.com/office/drawing/2014/main" id="{BC12FA80-A547-F74F-AB53-116DD5869477}"/>
-              </a:ext>
-            </a:extLst>
-          </p:cNvPr>
-          <p:cNvSpPr txBox="1"/>
-          <p:nvPr/>
-        </p:nvSpPr>
-        <p:spPr>
-          <a:xfrm>
-            <a:off x="4399266" y="5944532"/>
-            <a:ext cx="3393467" cy="276999"/>
-          </a:xfrm>
-          <a:prstGeom prst="rect">
-            <a:avLst/>
-          </a:prstGeom>
-          <a:noFill/>
-        </p:spPr>
-        <p:txBody>
-          <a:bodyPr wrap="square">
-            <a:spAutoFit/>
-          </a:bodyPr>
-          <a:lstStyle/>
-          <a:p>
-            <a:pPr algn="ctr"/>
-            <a:r>
-              <a:rPr lang="en-US" sz="1200" dirty="0">
-                <a:latin typeface="Arial" panose="020B0604020202020204" pitchFamily="34" charset="0"/>
-                <a:cs typeface="Arial" panose="020B0604020202020204" pitchFamily="34" charset="0"/>
-              </a:rPr>
-              <a:t>Figure 4: Reward heatmap of the environment</a:t>
-            </a:r>
-          </a:p>
-        </p:txBody>
-      </p:sp>
-      <p:sp>
-        <p:nvSpPr>
-          <p:cNvPr id="11" name="TextBox 10">
-            <a:extLst>
-              <a:ext uri="{FF2B5EF4-FFF2-40B4-BE49-F238E27FC236}">
-                <a16:creationId xmlns:a16="http://schemas.microsoft.com/office/drawing/2014/main" id="{4FE256AB-4DF0-FB4A-BD68-62623A4B1B8D}"/>
-              </a:ext>
-            </a:extLst>
-          </p:cNvPr>
-          <p:cNvSpPr txBox="1"/>
-          <p:nvPr/>
-        </p:nvSpPr>
-        <p:spPr>
-          <a:xfrm>
-            <a:off x="6815965" y="4670751"/>
-            <a:ext cx="897587" cy="661740"/>
-          </a:xfrm>
-          <a:prstGeom prst="rect">
-            <a:avLst/>
-          </a:prstGeom>
-          <a:noFill/>
-        </p:spPr>
-        <p:txBody>
-          <a:bodyPr wrap="square">
-            <a:spAutoFit/>
-          </a:bodyPr>
-          <a:lstStyle/>
-          <a:p>
-            <a:r>
-              <a:rPr lang="en-US" sz="1200" dirty="0">
-                <a:solidFill>
-                  <a:srgbClr val="FFFF00"/>
-                </a:solidFill>
-                <a:latin typeface="Arial" panose="020B0604020202020204" pitchFamily="34" charset="0"/>
-                <a:cs typeface="Arial" panose="020B0604020202020204" pitchFamily="34" charset="0"/>
-              </a:rPr>
-              <a:t>Yellow</a:t>
-            </a:r>
-            <a:r>
-              <a:rPr lang="en-US" sz="1200" dirty="0">
-                <a:latin typeface="Arial" panose="020B0604020202020204" pitchFamily="34" charset="0"/>
-                <a:cs typeface="Arial" panose="020B0604020202020204" pitchFamily="34" charset="0"/>
-              </a:rPr>
-              <a:t>: +1</a:t>
-            </a:r>
-          </a:p>
-          <a:p>
-            <a:r>
-              <a:rPr lang="en-US" sz="1200" dirty="0">
-                <a:solidFill>
-                  <a:srgbClr val="00BB8E"/>
-                </a:solidFill>
-                <a:latin typeface="Arial" panose="020B0604020202020204" pitchFamily="34" charset="0"/>
-                <a:cs typeface="Arial" panose="020B0604020202020204" pitchFamily="34" charset="0"/>
-              </a:rPr>
-              <a:t>Green</a:t>
-            </a:r>
-            <a:r>
-              <a:rPr lang="en-US" sz="1200" dirty="0">
-                <a:latin typeface="Arial" panose="020B0604020202020204" pitchFamily="34" charset="0"/>
-                <a:cs typeface="Arial" panose="020B0604020202020204" pitchFamily="34" charset="0"/>
-              </a:rPr>
-              <a:t>: 0</a:t>
-            </a:r>
-          </a:p>
-          <a:p>
-            <a:r>
-              <a:rPr lang="en-US" sz="1200" dirty="0">
-                <a:solidFill>
-                  <a:srgbClr val="7030A0"/>
-                </a:solidFill>
-                <a:latin typeface="Arial" panose="020B0604020202020204" pitchFamily="34" charset="0"/>
-                <a:cs typeface="Arial" panose="020B0604020202020204" pitchFamily="34" charset="0"/>
-              </a:rPr>
-              <a:t>Violet</a:t>
-            </a:r>
-            <a:r>
-              <a:rPr lang="en-US" sz="1200" dirty="0">
-                <a:latin typeface="Arial" panose="020B0604020202020204" pitchFamily="34" charset="0"/>
-                <a:cs typeface="Arial" panose="020B0604020202020204" pitchFamily="34" charset="0"/>
-              </a:rPr>
-              <a:t>: -1</a:t>
-            </a:r>
-          </a:p>
-        </p:txBody>
-      </p:sp>
-      <p:sp>
-        <p:nvSpPr>
-          <p:cNvPr id="7" name="Slide Number Placeholder 6">
-            <a:extLst>
-              <a:ext uri="{FF2B5EF4-FFF2-40B4-BE49-F238E27FC236}">
-                <a16:creationId xmlns:a16="http://schemas.microsoft.com/office/drawing/2014/main" id="{DCEBCB51-E54B-B24F-877A-DBC3641771F8}"/>
-              </a:ext>
-            </a:extLst>
-          </p:cNvPr>
-          <p:cNvSpPr>
-            <a:spLocks noGrp="1"/>
-          </p:cNvSpPr>
-          <p:nvPr>
-            <p:ph type="sldNum" sz="quarter" idx="12"/>
-          </p:nvPr>
-        </p:nvSpPr>
-        <p:spPr/>
-        <p:txBody>
-          <a:bodyPr/>
-          <a:lstStyle/>
-          <a:p>
-            <a:fld id="{837B6784-DA4F-4E23-8F4C-41806829DD81}" type="slidenum">
-              <a:rPr lang="en-US" smtClean="0">
-                <a:solidFill>
-                  <a:schemeClr val="bg1"/>
-                </a:solidFill>
-              </a:rPr>
-              <a:t>14</a:t>
-            </a:fld>
-            <a:endParaRPr lang="en-US" dirty="0">
-              <a:solidFill>
-                <a:schemeClr val="bg1"/>
-              </a:solidFill>
-            </a:endParaRPr>
-          </a:p>
-        </p:txBody>
-      </p:sp>
-      <p:pic>
-        <p:nvPicPr>
-          <p:cNvPr id="5" name="Picture 4">
-            <a:extLst>
-              <a:ext uri="{FF2B5EF4-FFF2-40B4-BE49-F238E27FC236}">
-                <a16:creationId xmlns:a16="http://schemas.microsoft.com/office/drawing/2014/main" id="{41BB532D-CD02-CC4D-AFF2-4B34C3EFDB9C}"/>
-              </a:ext>
-            </a:extLst>
-          </p:cNvPr>
-          <p:cNvPicPr>
-            <a:picLocks noChangeAspect="1"/>
-          </p:cNvPicPr>
-          <p:nvPr/>
-        </p:nvPicPr>
-        <p:blipFill rotWithShape="1">
-          <a:blip r:embed="rId2">
-            <a:extLst>
-              <a:ext uri="{28A0092B-C50C-407E-A947-70E740481C1C}">
-                <a14:useLocalDpi xmlns:a14="http://schemas.microsoft.com/office/drawing/2010/main" val="0"/>
-              </a:ext>
-            </a:extLst>
-          </a:blip>
-          <a:srcRect l="12537" t="35304" r="64597" b="34817"/>
-          <a:stretch/>
-        </p:blipFill>
-        <p:spPr>
-          <a:xfrm>
-            <a:off x="4651513" y="4050718"/>
-            <a:ext cx="1940119" cy="1901358"/>
-          </a:xfrm>
-          <a:prstGeom prst="rect">
-            <a:avLst/>
-          </a:prstGeom>
-        </p:spPr>
-      </p:pic>
-    </p:spTree>
-    <p:extLst>
-      <p:ext uri="{BB962C8B-B14F-4D97-AF65-F5344CB8AC3E}">
-        <p14:creationId xmlns:p14="http://schemas.microsoft.com/office/powerpoint/2010/main" val="584509643"/>
-      </p:ext>
-    </p:extLst>
-  </p:cSld>
-  <p:clrMapOvr>
-    <a:masterClrMapping/>
-  </p:clrMapOvr>
-</p:sld>
-</file>
-
-<file path=ppt/slides/slide15.xml><?xml version="1.0" encoding="utf-8"?>
-<p:sld xmlns:a="http://schemas.openxmlformats.org/drawingml/2006/main" xmlns:r="http://schemas.openxmlformats.org/officeDocument/2006/relationships" xmlns:p="http://schemas.openxmlformats.org/presentationml/2006/main">
-  <p:cSld>
-    <p:spTree>
-      <p:nvGrpSpPr>
-        <p:cNvPr id="1" name=""/>
-        <p:cNvGrpSpPr/>
-        <p:nvPr/>
-      </p:nvGrpSpPr>
-      <p:grpSpPr>
-        <a:xfrm>
-          <a:off x="0" y="0"/>
-          <a:ext cx="0" cy="0"/>
-          <a:chOff x="0" y="0"/>
-          <a:chExt cx="0" cy="0"/>
-        </a:xfrm>
-      </p:grpSpPr>
-      <p:sp>
-        <p:nvSpPr>
-          <p:cNvPr id="3" name="Subtitle 2">
-            <a:extLst>
-              <a:ext uri="{FF2B5EF4-FFF2-40B4-BE49-F238E27FC236}">
-                <a16:creationId xmlns:a16="http://schemas.microsoft.com/office/drawing/2014/main" id="{038BE419-BB5F-A1E1-552E-536A04575F45}"/>
-              </a:ext>
-            </a:extLst>
-          </p:cNvPr>
-          <p:cNvSpPr>
-            <a:spLocks noGrp="1"/>
-          </p:cNvSpPr>
-          <p:nvPr>
-            <p:ph type="subTitle" idx="1"/>
-          </p:nvPr>
-        </p:nvSpPr>
-        <p:spPr>
-          <a:xfrm>
-            <a:off x="450850" y="566738"/>
-            <a:ext cx="11087100" cy="493712"/>
-          </a:xfrm>
-        </p:spPr>
-        <p:txBody>
-          <a:bodyPr>
-            <a:normAutofit lnSpcReduction="10000"/>
-          </a:bodyPr>
-          <a:lstStyle/>
-          <a:p>
-            <a:pPr algn="l"/>
-            <a:r>
-              <a:rPr lang="en-US" sz="2800" dirty="0"/>
-              <a:t>4. The Experiment</a:t>
-            </a:r>
-          </a:p>
-          <a:p>
-            <a:pPr algn="l"/>
-            <a:endParaRPr lang="en-US" sz="2800" dirty="0"/>
-          </a:p>
-        </p:txBody>
-      </p:sp>
-      <p:sp>
-        <p:nvSpPr>
-          <p:cNvPr id="12" name="Subtitle 2">
-            <a:extLst>
-              <a:ext uri="{FF2B5EF4-FFF2-40B4-BE49-F238E27FC236}">
-                <a16:creationId xmlns:a16="http://schemas.microsoft.com/office/drawing/2014/main" id="{AF6B266F-1219-CD47-A248-483FB1190CBA}"/>
-              </a:ext>
-            </a:extLst>
-          </p:cNvPr>
-          <p:cNvSpPr txBox="1">
-            <a:spLocks/>
-          </p:cNvSpPr>
-          <p:nvPr/>
-        </p:nvSpPr>
-        <p:spPr>
-          <a:xfrm>
-            <a:off x="1057275" y="1836846"/>
-            <a:ext cx="10077450" cy="1592154"/>
-          </a:xfrm>
-          <a:prstGeom prst="rect">
-            <a:avLst/>
-          </a:prstGeom>
-        </p:spPr>
-        <p:txBody>
-          <a:bodyPr vert="horz" lIns="91440" tIns="45720" rIns="91440" bIns="45720" rtlCol="0">
-            <a:normAutofit/>
-          </a:bodyPr>
-          <a:lstStyle>
-            <a:lvl1pPr marL="0" indent="0" algn="ctr" defTabSz="914400" rtl="0" eaLnBrk="1" latinLnBrk="0" hangingPunct="1">
-              <a:lnSpc>
-                <a:spcPct val="90000"/>
-              </a:lnSpc>
-              <a:spcBef>
-                <a:spcPts val="1000"/>
-              </a:spcBef>
-              <a:buFont typeface="Arial" panose="020B0604020202020204" pitchFamily="34" charset="0"/>
-              <a:buNone/>
-              <a:defRPr sz="2400" kern="1200">
-                <a:solidFill>
-                  <a:schemeClr val="tx1"/>
-                </a:solidFill>
-                <a:latin typeface="+mn-lt"/>
-                <a:ea typeface="+mn-ea"/>
-                <a:cs typeface="+mn-cs"/>
-              </a:defRPr>
-            </a:lvl1pPr>
-            <a:lvl2pPr marL="457200" indent="0" algn="ctr" defTabSz="914400" rtl="0" eaLnBrk="1" latinLnBrk="0" hangingPunct="1">
-              <a:lnSpc>
-                <a:spcPct val="90000"/>
-              </a:lnSpc>
-              <a:spcBef>
-                <a:spcPts val="500"/>
-              </a:spcBef>
-              <a:buFont typeface="Arial" panose="020B0604020202020204" pitchFamily="34" charset="0"/>
-              <a:buNone/>
-              <a:defRPr sz="2000" kern="1200">
-                <a:solidFill>
-                  <a:schemeClr val="tx1"/>
-                </a:solidFill>
-                <a:latin typeface="+mn-lt"/>
-                <a:ea typeface="+mn-ea"/>
-                <a:cs typeface="+mn-cs"/>
-              </a:defRPr>
-            </a:lvl2pPr>
-            <a:lvl3pPr marL="914400" indent="0" algn="ctr" defTabSz="914400" rtl="0" eaLnBrk="1" latinLnBrk="0" hangingPunct="1">
-              <a:lnSpc>
-                <a:spcPct val="90000"/>
-              </a:lnSpc>
-              <a:spcBef>
-                <a:spcPts val="500"/>
-              </a:spcBef>
-              <a:buFont typeface="Arial" panose="020B0604020202020204" pitchFamily="34" charset="0"/>
-              <a:buNone/>
-              <a:defRPr sz="1800" kern="1200">
-                <a:solidFill>
-                  <a:schemeClr val="tx1"/>
-                </a:solidFill>
-                <a:latin typeface="+mn-lt"/>
-                <a:ea typeface="+mn-ea"/>
-                <a:cs typeface="+mn-cs"/>
-              </a:defRPr>
-            </a:lvl3pPr>
-            <a:lvl4pPr marL="1371600" indent="0" algn="ctr" defTabSz="914400" rtl="0" eaLnBrk="1" latinLnBrk="0" hangingPunct="1">
-              <a:lnSpc>
-                <a:spcPct val="90000"/>
-              </a:lnSpc>
-              <a:spcBef>
-                <a:spcPts val="500"/>
-              </a:spcBef>
-              <a:buFont typeface="Arial" panose="020B0604020202020204" pitchFamily="34" charset="0"/>
-              <a:buNone/>
-              <a:defRPr sz="1600" kern="1200">
-                <a:solidFill>
-                  <a:schemeClr val="tx1"/>
-                </a:solidFill>
-                <a:latin typeface="+mn-lt"/>
-                <a:ea typeface="+mn-ea"/>
-                <a:cs typeface="+mn-cs"/>
-              </a:defRPr>
-            </a:lvl4pPr>
-            <a:lvl5pPr marL="1828800" indent="0" algn="ctr" defTabSz="914400" rtl="0" eaLnBrk="1" latinLnBrk="0" hangingPunct="1">
-              <a:lnSpc>
-                <a:spcPct val="90000"/>
-              </a:lnSpc>
-              <a:spcBef>
-                <a:spcPts val="500"/>
-              </a:spcBef>
-              <a:buFont typeface="Arial" panose="020B0604020202020204" pitchFamily="34" charset="0"/>
-              <a:buNone/>
-              <a:defRPr sz="1600" kern="1200">
-                <a:solidFill>
-                  <a:schemeClr val="tx1"/>
-                </a:solidFill>
-                <a:latin typeface="+mn-lt"/>
-                <a:ea typeface="+mn-ea"/>
-                <a:cs typeface="+mn-cs"/>
-              </a:defRPr>
-            </a:lvl5pPr>
-            <a:lvl6pPr marL="2286000" indent="0" algn="ctr" defTabSz="914400" rtl="0" eaLnBrk="1" latinLnBrk="0" hangingPunct="1">
-              <a:lnSpc>
-                <a:spcPct val="90000"/>
-              </a:lnSpc>
-              <a:spcBef>
-                <a:spcPts val="500"/>
-              </a:spcBef>
-              <a:buFont typeface="Arial" panose="020B0604020202020204" pitchFamily="34" charset="0"/>
-              <a:buNone/>
-              <a:defRPr sz="1600" kern="1200">
-                <a:solidFill>
-                  <a:schemeClr val="tx1"/>
-                </a:solidFill>
-                <a:latin typeface="+mn-lt"/>
-                <a:ea typeface="+mn-ea"/>
-                <a:cs typeface="+mn-cs"/>
-              </a:defRPr>
-            </a:lvl6pPr>
-            <a:lvl7pPr marL="2743200" indent="0" algn="ctr" defTabSz="914400" rtl="0" eaLnBrk="1" latinLnBrk="0" hangingPunct="1">
-              <a:lnSpc>
-                <a:spcPct val="90000"/>
-              </a:lnSpc>
-              <a:spcBef>
-                <a:spcPts val="500"/>
-              </a:spcBef>
-              <a:buFont typeface="Arial" panose="020B0604020202020204" pitchFamily="34" charset="0"/>
-              <a:buNone/>
-              <a:defRPr sz="1600" kern="1200">
-                <a:solidFill>
-                  <a:schemeClr val="tx1"/>
-                </a:solidFill>
-                <a:latin typeface="+mn-lt"/>
-                <a:ea typeface="+mn-ea"/>
-                <a:cs typeface="+mn-cs"/>
-              </a:defRPr>
-            </a:lvl7pPr>
-            <a:lvl8pPr marL="3200400" indent="0" algn="ctr" defTabSz="914400" rtl="0" eaLnBrk="1" latinLnBrk="0" hangingPunct="1">
-              <a:lnSpc>
-                <a:spcPct val="90000"/>
-              </a:lnSpc>
-              <a:spcBef>
-                <a:spcPts val="500"/>
-              </a:spcBef>
-              <a:buFont typeface="Arial" panose="020B0604020202020204" pitchFamily="34" charset="0"/>
-              <a:buNone/>
-              <a:defRPr sz="1600" kern="1200">
-                <a:solidFill>
-                  <a:schemeClr val="tx1"/>
-                </a:solidFill>
-                <a:latin typeface="+mn-lt"/>
-                <a:ea typeface="+mn-ea"/>
-                <a:cs typeface="+mn-cs"/>
-              </a:defRPr>
-            </a:lvl8pPr>
-            <a:lvl9pPr marL="3657600" indent="0" algn="ctr" defTabSz="914400" rtl="0" eaLnBrk="1" latinLnBrk="0" hangingPunct="1">
-              <a:lnSpc>
-                <a:spcPct val="90000"/>
-              </a:lnSpc>
-              <a:spcBef>
-                <a:spcPts val="500"/>
-              </a:spcBef>
-              <a:buFont typeface="Arial" panose="020B0604020202020204" pitchFamily="34" charset="0"/>
-              <a:buNone/>
-              <a:defRPr sz="1600" kern="1200">
-                <a:solidFill>
-                  <a:schemeClr val="tx1"/>
-                </a:solidFill>
-                <a:latin typeface="+mn-lt"/>
-                <a:ea typeface="+mn-ea"/>
-                <a:cs typeface="+mn-cs"/>
-              </a:defRPr>
-            </a:lvl9pPr>
-          </a:lstStyle>
-          <a:p>
-            <a:pPr marL="285750" indent="-285750" algn="just">
-              <a:buFont typeface="Wingdings" pitchFamily="2" charset="2"/>
-              <a:buChar char="Ø"/>
-            </a:pPr>
-            <a:r>
-              <a:rPr lang="en-US" sz="1800" dirty="0">
-                <a:latin typeface="Arial" panose="020B0604020202020204" pitchFamily="34" charset="0"/>
-              </a:rPr>
-              <a:t>The expert policy is already implemented using Q-learning in the object world environment.</a:t>
-            </a:r>
-          </a:p>
-          <a:p>
-            <a:pPr marL="285750" indent="-285750" algn="just">
-              <a:buFont typeface="Wingdings" pitchFamily="2" charset="2"/>
-              <a:buChar char="Ø"/>
-            </a:pPr>
-            <a:r>
-              <a:rPr lang="en-US" sz="1800" dirty="0">
-                <a:latin typeface="Arial" panose="020B0604020202020204" pitchFamily="34" charset="0"/>
-              </a:rPr>
-              <a:t>That policy has been used to generate demonstrations.</a:t>
-            </a:r>
-          </a:p>
-          <a:p>
-            <a:pPr marL="285750" indent="-285750" algn="just">
-              <a:buFont typeface="Wingdings" pitchFamily="2" charset="2"/>
-              <a:buChar char="Ø"/>
-            </a:pPr>
-            <a:r>
-              <a:rPr lang="en-US" sz="1800" dirty="0">
-                <a:latin typeface="Arial" panose="020B0604020202020204" pitchFamily="34" charset="0"/>
-              </a:rPr>
-              <a:t>Generated demonstrations have been used to train IAVI and tabular inverse Q-learning, which is an extended version of IAVI </a:t>
-            </a:r>
-          </a:p>
-          <a:p>
-            <a:pPr marL="285750" indent="-285750" algn="just">
-              <a:buFont typeface="Wingdings" pitchFamily="2" charset="2"/>
-              <a:buChar char="Ø"/>
-            </a:pPr>
-            <a:endParaRPr lang="en-US" sz="1800" dirty="0">
-              <a:latin typeface="Arial" panose="020B0604020202020204" pitchFamily="34" charset="0"/>
-            </a:endParaRPr>
-          </a:p>
-          <a:p>
-            <a:pPr algn="l"/>
-            <a:endParaRPr lang="en-US" sz="1800" dirty="0">
-              <a:latin typeface="Arial" panose="020B0604020202020204" pitchFamily="34" charset="0"/>
-            </a:endParaRPr>
-          </a:p>
-        </p:txBody>
-      </p:sp>
-      <p:sp>
-        <p:nvSpPr>
-          <p:cNvPr id="4" name="Subtitle 2">
-            <a:extLst>
-              <a:ext uri="{FF2B5EF4-FFF2-40B4-BE49-F238E27FC236}">
-                <a16:creationId xmlns:a16="http://schemas.microsoft.com/office/drawing/2014/main" id="{C4C533A9-56B3-B646-9F8F-30CDE3EEBD0F}"/>
-              </a:ext>
-            </a:extLst>
-          </p:cNvPr>
-          <p:cNvSpPr txBox="1">
-            <a:spLocks/>
-          </p:cNvSpPr>
-          <p:nvPr/>
-        </p:nvSpPr>
-        <p:spPr>
-          <a:xfrm>
-            <a:off x="854500" y="1133551"/>
-            <a:ext cx="10077450" cy="371789"/>
-          </a:xfrm>
-          <a:prstGeom prst="rect">
-            <a:avLst/>
-          </a:prstGeom>
-        </p:spPr>
-        <p:txBody>
-          <a:bodyPr vert="horz" lIns="91440" tIns="45720" rIns="91440" bIns="45720" rtlCol="0">
-            <a:normAutofit/>
-          </a:bodyPr>
-          <a:lstStyle>
-            <a:lvl1pPr marL="0" indent="0" algn="ctr" defTabSz="914400" rtl="0" eaLnBrk="1" latinLnBrk="0" hangingPunct="1">
-              <a:lnSpc>
-                <a:spcPct val="90000"/>
-              </a:lnSpc>
-              <a:spcBef>
-                <a:spcPts val="1000"/>
-              </a:spcBef>
-              <a:buFont typeface="Arial" panose="020B0604020202020204" pitchFamily="34" charset="0"/>
-              <a:buNone/>
-              <a:defRPr sz="2400" kern="1200">
-                <a:solidFill>
-                  <a:schemeClr val="tx1"/>
-                </a:solidFill>
-                <a:latin typeface="+mn-lt"/>
-                <a:ea typeface="+mn-ea"/>
-                <a:cs typeface="+mn-cs"/>
-              </a:defRPr>
-            </a:lvl1pPr>
-            <a:lvl2pPr marL="457200" indent="0" algn="ctr" defTabSz="914400" rtl="0" eaLnBrk="1" latinLnBrk="0" hangingPunct="1">
-              <a:lnSpc>
-                <a:spcPct val="90000"/>
-              </a:lnSpc>
-              <a:spcBef>
-                <a:spcPts val="500"/>
-              </a:spcBef>
-              <a:buFont typeface="Arial" panose="020B0604020202020204" pitchFamily="34" charset="0"/>
-              <a:buNone/>
-              <a:defRPr sz="2000" kern="1200">
-                <a:solidFill>
-                  <a:schemeClr val="tx1"/>
-                </a:solidFill>
-                <a:latin typeface="+mn-lt"/>
-                <a:ea typeface="+mn-ea"/>
-                <a:cs typeface="+mn-cs"/>
-              </a:defRPr>
-            </a:lvl2pPr>
-            <a:lvl3pPr marL="914400" indent="0" algn="ctr" defTabSz="914400" rtl="0" eaLnBrk="1" latinLnBrk="0" hangingPunct="1">
-              <a:lnSpc>
-                <a:spcPct val="90000"/>
-              </a:lnSpc>
-              <a:spcBef>
-                <a:spcPts val="500"/>
-              </a:spcBef>
-              <a:buFont typeface="Arial" panose="020B0604020202020204" pitchFamily="34" charset="0"/>
-              <a:buNone/>
-              <a:defRPr sz="1800" kern="1200">
-                <a:solidFill>
-                  <a:schemeClr val="tx1"/>
-                </a:solidFill>
-                <a:latin typeface="+mn-lt"/>
-                <a:ea typeface="+mn-ea"/>
-                <a:cs typeface="+mn-cs"/>
-              </a:defRPr>
-            </a:lvl3pPr>
-            <a:lvl4pPr marL="1371600" indent="0" algn="ctr" defTabSz="914400" rtl="0" eaLnBrk="1" latinLnBrk="0" hangingPunct="1">
-              <a:lnSpc>
-                <a:spcPct val="90000"/>
-              </a:lnSpc>
-              <a:spcBef>
-                <a:spcPts val="500"/>
-              </a:spcBef>
-              <a:buFont typeface="Arial" panose="020B0604020202020204" pitchFamily="34" charset="0"/>
-              <a:buNone/>
-              <a:defRPr sz="1600" kern="1200">
-                <a:solidFill>
-                  <a:schemeClr val="tx1"/>
-                </a:solidFill>
-                <a:latin typeface="+mn-lt"/>
-                <a:ea typeface="+mn-ea"/>
-                <a:cs typeface="+mn-cs"/>
-              </a:defRPr>
-            </a:lvl4pPr>
-            <a:lvl5pPr marL="1828800" indent="0" algn="ctr" defTabSz="914400" rtl="0" eaLnBrk="1" latinLnBrk="0" hangingPunct="1">
-              <a:lnSpc>
-                <a:spcPct val="90000"/>
-              </a:lnSpc>
-              <a:spcBef>
-                <a:spcPts val="500"/>
-              </a:spcBef>
-              <a:buFont typeface="Arial" panose="020B0604020202020204" pitchFamily="34" charset="0"/>
-              <a:buNone/>
-              <a:defRPr sz="1600" kern="1200">
-                <a:solidFill>
-                  <a:schemeClr val="tx1"/>
-                </a:solidFill>
-                <a:latin typeface="+mn-lt"/>
-                <a:ea typeface="+mn-ea"/>
-                <a:cs typeface="+mn-cs"/>
-              </a:defRPr>
-            </a:lvl5pPr>
-            <a:lvl6pPr marL="2286000" indent="0" algn="ctr" defTabSz="914400" rtl="0" eaLnBrk="1" latinLnBrk="0" hangingPunct="1">
-              <a:lnSpc>
-                <a:spcPct val="90000"/>
-              </a:lnSpc>
-              <a:spcBef>
-                <a:spcPts val="500"/>
-              </a:spcBef>
-              <a:buFont typeface="Arial" panose="020B0604020202020204" pitchFamily="34" charset="0"/>
-              <a:buNone/>
-              <a:defRPr sz="1600" kern="1200">
-                <a:solidFill>
-                  <a:schemeClr val="tx1"/>
-                </a:solidFill>
-                <a:latin typeface="+mn-lt"/>
-                <a:ea typeface="+mn-ea"/>
-                <a:cs typeface="+mn-cs"/>
-              </a:defRPr>
-            </a:lvl6pPr>
-            <a:lvl7pPr marL="2743200" indent="0" algn="ctr" defTabSz="914400" rtl="0" eaLnBrk="1" latinLnBrk="0" hangingPunct="1">
-              <a:lnSpc>
-                <a:spcPct val="90000"/>
-              </a:lnSpc>
-              <a:spcBef>
-                <a:spcPts val="500"/>
-              </a:spcBef>
-              <a:buFont typeface="Arial" panose="020B0604020202020204" pitchFamily="34" charset="0"/>
-              <a:buNone/>
-              <a:defRPr sz="1600" kern="1200">
-                <a:solidFill>
-                  <a:schemeClr val="tx1"/>
-                </a:solidFill>
-                <a:latin typeface="+mn-lt"/>
-                <a:ea typeface="+mn-ea"/>
-                <a:cs typeface="+mn-cs"/>
-              </a:defRPr>
-            </a:lvl7pPr>
-            <a:lvl8pPr marL="3200400" indent="0" algn="ctr" defTabSz="914400" rtl="0" eaLnBrk="1" latinLnBrk="0" hangingPunct="1">
-              <a:lnSpc>
-                <a:spcPct val="90000"/>
-              </a:lnSpc>
-              <a:spcBef>
-                <a:spcPts val="500"/>
-              </a:spcBef>
-              <a:buFont typeface="Arial" panose="020B0604020202020204" pitchFamily="34" charset="0"/>
-              <a:buNone/>
-              <a:defRPr sz="1600" kern="1200">
-                <a:solidFill>
-                  <a:schemeClr val="tx1"/>
-                </a:solidFill>
-                <a:latin typeface="+mn-lt"/>
-                <a:ea typeface="+mn-ea"/>
-                <a:cs typeface="+mn-cs"/>
-              </a:defRPr>
-            </a:lvl8pPr>
-            <a:lvl9pPr marL="3657600" indent="0" algn="ctr" defTabSz="914400" rtl="0" eaLnBrk="1" latinLnBrk="0" hangingPunct="1">
-              <a:lnSpc>
-                <a:spcPct val="90000"/>
-              </a:lnSpc>
-              <a:spcBef>
-                <a:spcPts val="500"/>
-              </a:spcBef>
-              <a:buFont typeface="Arial" panose="020B0604020202020204" pitchFamily="34" charset="0"/>
-              <a:buNone/>
-              <a:defRPr sz="1600" kern="1200">
-                <a:solidFill>
-                  <a:schemeClr val="tx1"/>
-                </a:solidFill>
-                <a:latin typeface="+mn-lt"/>
-                <a:ea typeface="+mn-ea"/>
-                <a:cs typeface="+mn-cs"/>
-              </a:defRPr>
-            </a:lvl9pPr>
-          </a:lstStyle>
-          <a:p>
-            <a:pPr algn="l"/>
-            <a:r>
-              <a:rPr lang="en-US" sz="2000" b="1" dirty="0">
-                <a:effectLst/>
-                <a:latin typeface="Arial" panose="020B0604020202020204" pitchFamily="34" charset="0"/>
-                <a:cs typeface="Arial" panose="020B0604020202020204" pitchFamily="34" charset="0"/>
-              </a:rPr>
               <a:t>4.2 The Expert policy for collect demonstrations</a:t>
             </a:r>
           </a:p>
@@ -11927,7 +9388,7 @@
                   <a:schemeClr val="bg1"/>
                 </a:solidFill>
               </a:rPr>
-              <a:t>15</a:t>
+              <a:t>13</a:t>
             </a:fld>
             <a:endParaRPr lang="en-US" dirty="0">
               <a:solidFill>
@@ -11985,7 +9446,7 @@
 </p:sld>
 </file>
 
-<file path=ppt/slides/slide16.xml><?xml version="1.0" encoding="utf-8"?>
+<file path=ppt/slides/slide14.xml><?xml version="1.0" encoding="utf-8"?>
 <p:sld xmlns:a="http://schemas.openxmlformats.org/drawingml/2006/main" xmlns:r="http://schemas.openxmlformats.org/officeDocument/2006/relationships" xmlns:p="http://schemas.openxmlformats.org/presentationml/2006/main">
   <p:cSld>
     <p:spTree>
@@ -12558,7 +10019,7 @@
                   <a:schemeClr val="bg1"/>
                 </a:solidFill>
               </a:rPr>
-              <a:t>16</a:t>
+              <a:t>14</a:t>
             </a:fld>
             <a:endParaRPr lang="en-US" dirty="0">
               <a:solidFill>
@@ -12581,7 +10042,7 @@
 </p:sld>
 </file>
 
-<file path=ppt/slides/slide17.xml><?xml version="1.0" encoding="utf-8"?>
+<file path=ppt/slides/slide15.xml><?xml version="1.0" encoding="utf-8"?>
 <p:sld xmlns:a="http://schemas.openxmlformats.org/drawingml/2006/main" xmlns:r="http://schemas.openxmlformats.org/officeDocument/2006/relationships" xmlns:p="http://schemas.openxmlformats.org/presentationml/2006/main">
   <p:cSld>
     <p:spTree>
@@ -13219,7 +10680,7 @@
                   <a:schemeClr val="bg1"/>
                 </a:solidFill>
               </a:rPr>
-              <a:t>17</a:t>
+              <a:t>15</a:t>
             </a:fld>
             <a:endParaRPr lang="en-US" dirty="0">
               <a:solidFill>
@@ -13438,7 +10899,7 @@
 </p:sld>
 </file>
 
-<file path=ppt/slides/slide18.xml><?xml version="1.0" encoding="utf-8"?>
+<file path=ppt/slides/slide16.xml><?xml version="1.0" encoding="utf-8"?>
 <p:sld xmlns:a="http://schemas.openxmlformats.org/drawingml/2006/main" xmlns:r="http://schemas.openxmlformats.org/officeDocument/2006/relationships" xmlns:p="http://schemas.openxmlformats.org/presentationml/2006/main">
   <p:cSld>
     <p:spTree>
@@ -13522,7 +10983,7 @@
                   <a:schemeClr val="bg1"/>
                 </a:solidFill>
               </a:rPr>
-              <a:t>18</a:t>
+              <a:t>16</a:t>
             </a:fld>
             <a:endParaRPr lang="en-US" dirty="0">
               <a:solidFill>
@@ -13717,7 +11178,7 @@
 </p:sld>
 </file>
 
-<file path=ppt/slides/slide19.xml><?xml version="1.0" encoding="utf-8"?>
+<file path=ppt/slides/slide17.xml><?xml version="1.0" encoding="utf-8"?>
 <p:sld xmlns:a="http://schemas.openxmlformats.org/drawingml/2006/main" xmlns:r="http://schemas.openxmlformats.org/officeDocument/2006/relationships" xmlns:p="http://schemas.openxmlformats.org/presentationml/2006/main">
   <p:cSld>
     <p:spTree>
@@ -13796,7 +11257,7 @@
                   <a:schemeClr val="bg1"/>
                 </a:solidFill>
               </a:rPr>
-              <a:t>19</a:t>
+              <a:t>17</a:t>
             </a:fld>
             <a:endParaRPr lang="en-US" dirty="0">
               <a:solidFill>
@@ -14942,745 +12403,6 @@
             <a:pPr algn="l"/>
             <a:r>
               <a:rPr lang="en-US" sz="2800" dirty="0"/>
-              <a:t>1. Introduction</a:t>
-            </a:r>
-          </a:p>
-          <a:p>
-            <a:pPr algn="l"/>
-            <a:endParaRPr lang="en-US" sz="2800" dirty="0"/>
-          </a:p>
-        </p:txBody>
-      </p:sp>
-      <p:sp>
-        <p:nvSpPr>
-          <p:cNvPr id="7" name="Subtitle 2">
-            <a:extLst>
-              <a:ext uri="{FF2B5EF4-FFF2-40B4-BE49-F238E27FC236}">
-                <a16:creationId xmlns:a16="http://schemas.microsoft.com/office/drawing/2014/main" id="{212030BE-F3E4-2A43-B876-3F3E4FA803EB}"/>
-              </a:ext>
-            </a:extLst>
-          </p:cNvPr>
-          <p:cNvSpPr txBox="1">
-            <a:spLocks/>
-          </p:cNvSpPr>
-          <p:nvPr/>
-        </p:nvSpPr>
-        <p:spPr>
-          <a:xfrm>
-            <a:off x="854500" y="1133551"/>
-            <a:ext cx="10077450" cy="371789"/>
-          </a:xfrm>
-          <a:prstGeom prst="rect">
-            <a:avLst/>
-          </a:prstGeom>
-        </p:spPr>
-        <p:txBody>
-          <a:bodyPr vert="horz" lIns="91440" tIns="45720" rIns="91440" bIns="45720" rtlCol="0">
-            <a:normAutofit/>
-          </a:bodyPr>
-          <a:lstStyle>
-            <a:lvl1pPr marL="0" indent="0" algn="ctr" defTabSz="914400" rtl="0" eaLnBrk="1" latinLnBrk="0" hangingPunct="1">
-              <a:lnSpc>
-                <a:spcPct val="90000"/>
-              </a:lnSpc>
-              <a:spcBef>
-                <a:spcPts val="1000"/>
-              </a:spcBef>
-              <a:buFont typeface="Arial" panose="020B0604020202020204" pitchFamily="34" charset="0"/>
-              <a:buNone/>
-              <a:defRPr sz="2400" kern="1200">
-                <a:solidFill>
-                  <a:schemeClr val="tx1"/>
-                </a:solidFill>
-                <a:latin typeface="+mn-lt"/>
-                <a:ea typeface="+mn-ea"/>
-                <a:cs typeface="+mn-cs"/>
-              </a:defRPr>
-            </a:lvl1pPr>
-            <a:lvl2pPr marL="457200" indent="0" algn="ctr" defTabSz="914400" rtl="0" eaLnBrk="1" latinLnBrk="0" hangingPunct="1">
-              <a:lnSpc>
-                <a:spcPct val="90000"/>
-              </a:lnSpc>
-              <a:spcBef>
-                <a:spcPts val="500"/>
-              </a:spcBef>
-              <a:buFont typeface="Arial" panose="020B0604020202020204" pitchFamily="34" charset="0"/>
-              <a:buNone/>
-              <a:defRPr sz="2000" kern="1200">
-                <a:solidFill>
-                  <a:schemeClr val="tx1"/>
-                </a:solidFill>
-                <a:latin typeface="+mn-lt"/>
-                <a:ea typeface="+mn-ea"/>
-                <a:cs typeface="+mn-cs"/>
-              </a:defRPr>
-            </a:lvl2pPr>
-            <a:lvl3pPr marL="914400" indent="0" algn="ctr" defTabSz="914400" rtl="0" eaLnBrk="1" latinLnBrk="0" hangingPunct="1">
-              <a:lnSpc>
-                <a:spcPct val="90000"/>
-              </a:lnSpc>
-              <a:spcBef>
-                <a:spcPts val="500"/>
-              </a:spcBef>
-              <a:buFont typeface="Arial" panose="020B0604020202020204" pitchFamily="34" charset="0"/>
-              <a:buNone/>
-              <a:defRPr sz="1800" kern="1200">
-                <a:solidFill>
-                  <a:schemeClr val="tx1"/>
-                </a:solidFill>
-                <a:latin typeface="+mn-lt"/>
-                <a:ea typeface="+mn-ea"/>
-                <a:cs typeface="+mn-cs"/>
-              </a:defRPr>
-            </a:lvl3pPr>
-            <a:lvl4pPr marL="1371600" indent="0" algn="ctr" defTabSz="914400" rtl="0" eaLnBrk="1" latinLnBrk="0" hangingPunct="1">
-              <a:lnSpc>
-                <a:spcPct val="90000"/>
-              </a:lnSpc>
-              <a:spcBef>
-                <a:spcPts val="500"/>
-              </a:spcBef>
-              <a:buFont typeface="Arial" panose="020B0604020202020204" pitchFamily="34" charset="0"/>
-              <a:buNone/>
-              <a:defRPr sz="1600" kern="1200">
-                <a:solidFill>
-                  <a:schemeClr val="tx1"/>
-                </a:solidFill>
-                <a:latin typeface="+mn-lt"/>
-                <a:ea typeface="+mn-ea"/>
-                <a:cs typeface="+mn-cs"/>
-              </a:defRPr>
-            </a:lvl4pPr>
-            <a:lvl5pPr marL="1828800" indent="0" algn="ctr" defTabSz="914400" rtl="0" eaLnBrk="1" latinLnBrk="0" hangingPunct="1">
-              <a:lnSpc>
-                <a:spcPct val="90000"/>
-              </a:lnSpc>
-              <a:spcBef>
-                <a:spcPts val="500"/>
-              </a:spcBef>
-              <a:buFont typeface="Arial" panose="020B0604020202020204" pitchFamily="34" charset="0"/>
-              <a:buNone/>
-              <a:defRPr sz="1600" kern="1200">
-                <a:solidFill>
-                  <a:schemeClr val="tx1"/>
-                </a:solidFill>
-                <a:latin typeface="+mn-lt"/>
-                <a:ea typeface="+mn-ea"/>
-                <a:cs typeface="+mn-cs"/>
-              </a:defRPr>
-            </a:lvl5pPr>
-            <a:lvl6pPr marL="2286000" indent="0" algn="ctr" defTabSz="914400" rtl="0" eaLnBrk="1" latinLnBrk="0" hangingPunct="1">
-              <a:lnSpc>
-                <a:spcPct val="90000"/>
-              </a:lnSpc>
-              <a:spcBef>
-                <a:spcPts val="500"/>
-              </a:spcBef>
-              <a:buFont typeface="Arial" panose="020B0604020202020204" pitchFamily="34" charset="0"/>
-              <a:buNone/>
-              <a:defRPr sz="1600" kern="1200">
-                <a:solidFill>
-                  <a:schemeClr val="tx1"/>
-                </a:solidFill>
-                <a:latin typeface="+mn-lt"/>
-                <a:ea typeface="+mn-ea"/>
-                <a:cs typeface="+mn-cs"/>
-              </a:defRPr>
-            </a:lvl6pPr>
-            <a:lvl7pPr marL="2743200" indent="0" algn="ctr" defTabSz="914400" rtl="0" eaLnBrk="1" latinLnBrk="0" hangingPunct="1">
-              <a:lnSpc>
-                <a:spcPct val="90000"/>
-              </a:lnSpc>
-              <a:spcBef>
-                <a:spcPts val="500"/>
-              </a:spcBef>
-              <a:buFont typeface="Arial" panose="020B0604020202020204" pitchFamily="34" charset="0"/>
-              <a:buNone/>
-              <a:defRPr sz="1600" kern="1200">
-                <a:solidFill>
-                  <a:schemeClr val="tx1"/>
-                </a:solidFill>
-                <a:latin typeface="+mn-lt"/>
-                <a:ea typeface="+mn-ea"/>
-                <a:cs typeface="+mn-cs"/>
-              </a:defRPr>
-            </a:lvl7pPr>
-            <a:lvl8pPr marL="3200400" indent="0" algn="ctr" defTabSz="914400" rtl="0" eaLnBrk="1" latinLnBrk="0" hangingPunct="1">
-              <a:lnSpc>
-                <a:spcPct val="90000"/>
-              </a:lnSpc>
-              <a:spcBef>
-                <a:spcPts val="500"/>
-              </a:spcBef>
-              <a:buFont typeface="Arial" panose="020B0604020202020204" pitchFamily="34" charset="0"/>
-              <a:buNone/>
-              <a:defRPr sz="1600" kern="1200">
-                <a:solidFill>
-                  <a:schemeClr val="tx1"/>
-                </a:solidFill>
-                <a:latin typeface="+mn-lt"/>
-                <a:ea typeface="+mn-ea"/>
-                <a:cs typeface="+mn-cs"/>
-              </a:defRPr>
-            </a:lvl8pPr>
-            <a:lvl9pPr marL="3657600" indent="0" algn="ctr" defTabSz="914400" rtl="0" eaLnBrk="1" latinLnBrk="0" hangingPunct="1">
-              <a:lnSpc>
-                <a:spcPct val="90000"/>
-              </a:lnSpc>
-              <a:spcBef>
-                <a:spcPts val="500"/>
-              </a:spcBef>
-              <a:buFont typeface="Arial" panose="020B0604020202020204" pitchFamily="34" charset="0"/>
-              <a:buNone/>
-              <a:defRPr sz="1600" kern="1200">
-                <a:solidFill>
-                  <a:schemeClr val="tx1"/>
-                </a:solidFill>
-                <a:latin typeface="+mn-lt"/>
-                <a:ea typeface="+mn-ea"/>
-                <a:cs typeface="+mn-cs"/>
-              </a:defRPr>
-            </a:lvl9pPr>
-          </a:lstStyle>
-          <a:p>
-            <a:pPr algn="l"/>
-            <a:r>
-              <a:rPr lang="en-US" sz="2000" b="1" dirty="0">
-                <a:effectLst/>
-                <a:latin typeface="Arial" panose="020B0604020202020204" pitchFamily="34" charset="0"/>
-                <a:cs typeface="Arial" panose="020B0604020202020204" pitchFamily="34" charset="0"/>
-              </a:rPr>
-              <a:t>1.2 Q-Learning</a:t>
-            </a:r>
-          </a:p>
-          <a:p>
-            <a:pPr algn="l"/>
-            <a:endParaRPr lang="en-US" sz="2000" b="1" dirty="0">
-              <a:effectLst/>
-              <a:latin typeface="Arial" panose="020B0604020202020204" pitchFamily="34" charset="0"/>
-              <a:cs typeface="Arial" panose="020B0604020202020204" pitchFamily="34" charset="0"/>
-            </a:endParaRPr>
-          </a:p>
-          <a:p>
-            <a:pPr algn="l"/>
-            <a:endParaRPr lang="en-US" sz="1800" b="0" i="0" dirty="0">
-              <a:effectLst/>
-              <a:latin typeface="Arial" panose="020B0604020202020204" pitchFamily="34" charset="0"/>
-              <a:cs typeface="Arial" panose="020B0604020202020204" pitchFamily="34" charset="0"/>
-            </a:endParaRPr>
-          </a:p>
-          <a:p>
-            <a:pPr algn="l"/>
-            <a:endParaRPr lang="en-US" sz="1800" dirty="0">
-              <a:latin typeface="Arial" panose="020B0604020202020204" pitchFamily="34" charset="0"/>
-              <a:cs typeface="Arial" panose="020B0604020202020204" pitchFamily="34" charset="0"/>
-            </a:endParaRPr>
-          </a:p>
-        </p:txBody>
-      </p:sp>
-      <p:pic>
-        <p:nvPicPr>
-          <p:cNvPr id="5" name="Picture 4">
-            <a:extLst>
-              <a:ext uri="{FF2B5EF4-FFF2-40B4-BE49-F238E27FC236}">
-                <a16:creationId xmlns:a16="http://schemas.microsoft.com/office/drawing/2014/main" id="{7092F265-69B4-004D-AF2E-3B1AD1EDFA71}"/>
-              </a:ext>
-            </a:extLst>
-          </p:cNvPr>
-          <p:cNvPicPr>
-            <a:picLocks noChangeAspect="1"/>
-          </p:cNvPicPr>
-          <p:nvPr/>
-        </p:nvPicPr>
-        <p:blipFill>
-          <a:blip r:embed="rId2">
-            <a:extLst>
-              <a:ext uri="{28A0092B-C50C-407E-A947-70E740481C1C}">
-                <a14:useLocalDpi xmlns:a14="http://schemas.microsoft.com/office/drawing/2010/main" val="0"/>
-              </a:ext>
-            </a:extLst>
-          </a:blip>
-          <a:stretch>
-            <a:fillRect/>
-          </a:stretch>
-        </p:blipFill>
-        <p:spPr>
-          <a:xfrm>
-            <a:off x="2941021" y="1868571"/>
-            <a:ext cx="6309958" cy="4138958"/>
-          </a:xfrm>
-          <a:prstGeom prst="rect">
-            <a:avLst/>
-          </a:prstGeom>
-        </p:spPr>
-      </p:pic>
-      <p:sp>
-        <p:nvSpPr>
-          <p:cNvPr id="2" name="Slide Number Placeholder 1">
-            <a:extLst>
-              <a:ext uri="{FF2B5EF4-FFF2-40B4-BE49-F238E27FC236}">
-                <a16:creationId xmlns:a16="http://schemas.microsoft.com/office/drawing/2014/main" id="{D914A3CE-0C68-874F-8898-307F7CAF6927}"/>
-              </a:ext>
-            </a:extLst>
-          </p:cNvPr>
-          <p:cNvSpPr>
-            <a:spLocks noGrp="1"/>
-          </p:cNvSpPr>
-          <p:nvPr>
-            <p:ph type="sldNum" sz="quarter" idx="12"/>
-          </p:nvPr>
-        </p:nvSpPr>
-        <p:spPr/>
-        <p:txBody>
-          <a:bodyPr/>
-          <a:lstStyle/>
-          <a:p>
-            <a:fld id="{837B6784-DA4F-4E23-8F4C-41806829DD81}" type="slidenum">
-              <a:rPr lang="en-US" smtClean="0">
-                <a:solidFill>
-                  <a:schemeClr val="bg1"/>
-                </a:solidFill>
-              </a:rPr>
-              <a:t>5</a:t>
-            </a:fld>
-            <a:endParaRPr lang="en-US" dirty="0">
-              <a:solidFill>
-                <a:schemeClr val="bg1"/>
-              </a:solidFill>
-            </a:endParaRPr>
-          </a:p>
-        </p:txBody>
-      </p:sp>
-    </p:spTree>
-    <p:extLst>
-      <p:ext uri="{BB962C8B-B14F-4D97-AF65-F5344CB8AC3E}">
-        <p14:creationId xmlns:p14="http://schemas.microsoft.com/office/powerpoint/2010/main" val="1944088612"/>
-      </p:ext>
-    </p:extLst>
-  </p:cSld>
-  <p:clrMapOvr>
-    <a:masterClrMapping/>
-  </p:clrMapOvr>
-</p:sld>
-</file>
-
-<file path=ppt/slides/slide6.xml><?xml version="1.0" encoding="utf-8"?>
-<p:sld xmlns:a="http://schemas.openxmlformats.org/drawingml/2006/main" xmlns:r="http://schemas.openxmlformats.org/officeDocument/2006/relationships" xmlns:p="http://schemas.openxmlformats.org/presentationml/2006/main">
-  <p:cSld>
-    <p:spTree>
-      <p:nvGrpSpPr>
-        <p:cNvPr id="1" name=""/>
-        <p:cNvGrpSpPr/>
-        <p:nvPr/>
-      </p:nvGrpSpPr>
-      <p:grpSpPr>
-        <a:xfrm>
-          <a:off x="0" y="0"/>
-          <a:ext cx="0" cy="0"/>
-          <a:chOff x="0" y="0"/>
-          <a:chExt cx="0" cy="0"/>
-        </a:xfrm>
-      </p:grpSpPr>
-      <p:sp>
-        <p:nvSpPr>
-          <p:cNvPr id="3" name="Subtitle 2">
-            <a:extLst>
-              <a:ext uri="{FF2B5EF4-FFF2-40B4-BE49-F238E27FC236}">
-                <a16:creationId xmlns:a16="http://schemas.microsoft.com/office/drawing/2014/main" id="{038BE419-BB5F-A1E1-552E-536A04575F45}"/>
-              </a:ext>
-            </a:extLst>
-          </p:cNvPr>
-          <p:cNvSpPr>
-            <a:spLocks noGrp="1"/>
-          </p:cNvSpPr>
-          <p:nvPr>
-            <p:ph type="subTitle" idx="1"/>
-          </p:nvPr>
-        </p:nvSpPr>
-        <p:spPr>
-          <a:xfrm>
-            <a:off x="450850" y="566738"/>
-            <a:ext cx="11087100" cy="493712"/>
-          </a:xfrm>
-        </p:spPr>
-        <p:txBody>
-          <a:bodyPr>
-            <a:normAutofit lnSpcReduction="10000"/>
-          </a:bodyPr>
-          <a:lstStyle/>
-          <a:p>
-            <a:pPr algn="l"/>
-            <a:r>
-              <a:rPr lang="en-US" sz="2800" dirty="0"/>
-              <a:t>1. Introduction</a:t>
-            </a:r>
-          </a:p>
-          <a:p>
-            <a:pPr algn="l"/>
-            <a:endParaRPr lang="en-US" sz="2800" dirty="0"/>
-          </a:p>
-        </p:txBody>
-      </p:sp>
-      <p:sp>
-        <p:nvSpPr>
-          <p:cNvPr id="7" name="Subtitle 2">
-            <a:extLst>
-              <a:ext uri="{FF2B5EF4-FFF2-40B4-BE49-F238E27FC236}">
-                <a16:creationId xmlns:a16="http://schemas.microsoft.com/office/drawing/2014/main" id="{212030BE-F3E4-2A43-B876-3F3E4FA803EB}"/>
-              </a:ext>
-            </a:extLst>
-          </p:cNvPr>
-          <p:cNvSpPr txBox="1">
-            <a:spLocks/>
-          </p:cNvSpPr>
-          <p:nvPr/>
-        </p:nvSpPr>
-        <p:spPr>
-          <a:xfrm>
-            <a:off x="854500" y="1133551"/>
-            <a:ext cx="10077450" cy="371789"/>
-          </a:xfrm>
-          <a:prstGeom prst="rect">
-            <a:avLst/>
-          </a:prstGeom>
-        </p:spPr>
-        <p:txBody>
-          <a:bodyPr vert="horz" lIns="91440" tIns="45720" rIns="91440" bIns="45720" rtlCol="0">
-            <a:normAutofit/>
-          </a:bodyPr>
-          <a:lstStyle>
-            <a:lvl1pPr marL="0" indent="0" algn="ctr" defTabSz="914400" rtl="0" eaLnBrk="1" latinLnBrk="0" hangingPunct="1">
-              <a:lnSpc>
-                <a:spcPct val="90000"/>
-              </a:lnSpc>
-              <a:spcBef>
-                <a:spcPts val="1000"/>
-              </a:spcBef>
-              <a:buFont typeface="Arial" panose="020B0604020202020204" pitchFamily="34" charset="0"/>
-              <a:buNone/>
-              <a:defRPr sz="2400" kern="1200">
-                <a:solidFill>
-                  <a:schemeClr val="tx1"/>
-                </a:solidFill>
-                <a:latin typeface="+mn-lt"/>
-                <a:ea typeface="+mn-ea"/>
-                <a:cs typeface="+mn-cs"/>
-              </a:defRPr>
-            </a:lvl1pPr>
-            <a:lvl2pPr marL="457200" indent="0" algn="ctr" defTabSz="914400" rtl="0" eaLnBrk="1" latinLnBrk="0" hangingPunct="1">
-              <a:lnSpc>
-                <a:spcPct val="90000"/>
-              </a:lnSpc>
-              <a:spcBef>
-                <a:spcPts val="500"/>
-              </a:spcBef>
-              <a:buFont typeface="Arial" panose="020B0604020202020204" pitchFamily="34" charset="0"/>
-              <a:buNone/>
-              <a:defRPr sz="2000" kern="1200">
-                <a:solidFill>
-                  <a:schemeClr val="tx1"/>
-                </a:solidFill>
-                <a:latin typeface="+mn-lt"/>
-                <a:ea typeface="+mn-ea"/>
-                <a:cs typeface="+mn-cs"/>
-              </a:defRPr>
-            </a:lvl2pPr>
-            <a:lvl3pPr marL="914400" indent="0" algn="ctr" defTabSz="914400" rtl="0" eaLnBrk="1" latinLnBrk="0" hangingPunct="1">
-              <a:lnSpc>
-                <a:spcPct val="90000"/>
-              </a:lnSpc>
-              <a:spcBef>
-                <a:spcPts val="500"/>
-              </a:spcBef>
-              <a:buFont typeface="Arial" panose="020B0604020202020204" pitchFamily="34" charset="0"/>
-              <a:buNone/>
-              <a:defRPr sz="1800" kern="1200">
-                <a:solidFill>
-                  <a:schemeClr val="tx1"/>
-                </a:solidFill>
-                <a:latin typeface="+mn-lt"/>
-                <a:ea typeface="+mn-ea"/>
-                <a:cs typeface="+mn-cs"/>
-              </a:defRPr>
-            </a:lvl3pPr>
-            <a:lvl4pPr marL="1371600" indent="0" algn="ctr" defTabSz="914400" rtl="0" eaLnBrk="1" latinLnBrk="0" hangingPunct="1">
-              <a:lnSpc>
-                <a:spcPct val="90000"/>
-              </a:lnSpc>
-              <a:spcBef>
-                <a:spcPts val="500"/>
-              </a:spcBef>
-              <a:buFont typeface="Arial" panose="020B0604020202020204" pitchFamily="34" charset="0"/>
-              <a:buNone/>
-              <a:defRPr sz="1600" kern="1200">
-                <a:solidFill>
-                  <a:schemeClr val="tx1"/>
-                </a:solidFill>
-                <a:latin typeface="+mn-lt"/>
-                <a:ea typeface="+mn-ea"/>
-                <a:cs typeface="+mn-cs"/>
-              </a:defRPr>
-            </a:lvl4pPr>
-            <a:lvl5pPr marL="1828800" indent="0" algn="ctr" defTabSz="914400" rtl="0" eaLnBrk="1" latinLnBrk="0" hangingPunct="1">
-              <a:lnSpc>
-                <a:spcPct val="90000"/>
-              </a:lnSpc>
-              <a:spcBef>
-                <a:spcPts val="500"/>
-              </a:spcBef>
-              <a:buFont typeface="Arial" panose="020B0604020202020204" pitchFamily="34" charset="0"/>
-              <a:buNone/>
-              <a:defRPr sz="1600" kern="1200">
-                <a:solidFill>
-                  <a:schemeClr val="tx1"/>
-                </a:solidFill>
-                <a:latin typeface="+mn-lt"/>
-                <a:ea typeface="+mn-ea"/>
-                <a:cs typeface="+mn-cs"/>
-              </a:defRPr>
-            </a:lvl5pPr>
-            <a:lvl6pPr marL="2286000" indent="0" algn="ctr" defTabSz="914400" rtl="0" eaLnBrk="1" latinLnBrk="0" hangingPunct="1">
-              <a:lnSpc>
-                <a:spcPct val="90000"/>
-              </a:lnSpc>
-              <a:spcBef>
-                <a:spcPts val="500"/>
-              </a:spcBef>
-              <a:buFont typeface="Arial" panose="020B0604020202020204" pitchFamily="34" charset="0"/>
-              <a:buNone/>
-              <a:defRPr sz="1600" kern="1200">
-                <a:solidFill>
-                  <a:schemeClr val="tx1"/>
-                </a:solidFill>
-                <a:latin typeface="+mn-lt"/>
-                <a:ea typeface="+mn-ea"/>
-                <a:cs typeface="+mn-cs"/>
-              </a:defRPr>
-            </a:lvl6pPr>
-            <a:lvl7pPr marL="2743200" indent="0" algn="ctr" defTabSz="914400" rtl="0" eaLnBrk="1" latinLnBrk="0" hangingPunct="1">
-              <a:lnSpc>
-                <a:spcPct val="90000"/>
-              </a:lnSpc>
-              <a:spcBef>
-                <a:spcPts val="500"/>
-              </a:spcBef>
-              <a:buFont typeface="Arial" panose="020B0604020202020204" pitchFamily="34" charset="0"/>
-              <a:buNone/>
-              <a:defRPr sz="1600" kern="1200">
-                <a:solidFill>
-                  <a:schemeClr val="tx1"/>
-                </a:solidFill>
-                <a:latin typeface="+mn-lt"/>
-                <a:ea typeface="+mn-ea"/>
-                <a:cs typeface="+mn-cs"/>
-              </a:defRPr>
-            </a:lvl7pPr>
-            <a:lvl8pPr marL="3200400" indent="0" algn="ctr" defTabSz="914400" rtl="0" eaLnBrk="1" latinLnBrk="0" hangingPunct="1">
-              <a:lnSpc>
-                <a:spcPct val="90000"/>
-              </a:lnSpc>
-              <a:spcBef>
-                <a:spcPts val="500"/>
-              </a:spcBef>
-              <a:buFont typeface="Arial" panose="020B0604020202020204" pitchFamily="34" charset="0"/>
-              <a:buNone/>
-              <a:defRPr sz="1600" kern="1200">
-                <a:solidFill>
-                  <a:schemeClr val="tx1"/>
-                </a:solidFill>
-                <a:latin typeface="+mn-lt"/>
-                <a:ea typeface="+mn-ea"/>
-                <a:cs typeface="+mn-cs"/>
-              </a:defRPr>
-            </a:lvl8pPr>
-            <a:lvl9pPr marL="3657600" indent="0" algn="ctr" defTabSz="914400" rtl="0" eaLnBrk="1" latinLnBrk="0" hangingPunct="1">
-              <a:lnSpc>
-                <a:spcPct val="90000"/>
-              </a:lnSpc>
-              <a:spcBef>
-                <a:spcPts val="500"/>
-              </a:spcBef>
-              <a:buFont typeface="Arial" panose="020B0604020202020204" pitchFamily="34" charset="0"/>
-              <a:buNone/>
-              <a:defRPr sz="1600" kern="1200">
-                <a:solidFill>
-                  <a:schemeClr val="tx1"/>
-                </a:solidFill>
-                <a:latin typeface="+mn-lt"/>
-                <a:ea typeface="+mn-ea"/>
-                <a:cs typeface="+mn-cs"/>
-              </a:defRPr>
-            </a:lvl9pPr>
-          </a:lstStyle>
-          <a:p>
-            <a:pPr algn="l"/>
-            <a:r>
-              <a:rPr lang="en-US" sz="2000" b="1" dirty="0">
-                <a:effectLst/>
-                <a:latin typeface="Arial" panose="020B0604020202020204" pitchFamily="34" charset="0"/>
-                <a:cs typeface="Arial" panose="020B0604020202020204" pitchFamily="34" charset="0"/>
-              </a:rPr>
-              <a:t>1.3 Model-based vs Model-free RL algorithms</a:t>
-            </a:r>
-          </a:p>
-          <a:p>
-            <a:pPr algn="l"/>
-            <a:endParaRPr lang="en-US" sz="2000" b="1" dirty="0">
-              <a:effectLst/>
-              <a:latin typeface="Arial" panose="020B0604020202020204" pitchFamily="34" charset="0"/>
-              <a:cs typeface="Arial" panose="020B0604020202020204" pitchFamily="34" charset="0"/>
-            </a:endParaRPr>
-          </a:p>
-          <a:p>
-            <a:pPr algn="l"/>
-            <a:endParaRPr lang="en-US" sz="1800" b="0" i="0" dirty="0">
-              <a:effectLst/>
-              <a:latin typeface="Arial" panose="020B0604020202020204" pitchFamily="34" charset="0"/>
-              <a:cs typeface="Arial" panose="020B0604020202020204" pitchFamily="34" charset="0"/>
-            </a:endParaRPr>
-          </a:p>
-          <a:p>
-            <a:pPr algn="l"/>
-            <a:endParaRPr lang="en-US" sz="1800" dirty="0">
-              <a:latin typeface="Arial" panose="020B0604020202020204" pitchFamily="34" charset="0"/>
-              <a:cs typeface="Arial" panose="020B0604020202020204" pitchFamily="34" charset="0"/>
-            </a:endParaRPr>
-          </a:p>
-        </p:txBody>
-      </p:sp>
-      <p:pic>
-        <p:nvPicPr>
-          <p:cNvPr id="10" name="Picture 9">
-            <a:extLst>
-              <a:ext uri="{FF2B5EF4-FFF2-40B4-BE49-F238E27FC236}">
-                <a16:creationId xmlns:a16="http://schemas.microsoft.com/office/drawing/2014/main" id="{BFC672EB-98BF-A341-8983-F8E550397F68}"/>
-              </a:ext>
-            </a:extLst>
-          </p:cNvPr>
-          <p:cNvPicPr>
-            <a:picLocks noChangeAspect="1"/>
-          </p:cNvPicPr>
-          <p:nvPr/>
-        </p:nvPicPr>
-        <p:blipFill rotWithShape="1">
-          <a:blip r:embed="rId2">
-            <a:extLst>
-              <a:ext uri="{28A0092B-C50C-407E-A947-70E740481C1C}">
-                <a14:useLocalDpi xmlns:a14="http://schemas.microsoft.com/office/drawing/2010/main" val="0"/>
-              </a:ext>
-            </a:extLst>
-          </a:blip>
-          <a:srcRect t="29397" b="10626"/>
-          <a:stretch/>
-        </p:blipFill>
-        <p:spPr>
-          <a:xfrm>
-            <a:off x="981441" y="2008914"/>
-            <a:ext cx="10229117" cy="3948267"/>
-          </a:xfrm>
-          <a:prstGeom prst="rect">
-            <a:avLst/>
-          </a:prstGeom>
-        </p:spPr>
-      </p:pic>
-      <p:sp>
-        <p:nvSpPr>
-          <p:cNvPr id="2" name="Slide Number Placeholder 1">
-            <a:extLst>
-              <a:ext uri="{FF2B5EF4-FFF2-40B4-BE49-F238E27FC236}">
-                <a16:creationId xmlns:a16="http://schemas.microsoft.com/office/drawing/2014/main" id="{D200DB2F-E445-1445-91A5-08FBE56D0611}"/>
-              </a:ext>
-            </a:extLst>
-          </p:cNvPr>
-          <p:cNvSpPr>
-            <a:spLocks noGrp="1"/>
-          </p:cNvSpPr>
-          <p:nvPr>
-            <p:ph type="sldNum" sz="quarter" idx="12"/>
-          </p:nvPr>
-        </p:nvSpPr>
-        <p:spPr/>
-        <p:txBody>
-          <a:bodyPr/>
-          <a:lstStyle/>
-          <a:p>
-            <a:fld id="{837B6784-DA4F-4E23-8F4C-41806829DD81}" type="slidenum">
-              <a:rPr lang="en-US" smtClean="0">
-                <a:solidFill>
-                  <a:schemeClr val="bg1"/>
-                </a:solidFill>
-              </a:rPr>
-              <a:t>6</a:t>
-            </a:fld>
-            <a:endParaRPr lang="en-US" dirty="0">
-              <a:solidFill>
-                <a:schemeClr val="bg1"/>
-              </a:solidFill>
-            </a:endParaRPr>
-          </a:p>
-        </p:txBody>
-      </p:sp>
-    </p:spTree>
-    <p:extLst>
-      <p:ext uri="{BB962C8B-B14F-4D97-AF65-F5344CB8AC3E}">
-        <p14:creationId xmlns:p14="http://schemas.microsoft.com/office/powerpoint/2010/main" val="589316951"/>
-      </p:ext>
-    </p:extLst>
-  </p:cSld>
-  <p:clrMapOvr>
-    <a:masterClrMapping/>
-  </p:clrMapOvr>
-</p:sld>
-</file>
-
-<file path=ppt/slides/slide7.xml><?xml version="1.0" encoding="utf-8"?>
-<p:sld xmlns:a="http://schemas.openxmlformats.org/drawingml/2006/main" xmlns:r="http://schemas.openxmlformats.org/officeDocument/2006/relationships" xmlns:p="http://schemas.openxmlformats.org/presentationml/2006/main">
-  <p:cSld>
-    <p:spTree>
-      <p:nvGrpSpPr>
-        <p:cNvPr id="1" name=""/>
-        <p:cNvGrpSpPr/>
-        <p:nvPr/>
-      </p:nvGrpSpPr>
-      <p:grpSpPr>
-        <a:xfrm>
-          <a:off x="0" y="0"/>
-          <a:ext cx="0" cy="0"/>
-          <a:chOff x="0" y="0"/>
-          <a:chExt cx="0" cy="0"/>
-        </a:xfrm>
-      </p:grpSpPr>
-      <p:sp>
-        <p:nvSpPr>
-          <p:cNvPr id="3" name="Subtitle 2">
-            <a:extLst>
-              <a:ext uri="{FF2B5EF4-FFF2-40B4-BE49-F238E27FC236}">
-                <a16:creationId xmlns:a16="http://schemas.microsoft.com/office/drawing/2014/main" id="{038BE419-BB5F-A1E1-552E-536A04575F45}"/>
-              </a:ext>
-            </a:extLst>
-          </p:cNvPr>
-          <p:cNvSpPr>
-            <a:spLocks noGrp="1"/>
-          </p:cNvSpPr>
-          <p:nvPr>
-            <p:ph type="subTitle" idx="1"/>
-          </p:nvPr>
-        </p:nvSpPr>
-        <p:spPr>
-          <a:xfrm>
-            <a:off x="450850" y="566738"/>
-            <a:ext cx="11087100" cy="493712"/>
-          </a:xfrm>
-        </p:spPr>
-        <p:txBody>
-          <a:bodyPr>
-            <a:normAutofit lnSpcReduction="10000"/>
-          </a:bodyPr>
-          <a:lstStyle/>
-          <a:p>
-            <a:pPr algn="l"/>
-            <a:r>
-              <a:rPr lang="en-US" sz="2800" dirty="0"/>
               <a:t>2. Related work</a:t>
             </a:r>
           </a:p>
@@ -16148,7 +12870,7 @@
                   <a:schemeClr val="bg1"/>
                 </a:solidFill>
               </a:rPr>
-              <a:t>7</a:t>
+              <a:t>5</a:t>
             </a:fld>
             <a:endParaRPr lang="en-US" dirty="0">
               <a:solidFill>
@@ -16171,7 +12893,7 @@
 </p:sld>
 </file>
 
-<file path=ppt/slides/slide8.xml><?xml version="1.0" encoding="utf-8"?>
+<file path=ppt/slides/slide6.xml><?xml version="1.0" encoding="utf-8"?>
 <p:sld xmlns:a="http://schemas.openxmlformats.org/drawingml/2006/main" xmlns:r="http://schemas.openxmlformats.org/officeDocument/2006/relationships" xmlns:p="http://schemas.openxmlformats.org/presentationml/2006/main">
   <p:cSld>
     <p:spTree>
@@ -16855,7 +13577,7 @@
                   <a:schemeClr val="bg1"/>
                 </a:solidFill>
               </a:rPr>
-              <a:t>8</a:t>
+              <a:t>6</a:t>
             </a:fld>
             <a:endParaRPr lang="en-US" dirty="0">
               <a:solidFill>
@@ -16980,7 +13702,7 @@
 </p:sld>
 </file>
 
-<file path=ppt/slides/slide9.xml><?xml version="1.0" encoding="utf-8"?>
+<file path=ppt/slides/slide7.xml><?xml version="1.0" encoding="utf-8"?>
 <p:sld xmlns:a="http://schemas.openxmlformats.org/drawingml/2006/main" xmlns:r="http://schemas.openxmlformats.org/officeDocument/2006/relationships" xmlns:p="http://schemas.openxmlformats.org/presentationml/2006/main">
   <p:cSld>
     <p:spTree>
@@ -21477,6 +18199,2987 @@
                   <a:schemeClr val="bg1"/>
                 </a:solidFill>
               </a:rPr>
+              <a:t>7</a:t>
+            </a:fld>
+            <a:endParaRPr lang="en-US" dirty="0">
+              <a:solidFill>
+                <a:schemeClr val="bg1"/>
+              </a:solidFill>
+            </a:endParaRPr>
+          </a:p>
+        </p:txBody>
+      </p:sp>
+      <mc:AlternateContent xmlns:mc="http://schemas.openxmlformats.org/markup-compatibility/2006">
+        <mc:Choice xmlns:a14="http://schemas.microsoft.com/office/drawing/2010/main" Requires="a14">
+          <p:sp>
+            <p:nvSpPr>
+              <p:cNvPr id="19" name="TextBox 18">
+                <a:extLst>
+                  <a:ext uri="{FF2B5EF4-FFF2-40B4-BE49-F238E27FC236}">
+                    <a16:creationId xmlns:a16="http://schemas.microsoft.com/office/drawing/2014/main" id="{CFA533DF-A582-274F-9383-4FCEFCF08AC8}"/>
+                  </a:ext>
+                </a:extLst>
+              </p:cNvPr>
+              <p:cNvSpPr txBox="1"/>
+              <p:nvPr/>
+            </p:nvSpPr>
+            <p:spPr>
+              <a:xfrm>
+                <a:off x="1185239" y="5513655"/>
+                <a:ext cx="4568278" cy="950645"/>
+              </a:xfrm>
+              <a:prstGeom prst="rect">
+                <a:avLst/>
+              </a:prstGeom>
+              <a:noFill/>
+            </p:spPr>
+            <p:txBody>
+              <a:bodyPr wrap="square">
+                <a:spAutoFit/>
+              </a:bodyPr>
+              <a:lstStyle/>
+              <a:p>
+                <a:pPr/>
+                <a:r>
+                  <a:rPr lang="en-US" sz="1600" b="1" i="1" dirty="0">
+                    <a:latin typeface="Cambria Math" panose="02040503050406030204" pitchFamily="18" charset="0"/>
+                  </a:rPr>
+                  <a:t>But,</a:t>
+                </a:r>
+              </a:p>
+              <a:p>
+                <a:pPr/>
+                <a:endParaRPr lang="en-US" sz="1600" b="1" i="1" dirty="0">
+                  <a:latin typeface="Cambria Math" panose="02040503050406030204" pitchFamily="18" charset="0"/>
+                </a:endParaRPr>
+              </a:p>
+              <a:p>
+                <a:pPr/>
+                <a14:m>
+                  <m:oMath xmlns:m="http://schemas.openxmlformats.org/officeDocument/2006/math">
+                    <m:sSup>
+                      <m:sSupPr>
+                        <m:ctrlPr>
+                          <a:rPr lang="en-US" sz="1600" i="1" smtClean="0">
+                            <a:solidFill>
+                              <a:srgbClr val="836967"/>
+                            </a:solidFill>
+                            <a:latin typeface="Cambria Math" panose="02040503050406030204" pitchFamily="18" charset="0"/>
+                          </a:rPr>
+                        </m:ctrlPr>
+                      </m:sSupPr>
+                      <m:e>
+                        <m:r>
+                          <a:rPr lang="en-US" sz="1600" i="1">
+                            <a:latin typeface="Cambria Math" panose="02040503050406030204" pitchFamily="18" charset="0"/>
+                          </a:rPr>
+                          <m:t>𝑄</m:t>
+                        </m:r>
+                      </m:e>
+                      <m:sup>
+                        <m:r>
+                          <a:rPr lang="en-US" sz="1600" i="0">
+                            <a:latin typeface="Cambria Math" panose="02040503050406030204" pitchFamily="18" charset="0"/>
+                          </a:rPr>
+                          <m:t>∗</m:t>
+                        </m:r>
+                      </m:sup>
+                    </m:sSup>
+                    <m:d>
+                      <m:dPr>
+                        <m:ctrlPr>
+                          <a:rPr lang="en-US" sz="1600" i="1">
+                            <a:solidFill>
+                              <a:srgbClr val="836967"/>
+                            </a:solidFill>
+                            <a:latin typeface="Cambria Math" panose="02040503050406030204" pitchFamily="18" charset="0"/>
+                          </a:rPr>
+                        </m:ctrlPr>
+                      </m:dPr>
+                      <m:e>
+                        <m:r>
+                          <a:rPr lang="en-US" sz="1600" i="1">
+                            <a:latin typeface="Cambria Math" panose="02040503050406030204" pitchFamily="18" charset="0"/>
+                          </a:rPr>
+                          <m:t>𝑠</m:t>
+                        </m:r>
+                        <m:r>
+                          <a:rPr lang="en-US" sz="1600" i="0">
+                            <a:latin typeface="Cambria Math" panose="02040503050406030204" pitchFamily="18" charset="0"/>
+                          </a:rPr>
+                          <m:t>,</m:t>
+                        </m:r>
+                        <m:r>
+                          <a:rPr lang="en-US" sz="1600" i="1">
+                            <a:latin typeface="Cambria Math" panose="02040503050406030204" pitchFamily="18" charset="0"/>
+                          </a:rPr>
+                          <m:t>𝑎</m:t>
+                        </m:r>
+                      </m:e>
+                    </m:d>
+                    <m:r>
+                      <a:rPr lang="en-US" sz="1600" i="0">
+                        <a:latin typeface="Cambria Math" panose="02040503050406030204" pitchFamily="18" charset="0"/>
+                      </a:rPr>
+                      <m:t>=</m:t>
+                    </m:r>
+                    <m:r>
+                      <a:rPr lang="en-US" sz="1600" i="1">
+                        <a:latin typeface="Cambria Math" panose="02040503050406030204" pitchFamily="18" charset="0"/>
+                      </a:rPr>
+                      <m:t>𝑟</m:t>
+                    </m:r>
+                    <m:d>
+                      <m:dPr>
+                        <m:ctrlPr>
+                          <a:rPr lang="en-US" sz="1600" i="1">
+                            <a:solidFill>
+                              <a:srgbClr val="836967"/>
+                            </a:solidFill>
+                            <a:latin typeface="Cambria Math" panose="02040503050406030204" pitchFamily="18" charset="0"/>
+                          </a:rPr>
+                        </m:ctrlPr>
+                      </m:dPr>
+                      <m:e>
+                        <m:r>
+                          <a:rPr lang="en-US" sz="1600" i="1">
+                            <a:latin typeface="Cambria Math" panose="02040503050406030204" pitchFamily="18" charset="0"/>
+                          </a:rPr>
+                          <m:t>𝑠</m:t>
+                        </m:r>
+                        <m:r>
+                          <a:rPr lang="en-US" sz="1600">
+                            <a:latin typeface="Cambria Math" panose="02040503050406030204" pitchFamily="18" charset="0"/>
+                          </a:rPr>
+                          <m:t>,</m:t>
+                        </m:r>
+                        <m:r>
+                          <a:rPr lang="en-US" sz="1600" i="1">
+                            <a:latin typeface="Cambria Math" panose="02040503050406030204" pitchFamily="18" charset="0"/>
+                          </a:rPr>
+                          <m:t>𝑎</m:t>
+                        </m:r>
+                      </m:e>
+                    </m:d>
+                  </m:oMath>
+                </a14:m>
+                <a:r>
+                  <a:rPr lang="en-US" sz="1600" dirty="0"/>
+                  <a:t>+ </a:t>
+                </a:r>
+                <a14:m>
+                  <m:oMath xmlns:m="http://schemas.openxmlformats.org/officeDocument/2006/math">
+                    <m:r>
+                      <m:rPr>
+                        <m:sty m:val="p"/>
+                      </m:rPr>
+                      <a:rPr lang="en-US" sz="1600">
+                        <a:latin typeface="Cambria Math" panose="02040503050406030204" pitchFamily="18" charset="0"/>
+                      </a:rPr>
+                      <m:t>γ</m:t>
+                    </m:r>
+                    <m:func>
+                      <m:funcPr>
+                        <m:ctrlPr>
+                          <a:rPr lang="en-US" sz="1600" i="1">
+                            <a:latin typeface="Cambria Math" panose="02040503050406030204" pitchFamily="18" charset="0"/>
+                          </a:rPr>
+                        </m:ctrlPr>
+                      </m:funcPr>
+                      <m:fName>
+                        <m:sSub>
+                          <m:sSubPr>
+                            <m:ctrlPr>
+                              <a:rPr lang="en-US" sz="1600" i="1">
+                                <a:solidFill>
+                                  <a:srgbClr val="836967"/>
+                                </a:solidFill>
+                                <a:latin typeface="Cambria Math" panose="02040503050406030204" pitchFamily="18" charset="0"/>
+                              </a:rPr>
+                            </m:ctrlPr>
+                          </m:sSubPr>
+                          <m:e>
+                            <m:r>
+                              <a:rPr lang="en-US" sz="1600" b="1" i="1">
+                                <a:latin typeface="Cambria Math" panose="02040503050406030204" pitchFamily="18" charset="0"/>
+                              </a:rPr>
+                              <m:t>𝒎𝒂𝒙</m:t>
+                            </m:r>
+                          </m:e>
+                          <m:sub>
+                            <m:r>
+                              <a:rPr lang="en-US" sz="1600" b="1" i="1">
+                                <a:latin typeface="Cambria Math" panose="02040503050406030204" pitchFamily="18" charset="0"/>
+                              </a:rPr>
+                              <m:t>𝒂</m:t>
+                            </m:r>
+                            <m:r>
+                              <a:rPr lang="en-US" sz="1600">
+                                <a:latin typeface="Cambria Math" panose="02040503050406030204" pitchFamily="18" charset="0"/>
+                              </a:rPr>
+                              <m:t>′</m:t>
+                            </m:r>
+                          </m:sub>
+                        </m:sSub>
+                      </m:fName>
+                      <m:e>
+                        <m:sSub>
+                          <m:sSubPr>
+                            <m:ctrlPr>
+                              <a:rPr lang="en-US" sz="1600" i="1">
+                                <a:solidFill>
+                                  <a:srgbClr val="836967"/>
+                                </a:solidFill>
+                                <a:latin typeface="Cambria Math" panose="02040503050406030204" pitchFamily="18" charset="0"/>
+                              </a:rPr>
+                            </m:ctrlPr>
+                          </m:sSubPr>
+                          <m:e>
+                            <m:r>
+                              <a:rPr lang="en-US" sz="1600" i="1">
+                                <a:latin typeface="Cambria Math" panose="02040503050406030204" pitchFamily="18" charset="0"/>
+                              </a:rPr>
+                              <m:t>𝐸</m:t>
+                            </m:r>
+                          </m:e>
+                          <m:sub>
+                            <m:sSup>
+                              <m:sSupPr>
+                                <m:ctrlPr>
+                                  <a:rPr lang="en-US" sz="1600" i="1">
+                                    <a:solidFill>
+                                      <a:srgbClr val="836967"/>
+                                    </a:solidFill>
+                                    <a:latin typeface="Cambria Math" panose="02040503050406030204" pitchFamily="18" charset="0"/>
+                                  </a:rPr>
+                                </m:ctrlPr>
+                              </m:sSupPr>
+                              <m:e>
+                                <m:r>
+                                  <a:rPr lang="en-US" sz="1600" i="1">
+                                    <a:latin typeface="Cambria Math" panose="02040503050406030204" pitchFamily="18" charset="0"/>
+                                  </a:rPr>
+                                  <m:t>𝑠</m:t>
+                                </m:r>
+                              </m:e>
+                              <m:sup>
+                                <m:r>
+                                  <a:rPr lang="en-US" sz="1600">
+                                    <a:latin typeface="Cambria Math" panose="02040503050406030204" pitchFamily="18" charset="0"/>
+                                  </a:rPr>
+                                  <m:t>′</m:t>
+                                </m:r>
+                              </m:sup>
+                            </m:sSup>
+                            <m:r>
+                              <a:rPr lang="en-US" sz="1600">
+                                <a:latin typeface="Cambria Math" panose="02040503050406030204" pitchFamily="18" charset="0"/>
+                              </a:rPr>
+                              <m:t>~</m:t>
+                            </m:r>
+                            <m:r>
+                              <a:rPr lang="en-US" sz="1600" i="1">
+                                <a:latin typeface="Cambria Math" panose="02040503050406030204" pitchFamily="18" charset="0"/>
+                              </a:rPr>
+                              <m:t>𝑀</m:t>
+                            </m:r>
+                            <m:d>
+                              <m:dPr>
+                                <m:sepChr m:val=","/>
+                                <m:ctrlPr>
+                                  <a:rPr lang="en-US" sz="1600" i="1">
+                                    <a:latin typeface="Cambria Math" panose="02040503050406030204" pitchFamily="18" charset="0"/>
+                                  </a:rPr>
+                                </m:ctrlPr>
+                              </m:dPr>
+                              <m:e>
+                                <m:r>
+                                  <a:rPr lang="en-US" sz="1600" i="1">
+                                    <a:latin typeface="Cambria Math" panose="02040503050406030204" pitchFamily="18" charset="0"/>
+                                  </a:rPr>
+                                  <m:t>𝑠</m:t>
+                                </m:r>
+                              </m:e>
+                              <m:e>
+                                <m:r>
+                                  <a:rPr lang="en-US" sz="1600" i="1">
+                                    <a:latin typeface="Cambria Math" panose="02040503050406030204" pitchFamily="18" charset="0"/>
+                                  </a:rPr>
+                                  <m:t>𝑎</m:t>
+                                </m:r>
+                              </m:e>
+                              <m:e>
+                                <m:r>
+                                  <a:rPr lang="en-US" sz="1600" i="1">
+                                    <a:latin typeface="Cambria Math" panose="02040503050406030204" pitchFamily="18" charset="0"/>
+                                  </a:rPr>
+                                  <m:t>𝑠</m:t>
+                                </m:r>
+                                <m:r>
+                                  <a:rPr lang="en-US" sz="1600">
+                                    <a:latin typeface="Cambria Math" panose="02040503050406030204" pitchFamily="18" charset="0"/>
+                                  </a:rPr>
+                                  <m:t>′</m:t>
+                                </m:r>
+                              </m:e>
+                            </m:d>
+                          </m:sub>
+                        </m:sSub>
+                        <m:sSup>
+                          <m:sSupPr>
+                            <m:ctrlPr>
+                              <a:rPr lang="en-US" sz="1600" i="1">
+                                <a:solidFill>
+                                  <a:srgbClr val="836967"/>
+                                </a:solidFill>
+                                <a:latin typeface="Cambria Math" panose="02040503050406030204" pitchFamily="18" charset="0"/>
+                              </a:rPr>
+                            </m:ctrlPr>
+                          </m:sSupPr>
+                          <m:e>
+                            <m:r>
+                              <a:rPr lang="en-US" sz="1600" i="1">
+                                <a:latin typeface="Cambria Math" panose="02040503050406030204" pitchFamily="18" charset="0"/>
+                              </a:rPr>
+                              <m:t>𝑄</m:t>
+                            </m:r>
+                          </m:e>
+                          <m:sup>
+                            <m:r>
+                              <a:rPr lang="en-US" sz="1600">
+                                <a:latin typeface="Cambria Math" panose="02040503050406030204" pitchFamily="18" charset="0"/>
+                              </a:rPr>
+                              <m:t>∗</m:t>
+                            </m:r>
+                          </m:sup>
+                        </m:sSup>
+                        <m:d>
+                          <m:dPr>
+                            <m:ctrlPr>
+                              <a:rPr lang="en-US" sz="1600" i="1">
+                                <a:solidFill>
+                                  <a:srgbClr val="836967"/>
+                                </a:solidFill>
+                                <a:latin typeface="Cambria Math" panose="02040503050406030204" pitchFamily="18" charset="0"/>
+                              </a:rPr>
+                            </m:ctrlPr>
+                          </m:dPr>
+                          <m:e>
+                            <m:sSup>
+                              <m:sSupPr>
+                                <m:ctrlPr>
+                                  <a:rPr lang="en-US" sz="1600" i="1">
+                                    <a:solidFill>
+                                      <a:srgbClr val="836967"/>
+                                    </a:solidFill>
+                                    <a:latin typeface="Cambria Math" panose="02040503050406030204" pitchFamily="18" charset="0"/>
+                                  </a:rPr>
+                                </m:ctrlPr>
+                              </m:sSupPr>
+                              <m:e>
+                                <m:r>
+                                  <a:rPr lang="en-US" sz="1600" i="1">
+                                    <a:latin typeface="Cambria Math" panose="02040503050406030204" pitchFamily="18" charset="0"/>
+                                  </a:rPr>
+                                  <m:t>𝑠</m:t>
+                                </m:r>
+                              </m:e>
+                              <m:sup>
+                                <m:r>
+                                  <a:rPr lang="en-US" sz="1600">
+                                    <a:latin typeface="Cambria Math" panose="02040503050406030204" pitchFamily="18" charset="0"/>
+                                  </a:rPr>
+                                  <m:t>′</m:t>
+                                </m:r>
+                              </m:sup>
+                            </m:sSup>
+                            <m:r>
+                              <a:rPr lang="en-US" sz="1600">
+                                <a:latin typeface="Cambria Math" panose="02040503050406030204" pitchFamily="18" charset="0"/>
+                              </a:rPr>
+                              <m:t>,</m:t>
+                            </m:r>
+                            <m:sSup>
+                              <m:sSupPr>
+                                <m:ctrlPr>
+                                  <a:rPr lang="en-US" sz="1600" i="1">
+                                    <a:solidFill>
+                                      <a:srgbClr val="836967"/>
+                                    </a:solidFill>
+                                    <a:latin typeface="Cambria Math" panose="02040503050406030204" pitchFamily="18" charset="0"/>
+                                  </a:rPr>
+                                </m:ctrlPr>
+                              </m:sSupPr>
+                              <m:e>
+                                <m:r>
+                                  <a:rPr lang="en-US" sz="1600" i="1">
+                                    <a:latin typeface="Cambria Math" panose="02040503050406030204" pitchFamily="18" charset="0"/>
+                                  </a:rPr>
+                                  <m:t>𝑎</m:t>
+                                </m:r>
+                              </m:e>
+                              <m:sup>
+                                <m:r>
+                                  <a:rPr lang="en-US" sz="1600">
+                                    <a:latin typeface="Cambria Math" panose="02040503050406030204" pitchFamily="18" charset="0"/>
+                                  </a:rPr>
+                                  <m:t>′</m:t>
+                                </m:r>
+                              </m:sup>
+                            </m:sSup>
+                          </m:e>
+                        </m:d>
+                        <m:r>
+                          <a:rPr lang="en-US" sz="1600">
+                            <a:latin typeface="Cambria Math" panose="02040503050406030204" pitchFamily="18" charset="0"/>
+                          </a:rPr>
+                          <m:t> </m:t>
+                        </m:r>
+                      </m:e>
+                    </m:func>
+                  </m:oMath>
+                </a14:m>
+                <a:endParaRPr lang="en-US" sz="1600" dirty="0"/>
+              </a:p>
+            </p:txBody>
+          </p:sp>
+        </mc:Choice>
+        <mc:Fallback>
+          <p:sp>
+            <p:nvSpPr>
+              <p:cNvPr id="19" name="TextBox 18">
+                <a:extLst>
+                  <a:ext uri="{FF2B5EF4-FFF2-40B4-BE49-F238E27FC236}">
+                    <a16:creationId xmlns:a16="http://schemas.microsoft.com/office/drawing/2014/main" id="{CFA533DF-A582-274F-9383-4FCEFCF08AC8}"/>
+                  </a:ext>
+                </a:extLst>
+              </p:cNvPr>
+              <p:cNvSpPr txBox="1">
+                <a:spLocks noRot="1" noChangeAspect="1" noMove="1" noResize="1" noEditPoints="1" noAdjustHandles="1" noChangeArrowheads="1" noChangeShapeType="1" noTextEdit="1"/>
+              </p:cNvSpPr>
+              <p:nvPr/>
+            </p:nvSpPr>
+            <p:spPr>
+              <a:xfrm>
+                <a:off x="1185239" y="5513655"/>
+                <a:ext cx="4568278" cy="950645"/>
+              </a:xfrm>
+              <a:prstGeom prst="rect">
+                <a:avLst/>
+              </a:prstGeom>
+              <a:blipFill>
+                <a:blip r:embed="rId12"/>
+                <a:stretch>
+                  <a:fillRect l="-831" t="-1316"/>
+                </a:stretch>
+              </a:blipFill>
+            </p:spPr>
+            <p:txBody>
+              <a:bodyPr/>
+              <a:lstStyle/>
+              <a:p>
+                <a:r>
+                  <a:rPr lang="en-US">
+                    <a:noFill/>
+                  </a:rPr>
+                  <a:t> </a:t>
+                </a:r>
+              </a:p>
+            </p:txBody>
+          </p:sp>
+        </mc:Fallback>
+      </mc:AlternateContent>
+    </p:spTree>
+    <p:extLst>
+      <p:ext uri="{BB962C8B-B14F-4D97-AF65-F5344CB8AC3E}">
+        <p14:creationId xmlns:p14="http://schemas.microsoft.com/office/powerpoint/2010/main" val="2510074742"/>
+      </p:ext>
+    </p:extLst>
+  </p:cSld>
+  <p:clrMapOvr>
+    <a:masterClrMapping/>
+  </p:clrMapOvr>
+</p:sld>
+</file>
+
+<file path=ppt/slides/slide8.xml><?xml version="1.0" encoding="utf-8"?>
+<p:sld xmlns:a="http://schemas.openxmlformats.org/drawingml/2006/main" xmlns:r="http://schemas.openxmlformats.org/officeDocument/2006/relationships" xmlns:p="http://schemas.openxmlformats.org/presentationml/2006/main">
+  <p:cSld>
+    <p:spTree>
+      <p:nvGrpSpPr>
+        <p:cNvPr id="1" name=""/>
+        <p:cNvGrpSpPr/>
+        <p:nvPr/>
+      </p:nvGrpSpPr>
+      <p:grpSpPr>
+        <a:xfrm>
+          <a:off x="0" y="0"/>
+          <a:ext cx="0" cy="0"/>
+          <a:chOff x="0" y="0"/>
+          <a:chExt cx="0" cy="0"/>
+        </a:xfrm>
+      </p:grpSpPr>
+      <p:sp>
+        <p:nvSpPr>
+          <p:cNvPr id="12" name="Subtitle 2">
+            <a:extLst>
+              <a:ext uri="{FF2B5EF4-FFF2-40B4-BE49-F238E27FC236}">
+                <a16:creationId xmlns:a16="http://schemas.microsoft.com/office/drawing/2014/main" id="{AF6B266F-1219-CD47-A248-483FB1190CBA}"/>
+              </a:ext>
+            </a:extLst>
+          </p:cNvPr>
+          <p:cNvSpPr txBox="1">
+            <a:spLocks/>
+          </p:cNvSpPr>
+          <p:nvPr/>
+        </p:nvSpPr>
+        <p:spPr>
+          <a:xfrm>
+            <a:off x="854500" y="1932167"/>
+            <a:ext cx="10077450" cy="4398913"/>
+          </a:xfrm>
+          <a:prstGeom prst="rect">
+            <a:avLst/>
+          </a:prstGeom>
+        </p:spPr>
+        <p:txBody>
+          <a:bodyPr vert="horz" lIns="91440" tIns="45720" rIns="91440" bIns="45720" rtlCol="0">
+            <a:normAutofit/>
+          </a:bodyPr>
+          <a:lstStyle>
+            <a:lvl1pPr marL="0" indent="0" algn="ctr" defTabSz="914400" rtl="0" eaLnBrk="1" latinLnBrk="0" hangingPunct="1">
+              <a:lnSpc>
+                <a:spcPct val="90000"/>
+              </a:lnSpc>
+              <a:spcBef>
+                <a:spcPts val="1000"/>
+              </a:spcBef>
+              <a:buFont typeface="Arial" panose="020B0604020202020204" pitchFamily="34" charset="0"/>
+              <a:buNone/>
+              <a:defRPr sz="2400" kern="1200">
+                <a:solidFill>
+                  <a:schemeClr val="tx1"/>
+                </a:solidFill>
+                <a:latin typeface="+mn-lt"/>
+                <a:ea typeface="+mn-ea"/>
+                <a:cs typeface="+mn-cs"/>
+              </a:defRPr>
+            </a:lvl1pPr>
+            <a:lvl2pPr marL="457200" indent="0" algn="ctr" defTabSz="914400" rtl="0" eaLnBrk="1" latinLnBrk="0" hangingPunct="1">
+              <a:lnSpc>
+                <a:spcPct val="90000"/>
+              </a:lnSpc>
+              <a:spcBef>
+                <a:spcPts val="500"/>
+              </a:spcBef>
+              <a:buFont typeface="Arial" panose="020B0604020202020204" pitchFamily="34" charset="0"/>
+              <a:buNone/>
+              <a:defRPr sz="2000" kern="1200">
+                <a:solidFill>
+                  <a:schemeClr val="tx1"/>
+                </a:solidFill>
+                <a:latin typeface="+mn-lt"/>
+                <a:ea typeface="+mn-ea"/>
+                <a:cs typeface="+mn-cs"/>
+              </a:defRPr>
+            </a:lvl2pPr>
+            <a:lvl3pPr marL="914400" indent="0" algn="ctr" defTabSz="914400" rtl="0" eaLnBrk="1" latinLnBrk="0" hangingPunct="1">
+              <a:lnSpc>
+                <a:spcPct val="90000"/>
+              </a:lnSpc>
+              <a:spcBef>
+                <a:spcPts val="500"/>
+              </a:spcBef>
+              <a:buFont typeface="Arial" panose="020B0604020202020204" pitchFamily="34" charset="0"/>
+              <a:buNone/>
+              <a:defRPr sz="1800" kern="1200">
+                <a:solidFill>
+                  <a:schemeClr val="tx1"/>
+                </a:solidFill>
+                <a:latin typeface="+mn-lt"/>
+                <a:ea typeface="+mn-ea"/>
+                <a:cs typeface="+mn-cs"/>
+              </a:defRPr>
+            </a:lvl3pPr>
+            <a:lvl4pPr marL="1371600" indent="0" algn="ctr" defTabSz="914400" rtl="0" eaLnBrk="1" latinLnBrk="0" hangingPunct="1">
+              <a:lnSpc>
+                <a:spcPct val="90000"/>
+              </a:lnSpc>
+              <a:spcBef>
+                <a:spcPts val="500"/>
+              </a:spcBef>
+              <a:buFont typeface="Arial" panose="020B0604020202020204" pitchFamily="34" charset="0"/>
+              <a:buNone/>
+              <a:defRPr sz="1600" kern="1200">
+                <a:solidFill>
+                  <a:schemeClr val="tx1"/>
+                </a:solidFill>
+                <a:latin typeface="+mn-lt"/>
+                <a:ea typeface="+mn-ea"/>
+                <a:cs typeface="+mn-cs"/>
+              </a:defRPr>
+            </a:lvl4pPr>
+            <a:lvl5pPr marL="1828800" indent="0" algn="ctr" defTabSz="914400" rtl="0" eaLnBrk="1" latinLnBrk="0" hangingPunct="1">
+              <a:lnSpc>
+                <a:spcPct val="90000"/>
+              </a:lnSpc>
+              <a:spcBef>
+                <a:spcPts val="500"/>
+              </a:spcBef>
+              <a:buFont typeface="Arial" panose="020B0604020202020204" pitchFamily="34" charset="0"/>
+              <a:buNone/>
+              <a:defRPr sz="1600" kern="1200">
+                <a:solidFill>
+                  <a:schemeClr val="tx1"/>
+                </a:solidFill>
+                <a:latin typeface="+mn-lt"/>
+                <a:ea typeface="+mn-ea"/>
+                <a:cs typeface="+mn-cs"/>
+              </a:defRPr>
+            </a:lvl5pPr>
+            <a:lvl6pPr marL="2286000" indent="0" algn="ctr" defTabSz="914400" rtl="0" eaLnBrk="1" latinLnBrk="0" hangingPunct="1">
+              <a:lnSpc>
+                <a:spcPct val="90000"/>
+              </a:lnSpc>
+              <a:spcBef>
+                <a:spcPts val="500"/>
+              </a:spcBef>
+              <a:buFont typeface="Arial" panose="020B0604020202020204" pitchFamily="34" charset="0"/>
+              <a:buNone/>
+              <a:defRPr sz="1600" kern="1200">
+                <a:solidFill>
+                  <a:schemeClr val="tx1"/>
+                </a:solidFill>
+                <a:latin typeface="+mn-lt"/>
+                <a:ea typeface="+mn-ea"/>
+                <a:cs typeface="+mn-cs"/>
+              </a:defRPr>
+            </a:lvl6pPr>
+            <a:lvl7pPr marL="2743200" indent="0" algn="ctr" defTabSz="914400" rtl="0" eaLnBrk="1" latinLnBrk="0" hangingPunct="1">
+              <a:lnSpc>
+                <a:spcPct val="90000"/>
+              </a:lnSpc>
+              <a:spcBef>
+                <a:spcPts val="500"/>
+              </a:spcBef>
+              <a:buFont typeface="Arial" panose="020B0604020202020204" pitchFamily="34" charset="0"/>
+              <a:buNone/>
+              <a:defRPr sz="1600" kern="1200">
+                <a:solidFill>
+                  <a:schemeClr val="tx1"/>
+                </a:solidFill>
+                <a:latin typeface="+mn-lt"/>
+                <a:ea typeface="+mn-ea"/>
+                <a:cs typeface="+mn-cs"/>
+              </a:defRPr>
+            </a:lvl7pPr>
+            <a:lvl8pPr marL="3200400" indent="0" algn="ctr" defTabSz="914400" rtl="0" eaLnBrk="1" latinLnBrk="0" hangingPunct="1">
+              <a:lnSpc>
+                <a:spcPct val="90000"/>
+              </a:lnSpc>
+              <a:spcBef>
+                <a:spcPts val="500"/>
+              </a:spcBef>
+              <a:buFont typeface="Arial" panose="020B0604020202020204" pitchFamily="34" charset="0"/>
+              <a:buNone/>
+              <a:defRPr sz="1600" kern="1200">
+                <a:solidFill>
+                  <a:schemeClr val="tx1"/>
+                </a:solidFill>
+                <a:latin typeface="+mn-lt"/>
+                <a:ea typeface="+mn-ea"/>
+                <a:cs typeface="+mn-cs"/>
+              </a:defRPr>
+            </a:lvl8pPr>
+            <a:lvl9pPr marL="3657600" indent="0" algn="ctr" defTabSz="914400" rtl="0" eaLnBrk="1" latinLnBrk="0" hangingPunct="1">
+              <a:lnSpc>
+                <a:spcPct val="90000"/>
+              </a:lnSpc>
+              <a:spcBef>
+                <a:spcPts val="500"/>
+              </a:spcBef>
+              <a:buFont typeface="Arial" panose="020B0604020202020204" pitchFamily="34" charset="0"/>
+              <a:buNone/>
+              <a:defRPr sz="1600" kern="1200">
+                <a:solidFill>
+                  <a:schemeClr val="tx1"/>
+                </a:solidFill>
+                <a:latin typeface="+mn-lt"/>
+                <a:ea typeface="+mn-ea"/>
+                <a:cs typeface="+mn-cs"/>
+              </a:defRPr>
+            </a:lvl9pPr>
+          </a:lstStyle>
+          <a:p>
+            <a:pPr marL="285750" indent="-285750" algn="just">
+              <a:buFont typeface="Wingdings" pitchFamily="2" charset="2"/>
+              <a:buChar char="Ø"/>
+            </a:pPr>
+            <a:endParaRPr lang="en-US" sz="1800" dirty="0">
+              <a:latin typeface="Arial" panose="020B0604020202020204" pitchFamily="34" charset="0"/>
+            </a:endParaRPr>
+          </a:p>
+          <a:p>
+            <a:pPr algn="l"/>
+            <a:endParaRPr lang="en-US" sz="1800" dirty="0">
+              <a:latin typeface="Arial" panose="020B0604020202020204" pitchFamily="34" charset="0"/>
+            </a:endParaRPr>
+          </a:p>
+        </p:txBody>
+      </p:sp>
+      <p:sp>
+        <p:nvSpPr>
+          <p:cNvPr id="4" name="Subtitle 2">
+            <a:extLst>
+              <a:ext uri="{FF2B5EF4-FFF2-40B4-BE49-F238E27FC236}">
+                <a16:creationId xmlns:a16="http://schemas.microsoft.com/office/drawing/2014/main" id="{B4B8C344-B172-9E43-A871-7E8F354FF5DE}"/>
+              </a:ext>
+            </a:extLst>
+          </p:cNvPr>
+          <p:cNvSpPr txBox="1">
+            <a:spLocks/>
+          </p:cNvSpPr>
+          <p:nvPr/>
+        </p:nvSpPr>
+        <p:spPr>
+          <a:xfrm>
+            <a:off x="854500" y="1133551"/>
+            <a:ext cx="10077450" cy="371789"/>
+          </a:xfrm>
+          <a:prstGeom prst="rect">
+            <a:avLst/>
+          </a:prstGeom>
+        </p:spPr>
+        <p:txBody>
+          <a:bodyPr vert="horz" lIns="91440" tIns="45720" rIns="91440" bIns="45720" rtlCol="0">
+            <a:normAutofit/>
+          </a:bodyPr>
+          <a:lstStyle>
+            <a:lvl1pPr marL="0" indent="0" algn="ctr" defTabSz="914400" rtl="0" eaLnBrk="1" latinLnBrk="0" hangingPunct="1">
+              <a:lnSpc>
+                <a:spcPct val="90000"/>
+              </a:lnSpc>
+              <a:spcBef>
+                <a:spcPts val="1000"/>
+              </a:spcBef>
+              <a:buFont typeface="Arial" panose="020B0604020202020204" pitchFamily="34" charset="0"/>
+              <a:buNone/>
+              <a:defRPr sz="2400" kern="1200">
+                <a:solidFill>
+                  <a:schemeClr val="tx1"/>
+                </a:solidFill>
+                <a:latin typeface="+mn-lt"/>
+                <a:ea typeface="+mn-ea"/>
+                <a:cs typeface="+mn-cs"/>
+              </a:defRPr>
+            </a:lvl1pPr>
+            <a:lvl2pPr marL="457200" indent="0" algn="ctr" defTabSz="914400" rtl="0" eaLnBrk="1" latinLnBrk="0" hangingPunct="1">
+              <a:lnSpc>
+                <a:spcPct val="90000"/>
+              </a:lnSpc>
+              <a:spcBef>
+                <a:spcPts val="500"/>
+              </a:spcBef>
+              <a:buFont typeface="Arial" panose="020B0604020202020204" pitchFamily="34" charset="0"/>
+              <a:buNone/>
+              <a:defRPr sz="2000" kern="1200">
+                <a:solidFill>
+                  <a:schemeClr val="tx1"/>
+                </a:solidFill>
+                <a:latin typeface="+mn-lt"/>
+                <a:ea typeface="+mn-ea"/>
+                <a:cs typeface="+mn-cs"/>
+              </a:defRPr>
+            </a:lvl2pPr>
+            <a:lvl3pPr marL="914400" indent="0" algn="ctr" defTabSz="914400" rtl="0" eaLnBrk="1" latinLnBrk="0" hangingPunct="1">
+              <a:lnSpc>
+                <a:spcPct val="90000"/>
+              </a:lnSpc>
+              <a:spcBef>
+                <a:spcPts val="500"/>
+              </a:spcBef>
+              <a:buFont typeface="Arial" panose="020B0604020202020204" pitchFamily="34" charset="0"/>
+              <a:buNone/>
+              <a:defRPr sz="1800" kern="1200">
+                <a:solidFill>
+                  <a:schemeClr val="tx1"/>
+                </a:solidFill>
+                <a:latin typeface="+mn-lt"/>
+                <a:ea typeface="+mn-ea"/>
+                <a:cs typeface="+mn-cs"/>
+              </a:defRPr>
+            </a:lvl3pPr>
+            <a:lvl4pPr marL="1371600" indent="0" algn="ctr" defTabSz="914400" rtl="0" eaLnBrk="1" latinLnBrk="0" hangingPunct="1">
+              <a:lnSpc>
+                <a:spcPct val="90000"/>
+              </a:lnSpc>
+              <a:spcBef>
+                <a:spcPts val="500"/>
+              </a:spcBef>
+              <a:buFont typeface="Arial" panose="020B0604020202020204" pitchFamily="34" charset="0"/>
+              <a:buNone/>
+              <a:defRPr sz="1600" kern="1200">
+                <a:solidFill>
+                  <a:schemeClr val="tx1"/>
+                </a:solidFill>
+                <a:latin typeface="+mn-lt"/>
+                <a:ea typeface="+mn-ea"/>
+                <a:cs typeface="+mn-cs"/>
+              </a:defRPr>
+            </a:lvl4pPr>
+            <a:lvl5pPr marL="1828800" indent="0" algn="ctr" defTabSz="914400" rtl="0" eaLnBrk="1" latinLnBrk="0" hangingPunct="1">
+              <a:lnSpc>
+                <a:spcPct val="90000"/>
+              </a:lnSpc>
+              <a:spcBef>
+                <a:spcPts val="500"/>
+              </a:spcBef>
+              <a:buFont typeface="Arial" panose="020B0604020202020204" pitchFamily="34" charset="0"/>
+              <a:buNone/>
+              <a:defRPr sz="1600" kern="1200">
+                <a:solidFill>
+                  <a:schemeClr val="tx1"/>
+                </a:solidFill>
+                <a:latin typeface="+mn-lt"/>
+                <a:ea typeface="+mn-ea"/>
+                <a:cs typeface="+mn-cs"/>
+              </a:defRPr>
+            </a:lvl5pPr>
+            <a:lvl6pPr marL="2286000" indent="0" algn="ctr" defTabSz="914400" rtl="0" eaLnBrk="1" latinLnBrk="0" hangingPunct="1">
+              <a:lnSpc>
+                <a:spcPct val="90000"/>
+              </a:lnSpc>
+              <a:spcBef>
+                <a:spcPts val="500"/>
+              </a:spcBef>
+              <a:buFont typeface="Arial" panose="020B0604020202020204" pitchFamily="34" charset="0"/>
+              <a:buNone/>
+              <a:defRPr sz="1600" kern="1200">
+                <a:solidFill>
+                  <a:schemeClr val="tx1"/>
+                </a:solidFill>
+                <a:latin typeface="+mn-lt"/>
+                <a:ea typeface="+mn-ea"/>
+                <a:cs typeface="+mn-cs"/>
+              </a:defRPr>
+            </a:lvl6pPr>
+            <a:lvl7pPr marL="2743200" indent="0" algn="ctr" defTabSz="914400" rtl="0" eaLnBrk="1" latinLnBrk="0" hangingPunct="1">
+              <a:lnSpc>
+                <a:spcPct val="90000"/>
+              </a:lnSpc>
+              <a:spcBef>
+                <a:spcPts val="500"/>
+              </a:spcBef>
+              <a:buFont typeface="Arial" panose="020B0604020202020204" pitchFamily="34" charset="0"/>
+              <a:buNone/>
+              <a:defRPr sz="1600" kern="1200">
+                <a:solidFill>
+                  <a:schemeClr val="tx1"/>
+                </a:solidFill>
+                <a:latin typeface="+mn-lt"/>
+                <a:ea typeface="+mn-ea"/>
+                <a:cs typeface="+mn-cs"/>
+              </a:defRPr>
+            </a:lvl7pPr>
+            <a:lvl8pPr marL="3200400" indent="0" algn="ctr" defTabSz="914400" rtl="0" eaLnBrk="1" latinLnBrk="0" hangingPunct="1">
+              <a:lnSpc>
+                <a:spcPct val="90000"/>
+              </a:lnSpc>
+              <a:spcBef>
+                <a:spcPts val="500"/>
+              </a:spcBef>
+              <a:buFont typeface="Arial" panose="020B0604020202020204" pitchFamily="34" charset="0"/>
+              <a:buNone/>
+              <a:defRPr sz="1600" kern="1200">
+                <a:solidFill>
+                  <a:schemeClr val="tx1"/>
+                </a:solidFill>
+                <a:latin typeface="+mn-lt"/>
+                <a:ea typeface="+mn-ea"/>
+                <a:cs typeface="+mn-cs"/>
+              </a:defRPr>
+            </a:lvl8pPr>
+            <a:lvl9pPr marL="3657600" indent="0" algn="ctr" defTabSz="914400" rtl="0" eaLnBrk="1" latinLnBrk="0" hangingPunct="1">
+              <a:lnSpc>
+                <a:spcPct val="90000"/>
+              </a:lnSpc>
+              <a:spcBef>
+                <a:spcPts val="500"/>
+              </a:spcBef>
+              <a:buFont typeface="Arial" panose="020B0604020202020204" pitchFamily="34" charset="0"/>
+              <a:buNone/>
+              <a:defRPr sz="1600" kern="1200">
+                <a:solidFill>
+                  <a:schemeClr val="tx1"/>
+                </a:solidFill>
+                <a:latin typeface="+mn-lt"/>
+                <a:ea typeface="+mn-ea"/>
+                <a:cs typeface="+mn-cs"/>
+              </a:defRPr>
+            </a:lvl9pPr>
+          </a:lstStyle>
+          <a:p>
+            <a:pPr algn="l"/>
+            <a:r>
+              <a:rPr lang="en-US" sz="2000" b="1" dirty="0">
+                <a:latin typeface="Arial" panose="020B0604020202020204" pitchFamily="34" charset="0"/>
+                <a:cs typeface="Arial" panose="020B0604020202020204" pitchFamily="34" charset="0"/>
+              </a:rPr>
+              <a:t>3.3</a:t>
+            </a:r>
+            <a:r>
+              <a:rPr lang="en-US" sz="2000" b="1" dirty="0">
+                <a:effectLst/>
+                <a:latin typeface="Arial" panose="020B0604020202020204" pitchFamily="34" charset="0"/>
+                <a:cs typeface="Arial" panose="020B0604020202020204" pitchFamily="34" charset="0"/>
+              </a:rPr>
+              <a:t> Tabular Inverse Q-learning – Model-free</a:t>
+            </a:r>
+          </a:p>
+          <a:p>
+            <a:pPr algn="l"/>
+            <a:endParaRPr lang="en-US" sz="1800" b="0" i="0" dirty="0">
+              <a:effectLst/>
+              <a:latin typeface="Arial" panose="020B0604020202020204" pitchFamily="34" charset="0"/>
+              <a:cs typeface="Arial" panose="020B0604020202020204" pitchFamily="34" charset="0"/>
+            </a:endParaRPr>
+          </a:p>
+          <a:p>
+            <a:pPr algn="l"/>
+            <a:endParaRPr lang="en-US" sz="1800" dirty="0">
+              <a:latin typeface="Arial" panose="020B0604020202020204" pitchFamily="34" charset="0"/>
+              <a:cs typeface="Arial" panose="020B0604020202020204" pitchFamily="34" charset="0"/>
+            </a:endParaRPr>
+          </a:p>
+        </p:txBody>
+      </p:sp>
+      <p:sp>
+        <p:nvSpPr>
+          <p:cNvPr id="8" name="TextBox 7">
+            <a:extLst>
+              <a:ext uri="{FF2B5EF4-FFF2-40B4-BE49-F238E27FC236}">
+                <a16:creationId xmlns:a16="http://schemas.microsoft.com/office/drawing/2014/main" id="{6BDAA025-B379-844F-9153-06235CBF0E76}"/>
+              </a:ext>
+            </a:extLst>
+          </p:cNvPr>
+          <p:cNvSpPr txBox="1"/>
+          <p:nvPr/>
+        </p:nvSpPr>
+        <p:spPr>
+          <a:xfrm>
+            <a:off x="875507" y="1717482"/>
+            <a:ext cx="10461993" cy="923330"/>
+          </a:xfrm>
+          <a:prstGeom prst="rect">
+            <a:avLst/>
+          </a:prstGeom>
+          <a:noFill/>
+        </p:spPr>
+        <p:txBody>
+          <a:bodyPr wrap="square">
+            <a:spAutoFit/>
+          </a:bodyPr>
+          <a:lstStyle/>
+          <a:p>
+            <a:pPr marL="285750" indent="-285750">
+              <a:buFont typeface="Wingdings" pitchFamily="2" charset="2"/>
+              <a:buChar char="Ø"/>
+            </a:pPr>
+            <a:r>
+              <a:rPr lang="en-US" dirty="0">
+                <a:latin typeface="Arial" panose="020B0604020202020204" pitchFamily="34" charset="0"/>
+                <a:cs typeface="Arial" panose="020B0604020202020204" pitchFamily="34" charset="0"/>
+              </a:rPr>
+              <a:t>To relax the assumption of an existing transition model and action probabilities, they have extended the Inverse Action-value Iteration to a sampling-based algorithm. They have used shifted Q-functions to avoid the need of a model.</a:t>
+            </a:r>
+          </a:p>
+        </p:txBody>
+      </p:sp>
+      <mc:AlternateContent xmlns:mc="http://schemas.openxmlformats.org/markup-compatibility/2006" xmlns:a14="http://schemas.microsoft.com/office/drawing/2010/main">
+        <mc:Choice Requires="a14">
+          <p:sp>
+            <p:nvSpPr>
+              <p:cNvPr id="13" name="TextBox 12">
+                <a:extLst>
+                  <a:ext uri="{FF2B5EF4-FFF2-40B4-BE49-F238E27FC236}">
+                    <a16:creationId xmlns:a16="http://schemas.microsoft.com/office/drawing/2014/main" id="{4E321E74-C593-9346-BA86-6EB63E5C0233}"/>
+                  </a:ext>
+                </a:extLst>
+              </p:cNvPr>
+              <p:cNvSpPr txBox="1"/>
+              <p:nvPr/>
+            </p:nvSpPr>
+            <p:spPr>
+              <a:xfrm>
+                <a:off x="1515618" y="4703656"/>
+                <a:ext cx="3086413" cy="435312"/>
+              </a:xfrm>
+              <a:prstGeom prst="rect">
+                <a:avLst/>
+              </a:prstGeom>
+              <a:noFill/>
+            </p:spPr>
+            <p:txBody>
+              <a:bodyPr wrap="square">
+                <a:spAutoFit/>
+              </a:bodyPr>
+              <a:lstStyle/>
+              <a:p>
+                <a:pPr/>
+                <a14:m>
+                  <m:oMathPara xmlns:m="http://schemas.openxmlformats.org/officeDocument/2006/math">
+                    <m:oMathParaPr>
+                      <m:jc m:val="centerGroup"/>
+                    </m:oMathParaPr>
+                    <m:oMath xmlns:m="http://schemas.openxmlformats.org/officeDocument/2006/math">
+                      <m:sSup>
+                        <m:sSupPr>
+                          <m:ctrlPr>
+                            <a:rPr lang="en-US" sz="1400" b="0" i="1" smtClean="0">
+                              <a:solidFill>
+                                <a:schemeClr val="tx1"/>
+                              </a:solidFill>
+                              <a:latin typeface="Cambria Math" panose="02040503050406030204" pitchFamily="18" charset="0"/>
+                            </a:rPr>
+                          </m:ctrlPr>
+                        </m:sSupPr>
+                        <m:e>
+                          <m:r>
+                            <a:rPr lang="en-US" sz="1400" b="0" i="1" smtClean="0">
+                              <a:solidFill>
+                                <a:schemeClr val="tx1"/>
+                              </a:solidFill>
+                              <a:latin typeface="Cambria Math" panose="02040503050406030204" pitchFamily="18" charset="0"/>
+                            </a:rPr>
+                            <m:t>𝑄</m:t>
+                          </m:r>
+                        </m:e>
+                        <m:sup>
+                          <m:r>
+                            <a:rPr lang="en-US" sz="1400" b="0" i="1" smtClean="0">
+                              <a:solidFill>
+                                <a:schemeClr val="tx1"/>
+                              </a:solidFill>
+                              <a:latin typeface="Cambria Math" panose="02040503050406030204" pitchFamily="18" charset="0"/>
+                            </a:rPr>
+                            <m:t>𝑠h</m:t>
+                          </m:r>
+                        </m:sup>
+                      </m:sSup>
+                      <m:r>
+                        <a:rPr lang="en-US" sz="1400" b="0" i="1" smtClean="0">
+                          <a:solidFill>
+                            <a:schemeClr val="tx1"/>
+                          </a:solidFill>
+                          <a:latin typeface="Cambria Math" panose="02040503050406030204" pitchFamily="18" charset="0"/>
+                        </a:rPr>
+                        <m:t>=</m:t>
+                      </m:r>
+                      <m:r>
+                        <m:rPr>
+                          <m:sty m:val="p"/>
+                        </m:rPr>
+                        <a:rPr lang="en-US" sz="1400" i="0" smtClean="0">
+                          <a:solidFill>
+                            <a:schemeClr val="tx1"/>
+                          </a:solidFill>
+                          <a:latin typeface="Cambria Math" panose="02040503050406030204" pitchFamily="18" charset="0"/>
+                        </a:rPr>
+                        <m:t>γ</m:t>
+                      </m:r>
+                      <m:func>
+                        <m:funcPr>
+                          <m:ctrlPr>
+                            <a:rPr lang="en-US" sz="1400" i="1">
+                              <a:solidFill>
+                                <a:schemeClr val="tx1"/>
+                              </a:solidFill>
+                              <a:latin typeface="Cambria Math" panose="02040503050406030204" pitchFamily="18" charset="0"/>
+                            </a:rPr>
+                          </m:ctrlPr>
+                        </m:funcPr>
+                        <m:fName>
+                          <m:sSub>
+                            <m:sSubPr>
+                              <m:ctrlPr>
+                                <a:rPr lang="en-US" sz="1400" i="1">
+                                  <a:solidFill>
+                                    <a:schemeClr val="tx1"/>
+                                  </a:solidFill>
+                                  <a:latin typeface="Cambria Math" panose="02040503050406030204" pitchFamily="18" charset="0"/>
+                                </a:rPr>
+                              </m:ctrlPr>
+                            </m:sSubPr>
+                            <m:e>
+                              <m:r>
+                                <a:rPr lang="en-US" sz="1400" b="1" i="1">
+                                  <a:solidFill>
+                                    <a:schemeClr val="tx1"/>
+                                  </a:solidFill>
+                                  <a:latin typeface="Cambria Math" panose="02040503050406030204" pitchFamily="18" charset="0"/>
+                                </a:rPr>
+                                <m:t>𝒎𝒂𝒙</m:t>
+                              </m:r>
+                            </m:e>
+                            <m:sub>
+                              <m:r>
+                                <a:rPr lang="en-US" sz="1400" b="1" i="1">
+                                  <a:solidFill>
+                                    <a:schemeClr val="tx1"/>
+                                  </a:solidFill>
+                                  <a:latin typeface="Cambria Math" panose="02040503050406030204" pitchFamily="18" charset="0"/>
+                                </a:rPr>
+                                <m:t>𝒃</m:t>
+                              </m:r>
+                              <m:r>
+                                <a:rPr lang="en-US" sz="1400" b="0" i="0">
+                                  <a:solidFill>
+                                    <a:schemeClr val="tx1"/>
+                                  </a:solidFill>
+                                  <a:latin typeface="Cambria Math" panose="02040503050406030204" pitchFamily="18" charset="0"/>
+                                </a:rPr>
+                                <m:t>′</m:t>
+                              </m:r>
+                            </m:sub>
+                          </m:sSub>
+                        </m:fName>
+                        <m:e>
+                          <m:sSub>
+                            <m:sSubPr>
+                              <m:ctrlPr>
+                                <a:rPr lang="en-US" sz="1400" b="0" i="1">
+                                  <a:solidFill>
+                                    <a:schemeClr val="tx1"/>
+                                  </a:solidFill>
+                                  <a:latin typeface="Cambria Math" panose="02040503050406030204" pitchFamily="18" charset="0"/>
+                                </a:rPr>
+                              </m:ctrlPr>
+                            </m:sSubPr>
+                            <m:e>
+                              <m:r>
+                                <a:rPr lang="en-US" sz="1400" b="0" i="1">
+                                  <a:solidFill>
+                                    <a:schemeClr val="tx1"/>
+                                  </a:solidFill>
+                                  <a:latin typeface="Cambria Math" panose="02040503050406030204" pitchFamily="18" charset="0"/>
+                                </a:rPr>
+                                <m:t>𝐸</m:t>
+                              </m:r>
+                            </m:e>
+                            <m:sub>
+                              <m:sSup>
+                                <m:sSupPr>
+                                  <m:ctrlPr>
+                                    <a:rPr lang="en-US" sz="1400" b="0" i="1">
+                                      <a:solidFill>
+                                        <a:schemeClr val="tx1"/>
+                                      </a:solidFill>
+                                      <a:latin typeface="Cambria Math" panose="02040503050406030204" pitchFamily="18" charset="0"/>
+                                    </a:rPr>
+                                  </m:ctrlPr>
+                                </m:sSupPr>
+                                <m:e>
+                                  <m:r>
+                                    <a:rPr lang="en-US" sz="1400" b="0" i="1">
+                                      <a:solidFill>
+                                        <a:schemeClr val="tx1"/>
+                                      </a:solidFill>
+                                      <a:latin typeface="Cambria Math" panose="02040503050406030204" pitchFamily="18" charset="0"/>
+                                    </a:rPr>
+                                    <m:t>𝑠</m:t>
+                                  </m:r>
+                                </m:e>
+                                <m:sup>
+                                  <m:r>
+                                    <a:rPr lang="en-US" sz="1400" b="0" i="0">
+                                      <a:solidFill>
+                                        <a:schemeClr val="tx1"/>
+                                      </a:solidFill>
+                                      <a:latin typeface="Cambria Math" panose="02040503050406030204" pitchFamily="18" charset="0"/>
+                                    </a:rPr>
+                                    <m:t>′</m:t>
+                                  </m:r>
+                                </m:sup>
+                              </m:sSup>
+                              <m:r>
+                                <a:rPr lang="en-US" sz="1400" b="0" i="0">
+                                  <a:solidFill>
+                                    <a:schemeClr val="tx1"/>
+                                  </a:solidFill>
+                                  <a:latin typeface="Cambria Math" panose="02040503050406030204" pitchFamily="18" charset="0"/>
+                                </a:rPr>
+                                <m:t>~</m:t>
+                              </m:r>
+                              <m:r>
+                                <a:rPr lang="en-US" sz="1400" b="0" i="1">
+                                  <a:solidFill>
+                                    <a:schemeClr val="tx1"/>
+                                  </a:solidFill>
+                                  <a:latin typeface="Cambria Math" panose="02040503050406030204" pitchFamily="18" charset="0"/>
+                                </a:rPr>
+                                <m:t>𝑀</m:t>
+                              </m:r>
+                              <m:d>
+                                <m:dPr>
+                                  <m:sepChr m:val=","/>
+                                  <m:ctrlPr>
+                                    <a:rPr lang="en-US" sz="1400" b="0" i="1">
+                                      <a:solidFill>
+                                        <a:schemeClr val="tx1"/>
+                                      </a:solidFill>
+                                      <a:latin typeface="Cambria Math" panose="02040503050406030204" pitchFamily="18" charset="0"/>
+                                    </a:rPr>
+                                  </m:ctrlPr>
+                                </m:dPr>
+                                <m:e>
+                                  <m:r>
+                                    <a:rPr lang="en-US" sz="1400" b="0" i="1">
+                                      <a:solidFill>
+                                        <a:schemeClr val="tx1"/>
+                                      </a:solidFill>
+                                      <a:latin typeface="Cambria Math" panose="02040503050406030204" pitchFamily="18" charset="0"/>
+                                    </a:rPr>
+                                    <m:t>𝑠</m:t>
+                                  </m:r>
+                                </m:e>
+                                <m:e>
+                                  <m:r>
+                                    <a:rPr lang="en-US" sz="1400" b="0" i="1" smtClean="0">
+                                      <a:solidFill>
+                                        <a:schemeClr val="tx1"/>
+                                      </a:solidFill>
+                                      <a:latin typeface="Cambria Math" panose="02040503050406030204" pitchFamily="18" charset="0"/>
+                                    </a:rPr>
+                                    <m:t>𝑎</m:t>
+                                  </m:r>
+                                </m:e>
+                                <m:e>
+                                  <m:r>
+                                    <a:rPr lang="en-US" sz="1400" b="0" i="1">
+                                      <a:solidFill>
+                                        <a:schemeClr val="tx1"/>
+                                      </a:solidFill>
+                                      <a:latin typeface="Cambria Math" panose="02040503050406030204" pitchFamily="18" charset="0"/>
+                                    </a:rPr>
+                                    <m:t>𝑠</m:t>
+                                  </m:r>
+                                  <m:r>
+                                    <a:rPr lang="en-US" sz="1400" b="0" i="0">
+                                      <a:solidFill>
+                                        <a:schemeClr val="tx1"/>
+                                      </a:solidFill>
+                                      <a:latin typeface="Cambria Math" panose="02040503050406030204" pitchFamily="18" charset="0"/>
+                                    </a:rPr>
+                                    <m:t>′</m:t>
+                                  </m:r>
+                                </m:e>
+                              </m:d>
+                            </m:sub>
+                          </m:sSub>
+                          <m:sSup>
+                            <m:sSupPr>
+                              <m:ctrlPr>
+                                <a:rPr lang="en-US" sz="1400" b="0" i="1">
+                                  <a:solidFill>
+                                    <a:schemeClr val="tx1"/>
+                                  </a:solidFill>
+                                  <a:latin typeface="Cambria Math" panose="02040503050406030204" pitchFamily="18" charset="0"/>
+                                </a:rPr>
+                              </m:ctrlPr>
+                            </m:sSupPr>
+                            <m:e>
+                              <m:r>
+                                <a:rPr lang="en-US" sz="1400" b="0" i="1">
+                                  <a:solidFill>
+                                    <a:schemeClr val="tx1"/>
+                                  </a:solidFill>
+                                  <a:latin typeface="Cambria Math" panose="02040503050406030204" pitchFamily="18" charset="0"/>
+                                </a:rPr>
+                                <m:t>𝑄</m:t>
+                              </m:r>
+                            </m:e>
+                            <m:sup>
+                              <m:r>
+                                <a:rPr lang="en-US" sz="1400" b="0" i="0">
+                                  <a:solidFill>
+                                    <a:schemeClr val="tx1"/>
+                                  </a:solidFill>
+                                  <a:latin typeface="Cambria Math" panose="02040503050406030204" pitchFamily="18" charset="0"/>
+                                </a:rPr>
+                                <m:t>∗</m:t>
+                              </m:r>
+                            </m:sup>
+                          </m:sSup>
+                          <m:d>
+                            <m:dPr>
+                              <m:ctrlPr>
+                                <a:rPr lang="en-US" sz="1400" b="0" i="1">
+                                  <a:solidFill>
+                                    <a:schemeClr val="tx1"/>
+                                  </a:solidFill>
+                                  <a:latin typeface="Cambria Math" panose="02040503050406030204" pitchFamily="18" charset="0"/>
+                                </a:rPr>
+                              </m:ctrlPr>
+                            </m:dPr>
+                            <m:e>
+                              <m:sSup>
+                                <m:sSupPr>
+                                  <m:ctrlPr>
+                                    <a:rPr lang="en-US" sz="1400" b="0" i="1">
+                                      <a:solidFill>
+                                        <a:schemeClr val="tx1"/>
+                                      </a:solidFill>
+                                      <a:latin typeface="Cambria Math" panose="02040503050406030204" pitchFamily="18" charset="0"/>
+                                    </a:rPr>
+                                  </m:ctrlPr>
+                                </m:sSupPr>
+                                <m:e>
+                                  <m:r>
+                                    <a:rPr lang="en-US" sz="1400" b="0" i="1">
+                                      <a:solidFill>
+                                        <a:schemeClr val="tx1"/>
+                                      </a:solidFill>
+                                      <a:latin typeface="Cambria Math" panose="02040503050406030204" pitchFamily="18" charset="0"/>
+                                    </a:rPr>
+                                    <m:t>𝑠</m:t>
+                                  </m:r>
+                                </m:e>
+                                <m:sup>
+                                  <m:r>
+                                    <a:rPr lang="en-US" sz="1400" b="0" i="0">
+                                      <a:solidFill>
+                                        <a:schemeClr val="tx1"/>
+                                      </a:solidFill>
+                                      <a:latin typeface="Cambria Math" panose="02040503050406030204" pitchFamily="18" charset="0"/>
+                                    </a:rPr>
+                                    <m:t>′</m:t>
+                                  </m:r>
+                                </m:sup>
+                              </m:sSup>
+                              <m:r>
+                                <a:rPr lang="en-US" sz="1400" b="0" i="0">
+                                  <a:solidFill>
+                                    <a:schemeClr val="tx1"/>
+                                  </a:solidFill>
+                                  <a:latin typeface="Cambria Math" panose="02040503050406030204" pitchFamily="18" charset="0"/>
+                                </a:rPr>
+                                <m:t>,</m:t>
+                              </m:r>
+                              <m:sSup>
+                                <m:sSupPr>
+                                  <m:ctrlPr>
+                                    <a:rPr lang="en-US" sz="1400" b="0" i="1">
+                                      <a:solidFill>
+                                        <a:schemeClr val="tx1"/>
+                                      </a:solidFill>
+                                      <a:latin typeface="Cambria Math" panose="02040503050406030204" pitchFamily="18" charset="0"/>
+                                    </a:rPr>
+                                  </m:ctrlPr>
+                                </m:sSupPr>
+                                <m:e>
+                                  <m:r>
+                                    <a:rPr lang="en-US" sz="1400" b="0" i="1" smtClean="0">
+                                      <a:solidFill>
+                                        <a:schemeClr val="tx1"/>
+                                      </a:solidFill>
+                                      <a:latin typeface="Cambria Math" panose="02040503050406030204" pitchFamily="18" charset="0"/>
+                                    </a:rPr>
+                                    <m:t>𝑎</m:t>
+                                  </m:r>
+                                </m:e>
+                                <m:sup>
+                                  <m:r>
+                                    <a:rPr lang="en-US" sz="1400" b="0" i="0">
+                                      <a:solidFill>
+                                        <a:schemeClr val="tx1"/>
+                                      </a:solidFill>
+                                      <a:latin typeface="Cambria Math" panose="02040503050406030204" pitchFamily="18" charset="0"/>
+                                    </a:rPr>
+                                    <m:t>′</m:t>
+                                  </m:r>
+                                </m:sup>
+                              </m:sSup>
+                            </m:e>
+                          </m:d>
+                          <m:r>
+                            <a:rPr lang="en-US" sz="1400" b="0" i="0">
+                              <a:solidFill>
+                                <a:schemeClr val="tx1"/>
+                              </a:solidFill>
+                              <a:latin typeface="Cambria Math" panose="02040503050406030204" pitchFamily="18" charset="0"/>
+                            </a:rPr>
+                            <m:t> </m:t>
+                          </m:r>
+                        </m:e>
+                      </m:func>
+                    </m:oMath>
+                  </m:oMathPara>
+                </a14:m>
+                <a:endParaRPr lang="en-US" sz="1400" dirty="0"/>
+              </a:p>
+            </p:txBody>
+          </p:sp>
+        </mc:Choice>
+        <mc:Fallback xmlns="">
+          <p:sp>
+            <p:nvSpPr>
+              <p:cNvPr id="13" name="TextBox 12">
+                <a:extLst>
+                  <a:ext uri="{FF2B5EF4-FFF2-40B4-BE49-F238E27FC236}">
+                    <a16:creationId xmlns:a16="http://schemas.microsoft.com/office/drawing/2014/main" id="{4E321E74-C593-9346-BA86-6EB63E5C0233}"/>
+                  </a:ext>
+                </a:extLst>
+              </p:cNvPr>
+              <p:cNvSpPr txBox="1">
+                <a:spLocks noRot="1" noChangeAspect="1" noMove="1" noResize="1" noEditPoints="1" noAdjustHandles="1" noChangeArrowheads="1" noChangeShapeType="1" noTextEdit="1"/>
+              </p:cNvSpPr>
+              <p:nvPr/>
+            </p:nvSpPr>
+            <p:spPr>
+              <a:xfrm>
+                <a:off x="1515618" y="4703656"/>
+                <a:ext cx="3086413" cy="435312"/>
+              </a:xfrm>
+              <a:prstGeom prst="rect">
+                <a:avLst/>
+              </a:prstGeom>
+              <a:blipFill>
+                <a:blip r:embed="rId3"/>
+                <a:stretch>
+                  <a:fillRect/>
+                </a:stretch>
+              </a:blipFill>
+            </p:spPr>
+            <p:txBody>
+              <a:bodyPr/>
+              <a:lstStyle/>
+              <a:p>
+                <a:r>
+                  <a:rPr lang="en-US">
+                    <a:noFill/>
+                  </a:rPr>
+                  <a:t> </a:t>
+                </a:r>
+              </a:p>
+            </p:txBody>
+          </p:sp>
+        </mc:Fallback>
+      </mc:AlternateContent>
+      <mc:AlternateContent xmlns:mc="http://schemas.openxmlformats.org/markup-compatibility/2006" xmlns:a14="http://schemas.microsoft.com/office/drawing/2010/main">
+        <mc:Choice Requires="a14">
+          <p:sp>
+            <p:nvSpPr>
+              <p:cNvPr id="18" name="TextBox 17">
+                <a:extLst>
+                  <a:ext uri="{FF2B5EF4-FFF2-40B4-BE49-F238E27FC236}">
+                    <a16:creationId xmlns:a16="http://schemas.microsoft.com/office/drawing/2014/main" id="{38D618A9-BE5A-E54B-B579-521C3156FDE6}"/>
+                  </a:ext>
+                </a:extLst>
+              </p:cNvPr>
+              <p:cNvSpPr txBox="1"/>
+              <p:nvPr/>
+            </p:nvSpPr>
+            <p:spPr>
+              <a:xfrm>
+                <a:off x="1737159" y="3828306"/>
+                <a:ext cx="2864872" cy="320922"/>
+              </a:xfrm>
+              <a:prstGeom prst="rect">
+                <a:avLst/>
+              </a:prstGeom>
+              <a:noFill/>
+            </p:spPr>
+            <p:txBody>
+              <a:bodyPr wrap="square">
+                <a:spAutoFit/>
+              </a:bodyPr>
+              <a:lstStyle/>
+              <a:p>
+                <a14:m>
+                  <m:oMath xmlns:m="http://schemas.openxmlformats.org/officeDocument/2006/math">
+                    <m:sSup>
+                      <m:sSupPr>
+                        <m:ctrlPr>
+                          <a:rPr lang="en-US" sz="1400" i="1" smtClean="0">
+                            <a:latin typeface="Cambria Math" panose="02040503050406030204" pitchFamily="18" charset="0"/>
+                          </a:rPr>
+                        </m:ctrlPr>
+                      </m:sSupPr>
+                      <m:e>
+                        <m:bar>
+                          <m:barPr>
+                            <m:pos m:val="top"/>
+                            <m:ctrlPr>
+                              <a:rPr lang="en-US" sz="1400" i="1">
+                                <a:latin typeface="Cambria Math" panose="02040503050406030204" pitchFamily="18" charset="0"/>
+                              </a:rPr>
+                            </m:ctrlPr>
+                          </m:barPr>
+                          <m:e>
+                            <m:r>
+                              <a:rPr lang="el-GR" sz="1400" i="1">
+                                <a:latin typeface="Cambria Math" panose="02040503050406030204" pitchFamily="18" charset="0"/>
+                              </a:rPr>
+                              <m:t>𝜋</m:t>
+                            </m:r>
+                          </m:e>
+                        </m:bar>
+                      </m:e>
+                      <m:sup>
+                        <m:r>
+                          <a:rPr lang="en-US" sz="1400" i="1">
+                            <a:latin typeface="Cambria Math" panose="02040503050406030204" pitchFamily="18" charset="0"/>
+                          </a:rPr>
+                          <m:t>𝜀</m:t>
+                        </m:r>
+                      </m:sup>
+                    </m:sSup>
+                    <m:d>
+                      <m:dPr>
+                        <m:ctrlPr>
+                          <a:rPr lang="en-US" sz="1400" i="1">
+                            <a:latin typeface="Cambria Math" panose="02040503050406030204" pitchFamily="18" charset="0"/>
+                          </a:rPr>
+                        </m:ctrlPr>
+                      </m:dPr>
+                      <m:e>
+                        <m:r>
+                          <a:rPr lang="en-US" sz="1400" i="1">
+                            <a:latin typeface="Cambria Math" panose="02040503050406030204" pitchFamily="18" charset="0"/>
+                          </a:rPr>
+                          <m:t>𝑎</m:t>
+                        </m:r>
+                      </m:e>
+                      <m:e>
+                        <m:r>
+                          <a:rPr lang="en-US" sz="1400" i="1">
+                            <a:latin typeface="Cambria Math" panose="02040503050406030204" pitchFamily="18" charset="0"/>
+                          </a:rPr>
+                          <m:t>𝑠</m:t>
+                        </m:r>
+                      </m:e>
+                    </m:d>
+                  </m:oMath>
+                </a14:m>
+                <a:r>
+                  <a:rPr lang="en-US" sz="1400" dirty="0"/>
+                  <a:t> = </a:t>
+                </a:r>
+                <a:r>
+                  <a:rPr lang="el-GR" sz="1400" dirty="0"/>
+                  <a:t>ρ(</a:t>
+                </a:r>
+                <a:r>
+                  <a:rPr lang="en-US" sz="1400" dirty="0"/>
+                  <a:t>s, a) / </a:t>
+                </a:r>
+                <a14:m>
+                  <m:oMath xmlns:m="http://schemas.openxmlformats.org/officeDocument/2006/math">
+                    <m:nary>
+                      <m:naryPr>
+                        <m:chr m:val="∑"/>
+                        <m:limLoc m:val="undOvr"/>
+                        <m:supHide m:val="on"/>
+                        <m:ctrlPr>
+                          <a:rPr lang="en-US" sz="1400" i="1">
+                            <a:latin typeface="Cambria Math" panose="02040503050406030204" pitchFamily="18" charset="0"/>
+                          </a:rPr>
+                        </m:ctrlPr>
+                      </m:naryPr>
+                      <m:sub>
+                        <m:r>
+                          <a:rPr lang="en-US" sz="1400" b="0" i="1" smtClean="0">
+                            <a:latin typeface="Cambria Math" panose="02040503050406030204" pitchFamily="18" charset="0"/>
+                          </a:rPr>
+                          <m:t>𝐴</m:t>
+                        </m:r>
+                        <m:r>
+                          <a:rPr lang="en-US" sz="1400">
+                            <a:latin typeface="Cambria Math" panose="02040503050406030204" pitchFamily="18" charset="0"/>
+                          </a:rPr>
+                          <m:t> ∈</m:t>
+                        </m:r>
+                        <m:r>
+                          <a:rPr lang="en-US" sz="1400" b="1" i="1" smtClean="0">
+                            <a:latin typeface="Cambria Math" panose="02040503050406030204" pitchFamily="18" charset="0"/>
+                          </a:rPr>
+                          <m:t>𝑨</m:t>
+                        </m:r>
+                      </m:sub>
+                      <m:sup/>
+                      <m:e>
+                        <m:r>
+                          <m:rPr>
+                            <m:nor/>
+                          </m:rPr>
+                          <a:rPr lang="el-GR" sz="1400" dirty="0" smtClean="0"/>
+                          <m:t>ρ</m:t>
+                        </m:r>
+                        <m:r>
+                          <m:rPr>
+                            <m:nor/>
+                          </m:rPr>
+                          <a:rPr lang="el-GR" sz="1400" dirty="0" smtClean="0"/>
+                          <m:t>(</m:t>
+                        </m:r>
+                        <m:r>
+                          <m:rPr>
+                            <m:nor/>
+                          </m:rPr>
+                          <a:rPr lang="en-US" sz="1400" dirty="0" smtClean="0"/>
+                          <m:t>s</m:t>
+                        </m:r>
+                        <m:r>
+                          <m:rPr>
+                            <m:nor/>
+                          </m:rPr>
+                          <a:rPr lang="en-US" sz="1400" dirty="0" smtClean="0"/>
+                          <m:t>, </m:t>
+                        </m:r>
+                        <m:r>
+                          <m:rPr>
+                            <m:nor/>
+                          </m:rPr>
+                          <a:rPr lang="en-US" sz="1400" b="0" i="0" dirty="0" smtClean="0"/>
+                          <m:t>A</m:t>
+                        </m:r>
+                        <m:r>
+                          <m:rPr>
+                            <m:nor/>
+                          </m:rPr>
+                          <a:rPr lang="en-US" sz="1400" dirty="0" smtClean="0"/>
+                          <m:t>)</m:t>
+                        </m:r>
+                      </m:e>
+                    </m:nary>
+                  </m:oMath>
+                </a14:m>
+                <a:endParaRPr lang="en-US" sz="1400" dirty="0"/>
+              </a:p>
+            </p:txBody>
+          </p:sp>
+        </mc:Choice>
+        <mc:Fallback xmlns="">
+          <p:sp>
+            <p:nvSpPr>
+              <p:cNvPr id="18" name="TextBox 17">
+                <a:extLst>
+                  <a:ext uri="{FF2B5EF4-FFF2-40B4-BE49-F238E27FC236}">
+                    <a16:creationId xmlns:a16="http://schemas.microsoft.com/office/drawing/2014/main" id="{38D618A9-BE5A-E54B-B579-521C3156FDE6}"/>
+                  </a:ext>
+                </a:extLst>
+              </p:cNvPr>
+              <p:cNvSpPr txBox="1">
+                <a:spLocks noRot="1" noChangeAspect="1" noMove="1" noResize="1" noEditPoints="1" noAdjustHandles="1" noChangeArrowheads="1" noChangeShapeType="1" noTextEdit="1"/>
+              </p:cNvSpPr>
+              <p:nvPr/>
+            </p:nvSpPr>
+            <p:spPr>
+              <a:xfrm>
+                <a:off x="1737159" y="3828306"/>
+                <a:ext cx="2864872" cy="320922"/>
+              </a:xfrm>
+              <a:prstGeom prst="rect">
+                <a:avLst/>
+              </a:prstGeom>
+              <a:blipFill>
+                <a:blip r:embed="rId4"/>
+                <a:stretch>
+                  <a:fillRect t="-92308" b="-161538"/>
+                </a:stretch>
+              </a:blipFill>
+            </p:spPr>
+            <p:txBody>
+              <a:bodyPr/>
+              <a:lstStyle/>
+              <a:p>
+                <a:r>
+                  <a:rPr lang="en-US">
+                    <a:noFill/>
+                  </a:rPr>
+                  <a:t> </a:t>
+                </a:r>
+              </a:p>
+            </p:txBody>
+          </p:sp>
+        </mc:Fallback>
+      </mc:AlternateContent>
+      <mc:AlternateContent xmlns:mc="http://schemas.openxmlformats.org/markup-compatibility/2006" xmlns:a14="http://schemas.microsoft.com/office/drawing/2010/main">
+        <mc:Choice Requires="a14">
+          <p:sp>
+            <p:nvSpPr>
+              <p:cNvPr id="19" name="TextBox 18">
+                <a:extLst>
+                  <a:ext uri="{FF2B5EF4-FFF2-40B4-BE49-F238E27FC236}">
+                    <a16:creationId xmlns:a16="http://schemas.microsoft.com/office/drawing/2014/main" id="{6267EEE1-A038-C34F-9587-DEFB8965FA69}"/>
+                  </a:ext>
+                </a:extLst>
+              </p:cNvPr>
+              <p:cNvSpPr txBox="1"/>
+              <p:nvPr/>
+            </p:nvSpPr>
+            <p:spPr>
+              <a:xfrm>
+                <a:off x="1737159" y="5134725"/>
+                <a:ext cx="2643332" cy="414729"/>
+              </a:xfrm>
+              <a:prstGeom prst="rect">
+                <a:avLst/>
+              </a:prstGeom>
+              <a:noFill/>
+            </p:spPr>
+            <p:txBody>
+              <a:bodyPr wrap="square">
+                <a:spAutoFit/>
+              </a:bodyPr>
+              <a:lstStyle/>
+              <a:p>
+                <a:pPr/>
+                <a14:m>
+                  <m:oMathPara xmlns:m="http://schemas.openxmlformats.org/officeDocument/2006/math">
+                    <m:oMathParaPr>
+                      <m:jc m:val="centerGroup"/>
+                    </m:oMathParaPr>
+                    <m:oMath xmlns:m="http://schemas.openxmlformats.org/officeDocument/2006/math">
+                      <m:sSubSup>
+                        <m:sSubSupPr>
+                          <m:ctrlPr>
+                            <a:rPr lang="en-US" sz="1400" i="1" smtClean="0">
+                              <a:solidFill>
+                                <a:srgbClr val="836967"/>
+                              </a:solidFill>
+                              <a:latin typeface="Cambria Math" panose="02040503050406030204" pitchFamily="18" charset="0"/>
+                            </a:rPr>
+                          </m:ctrlPr>
+                        </m:sSubSupPr>
+                        <m:e>
+                          <m:r>
+                            <a:rPr lang="en-US" sz="1400" i="1">
+                              <a:latin typeface="Cambria Math" panose="02040503050406030204" pitchFamily="18" charset="0"/>
+                            </a:rPr>
+                            <m:t>𝜂</m:t>
+                          </m:r>
+                        </m:e>
+                        <m:sub>
+                          <m:r>
+                            <a:rPr lang="en-US" sz="1400" i="1">
+                              <a:latin typeface="Cambria Math" panose="02040503050406030204" pitchFamily="18" charset="0"/>
+                            </a:rPr>
+                            <m:t>𝑠</m:t>
+                          </m:r>
+                        </m:sub>
+                        <m:sup>
+                          <m:r>
+                            <a:rPr lang="en-US" sz="1400" i="1">
+                              <a:latin typeface="Cambria Math" panose="02040503050406030204" pitchFamily="18" charset="0"/>
+                            </a:rPr>
+                            <m:t>𝑎</m:t>
+                          </m:r>
+                        </m:sup>
+                      </m:sSubSup>
+                      <m:r>
+                        <a:rPr lang="en-US" sz="1400" i="1" dirty="0" smtClean="0">
+                          <a:latin typeface="Cambria Math" panose="02040503050406030204" pitchFamily="18" charset="0"/>
+                        </a:rPr>
+                        <m:t>=</m:t>
+                      </m:r>
+                      <m:r>
+                        <m:rPr>
+                          <m:sty m:val="p"/>
+                        </m:rPr>
+                        <a:rPr lang="en-US" sz="1400">
+                          <a:latin typeface="Cambria Math" panose="02040503050406030204" pitchFamily="18" charset="0"/>
+                        </a:rPr>
+                        <m:t>log</m:t>
+                      </m:r>
+                      <m:d>
+                        <m:dPr>
+                          <m:ctrlPr>
+                            <a:rPr lang="en-US" sz="1400" i="1">
+                              <a:latin typeface="Cambria Math" panose="02040503050406030204" pitchFamily="18" charset="0"/>
+                            </a:rPr>
+                          </m:ctrlPr>
+                        </m:dPr>
+                        <m:e>
+                          <m:sSup>
+                            <m:sSupPr>
+                              <m:ctrlPr>
+                                <a:rPr lang="en-US" sz="1400" i="1">
+                                  <a:latin typeface="Cambria Math" panose="02040503050406030204" pitchFamily="18" charset="0"/>
+                                </a:rPr>
+                              </m:ctrlPr>
+                            </m:sSupPr>
+                            <m:e>
+                              <m:bar>
+                                <m:barPr>
+                                  <m:pos m:val="top"/>
+                                  <m:ctrlPr>
+                                    <a:rPr lang="en-US" sz="1400" i="1">
+                                      <a:latin typeface="Cambria Math" panose="02040503050406030204" pitchFamily="18" charset="0"/>
+                                    </a:rPr>
+                                  </m:ctrlPr>
+                                </m:barPr>
+                                <m:e>
+                                  <m:r>
+                                    <a:rPr lang="el-GR" sz="1400" i="1">
+                                      <a:latin typeface="Cambria Math" panose="02040503050406030204" pitchFamily="18" charset="0"/>
+                                    </a:rPr>
+                                    <m:t>𝜋</m:t>
+                                  </m:r>
+                                </m:e>
+                              </m:bar>
+                            </m:e>
+                            <m:sup>
+                              <m:r>
+                                <a:rPr lang="en-US" sz="1400" i="1">
+                                  <a:latin typeface="Cambria Math" panose="02040503050406030204" pitchFamily="18" charset="0"/>
+                                </a:rPr>
+                                <m:t>𝜀</m:t>
+                              </m:r>
+                            </m:sup>
+                          </m:sSup>
+                          <m:d>
+                            <m:dPr>
+                              <m:ctrlPr>
+                                <a:rPr lang="en-US" sz="1400" i="1">
+                                  <a:latin typeface="Cambria Math" panose="02040503050406030204" pitchFamily="18" charset="0"/>
+                                </a:rPr>
+                              </m:ctrlPr>
+                            </m:dPr>
+                            <m:e>
+                              <m:r>
+                                <a:rPr lang="en-US" sz="1400" i="1">
+                                  <a:latin typeface="Cambria Math" panose="02040503050406030204" pitchFamily="18" charset="0"/>
+                                </a:rPr>
+                                <m:t>𝑎</m:t>
+                              </m:r>
+                            </m:e>
+                            <m:e>
+                              <m:r>
+                                <a:rPr lang="en-US" sz="1400" i="1">
+                                  <a:latin typeface="Cambria Math" panose="02040503050406030204" pitchFamily="18" charset="0"/>
+                                </a:rPr>
+                                <m:t>𝑠</m:t>
+                              </m:r>
+                            </m:e>
+                          </m:d>
+                        </m:e>
+                      </m:d>
+                      <m:r>
+                        <a:rPr lang="en-US" sz="1400">
+                          <a:latin typeface="Cambria Math" panose="02040503050406030204" pitchFamily="18" charset="0"/>
+                        </a:rPr>
+                        <m:t>−</m:t>
+                      </m:r>
+                      <m:sSup>
+                        <m:sSupPr>
+                          <m:ctrlPr>
+                            <a:rPr lang="en-US" sz="1400" i="1">
+                              <a:latin typeface="Cambria Math" panose="02040503050406030204" pitchFamily="18" charset="0"/>
+                            </a:rPr>
+                          </m:ctrlPr>
+                        </m:sSupPr>
+                        <m:e>
+                          <m:r>
+                            <a:rPr lang="en-US" sz="1400" i="1">
+                              <a:latin typeface="Cambria Math" panose="02040503050406030204" pitchFamily="18" charset="0"/>
+                            </a:rPr>
+                            <m:t>𝑄</m:t>
+                          </m:r>
+                        </m:e>
+                        <m:sup>
+                          <m:r>
+                            <a:rPr lang="en-US" sz="1400" i="1">
+                              <a:latin typeface="Cambria Math" panose="02040503050406030204" pitchFamily="18" charset="0"/>
+                            </a:rPr>
+                            <m:t>𝑠h</m:t>
+                          </m:r>
+                        </m:sup>
+                      </m:sSup>
+                      <m:r>
+                        <a:rPr lang="en-US" sz="1400" b="0" i="1" smtClean="0">
+                          <a:latin typeface="Cambria Math" panose="02040503050406030204" pitchFamily="18" charset="0"/>
+                        </a:rPr>
+                        <m:t>(</m:t>
+                      </m:r>
+                      <m:r>
+                        <a:rPr lang="en-US" sz="1400" b="0" i="1" smtClean="0">
+                          <a:latin typeface="Cambria Math" panose="02040503050406030204" pitchFamily="18" charset="0"/>
+                        </a:rPr>
+                        <m:t>𝑠</m:t>
+                      </m:r>
+                      <m:r>
+                        <a:rPr lang="en-US" sz="1400" b="0" i="1" smtClean="0">
+                          <a:latin typeface="Cambria Math" panose="02040503050406030204" pitchFamily="18" charset="0"/>
+                        </a:rPr>
+                        <m:t>,</m:t>
+                      </m:r>
+                      <m:r>
+                        <a:rPr lang="en-US" sz="1400" b="0" i="1" smtClean="0">
+                          <a:latin typeface="Cambria Math" panose="02040503050406030204" pitchFamily="18" charset="0"/>
+                        </a:rPr>
+                        <m:t>𝑎</m:t>
+                      </m:r>
+                      <m:r>
+                        <a:rPr lang="en-US" sz="1400" b="0" i="1" smtClean="0">
+                          <a:latin typeface="Cambria Math" panose="02040503050406030204" pitchFamily="18" charset="0"/>
+                        </a:rPr>
+                        <m:t>)</m:t>
+                      </m:r>
+                    </m:oMath>
+                  </m:oMathPara>
+                </a14:m>
+                <a:endParaRPr lang="en-US" sz="1400" dirty="0"/>
+              </a:p>
+            </p:txBody>
+          </p:sp>
+        </mc:Choice>
+        <mc:Fallback xmlns="">
+          <p:sp>
+            <p:nvSpPr>
+              <p:cNvPr id="19" name="TextBox 18">
+                <a:extLst>
+                  <a:ext uri="{FF2B5EF4-FFF2-40B4-BE49-F238E27FC236}">
+                    <a16:creationId xmlns:a16="http://schemas.microsoft.com/office/drawing/2014/main" id="{6267EEE1-A038-C34F-9587-DEFB8965FA69}"/>
+                  </a:ext>
+                </a:extLst>
+              </p:cNvPr>
+              <p:cNvSpPr txBox="1">
+                <a:spLocks noRot="1" noChangeAspect="1" noMove="1" noResize="1" noEditPoints="1" noAdjustHandles="1" noChangeArrowheads="1" noChangeShapeType="1" noTextEdit="1"/>
+              </p:cNvSpPr>
+              <p:nvPr/>
+            </p:nvSpPr>
+            <p:spPr>
+              <a:xfrm>
+                <a:off x="1737159" y="5134725"/>
+                <a:ext cx="2643332" cy="414729"/>
+              </a:xfrm>
+              <a:prstGeom prst="rect">
+                <a:avLst/>
+              </a:prstGeom>
+              <a:blipFill>
+                <a:blip r:embed="rId5"/>
+                <a:stretch>
+                  <a:fillRect/>
+                </a:stretch>
+              </a:blipFill>
+            </p:spPr>
+            <p:txBody>
+              <a:bodyPr/>
+              <a:lstStyle/>
+              <a:p>
+                <a:r>
+                  <a:rPr lang="en-US">
+                    <a:noFill/>
+                  </a:rPr>
+                  <a:t> </a:t>
+                </a:r>
+              </a:p>
+            </p:txBody>
+          </p:sp>
+        </mc:Fallback>
+      </mc:AlternateContent>
+      <p:pic>
+        <p:nvPicPr>
+          <p:cNvPr id="21" name="Picture 20">
+            <a:extLst>
+              <a:ext uri="{FF2B5EF4-FFF2-40B4-BE49-F238E27FC236}">
+                <a16:creationId xmlns:a16="http://schemas.microsoft.com/office/drawing/2014/main" id="{EC5F9047-459D-004D-97E6-B907ED452510}"/>
+              </a:ext>
+            </a:extLst>
+          </p:cNvPr>
+          <p:cNvPicPr>
+            <a:picLocks noChangeAspect="1"/>
+          </p:cNvPicPr>
+          <p:nvPr/>
+        </p:nvPicPr>
+        <p:blipFill>
+          <a:blip r:embed="rId6">
+            <a:extLst>
+              <a:ext uri="{28A0092B-C50C-407E-A947-70E740481C1C}">
+                <a14:useLocalDpi xmlns:a14="http://schemas.microsoft.com/office/drawing/2010/main" val="0"/>
+              </a:ext>
+            </a:extLst>
+          </a:blip>
+          <a:stretch>
+            <a:fillRect/>
+          </a:stretch>
+        </p:blipFill>
+        <p:spPr>
+          <a:xfrm>
+            <a:off x="5857157" y="3797991"/>
+            <a:ext cx="5480343" cy="1926458"/>
+          </a:xfrm>
+          <a:prstGeom prst="rect">
+            <a:avLst/>
+          </a:prstGeom>
+        </p:spPr>
+      </p:pic>
+      <mc:AlternateContent xmlns:mc="http://schemas.openxmlformats.org/markup-compatibility/2006" xmlns:a14="http://schemas.microsoft.com/office/drawing/2010/main">
+        <mc:Choice Requires="a14">
+          <p:sp>
+            <p:nvSpPr>
+              <p:cNvPr id="27" name="TextBox 26">
+                <a:extLst>
+                  <a:ext uri="{FF2B5EF4-FFF2-40B4-BE49-F238E27FC236}">
+                    <a16:creationId xmlns:a16="http://schemas.microsoft.com/office/drawing/2014/main" id="{5605ED7F-6387-2045-83E5-64E010C0B73E}"/>
+                  </a:ext>
+                </a:extLst>
+              </p:cNvPr>
+              <p:cNvSpPr txBox="1"/>
+              <p:nvPr/>
+            </p:nvSpPr>
+            <p:spPr>
+              <a:xfrm>
+                <a:off x="376814" y="4188820"/>
+                <a:ext cx="5480343" cy="466666"/>
+              </a:xfrm>
+              <a:prstGeom prst="rect">
+                <a:avLst/>
+              </a:prstGeom>
+              <a:noFill/>
+            </p:spPr>
+            <p:txBody>
+              <a:bodyPr wrap="square">
+                <a:spAutoFit/>
+              </a:bodyPr>
+              <a:lstStyle/>
+              <a:p>
+                <a14:m>
+                  <m:oMath xmlns:m="http://schemas.openxmlformats.org/officeDocument/2006/math">
+                    <m:r>
+                      <a:rPr lang="en-US" sz="1600" i="1" smtClean="0">
+                        <a:solidFill>
+                          <a:schemeClr val="tx1"/>
+                        </a:solidFill>
+                        <a:latin typeface="Cambria Math" panose="02040503050406030204" pitchFamily="18" charset="0"/>
+                      </a:rPr>
+                      <m:t>𝑟</m:t>
+                    </m:r>
+                    <m:d>
+                      <m:dPr>
+                        <m:ctrlPr>
+                          <a:rPr lang="en-US" sz="1600" i="1">
+                            <a:solidFill>
+                              <a:schemeClr val="tx1"/>
+                            </a:solidFill>
+                            <a:latin typeface="Cambria Math" panose="02040503050406030204" pitchFamily="18" charset="0"/>
+                          </a:rPr>
+                        </m:ctrlPr>
+                      </m:dPr>
+                      <m:e>
+                        <m:r>
+                          <a:rPr lang="en-US" sz="1600" i="1">
+                            <a:solidFill>
+                              <a:schemeClr val="tx1"/>
+                            </a:solidFill>
+                            <a:latin typeface="Cambria Math" panose="02040503050406030204" pitchFamily="18" charset="0"/>
+                          </a:rPr>
+                          <m:t>𝑠</m:t>
+                        </m:r>
+                        <m:r>
+                          <a:rPr lang="en-US" sz="1600" i="0">
+                            <a:solidFill>
+                              <a:schemeClr val="tx1"/>
+                            </a:solidFill>
+                            <a:latin typeface="Cambria Math" panose="02040503050406030204" pitchFamily="18" charset="0"/>
+                          </a:rPr>
+                          <m:t>,</m:t>
+                        </m:r>
+                        <m:r>
+                          <a:rPr lang="en-US" sz="1600" i="1">
+                            <a:solidFill>
+                              <a:schemeClr val="tx1"/>
+                            </a:solidFill>
+                            <a:latin typeface="Cambria Math" panose="02040503050406030204" pitchFamily="18" charset="0"/>
+                          </a:rPr>
+                          <m:t>𝑎</m:t>
+                        </m:r>
+                      </m:e>
+                    </m:d>
+                    <m:r>
+                      <a:rPr lang="en-US" sz="1600" b="0" i="1" dirty="0" smtClean="0">
+                        <a:solidFill>
+                          <a:schemeClr val="tx1"/>
+                        </a:solidFill>
+                        <a:latin typeface="Cambria Math" panose="02040503050406030204" pitchFamily="18" charset="0"/>
+                        <a:ea typeface="Cambria Math" panose="02040503050406030204" pitchFamily="18" charset="0"/>
+                      </a:rPr>
+                      <m:t>←</m:t>
+                    </m:r>
+                    <m:r>
+                      <a:rPr lang="en-US" sz="1600" b="0" i="0" smtClean="0">
+                        <a:solidFill>
+                          <a:schemeClr val="tx1"/>
+                        </a:solidFill>
+                        <a:latin typeface="Cambria Math" panose="02040503050406030204" pitchFamily="18" charset="0"/>
+                      </a:rPr>
+                      <m:t>   </m:t>
+                    </m:r>
+                    <m:d>
+                      <m:dPr>
+                        <m:ctrlPr>
+                          <a:rPr lang="en-US" sz="1600" b="0" i="1" smtClean="0">
+                            <a:solidFill>
+                              <a:schemeClr val="tx1"/>
+                            </a:solidFill>
+                            <a:latin typeface="Cambria Math" panose="02040503050406030204" pitchFamily="18" charset="0"/>
+                          </a:rPr>
+                        </m:ctrlPr>
+                      </m:dPr>
+                      <m:e>
+                        <m:r>
+                          <a:rPr lang="en-US" sz="1600" b="0" i="0" smtClean="0">
+                            <a:solidFill>
+                              <a:schemeClr val="tx1"/>
+                            </a:solidFill>
+                            <a:latin typeface="Cambria Math" panose="02040503050406030204" pitchFamily="18" charset="0"/>
+                          </a:rPr>
+                          <m:t>1−</m:t>
+                        </m:r>
+                        <m:r>
+                          <m:rPr>
+                            <m:sty m:val="p"/>
+                          </m:rPr>
+                          <a:rPr lang="el-GR" sz="1600" b="0" i="1" smtClean="0">
+                            <a:solidFill>
+                              <a:schemeClr val="tx1"/>
+                            </a:solidFill>
+                            <a:latin typeface="Cambria Math" panose="02040503050406030204" pitchFamily="18" charset="0"/>
+                            <a:ea typeface="Cambria Math" panose="02040503050406030204" pitchFamily="18" charset="0"/>
+                          </a:rPr>
+                          <m:t>α</m:t>
+                        </m:r>
+                      </m:e>
+                    </m:d>
+                    <m:r>
+                      <a:rPr lang="en-US" sz="1600" b="0" i="1" smtClean="0">
+                        <a:solidFill>
+                          <a:schemeClr val="tx1"/>
+                        </a:solidFill>
+                        <a:latin typeface="Cambria Math" panose="02040503050406030204" pitchFamily="18" charset="0"/>
+                        <a:ea typeface="Cambria Math" panose="02040503050406030204" pitchFamily="18" charset="0"/>
+                      </a:rPr>
+                      <m:t>𝑟</m:t>
+                    </m:r>
+                    <m:d>
+                      <m:dPr>
+                        <m:ctrlPr>
+                          <a:rPr lang="en-US" sz="1600" b="0" i="1" smtClean="0">
+                            <a:solidFill>
+                              <a:schemeClr val="tx1"/>
+                            </a:solidFill>
+                            <a:latin typeface="Cambria Math" panose="02040503050406030204" pitchFamily="18" charset="0"/>
+                            <a:ea typeface="Cambria Math" panose="02040503050406030204" pitchFamily="18" charset="0"/>
+                          </a:rPr>
+                        </m:ctrlPr>
+                      </m:dPr>
+                      <m:e>
+                        <m:r>
+                          <a:rPr lang="en-US" sz="1600" b="0" i="1" smtClean="0">
+                            <a:solidFill>
+                              <a:schemeClr val="tx1"/>
+                            </a:solidFill>
+                            <a:latin typeface="Cambria Math" panose="02040503050406030204" pitchFamily="18" charset="0"/>
+                            <a:ea typeface="Cambria Math" panose="02040503050406030204" pitchFamily="18" charset="0"/>
+                          </a:rPr>
+                          <m:t>𝑠</m:t>
+                        </m:r>
+                        <m:r>
+                          <a:rPr lang="en-US" sz="1600" b="0" i="1" smtClean="0">
+                            <a:solidFill>
+                              <a:schemeClr val="tx1"/>
+                            </a:solidFill>
+                            <a:latin typeface="Cambria Math" panose="02040503050406030204" pitchFamily="18" charset="0"/>
+                            <a:ea typeface="Cambria Math" panose="02040503050406030204" pitchFamily="18" charset="0"/>
+                          </a:rPr>
+                          <m:t>, </m:t>
+                        </m:r>
+                        <m:r>
+                          <a:rPr lang="en-US" sz="1600" b="0" i="1" smtClean="0">
+                            <a:solidFill>
+                              <a:schemeClr val="tx1"/>
+                            </a:solidFill>
+                            <a:latin typeface="Cambria Math" panose="02040503050406030204" pitchFamily="18" charset="0"/>
+                            <a:ea typeface="Cambria Math" panose="02040503050406030204" pitchFamily="18" charset="0"/>
+                          </a:rPr>
+                          <m:t>𝑎</m:t>
+                        </m:r>
+                      </m:e>
+                    </m:d>
+                    <m:r>
+                      <a:rPr lang="en-US" sz="1600" b="0" i="1" smtClean="0">
+                        <a:solidFill>
+                          <a:schemeClr val="tx1"/>
+                        </a:solidFill>
+                        <a:latin typeface="Cambria Math" panose="02040503050406030204" pitchFamily="18" charset="0"/>
+                        <a:ea typeface="Cambria Math" panose="02040503050406030204" pitchFamily="18" charset="0"/>
+                      </a:rPr>
+                      <m:t>+ </m:t>
+                    </m:r>
+                    <m:r>
+                      <m:rPr>
+                        <m:sty m:val="p"/>
+                      </m:rPr>
+                      <a:rPr lang="el-GR" sz="1600" b="0" i="1" smtClean="0">
+                        <a:solidFill>
+                          <a:schemeClr val="tx1"/>
+                        </a:solidFill>
+                        <a:latin typeface="Cambria Math" panose="02040503050406030204" pitchFamily="18" charset="0"/>
+                        <a:ea typeface="Cambria Math" panose="02040503050406030204" pitchFamily="18" charset="0"/>
+                      </a:rPr>
+                      <m:t>α</m:t>
+                    </m:r>
+                  </m:oMath>
+                </a14:m>
+                <a:r>
+                  <a:rPr lang="en-US" sz="1600" dirty="0">
+                    <a:solidFill>
+                      <a:schemeClr val="tx1"/>
+                    </a:solidFill>
+                  </a:rPr>
+                  <a:t>(</a:t>
+                </a:r>
+                <a14:m>
+                  <m:oMath xmlns:m="http://schemas.openxmlformats.org/officeDocument/2006/math">
+                    <m:sSubSup>
+                      <m:sSubSupPr>
+                        <m:ctrlPr>
+                          <a:rPr lang="en-US" sz="1600" i="1" smtClean="0">
+                            <a:solidFill>
+                              <a:schemeClr val="tx1"/>
+                            </a:solidFill>
+                            <a:latin typeface="Cambria Math" panose="02040503050406030204" pitchFamily="18" charset="0"/>
+                          </a:rPr>
+                        </m:ctrlPr>
+                      </m:sSubSupPr>
+                      <m:e>
+                        <m:r>
+                          <a:rPr lang="en-US" sz="1600" i="1">
+                            <a:solidFill>
+                              <a:schemeClr val="tx1"/>
+                            </a:solidFill>
+                            <a:latin typeface="Cambria Math" panose="02040503050406030204" pitchFamily="18" charset="0"/>
+                          </a:rPr>
+                          <m:t>𝜂</m:t>
+                        </m:r>
+                      </m:e>
+                      <m:sub>
+                        <m:r>
+                          <a:rPr lang="en-US" sz="1600" i="1">
+                            <a:solidFill>
+                              <a:schemeClr val="tx1"/>
+                            </a:solidFill>
+                            <a:latin typeface="Cambria Math" panose="02040503050406030204" pitchFamily="18" charset="0"/>
+                          </a:rPr>
+                          <m:t>𝑠</m:t>
+                        </m:r>
+                      </m:sub>
+                      <m:sup>
+                        <m:r>
+                          <a:rPr lang="en-US" sz="1600" i="1">
+                            <a:solidFill>
+                              <a:schemeClr val="tx1"/>
+                            </a:solidFill>
+                            <a:latin typeface="Cambria Math" panose="02040503050406030204" pitchFamily="18" charset="0"/>
+                          </a:rPr>
+                          <m:t>𝑎</m:t>
+                        </m:r>
+                      </m:sup>
+                    </m:sSubSup>
+                    <m:r>
+                      <a:rPr lang="en-US" sz="1600" i="0">
+                        <a:solidFill>
+                          <a:schemeClr val="tx1"/>
+                        </a:solidFill>
+                        <a:latin typeface="Cambria Math" panose="02040503050406030204" pitchFamily="18" charset="0"/>
+                      </a:rPr>
+                      <m:t>+</m:t>
+                    </m:r>
+                    <m:f>
+                      <m:fPr>
+                        <m:ctrlPr>
+                          <a:rPr lang="en-US" sz="1600" i="1">
+                            <a:solidFill>
+                              <a:schemeClr val="tx1"/>
+                            </a:solidFill>
+                            <a:latin typeface="Cambria Math" panose="02040503050406030204" pitchFamily="18" charset="0"/>
+                          </a:rPr>
+                        </m:ctrlPr>
+                      </m:fPr>
+                      <m:num>
+                        <m:r>
+                          <a:rPr lang="en-US" sz="1600" i="0">
+                            <a:solidFill>
+                              <a:schemeClr val="tx1"/>
+                            </a:solidFill>
+                            <a:latin typeface="Cambria Math" panose="02040503050406030204" pitchFamily="18" charset="0"/>
+                          </a:rPr>
+                          <m:t>1</m:t>
+                        </m:r>
+                      </m:num>
+                      <m:den>
+                        <m:d>
+                          <m:dPr>
+                            <m:ctrlPr>
+                              <a:rPr lang="en-US" sz="1600" i="1">
+                                <a:solidFill>
+                                  <a:schemeClr val="tx1"/>
+                                </a:solidFill>
+                                <a:latin typeface="Cambria Math" panose="02040503050406030204" pitchFamily="18" charset="0"/>
+                              </a:rPr>
+                            </m:ctrlPr>
+                          </m:dPr>
+                          <m:e>
+                            <m:r>
+                              <a:rPr lang="en-US" sz="1600" i="1">
+                                <a:solidFill>
+                                  <a:schemeClr val="tx1"/>
+                                </a:solidFill>
+                                <a:latin typeface="Cambria Math" panose="02040503050406030204" pitchFamily="18" charset="0"/>
+                              </a:rPr>
+                              <m:t>𝑛</m:t>
+                            </m:r>
+                            <m:r>
+                              <a:rPr lang="en-US" sz="1600" i="0">
+                                <a:solidFill>
+                                  <a:schemeClr val="tx1"/>
+                                </a:solidFill>
+                                <a:latin typeface="Cambria Math" panose="02040503050406030204" pitchFamily="18" charset="0"/>
+                              </a:rPr>
+                              <m:t>−1</m:t>
+                            </m:r>
+                          </m:e>
+                        </m:d>
+                      </m:den>
+                    </m:f>
+                    <m:nary>
+                      <m:naryPr>
+                        <m:chr m:val="∑"/>
+                        <m:limLoc m:val="undOvr"/>
+                        <m:supHide m:val="on"/>
+                        <m:ctrlPr>
+                          <a:rPr lang="en-US" sz="1600" i="1">
+                            <a:solidFill>
+                              <a:schemeClr val="tx1"/>
+                            </a:solidFill>
+                            <a:latin typeface="Cambria Math" panose="02040503050406030204" pitchFamily="18" charset="0"/>
+                          </a:rPr>
+                        </m:ctrlPr>
+                      </m:naryPr>
+                      <m:sub>
+                        <m:r>
+                          <a:rPr lang="en-US" sz="1600" i="1">
+                            <a:solidFill>
+                              <a:schemeClr val="tx1"/>
+                            </a:solidFill>
+                            <a:latin typeface="Cambria Math" panose="02040503050406030204" pitchFamily="18" charset="0"/>
+                          </a:rPr>
+                          <m:t>𝑏</m:t>
+                        </m:r>
+                        <m:r>
+                          <a:rPr lang="en-US" sz="1600" i="0">
+                            <a:solidFill>
+                              <a:schemeClr val="tx1"/>
+                            </a:solidFill>
+                            <a:latin typeface="Cambria Math" panose="02040503050406030204" pitchFamily="18" charset="0"/>
+                          </a:rPr>
+                          <m:t> ∈ </m:t>
+                        </m:r>
+                        <m:sSub>
+                          <m:sSubPr>
+                            <m:ctrlPr>
+                              <a:rPr lang="en-US" sz="1600" i="1">
+                                <a:solidFill>
+                                  <a:schemeClr val="tx1"/>
+                                </a:solidFill>
+                                <a:latin typeface="Cambria Math" panose="02040503050406030204" pitchFamily="18" charset="0"/>
+                              </a:rPr>
+                            </m:ctrlPr>
+                          </m:sSubPr>
+                          <m:e>
+                            <m:r>
+                              <a:rPr lang="en-US" sz="1600" b="1" i="1">
+                                <a:solidFill>
+                                  <a:schemeClr val="tx1"/>
+                                </a:solidFill>
+                                <a:latin typeface="Cambria Math" panose="02040503050406030204" pitchFamily="18" charset="0"/>
+                              </a:rPr>
+                              <m:t>𝑨</m:t>
+                            </m:r>
+                          </m:e>
+                          <m:sub>
+                            <m:r>
+                              <a:rPr lang="en-US" sz="1600" b="0" i="0">
+                                <a:solidFill>
+                                  <a:schemeClr val="tx1"/>
+                                </a:solidFill>
+                                <a:latin typeface="Cambria Math" panose="02040503050406030204" pitchFamily="18" charset="0"/>
+                              </a:rPr>
+                              <m:t>ã</m:t>
+                            </m:r>
+                          </m:sub>
+                        </m:sSub>
+                      </m:sub>
+                      <m:sup/>
+                      <m:e>
+                        <m:r>
+                          <a:rPr lang="en-US" sz="1600" b="0" i="1">
+                            <a:solidFill>
+                              <a:schemeClr val="tx1"/>
+                            </a:solidFill>
+                            <a:latin typeface="Cambria Math" panose="02040503050406030204" pitchFamily="18" charset="0"/>
+                          </a:rPr>
+                          <m:t>𝑟</m:t>
+                        </m:r>
+                        <m:d>
+                          <m:dPr>
+                            <m:ctrlPr>
+                              <a:rPr lang="en-US" sz="1600" b="0" i="1">
+                                <a:solidFill>
+                                  <a:schemeClr val="tx1"/>
+                                </a:solidFill>
+                                <a:latin typeface="Cambria Math" panose="02040503050406030204" pitchFamily="18" charset="0"/>
+                              </a:rPr>
+                            </m:ctrlPr>
+                          </m:dPr>
+                          <m:e>
+                            <m:r>
+                              <a:rPr lang="en-US" sz="1600" b="0" i="1">
+                                <a:solidFill>
+                                  <a:schemeClr val="tx1"/>
+                                </a:solidFill>
+                                <a:latin typeface="Cambria Math" panose="02040503050406030204" pitchFamily="18" charset="0"/>
+                              </a:rPr>
+                              <m:t>𝑠</m:t>
+                            </m:r>
+                            <m:r>
+                              <a:rPr lang="en-US" sz="1600" b="0" i="0">
+                                <a:solidFill>
+                                  <a:schemeClr val="tx1"/>
+                                </a:solidFill>
+                                <a:latin typeface="Cambria Math" panose="02040503050406030204" pitchFamily="18" charset="0"/>
+                              </a:rPr>
+                              <m:t>,</m:t>
+                            </m:r>
+                            <m:r>
+                              <a:rPr lang="en-US" sz="1600" b="0" i="1">
+                                <a:solidFill>
+                                  <a:schemeClr val="tx1"/>
+                                </a:solidFill>
+                                <a:latin typeface="Cambria Math" panose="02040503050406030204" pitchFamily="18" charset="0"/>
+                              </a:rPr>
+                              <m:t>𝑏</m:t>
+                            </m:r>
+                          </m:e>
+                        </m:d>
+                        <m:r>
+                          <a:rPr lang="en-US" sz="1600" b="0" i="0">
+                            <a:solidFill>
+                              <a:schemeClr val="tx1"/>
+                            </a:solidFill>
+                            <a:latin typeface="Cambria Math" panose="02040503050406030204" pitchFamily="18" charset="0"/>
+                          </a:rPr>
+                          <m:t>−</m:t>
+                        </m:r>
+                        <m:sSubSup>
+                          <m:sSubSupPr>
+                            <m:ctrlPr>
+                              <a:rPr lang="en-US" sz="1600" b="0" i="1">
+                                <a:solidFill>
+                                  <a:schemeClr val="tx1"/>
+                                </a:solidFill>
+                                <a:latin typeface="Cambria Math" panose="02040503050406030204" pitchFamily="18" charset="0"/>
+                              </a:rPr>
+                            </m:ctrlPr>
+                          </m:sSubSupPr>
+                          <m:e>
+                            <m:r>
+                              <a:rPr lang="en-US" sz="1600" b="0" i="1">
+                                <a:solidFill>
+                                  <a:schemeClr val="tx1"/>
+                                </a:solidFill>
+                                <a:latin typeface="Cambria Math" panose="02040503050406030204" pitchFamily="18" charset="0"/>
+                              </a:rPr>
+                              <m:t>𝜂</m:t>
+                            </m:r>
+                          </m:e>
+                          <m:sub>
+                            <m:r>
+                              <a:rPr lang="en-US" sz="1600" b="0" i="1">
+                                <a:solidFill>
+                                  <a:schemeClr val="tx1"/>
+                                </a:solidFill>
+                                <a:latin typeface="Cambria Math" panose="02040503050406030204" pitchFamily="18" charset="0"/>
+                              </a:rPr>
+                              <m:t>𝑠</m:t>
+                            </m:r>
+                          </m:sub>
+                          <m:sup>
+                            <m:r>
+                              <a:rPr lang="en-US" sz="1600" b="0" i="1">
+                                <a:solidFill>
+                                  <a:schemeClr val="tx1"/>
+                                </a:solidFill>
+                                <a:latin typeface="Cambria Math" panose="02040503050406030204" pitchFamily="18" charset="0"/>
+                              </a:rPr>
+                              <m:t>𝑏</m:t>
+                            </m:r>
+                          </m:sup>
+                        </m:sSubSup>
+                      </m:e>
+                    </m:nary>
+                  </m:oMath>
+                </a14:m>
+                <a:r>
+                  <a:rPr lang="en-US" sz="1600" dirty="0">
+                    <a:solidFill>
+                      <a:schemeClr val="tx1"/>
+                    </a:solidFill>
+                  </a:rPr>
+                  <a:t>)</a:t>
+                </a:r>
+              </a:p>
+            </p:txBody>
+          </p:sp>
+        </mc:Choice>
+        <mc:Fallback xmlns="">
+          <p:sp>
+            <p:nvSpPr>
+              <p:cNvPr id="27" name="TextBox 26">
+                <a:extLst>
+                  <a:ext uri="{FF2B5EF4-FFF2-40B4-BE49-F238E27FC236}">
+                    <a16:creationId xmlns:a16="http://schemas.microsoft.com/office/drawing/2014/main" id="{5605ED7F-6387-2045-83E5-64E010C0B73E}"/>
+                  </a:ext>
+                </a:extLst>
+              </p:cNvPr>
+              <p:cNvSpPr txBox="1">
+                <a:spLocks noRot="1" noChangeAspect="1" noMove="1" noResize="1" noEditPoints="1" noAdjustHandles="1" noChangeArrowheads="1" noChangeShapeType="1" noTextEdit="1"/>
+              </p:cNvSpPr>
+              <p:nvPr/>
+            </p:nvSpPr>
+            <p:spPr>
+              <a:xfrm>
+                <a:off x="376814" y="4188820"/>
+                <a:ext cx="5480343" cy="466666"/>
+              </a:xfrm>
+              <a:prstGeom prst="rect">
+                <a:avLst/>
+              </a:prstGeom>
+              <a:blipFill>
+                <a:blip r:embed="rId7"/>
+                <a:stretch>
+                  <a:fillRect t="-68421" b="-110526"/>
+                </a:stretch>
+              </a:blipFill>
+            </p:spPr>
+            <p:txBody>
+              <a:bodyPr/>
+              <a:lstStyle/>
+              <a:p>
+                <a:r>
+                  <a:rPr lang="en-US">
+                    <a:noFill/>
+                  </a:rPr>
+                  <a:t> </a:t>
+                </a:r>
+              </a:p>
+            </p:txBody>
+          </p:sp>
+        </mc:Fallback>
+      </mc:AlternateContent>
+      <p:sp>
+        <p:nvSpPr>
+          <p:cNvPr id="28" name="Subtitle 2">
+            <a:extLst>
+              <a:ext uri="{FF2B5EF4-FFF2-40B4-BE49-F238E27FC236}">
+                <a16:creationId xmlns:a16="http://schemas.microsoft.com/office/drawing/2014/main" id="{A2050577-B14A-3346-A8C8-F7EAE5C0C22D}"/>
+              </a:ext>
+            </a:extLst>
+          </p:cNvPr>
+          <p:cNvSpPr>
+            <a:spLocks noGrp="1"/>
+          </p:cNvSpPr>
+          <p:nvPr>
+            <p:ph type="subTitle" idx="1"/>
+          </p:nvPr>
+        </p:nvSpPr>
+        <p:spPr>
+          <a:xfrm>
+            <a:off x="458395" y="492802"/>
+            <a:ext cx="11087100" cy="493712"/>
+          </a:xfrm>
+        </p:spPr>
+        <p:txBody>
+          <a:bodyPr>
+            <a:normAutofit lnSpcReduction="10000"/>
+          </a:bodyPr>
+          <a:lstStyle/>
+          <a:p>
+            <a:pPr algn="l"/>
+            <a:r>
+              <a:rPr lang="en-US" sz="2800" dirty="0"/>
+              <a:t>3. Methodology and algorithms</a:t>
+            </a:r>
+          </a:p>
+        </p:txBody>
+      </p:sp>
+      <p:sp>
+        <p:nvSpPr>
+          <p:cNvPr id="29" name="Slide Number Placeholder 28">
+            <a:extLst>
+              <a:ext uri="{FF2B5EF4-FFF2-40B4-BE49-F238E27FC236}">
+                <a16:creationId xmlns:a16="http://schemas.microsoft.com/office/drawing/2014/main" id="{5722C15F-0FD5-C64B-9C54-BC2AD14E929E}"/>
+              </a:ext>
+            </a:extLst>
+          </p:cNvPr>
+          <p:cNvSpPr>
+            <a:spLocks noGrp="1"/>
+          </p:cNvSpPr>
+          <p:nvPr>
+            <p:ph type="sldNum" sz="quarter" idx="12"/>
+          </p:nvPr>
+        </p:nvSpPr>
+        <p:spPr/>
+        <p:txBody>
+          <a:bodyPr/>
+          <a:lstStyle/>
+          <a:p>
+            <a:fld id="{837B6784-DA4F-4E23-8F4C-41806829DD81}" type="slidenum">
+              <a:rPr lang="en-US" smtClean="0">
+                <a:solidFill>
+                  <a:schemeClr val="bg1"/>
+                </a:solidFill>
+              </a:rPr>
+              <a:t>8</a:t>
+            </a:fld>
+            <a:endParaRPr lang="en-US" dirty="0">
+              <a:solidFill>
+                <a:schemeClr val="bg1"/>
+              </a:solidFill>
+            </a:endParaRPr>
+          </a:p>
+        </p:txBody>
+      </p:sp>
+    </p:spTree>
+    <p:extLst>
+      <p:ext uri="{BB962C8B-B14F-4D97-AF65-F5344CB8AC3E}">
+        <p14:creationId xmlns:p14="http://schemas.microsoft.com/office/powerpoint/2010/main" val="3818981759"/>
+      </p:ext>
+    </p:extLst>
+  </p:cSld>
+  <p:clrMapOvr>
+    <a:masterClrMapping/>
+  </p:clrMapOvr>
+</p:sld>
+</file>
+
+<file path=ppt/slides/slide9.xml><?xml version="1.0" encoding="utf-8"?>
+<p:sld xmlns:a="http://schemas.openxmlformats.org/drawingml/2006/main" xmlns:r="http://schemas.openxmlformats.org/officeDocument/2006/relationships" xmlns:p="http://schemas.openxmlformats.org/presentationml/2006/main">
+  <p:cSld>
+    <p:spTree>
+      <p:nvGrpSpPr>
+        <p:cNvPr id="1" name=""/>
+        <p:cNvGrpSpPr/>
+        <p:nvPr/>
+      </p:nvGrpSpPr>
+      <p:grpSpPr>
+        <a:xfrm>
+          <a:off x="0" y="0"/>
+          <a:ext cx="0" cy="0"/>
+          <a:chOff x="0" y="0"/>
+          <a:chExt cx="0" cy="0"/>
+        </a:xfrm>
+      </p:grpSpPr>
+      <p:sp>
+        <p:nvSpPr>
+          <p:cNvPr id="4" name="Subtitle 2">
+            <a:extLst>
+              <a:ext uri="{FF2B5EF4-FFF2-40B4-BE49-F238E27FC236}">
+                <a16:creationId xmlns:a16="http://schemas.microsoft.com/office/drawing/2014/main" id="{B4B8C344-B172-9E43-A871-7E8F354FF5DE}"/>
+              </a:ext>
+            </a:extLst>
+          </p:cNvPr>
+          <p:cNvSpPr txBox="1">
+            <a:spLocks/>
+          </p:cNvSpPr>
+          <p:nvPr/>
+        </p:nvSpPr>
+        <p:spPr>
+          <a:xfrm>
+            <a:off x="854500" y="1133551"/>
+            <a:ext cx="10077450" cy="371789"/>
+          </a:xfrm>
+          <a:prstGeom prst="rect">
+            <a:avLst/>
+          </a:prstGeom>
+        </p:spPr>
+        <p:txBody>
+          <a:bodyPr vert="horz" lIns="91440" tIns="45720" rIns="91440" bIns="45720" rtlCol="0">
+            <a:normAutofit/>
+          </a:bodyPr>
+          <a:lstStyle>
+            <a:lvl1pPr marL="0" indent="0" algn="ctr" defTabSz="914400" rtl="0" eaLnBrk="1" latinLnBrk="0" hangingPunct="1">
+              <a:lnSpc>
+                <a:spcPct val="90000"/>
+              </a:lnSpc>
+              <a:spcBef>
+                <a:spcPts val="1000"/>
+              </a:spcBef>
+              <a:buFont typeface="Arial" panose="020B0604020202020204" pitchFamily="34" charset="0"/>
+              <a:buNone/>
+              <a:defRPr sz="2400" kern="1200">
+                <a:solidFill>
+                  <a:schemeClr val="tx1"/>
+                </a:solidFill>
+                <a:latin typeface="+mn-lt"/>
+                <a:ea typeface="+mn-ea"/>
+                <a:cs typeface="+mn-cs"/>
+              </a:defRPr>
+            </a:lvl1pPr>
+            <a:lvl2pPr marL="457200" indent="0" algn="ctr" defTabSz="914400" rtl="0" eaLnBrk="1" latinLnBrk="0" hangingPunct="1">
+              <a:lnSpc>
+                <a:spcPct val="90000"/>
+              </a:lnSpc>
+              <a:spcBef>
+                <a:spcPts val="500"/>
+              </a:spcBef>
+              <a:buFont typeface="Arial" panose="020B0604020202020204" pitchFamily="34" charset="0"/>
+              <a:buNone/>
+              <a:defRPr sz="2000" kern="1200">
+                <a:solidFill>
+                  <a:schemeClr val="tx1"/>
+                </a:solidFill>
+                <a:latin typeface="+mn-lt"/>
+                <a:ea typeface="+mn-ea"/>
+                <a:cs typeface="+mn-cs"/>
+              </a:defRPr>
+            </a:lvl2pPr>
+            <a:lvl3pPr marL="914400" indent="0" algn="ctr" defTabSz="914400" rtl="0" eaLnBrk="1" latinLnBrk="0" hangingPunct="1">
+              <a:lnSpc>
+                <a:spcPct val="90000"/>
+              </a:lnSpc>
+              <a:spcBef>
+                <a:spcPts val="500"/>
+              </a:spcBef>
+              <a:buFont typeface="Arial" panose="020B0604020202020204" pitchFamily="34" charset="0"/>
+              <a:buNone/>
+              <a:defRPr sz="1800" kern="1200">
+                <a:solidFill>
+                  <a:schemeClr val="tx1"/>
+                </a:solidFill>
+                <a:latin typeface="+mn-lt"/>
+                <a:ea typeface="+mn-ea"/>
+                <a:cs typeface="+mn-cs"/>
+              </a:defRPr>
+            </a:lvl3pPr>
+            <a:lvl4pPr marL="1371600" indent="0" algn="ctr" defTabSz="914400" rtl="0" eaLnBrk="1" latinLnBrk="0" hangingPunct="1">
+              <a:lnSpc>
+                <a:spcPct val="90000"/>
+              </a:lnSpc>
+              <a:spcBef>
+                <a:spcPts val="500"/>
+              </a:spcBef>
+              <a:buFont typeface="Arial" panose="020B0604020202020204" pitchFamily="34" charset="0"/>
+              <a:buNone/>
+              <a:defRPr sz="1600" kern="1200">
+                <a:solidFill>
+                  <a:schemeClr val="tx1"/>
+                </a:solidFill>
+                <a:latin typeface="+mn-lt"/>
+                <a:ea typeface="+mn-ea"/>
+                <a:cs typeface="+mn-cs"/>
+              </a:defRPr>
+            </a:lvl4pPr>
+            <a:lvl5pPr marL="1828800" indent="0" algn="ctr" defTabSz="914400" rtl="0" eaLnBrk="1" latinLnBrk="0" hangingPunct="1">
+              <a:lnSpc>
+                <a:spcPct val="90000"/>
+              </a:lnSpc>
+              <a:spcBef>
+                <a:spcPts val="500"/>
+              </a:spcBef>
+              <a:buFont typeface="Arial" panose="020B0604020202020204" pitchFamily="34" charset="0"/>
+              <a:buNone/>
+              <a:defRPr sz="1600" kern="1200">
+                <a:solidFill>
+                  <a:schemeClr val="tx1"/>
+                </a:solidFill>
+                <a:latin typeface="+mn-lt"/>
+                <a:ea typeface="+mn-ea"/>
+                <a:cs typeface="+mn-cs"/>
+              </a:defRPr>
+            </a:lvl5pPr>
+            <a:lvl6pPr marL="2286000" indent="0" algn="ctr" defTabSz="914400" rtl="0" eaLnBrk="1" latinLnBrk="0" hangingPunct="1">
+              <a:lnSpc>
+                <a:spcPct val="90000"/>
+              </a:lnSpc>
+              <a:spcBef>
+                <a:spcPts val="500"/>
+              </a:spcBef>
+              <a:buFont typeface="Arial" panose="020B0604020202020204" pitchFamily="34" charset="0"/>
+              <a:buNone/>
+              <a:defRPr sz="1600" kern="1200">
+                <a:solidFill>
+                  <a:schemeClr val="tx1"/>
+                </a:solidFill>
+                <a:latin typeface="+mn-lt"/>
+                <a:ea typeface="+mn-ea"/>
+                <a:cs typeface="+mn-cs"/>
+              </a:defRPr>
+            </a:lvl6pPr>
+            <a:lvl7pPr marL="2743200" indent="0" algn="ctr" defTabSz="914400" rtl="0" eaLnBrk="1" latinLnBrk="0" hangingPunct="1">
+              <a:lnSpc>
+                <a:spcPct val="90000"/>
+              </a:lnSpc>
+              <a:spcBef>
+                <a:spcPts val="500"/>
+              </a:spcBef>
+              <a:buFont typeface="Arial" panose="020B0604020202020204" pitchFamily="34" charset="0"/>
+              <a:buNone/>
+              <a:defRPr sz="1600" kern="1200">
+                <a:solidFill>
+                  <a:schemeClr val="tx1"/>
+                </a:solidFill>
+                <a:latin typeface="+mn-lt"/>
+                <a:ea typeface="+mn-ea"/>
+                <a:cs typeface="+mn-cs"/>
+              </a:defRPr>
+            </a:lvl7pPr>
+            <a:lvl8pPr marL="3200400" indent="0" algn="ctr" defTabSz="914400" rtl="0" eaLnBrk="1" latinLnBrk="0" hangingPunct="1">
+              <a:lnSpc>
+                <a:spcPct val="90000"/>
+              </a:lnSpc>
+              <a:spcBef>
+                <a:spcPts val="500"/>
+              </a:spcBef>
+              <a:buFont typeface="Arial" panose="020B0604020202020204" pitchFamily="34" charset="0"/>
+              <a:buNone/>
+              <a:defRPr sz="1600" kern="1200">
+                <a:solidFill>
+                  <a:schemeClr val="tx1"/>
+                </a:solidFill>
+                <a:latin typeface="+mn-lt"/>
+                <a:ea typeface="+mn-ea"/>
+                <a:cs typeface="+mn-cs"/>
+              </a:defRPr>
+            </a:lvl8pPr>
+            <a:lvl9pPr marL="3657600" indent="0" algn="ctr" defTabSz="914400" rtl="0" eaLnBrk="1" latinLnBrk="0" hangingPunct="1">
+              <a:lnSpc>
+                <a:spcPct val="90000"/>
+              </a:lnSpc>
+              <a:spcBef>
+                <a:spcPts val="500"/>
+              </a:spcBef>
+              <a:buFont typeface="Arial" panose="020B0604020202020204" pitchFamily="34" charset="0"/>
+              <a:buNone/>
+              <a:defRPr sz="1600" kern="1200">
+                <a:solidFill>
+                  <a:schemeClr val="tx1"/>
+                </a:solidFill>
+                <a:latin typeface="+mn-lt"/>
+                <a:ea typeface="+mn-ea"/>
+                <a:cs typeface="+mn-cs"/>
+              </a:defRPr>
+            </a:lvl9pPr>
+          </a:lstStyle>
+          <a:p>
+            <a:pPr algn="l"/>
+            <a:r>
+              <a:rPr lang="en-US" sz="2000" b="1" dirty="0">
+                <a:latin typeface="Arial" panose="020B0604020202020204" pitchFamily="34" charset="0"/>
+                <a:cs typeface="Arial" panose="020B0604020202020204" pitchFamily="34" charset="0"/>
+              </a:rPr>
+              <a:t>3.4</a:t>
+            </a:r>
+            <a:r>
+              <a:rPr lang="en-US" sz="2000" b="1" dirty="0">
+                <a:effectLst/>
+                <a:latin typeface="Arial" panose="020B0604020202020204" pitchFamily="34" charset="0"/>
+                <a:cs typeface="Arial" panose="020B0604020202020204" pitchFamily="34" charset="0"/>
+              </a:rPr>
+              <a:t> Flow chart of the implementation</a:t>
+            </a:r>
+          </a:p>
+          <a:p>
+            <a:pPr algn="l"/>
+            <a:endParaRPr lang="en-US" sz="1800" b="0" i="0" dirty="0">
+              <a:effectLst/>
+              <a:latin typeface="Arial" panose="020B0604020202020204" pitchFamily="34" charset="0"/>
+              <a:cs typeface="Arial" panose="020B0604020202020204" pitchFamily="34" charset="0"/>
+            </a:endParaRPr>
+          </a:p>
+          <a:p>
+            <a:pPr algn="l"/>
+            <a:endParaRPr lang="en-US" sz="1800" dirty="0">
+              <a:latin typeface="Arial" panose="020B0604020202020204" pitchFamily="34" charset="0"/>
+              <a:cs typeface="Arial" panose="020B0604020202020204" pitchFamily="34" charset="0"/>
+            </a:endParaRPr>
+          </a:p>
+        </p:txBody>
+      </p:sp>
+      <p:sp>
+        <p:nvSpPr>
+          <p:cNvPr id="28" name="Subtitle 2">
+            <a:extLst>
+              <a:ext uri="{FF2B5EF4-FFF2-40B4-BE49-F238E27FC236}">
+                <a16:creationId xmlns:a16="http://schemas.microsoft.com/office/drawing/2014/main" id="{A2050577-B14A-3346-A8C8-F7EAE5C0C22D}"/>
+              </a:ext>
+            </a:extLst>
+          </p:cNvPr>
+          <p:cNvSpPr>
+            <a:spLocks noGrp="1"/>
+          </p:cNvSpPr>
+          <p:nvPr>
+            <p:ph type="subTitle" idx="1"/>
+          </p:nvPr>
+        </p:nvSpPr>
+        <p:spPr>
+          <a:xfrm>
+            <a:off x="458395" y="492802"/>
+            <a:ext cx="11087100" cy="493712"/>
+          </a:xfrm>
+        </p:spPr>
+        <p:txBody>
+          <a:bodyPr>
+            <a:normAutofit lnSpcReduction="10000"/>
+          </a:bodyPr>
+          <a:lstStyle/>
+          <a:p>
+            <a:pPr algn="l"/>
+            <a:r>
+              <a:rPr lang="en-US" sz="2800" dirty="0"/>
+              <a:t>3. Methodology and algorithms</a:t>
+            </a:r>
+          </a:p>
+        </p:txBody>
+      </p:sp>
+      <p:sp>
+        <p:nvSpPr>
+          <p:cNvPr id="29" name="Slide Number Placeholder 28">
+            <a:extLst>
+              <a:ext uri="{FF2B5EF4-FFF2-40B4-BE49-F238E27FC236}">
+                <a16:creationId xmlns:a16="http://schemas.microsoft.com/office/drawing/2014/main" id="{5722C15F-0FD5-C64B-9C54-BC2AD14E929E}"/>
+              </a:ext>
+            </a:extLst>
+          </p:cNvPr>
+          <p:cNvSpPr>
+            <a:spLocks noGrp="1"/>
+          </p:cNvSpPr>
+          <p:nvPr>
+            <p:ph type="sldNum" sz="quarter" idx="12"/>
+          </p:nvPr>
+        </p:nvSpPr>
+        <p:spPr/>
+        <p:txBody>
+          <a:bodyPr/>
+          <a:lstStyle/>
+          <a:p>
+            <a:fld id="{837B6784-DA4F-4E23-8F4C-41806829DD81}" type="slidenum">
+              <a:rPr lang="en-US" smtClean="0">
+                <a:solidFill>
+                  <a:schemeClr val="bg1"/>
+                </a:solidFill>
+              </a:rPr>
               <a:t>9</a:t>
             </a:fld>
             <a:endParaRPr lang="en-US" dirty="0">
@@ -21487,10 +21190,46 @@
           </a:p>
         </p:txBody>
       </p:sp>
+      <p:pic>
+        <p:nvPicPr>
+          <p:cNvPr id="3" name="Picture 2">
+            <a:extLst>
+              <a:ext uri="{FF2B5EF4-FFF2-40B4-BE49-F238E27FC236}">
+                <a16:creationId xmlns:a16="http://schemas.microsoft.com/office/drawing/2014/main" id="{9099684B-D4A6-3740-874C-1BFA37984501}"/>
+              </a:ext>
+            </a:extLst>
+          </p:cNvPr>
+          <p:cNvPicPr>
+            <a:picLocks noChangeAspect="1"/>
+          </p:cNvPicPr>
+          <p:nvPr/>
+        </p:nvPicPr>
+        <p:blipFill>
+          <a:blip r:embed="rId2">
+            <a:extLst>
+              <a:ext uri="{28A0092B-C50C-407E-A947-70E740481C1C}">
+                <a14:useLocalDpi xmlns:a14="http://schemas.microsoft.com/office/drawing/2010/main" val="0"/>
+              </a:ext>
+            </a:extLst>
+          </a:blip>
+          <a:stretch>
+            <a:fillRect/>
+          </a:stretch>
+        </p:blipFill>
+        <p:spPr>
+          <a:xfrm>
+            <a:off x="854500" y="1652377"/>
+            <a:ext cx="10412376" cy="4432834"/>
+          </a:xfrm>
+          <a:prstGeom prst="rect">
+            <a:avLst/>
+          </a:prstGeom>
+        </p:spPr>
+      </p:pic>
     </p:spTree>
     <p:extLst>
       <p:ext uri="{BB962C8B-B14F-4D97-AF65-F5344CB8AC3E}">
-        <p14:creationId xmlns:p14="http://schemas.microsoft.com/office/powerpoint/2010/main" val="2510074742"/>
+        <p14:creationId xmlns:p14="http://schemas.microsoft.com/office/powerpoint/2010/main" val="3357417290"/>
       </p:ext>
     </p:extLst>
   </p:cSld>
